--- a/asset/Learn_ja/ITA-CICD_for_IaC_practice_ja.pptx
+++ b/asset/Learn_ja/ITA-CICD_for_IaC_practice_ja.pptx
@@ -322,7 +322,7 @@
               <a:rPr kumimoji="1" lang="ja-JP" altLang="en-US" smtClean="0">
                 <a:ea typeface="メイリオ" panose="020B0604030504040204" pitchFamily="50" charset="-128"/>
               </a:rPr>
-              <a:t>2021/9/22</a:t>
+              <a:t>2021/10/1</a:t>
             </a:fld>
             <a:endParaRPr kumimoji="1" lang="ja-JP" altLang="en-US" dirty="0">
               <a:ea typeface="メイリオ" panose="020B0604030504040204" pitchFamily="50" charset="-128"/>
@@ -468,7 +468,7 @@
             <a:fld id="{4B26993D-C081-44EB-B0F5-A9F467792B62}" type="datetimeFigureOut">
               <a:rPr lang="ja-JP" altLang="en-US" smtClean="0"/>
               <a:pPr/>
-              <a:t>2021/9/22</a:t>
+              <a:t>2021/10/1</a:t>
             </a:fld>
             <a:endParaRPr lang="ja-JP" altLang="en-US" dirty="0"/>
           </a:p>
@@ -1072,7 +1072,7 @@
           <a:p>
             <a:fld id="{56F9016B-CCA6-43BE-8BEE-59565A35F4F7}" type="datetimeFigureOut">
               <a:rPr kumimoji="1" lang="ja-JP" altLang="en-US" smtClean="0"/>
-              <a:t>2021/9/22</a:t>
+              <a:t>2021/10/1</a:t>
             </a:fld>
             <a:endParaRPr kumimoji="1" lang="ja-JP" altLang="en-US"/>
           </a:p>
@@ -1272,7 +1272,7 @@
           <a:p>
             <a:fld id="{56F9016B-CCA6-43BE-8BEE-59565A35F4F7}" type="datetimeFigureOut">
               <a:rPr kumimoji="1" lang="ja-JP" altLang="en-US" smtClean="0"/>
-              <a:t>2021/9/22</a:t>
+              <a:t>2021/10/1</a:t>
             </a:fld>
             <a:endParaRPr kumimoji="1" lang="ja-JP" altLang="en-US"/>
           </a:p>
@@ -1517,7 +1517,7 @@
           <a:p>
             <a:fld id="{56F9016B-CCA6-43BE-8BEE-59565A35F4F7}" type="datetimeFigureOut">
               <a:rPr kumimoji="1" lang="ja-JP" altLang="en-US" smtClean="0"/>
-              <a:t>2021/9/22</a:t>
+              <a:t>2021/10/1</a:t>
             </a:fld>
             <a:endParaRPr kumimoji="1" lang="ja-JP" altLang="en-US"/>
           </a:p>
@@ -1810,7 +1810,7 @@
           <a:p>
             <a:fld id="{56F9016B-CCA6-43BE-8BEE-59565A35F4F7}" type="datetimeFigureOut">
               <a:rPr kumimoji="1" lang="ja-JP" altLang="en-US" smtClean="0"/>
-              <a:t>2021/9/22</a:t>
+              <a:t>2021/10/1</a:t>
             </a:fld>
             <a:endParaRPr kumimoji="1" lang="ja-JP" altLang="en-US"/>
           </a:p>
@@ -2238,7 +2238,7 @@
           <a:p>
             <a:fld id="{56F9016B-CCA6-43BE-8BEE-59565A35F4F7}" type="datetimeFigureOut">
               <a:rPr kumimoji="1" lang="ja-JP" altLang="en-US" smtClean="0"/>
-              <a:t>2021/9/22</a:t>
+              <a:t>2021/10/1</a:t>
             </a:fld>
             <a:endParaRPr kumimoji="1" lang="ja-JP" altLang="en-US"/>
           </a:p>
@@ -2355,7 +2355,7 @@
           <a:p>
             <a:fld id="{56F9016B-CCA6-43BE-8BEE-59565A35F4F7}" type="datetimeFigureOut">
               <a:rPr kumimoji="1" lang="ja-JP" altLang="en-US" smtClean="0"/>
-              <a:t>2021/9/22</a:t>
+              <a:t>2021/10/1</a:t>
             </a:fld>
             <a:endParaRPr kumimoji="1" lang="ja-JP" altLang="en-US"/>
           </a:p>
@@ -2450,7 +2450,7 @@
           <a:p>
             <a:fld id="{56F9016B-CCA6-43BE-8BEE-59565A35F4F7}" type="datetimeFigureOut">
               <a:rPr kumimoji="1" lang="ja-JP" altLang="en-US" smtClean="0"/>
-              <a:t>2021/9/22</a:t>
+              <a:t>2021/10/1</a:t>
             </a:fld>
             <a:endParaRPr kumimoji="1" lang="ja-JP" altLang="en-US"/>
           </a:p>
@@ -2757,7 +2757,7 @@
           <a:p>
             <a:fld id="{56F9016B-CCA6-43BE-8BEE-59565A35F4F7}" type="datetimeFigureOut">
               <a:rPr kumimoji="1" lang="ja-JP" altLang="en-US" smtClean="0"/>
-              <a:t>2021/9/22</a:t>
+              <a:t>2021/10/1</a:t>
             </a:fld>
             <a:endParaRPr kumimoji="1" lang="ja-JP" altLang="en-US"/>
           </a:p>
@@ -3009,7 +3009,7 @@
           <a:p>
             <a:fld id="{56F9016B-CCA6-43BE-8BEE-59565A35F4F7}" type="datetimeFigureOut">
               <a:rPr kumimoji="1" lang="ja-JP" altLang="en-US" smtClean="0"/>
-              <a:t>2021/9/22</a:t>
+              <a:t>2021/10/1</a:t>
             </a:fld>
             <a:endParaRPr kumimoji="1" lang="ja-JP" altLang="en-US"/>
           </a:p>
@@ -3276,7 +3276,7 @@
           <a:p>
             <a:fld id="{56F9016B-CCA6-43BE-8BEE-59565A35F4F7}" type="datetimeFigureOut">
               <a:rPr kumimoji="1" lang="ja-JP" altLang="en-US" smtClean="0"/>
-              <a:t>2021/9/22</a:t>
+              <a:t>2021/10/1</a:t>
             </a:fld>
             <a:endParaRPr kumimoji="1" lang="ja-JP" altLang="en-US"/>
           </a:p>
@@ -3486,7 +3486,7 @@
           <a:p>
             <a:fld id="{56F9016B-CCA6-43BE-8BEE-59565A35F4F7}" type="datetimeFigureOut">
               <a:rPr kumimoji="1" lang="ja-JP" altLang="en-US" smtClean="0"/>
-              <a:t>2021/9/22</a:t>
+              <a:t>2021/10/1</a:t>
             </a:fld>
             <a:endParaRPr kumimoji="1" lang="ja-JP" altLang="en-US"/>
           </a:p>
@@ -6478,7 +6478,7 @@
           <a:p>
             <a:fld id="{56F9016B-CCA6-43BE-8BEE-59565A35F4F7}" type="datetimeFigureOut">
               <a:rPr kumimoji="1" lang="ja-JP" altLang="en-US" smtClean="0"/>
-              <a:t>2021/9/22</a:t>
+              <a:t>2021/10/1</a:t>
             </a:fld>
             <a:endParaRPr kumimoji="1" lang="ja-JP" altLang="en-US"/>
           </a:p>
@@ -7111,8 +7111,8 @@
               <a:t>【</a:t>
             </a:r>
             <a:r>
-              <a:rPr lang="ja-JP" altLang="en-US" sz="4800" b="1" dirty="0"/>
-              <a:t>実習</a:t>
+              <a:rPr lang="ja-JP" altLang="en-US" sz="4800" b="1" dirty="0" smtClean="0"/>
+              <a:t>実習編</a:t>
             </a:r>
             <a:r>
               <a:rPr lang="en-US" altLang="ja-JP" sz="4800" b="1" dirty="0" smtClean="0"/>
@@ -7647,11 +7647,7 @@
             </a:r>
             <a:r>
               <a:rPr lang="ja-JP" altLang="en-US" dirty="0" smtClean="0"/>
-              <a:t>入力し「登録」</a:t>
-            </a:r>
-            <a:r>
-              <a:rPr lang="ja-JP" altLang="en-US" dirty="0" smtClean="0"/>
-              <a:t>をクリックして下さい。</a:t>
+              <a:t>入力し「登録」をクリックして下さい。</a:t>
             </a:r>
             <a:endParaRPr lang="en-US" altLang="ja-JP" dirty="0" smtClean="0"/>
           </a:p>
@@ -7969,12 +7965,6 @@
                         </a:rPr>
                         <a:t>リモートリポジトリ名</a:t>
                       </a:r>
-                      <a:endParaRPr kumimoji="1" lang="ja-JP" altLang="en-US" sz="1200" dirty="0" smtClean="0">
-                        <a:solidFill>
-                          <a:schemeClr val="bg1"/>
-                        </a:solidFill>
-                        <a:latin typeface="+mn-lt"/>
-                      </a:endParaRPr>
                     </a:p>
                   </a:txBody>
                   <a:tcPr>
@@ -8140,12 +8130,6 @@
                         </a:rPr>
                         <a:t>プロトコル</a:t>
                       </a:r>
-                      <a:endParaRPr kumimoji="1" lang="ja-JP" altLang="en-US" sz="1200" dirty="0" smtClean="0">
-                        <a:solidFill>
-                          <a:schemeClr val="bg1"/>
-                        </a:solidFill>
-                        <a:latin typeface="+mn-lt"/>
-                      </a:endParaRPr>
                     </a:p>
                   </a:txBody>
                   <a:tcPr>
@@ -8804,12 +8788,6 @@
                         </a:rPr>
                         <a:t>有効</a:t>
                       </a:r>
-                      <a:endParaRPr kumimoji="1" lang="ja-JP" altLang="en-US" sz="1200" b="0" dirty="0" smtClean="0">
-                        <a:solidFill>
-                          <a:schemeClr val="tx1"/>
-                        </a:solidFill>
-                        <a:latin typeface="+mn-lt"/>
-                      </a:endParaRPr>
                     </a:p>
                   </a:txBody>
                   <a:tcPr>
@@ -8942,11 +8920,7 @@
             </a:r>
             <a:r>
               <a:rPr lang="ja-JP" altLang="en-US" sz="1600" b="1" dirty="0" smtClean="0"/>
-              <a:t>する</a:t>
-            </a:r>
-            <a:r>
-              <a:rPr lang="ja-JP" altLang="en-US" sz="1600" b="1" dirty="0" smtClean="0"/>
-              <a:t>た</a:t>
+              <a:t>するた</a:t>
             </a:r>
             <a:r>
               <a:rPr lang="ja-JP" altLang="en-US" sz="1600" b="1" dirty="0"/>
@@ -11010,12 +10984,6 @@
                         </a:rPr>
                         <a:t>素材集</a:t>
                       </a:r>
-                      <a:endParaRPr kumimoji="1" lang="ja-JP" altLang="en-US" sz="1200" b="0" dirty="0" smtClean="0">
-                        <a:solidFill>
-                          <a:schemeClr val="tx1"/>
-                        </a:solidFill>
-                        <a:latin typeface="+mn-lt"/>
-                      </a:endParaRPr>
                     </a:p>
                   </a:txBody>
                   <a:tcPr>
@@ -11172,12 +11140,6 @@
                         </a:rPr>
                         <a:t>有効</a:t>
                       </a:r>
-                      <a:endParaRPr kumimoji="1" lang="ja-JP" altLang="en-US" sz="1200" b="0" dirty="0" smtClean="0">
-                        <a:solidFill>
-                          <a:schemeClr val="tx1"/>
-                        </a:solidFill>
-                        <a:latin typeface="+mn-lt"/>
-                      </a:endParaRPr>
                     </a:p>
                   </a:txBody>
                   <a:tcPr>
@@ -11967,12 +11929,6 @@
                         </a:rPr>
                         <a:t>パッケージインストール</a:t>
                       </a:r>
-                      <a:endParaRPr kumimoji="1" lang="ja-JP" altLang="en-US" sz="1200" b="0" dirty="0" smtClean="0">
-                        <a:solidFill>
-                          <a:schemeClr val="tx1"/>
-                        </a:solidFill>
-                        <a:latin typeface="+mn-lt"/>
-                      </a:endParaRPr>
                     </a:p>
                   </a:txBody>
                   <a:tcPr>
@@ -12306,11 +12262,7 @@
             </a:r>
             <a:r>
               <a:rPr kumimoji="1" lang="ja-JP" altLang="en-US" dirty="0" smtClean="0"/>
-              <a:t>ドライランで</a:t>
-            </a:r>
-            <a:r>
-              <a:rPr kumimoji="1" lang="ja-JP" altLang="en-US" dirty="0" smtClean="0"/>
-              <a:t>実行確認</a:t>
+              <a:t>ドライランで実行確認</a:t>
             </a:r>
             <a:r>
               <a:rPr lang="en-US" altLang="ja-JP" dirty="0" smtClean="0"/>
@@ -12573,11 +12525,7 @@
             </a:r>
             <a:r>
               <a:rPr kumimoji="1" lang="ja-JP" altLang="en-US" dirty="0" smtClean="0"/>
-              <a:t>ドライランで</a:t>
-            </a:r>
-            <a:r>
-              <a:rPr kumimoji="1" lang="ja-JP" altLang="en-US" dirty="0" smtClean="0"/>
-              <a:t>実行確認</a:t>
+              <a:t>ドライランで実行確認</a:t>
             </a:r>
             <a:r>
               <a:rPr lang="en-US" altLang="ja-JP" dirty="0" smtClean="0"/>
@@ -18076,11 +18024,7 @@
           <a:p>
             <a:r>
               <a:rPr kumimoji="1" lang="ja-JP" altLang="en-US" b="1" dirty="0" smtClean="0"/>
-              <a:t>シナリオに</a:t>
-            </a:r>
-            <a:r>
-              <a:rPr kumimoji="1" lang="ja-JP" altLang="en-US" b="1" dirty="0" smtClean="0"/>
-              <a:t>ついて</a:t>
+              <a:t>シナリオについて</a:t>
             </a:r>
             <a:endParaRPr kumimoji="1" lang="en-US" altLang="ja-JP" b="1" dirty="0" smtClean="0"/>
           </a:p>
@@ -20012,15 +19956,7 @@
                   <a:srgbClr val="FF0000"/>
                 </a:solidFill>
               </a:rPr>
-              <a:t>いただくため</a:t>
-            </a:r>
-            <a:r>
-              <a:rPr lang="ja-JP" altLang="en-US" sz="1600" dirty="0" smtClean="0">
-                <a:solidFill>
-                  <a:srgbClr val="FF0000"/>
-                </a:solidFill>
-              </a:rPr>
-              <a:t>に今回は</a:t>
+              <a:t>いただくために今回は</a:t>
             </a:r>
             <a:endParaRPr lang="en-US" altLang="ja-JP" sz="1600" dirty="0" smtClean="0">
               <a:solidFill>

--- a/asset/Learn_ja/ITA-CICD_for_IaC_practice_ja.pptx
+++ b/asset/Learn_ja/ITA-CICD_for_IaC_practice_ja.pptx
@@ -322,7 +322,7 @@
               <a:rPr kumimoji="1" lang="ja-JP" altLang="en-US" smtClean="0">
                 <a:ea typeface="メイリオ" panose="020B0604030504040204" pitchFamily="50" charset="-128"/>
               </a:rPr>
-              <a:t>2021/10/1</a:t>
+              <a:t>2022/1/18</a:t>
             </a:fld>
             <a:endParaRPr kumimoji="1" lang="ja-JP" altLang="en-US" dirty="0">
               <a:ea typeface="メイリオ" panose="020B0604030504040204" pitchFamily="50" charset="-128"/>
@@ -468,7 +468,7 @@
             <a:fld id="{4B26993D-C081-44EB-B0F5-A9F467792B62}" type="datetimeFigureOut">
               <a:rPr lang="ja-JP" altLang="en-US" smtClean="0"/>
               <a:pPr/>
-              <a:t>2021/10/1</a:t>
+              <a:t>2022/1/18</a:t>
             </a:fld>
             <a:endParaRPr lang="ja-JP" altLang="en-US" dirty="0"/>
           </a:p>
@@ -1072,7 +1072,7 @@
           <a:p>
             <a:fld id="{56F9016B-CCA6-43BE-8BEE-59565A35F4F7}" type="datetimeFigureOut">
               <a:rPr kumimoji="1" lang="ja-JP" altLang="en-US" smtClean="0"/>
-              <a:t>2021/10/1</a:t>
+              <a:t>2022/1/18</a:t>
             </a:fld>
             <a:endParaRPr kumimoji="1" lang="ja-JP" altLang="en-US"/>
           </a:p>
@@ -1272,7 +1272,7 @@
           <a:p>
             <a:fld id="{56F9016B-CCA6-43BE-8BEE-59565A35F4F7}" type="datetimeFigureOut">
               <a:rPr kumimoji="1" lang="ja-JP" altLang="en-US" smtClean="0"/>
-              <a:t>2021/10/1</a:t>
+              <a:t>2022/1/18</a:t>
             </a:fld>
             <a:endParaRPr kumimoji="1" lang="ja-JP" altLang="en-US"/>
           </a:p>
@@ -1517,7 +1517,7 @@
           <a:p>
             <a:fld id="{56F9016B-CCA6-43BE-8BEE-59565A35F4F7}" type="datetimeFigureOut">
               <a:rPr kumimoji="1" lang="ja-JP" altLang="en-US" smtClean="0"/>
-              <a:t>2021/10/1</a:t>
+              <a:t>2022/1/18</a:t>
             </a:fld>
             <a:endParaRPr kumimoji="1" lang="ja-JP" altLang="en-US"/>
           </a:p>
@@ -1810,7 +1810,7 @@
           <a:p>
             <a:fld id="{56F9016B-CCA6-43BE-8BEE-59565A35F4F7}" type="datetimeFigureOut">
               <a:rPr kumimoji="1" lang="ja-JP" altLang="en-US" smtClean="0"/>
-              <a:t>2021/10/1</a:t>
+              <a:t>2022/1/18</a:t>
             </a:fld>
             <a:endParaRPr kumimoji="1" lang="ja-JP" altLang="en-US"/>
           </a:p>
@@ -2238,7 +2238,7 @@
           <a:p>
             <a:fld id="{56F9016B-CCA6-43BE-8BEE-59565A35F4F7}" type="datetimeFigureOut">
               <a:rPr kumimoji="1" lang="ja-JP" altLang="en-US" smtClean="0"/>
-              <a:t>2021/10/1</a:t>
+              <a:t>2022/1/18</a:t>
             </a:fld>
             <a:endParaRPr kumimoji="1" lang="ja-JP" altLang="en-US"/>
           </a:p>
@@ -2355,7 +2355,7 @@
           <a:p>
             <a:fld id="{56F9016B-CCA6-43BE-8BEE-59565A35F4F7}" type="datetimeFigureOut">
               <a:rPr kumimoji="1" lang="ja-JP" altLang="en-US" smtClean="0"/>
-              <a:t>2021/10/1</a:t>
+              <a:t>2022/1/18</a:t>
             </a:fld>
             <a:endParaRPr kumimoji="1" lang="ja-JP" altLang="en-US"/>
           </a:p>
@@ -2450,7 +2450,7 @@
           <a:p>
             <a:fld id="{56F9016B-CCA6-43BE-8BEE-59565A35F4F7}" type="datetimeFigureOut">
               <a:rPr kumimoji="1" lang="ja-JP" altLang="en-US" smtClean="0"/>
-              <a:t>2021/10/1</a:t>
+              <a:t>2022/1/18</a:t>
             </a:fld>
             <a:endParaRPr kumimoji="1" lang="ja-JP" altLang="en-US"/>
           </a:p>
@@ -2757,7 +2757,7 @@
           <a:p>
             <a:fld id="{56F9016B-CCA6-43BE-8BEE-59565A35F4F7}" type="datetimeFigureOut">
               <a:rPr kumimoji="1" lang="ja-JP" altLang="en-US" smtClean="0"/>
-              <a:t>2021/10/1</a:t>
+              <a:t>2022/1/18</a:t>
             </a:fld>
             <a:endParaRPr kumimoji="1" lang="ja-JP" altLang="en-US"/>
           </a:p>
@@ -3009,7 +3009,7 @@
           <a:p>
             <a:fld id="{56F9016B-CCA6-43BE-8BEE-59565A35F4F7}" type="datetimeFigureOut">
               <a:rPr kumimoji="1" lang="ja-JP" altLang="en-US" smtClean="0"/>
-              <a:t>2021/10/1</a:t>
+              <a:t>2022/1/18</a:t>
             </a:fld>
             <a:endParaRPr kumimoji="1" lang="ja-JP" altLang="en-US"/>
           </a:p>
@@ -3276,7 +3276,7 @@
           <a:p>
             <a:fld id="{56F9016B-CCA6-43BE-8BEE-59565A35F4F7}" type="datetimeFigureOut">
               <a:rPr kumimoji="1" lang="ja-JP" altLang="en-US" smtClean="0"/>
-              <a:t>2021/10/1</a:t>
+              <a:t>2022/1/18</a:t>
             </a:fld>
             <a:endParaRPr kumimoji="1" lang="ja-JP" altLang="en-US"/>
           </a:p>
@@ -3486,7 +3486,7 @@
           <a:p>
             <a:fld id="{56F9016B-CCA6-43BE-8BEE-59565A35F4F7}" type="datetimeFigureOut">
               <a:rPr kumimoji="1" lang="ja-JP" altLang="en-US" smtClean="0"/>
-              <a:t>2021/10/1</a:t>
+              <a:t>2022/1/18</a:t>
             </a:fld>
             <a:endParaRPr kumimoji="1" lang="ja-JP" altLang="en-US"/>
           </a:p>
@@ -6478,7 +6478,7 @@
           <a:p>
             <a:fld id="{56F9016B-CCA6-43BE-8BEE-59565A35F4F7}" type="datetimeFigureOut">
               <a:rPr kumimoji="1" lang="ja-JP" altLang="en-US" smtClean="0"/>
-              <a:t>2021/10/1</a:t>
+              <a:t>2022/1/18</a:t>
             </a:fld>
             <a:endParaRPr kumimoji="1" lang="ja-JP" altLang="en-US"/>
           </a:p>
@@ -6913,7 +6913,7 @@
             </a:r>
             <a:r>
               <a:rPr lang="en-US" altLang="ja-JP" dirty="0" smtClean="0"/>
-              <a:t>1.8</a:t>
+              <a:t>1.9</a:t>
             </a:r>
             <a:endParaRPr lang="en-US" altLang="ja-JP" dirty="0"/>
           </a:p>
@@ -7553,6 +7553,30 @@
           <a:chExt cx="0" cy="0"/>
         </a:xfrm>
       </p:grpSpPr>
+      <p:pic>
+        <p:nvPicPr>
+          <p:cNvPr id="12" name="図 11"/>
+          <p:cNvPicPr>
+            <a:picLocks noChangeAspect="1"/>
+          </p:cNvPicPr>
+          <p:nvPr/>
+        </p:nvPicPr>
+        <p:blipFill>
+          <a:blip r:embed="rId2"/>
+          <a:stretch>
+            <a:fillRect/>
+          </a:stretch>
+        </p:blipFill>
+        <p:spPr>
+          <a:xfrm>
+            <a:off x="296569" y="2030163"/>
+            <a:ext cx="8549887" cy="3384330"/>
+          </a:xfrm>
+          <a:prstGeom prst="rect">
+            <a:avLst/>
+          </a:prstGeom>
+        </p:spPr>
+      </p:pic>
       <p:sp>
         <p:nvSpPr>
           <p:cNvPr id="3" name="コンテンツ プレースホルダー 2"/>
@@ -7688,30 +7712,6 @@
           </a:p>
         </p:txBody>
       </p:sp>
-      <p:pic>
-        <p:nvPicPr>
-          <p:cNvPr id="4" name="図 3"/>
-          <p:cNvPicPr>
-            <a:picLocks noChangeAspect="1"/>
-          </p:cNvPicPr>
-          <p:nvPr/>
-        </p:nvPicPr>
-        <p:blipFill>
-          <a:blip r:embed="rId2"/>
-          <a:stretch>
-            <a:fillRect/>
-          </a:stretch>
-        </p:blipFill>
-        <p:spPr>
-          <a:xfrm>
-            <a:off x="256626" y="2022373"/>
-            <a:ext cx="8591939" cy="3342216"/>
-          </a:xfrm>
-          <a:prstGeom prst="rect">
-            <a:avLst/>
-          </a:prstGeom>
-        </p:spPr>
-      </p:pic>
       <p:sp>
         <p:nvSpPr>
           <p:cNvPr id="5" name="角丸四角形吹き出し 4"/>
@@ -7720,8 +7720,8 @@
         </p:nvSpPr>
         <p:spPr bwMode="auto">
           <a:xfrm>
-            <a:off x="191428" y="5447887"/>
-            <a:ext cx="8784000" cy="1077542"/>
+            <a:off x="179513" y="5414493"/>
+            <a:ext cx="8784000" cy="1074478"/>
           </a:xfrm>
           <a:prstGeom prst="wedgeRoundRectCallout">
             <a:avLst>
@@ -7852,8 +7852,8 @@
         </p:nvSpPr>
         <p:spPr bwMode="auto">
           <a:xfrm>
-            <a:off x="2750730" y="4954063"/>
-            <a:ext cx="1296180" cy="297687"/>
+            <a:off x="2771750" y="4941210"/>
+            <a:ext cx="1296180" cy="344383"/>
           </a:xfrm>
           <a:prstGeom prst="roundRect">
             <a:avLst>
@@ -7897,7 +7897,7 @@
           <p:nvPr>
             <p:extLst>
               <p:ext uri="{D42A27DB-BD31-4B8C-83A1-F6EECF244321}">
-                <p14:modId xmlns:p14="http://schemas.microsoft.com/office/powerpoint/2010/main" val="1423295196"/>
+                <p14:modId xmlns:p14="http://schemas.microsoft.com/office/powerpoint/2010/main" val="3988829153"/>
               </p:ext>
             </p:extLst>
           </p:nvPr>
@@ -8435,7 +8435,7 @@
                           </a:solidFill>
                           <a:latin typeface="+mn-lt"/>
                         </a:rPr>
-                        <a:t>事前準備で用意したでリポジトリ名</a:t>
+                        <a:t>事前準備で用意したリポジトリ名</a:t>
                       </a:r>
                       <a:r>
                         <a:rPr kumimoji="1" lang="en-US" altLang="ja-JP" sz="1200" b="0" dirty="0" smtClean="0">
@@ -15499,7 +15499,7 @@
                   <a:schemeClr val="bg1"/>
                 </a:solidFill>
               </a:rPr>
-              <a:t>1.8</a:t>
+              <a:t>1.9</a:t>
             </a:r>
             <a:endParaRPr kumimoji="1" lang="ja-JP" altLang="en-US" sz="1100" b="1" dirty="0">
               <a:solidFill>
@@ -16347,7 +16347,7 @@
             </a:r>
             <a:r>
               <a:rPr lang="en-US" altLang="ja-JP" dirty="0" smtClean="0"/>
-              <a:t>1.8</a:t>
+              <a:t>1.9</a:t>
             </a:r>
             <a:endParaRPr lang="en-US" altLang="ja-JP" dirty="0"/>
           </a:p>

--- a/asset/Learn_ja/ITA-CICD_for_IaC_practice_ja.pptx
+++ b/asset/Learn_ja/ITA-CICD_for_IaC_practice_ja.pptx
@@ -322,7 +322,7 @@
               <a:rPr kumimoji="1" lang="ja-JP" altLang="en-US" smtClean="0">
                 <a:ea typeface="メイリオ" panose="020B0604030504040204" pitchFamily="50" charset="-128"/>
               </a:rPr>
-              <a:t>2022/1/18</a:t>
+              <a:t>2022/5/26</a:t>
             </a:fld>
             <a:endParaRPr kumimoji="1" lang="ja-JP" altLang="en-US" dirty="0">
               <a:ea typeface="メイリオ" panose="020B0604030504040204" pitchFamily="50" charset="-128"/>
@@ -468,7 +468,7 @@
             <a:fld id="{4B26993D-C081-44EB-B0F5-A9F467792B62}" type="datetimeFigureOut">
               <a:rPr lang="ja-JP" altLang="en-US" smtClean="0"/>
               <a:pPr/>
-              <a:t>2022/1/18</a:t>
+              <a:t>2022/5/26</a:t>
             </a:fld>
             <a:endParaRPr lang="ja-JP" altLang="en-US" dirty="0"/>
           </a:p>
@@ -678,6 +678,394 @@
     </a:lvl9pPr>
   </p:notesStyle>
 </p:notesMaster>
+</file>
+
+<file path=ppt/notesSlides/notesSlide1.xml><?xml version="1.0" encoding="utf-8"?>
+<p:notes xmlns:a="http://schemas.openxmlformats.org/drawingml/2006/main" xmlns:r="http://schemas.openxmlformats.org/officeDocument/2006/relationships" xmlns:p="http://schemas.openxmlformats.org/presentationml/2006/main">
+  <p:cSld>
+    <p:spTree>
+      <p:nvGrpSpPr>
+        <p:cNvPr id="1" name=""/>
+        <p:cNvGrpSpPr/>
+        <p:nvPr/>
+      </p:nvGrpSpPr>
+      <p:grpSpPr>
+        <a:xfrm>
+          <a:off x="0" y="0"/>
+          <a:ext cx="0" cy="0"/>
+          <a:chOff x="0" y="0"/>
+          <a:chExt cx="0" cy="0"/>
+        </a:xfrm>
+      </p:grpSpPr>
+      <p:sp>
+        <p:nvSpPr>
+          <p:cNvPr id="2" name="スライド イメージ プレースホルダー 1"/>
+          <p:cNvSpPr>
+            <a:spLocks noGrp="1" noRot="1" noChangeAspect="1"/>
+          </p:cNvSpPr>
+          <p:nvPr>
+            <p:ph type="sldImg"/>
+          </p:nvPr>
+        </p:nvSpPr>
+        <p:spPr>
+          <a:xfrm>
+            <a:off x="920750" y="431800"/>
+            <a:ext cx="4965700" cy="3725863"/>
+          </a:xfrm>
+        </p:spPr>
+      </p:sp>
+      <p:sp>
+        <p:nvSpPr>
+          <p:cNvPr id="3" name="ノート プレースホルダー 2"/>
+          <p:cNvSpPr>
+            <a:spLocks noGrp="1"/>
+          </p:cNvSpPr>
+          <p:nvPr>
+            <p:ph type="body" idx="1"/>
+          </p:nvPr>
+        </p:nvSpPr>
+        <p:spPr/>
+        <p:txBody>
+          <a:bodyPr/>
+          <a:lstStyle/>
+          <a:p>
+            <a:pPr marL="0" marR="0" lvl="0" indent="0" algn="l" defTabSz="914400" rtl="0" eaLnBrk="1" fontAlgn="auto" latinLnBrk="0" hangingPunct="1">
+              <a:lnSpc>
+                <a:spcPct val="100000"/>
+              </a:lnSpc>
+              <a:spcBef>
+                <a:spcPts val="0"/>
+              </a:spcBef>
+              <a:spcAft>
+                <a:spcPts val="0"/>
+              </a:spcAft>
+              <a:buClrTx/>
+              <a:buSzTx/>
+              <a:buFontTx/>
+              <a:buNone/>
+              <a:tabLst/>
+              <a:defRPr/>
+            </a:pPr>
+            <a:r>
+              <a:rPr lang="en-US" altLang="ja-JP" smtClean="0"/>
+              <a:t>GitHub</a:t>
+            </a:r>
+            <a:r>
+              <a:rPr lang="ja-JP" altLang="en-US" smtClean="0"/>
+              <a:t>のアカウントをご用意ください。</a:t>
+            </a:r>
+            <a:endParaRPr lang="en-US" altLang="ja-JP" smtClean="0"/>
+          </a:p>
+          <a:p>
+            <a:endParaRPr kumimoji="1" lang="ja-JP" altLang="en-US"/>
+          </a:p>
+        </p:txBody>
+      </p:sp>
+      <p:sp>
+        <p:nvSpPr>
+          <p:cNvPr id="4" name="スライド番号プレースホルダー 3"/>
+          <p:cNvSpPr>
+            <a:spLocks noGrp="1"/>
+          </p:cNvSpPr>
+          <p:nvPr>
+            <p:ph type="sldNum" sz="quarter" idx="10"/>
+          </p:nvPr>
+        </p:nvSpPr>
+        <p:spPr/>
+        <p:txBody>
+          <a:bodyPr/>
+          <a:lstStyle/>
+          <a:p>
+            <a:fld id="{CFBBA293-708C-4261-9FD1-AE04041D5F79}" type="slidenum">
+              <a:rPr lang="ja-JP" altLang="en-US" smtClean="0"/>
+              <a:pPr/>
+              <a:t>5</a:t>
+            </a:fld>
+            <a:endParaRPr lang="ja-JP" altLang="en-US" dirty="0"/>
+          </a:p>
+        </p:txBody>
+      </p:sp>
+    </p:spTree>
+    <p:extLst>
+      <p:ext uri="{BB962C8B-B14F-4D97-AF65-F5344CB8AC3E}">
+        <p14:creationId xmlns:p14="http://schemas.microsoft.com/office/powerpoint/2010/main" val="140247859"/>
+      </p:ext>
+    </p:extLst>
+  </p:cSld>
+  <p:clrMapOvr>
+    <a:masterClrMapping/>
+  </p:clrMapOvr>
+</p:notes>
+</file>
+
+<file path=ppt/notesSlides/notesSlide2.xml><?xml version="1.0" encoding="utf-8"?>
+<p:notes xmlns:a="http://schemas.openxmlformats.org/drawingml/2006/main" xmlns:r="http://schemas.openxmlformats.org/officeDocument/2006/relationships" xmlns:p="http://schemas.openxmlformats.org/presentationml/2006/main">
+  <p:cSld>
+    <p:spTree>
+      <p:nvGrpSpPr>
+        <p:cNvPr id="1" name=""/>
+        <p:cNvGrpSpPr/>
+        <p:nvPr/>
+      </p:nvGrpSpPr>
+      <p:grpSpPr>
+        <a:xfrm>
+          <a:off x="0" y="0"/>
+          <a:ext cx="0" cy="0"/>
+          <a:chOff x="0" y="0"/>
+          <a:chExt cx="0" cy="0"/>
+        </a:xfrm>
+      </p:grpSpPr>
+      <p:sp>
+        <p:nvSpPr>
+          <p:cNvPr id="2" name="スライド イメージ プレースホルダー 1"/>
+          <p:cNvSpPr>
+            <a:spLocks noGrp="1" noRot="1" noChangeAspect="1"/>
+          </p:cNvSpPr>
+          <p:nvPr>
+            <p:ph type="sldImg"/>
+          </p:nvPr>
+        </p:nvSpPr>
+        <p:spPr>
+          <a:xfrm>
+            <a:off x="920750" y="431800"/>
+            <a:ext cx="4965700" cy="3725863"/>
+          </a:xfrm>
+        </p:spPr>
+      </p:sp>
+      <p:sp>
+        <p:nvSpPr>
+          <p:cNvPr id="3" name="ノート プレースホルダー 2"/>
+          <p:cNvSpPr>
+            <a:spLocks noGrp="1"/>
+          </p:cNvSpPr>
+          <p:nvPr>
+            <p:ph type="body" idx="1"/>
+          </p:nvPr>
+        </p:nvSpPr>
+        <p:spPr/>
+        <p:txBody>
+          <a:bodyPr/>
+          <a:lstStyle/>
+          <a:p>
+            <a:endParaRPr kumimoji="1" lang="ja-JP" altLang="en-US"/>
+          </a:p>
+        </p:txBody>
+      </p:sp>
+      <p:sp>
+        <p:nvSpPr>
+          <p:cNvPr id="4" name="スライド番号プレースホルダー 3"/>
+          <p:cNvSpPr>
+            <a:spLocks noGrp="1"/>
+          </p:cNvSpPr>
+          <p:nvPr>
+            <p:ph type="sldNum" sz="quarter" idx="10"/>
+          </p:nvPr>
+        </p:nvSpPr>
+        <p:spPr/>
+        <p:txBody>
+          <a:bodyPr/>
+          <a:lstStyle/>
+          <a:p>
+            <a:fld id="{CFBBA293-708C-4261-9FD1-AE04041D5F79}" type="slidenum">
+              <a:rPr lang="ja-JP" altLang="en-US" smtClean="0"/>
+              <a:pPr/>
+              <a:t>6</a:t>
+            </a:fld>
+            <a:endParaRPr lang="ja-JP" altLang="en-US" dirty="0"/>
+          </a:p>
+        </p:txBody>
+      </p:sp>
+    </p:spTree>
+    <p:extLst>
+      <p:ext uri="{BB962C8B-B14F-4D97-AF65-F5344CB8AC3E}">
+        <p14:creationId xmlns:p14="http://schemas.microsoft.com/office/powerpoint/2010/main" val="2296531209"/>
+      </p:ext>
+    </p:extLst>
+  </p:cSld>
+  <p:clrMapOvr>
+    <a:masterClrMapping/>
+  </p:clrMapOvr>
+</p:notes>
+</file>
+
+<file path=ppt/notesSlides/notesSlide3.xml><?xml version="1.0" encoding="utf-8"?>
+<p:notes xmlns:a="http://schemas.openxmlformats.org/drawingml/2006/main" xmlns:r="http://schemas.openxmlformats.org/officeDocument/2006/relationships" xmlns:p="http://schemas.openxmlformats.org/presentationml/2006/main">
+  <p:cSld>
+    <p:spTree>
+      <p:nvGrpSpPr>
+        <p:cNvPr id="1" name=""/>
+        <p:cNvGrpSpPr/>
+        <p:nvPr/>
+      </p:nvGrpSpPr>
+      <p:grpSpPr>
+        <a:xfrm>
+          <a:off x="0" y="0"/>
+          <a:ext cx="0" cy="0"/>
+          <a:chOff x="0" y="0"/>
+          <a:chExt cx="0" cy="0"/>
+        </a:xfrm>
+      </p:grpSpPr>
+      <p:sp>
+        <p:nvSpPr>
+          <p:cNvPr id="2" name="スライド イメージ プレースホルダー 1"/>
+          <p:cNvSpPr>
+            <a:spLocks noGrp="1" noRot="1" noChangeAspect="1"/>
+          </p:cNvSpPr>
+          <p:nvPr>
+            <p:ph type="sldImg"/>
+          </p:nvPr>
+        </p:nvSpPr>
+        <p:spPr>
+          <a:xfrm>
+            <a:off x="920750" y="431800"/>
+            <a:ext cx="4965700" cy="3725863"/>
+          </a:xfrm>
+        </p:spPr>
+      </p:sp>
+      <p:sp>
+        <p:nvSpPr>
+          <p:cNvPr id="3" name="ノート プレースホルダー 2"/>
+          <p:cNvSpPr>
+            <a:spLocks noGrp="1"/>
+          </p:cNvSpPr>
+          <p:nvPr>
+            <p:ph type="body" idx="1"/>
+          </p:nvPr>
+        </p:nvSpPr>
+        <p:spPr/>
+        <p:txBody>
+          <a:bodyPr/>
+          <a:lstStyle/>
+          <a:p>
+            <a:endParaRPr kumimoji="1" lang="ja-JP" altLang="en-US"/>
+          </a:p>
+        </p:txBody>
+      </p:sp>
+      <p:sp>
+        <p:nvSpPr>
+          <p:cNvPr id="4" name="スライド番号プレースホルダー 3"/>
+          <p:cNvSpPr>
+            <a:spLocks noGrp="1"/>
+          </p:cNvSpPr>
+          <p:nvPr>
+            <p:ph type="sldNum" sz="quarter" idx="10"/>
+          </p:nvPr>
+        </p:nvSpPr>
+        <p:spPr/>
+        <p:txBody>
+          <a:bodyPr/>
+          <a:lstStyle/>
+          <a:p>
+            <a:fld id="{CFBBA293-708C-4261-9FD1-AE04041D5F79}" type="slidenum">
+              <a:rPr lang="ja-JP" altLang="en-US" smtClean="0"/>
+              <a:pPr/>
+              <a:t>7</a:t>
+            </a:fld>
+            <a:endParaRPr lang="ja-JP" altLang="en-US" dirty="0"/>
+          </a:p>
+        </p:txBody>
+      </p:sp>
+    </p:spTree>
+    <p:extLst>
+      <p:ext uri="{BB962C8B-B14F-4D97-AF65-F5344CB8AC3E}">
+        <p14:creationId xmlns:p14="http://schemas.microsoft.com/office/powerpoint/2010/main" val="2302933190"/>
+      </p:ext>
+    </p:extLst>
+  </p:cSld>
+  <p:clrMapOvr>
+    <a:masterClrMapping/>
+  </p:clrMapOvr>
+</p:notes>
+</file>
+
+<file path=ppt/notesSlides/notesSlide4.xml><?xml version="1.0" encoding="utf-8"?>
+<p:notes xmlns:a="http://schemas.openxmlformats.org/drawingml/2006/main" xmlns:r="http://schemas.openxmlformats.org/officeDocument/2006/relationships" xmlns:p="http://schemas.openxmlformats.org/presentationml/2006/main">
+  <p:cSld>
+    <p:spTree>
+      <p:nvGrpSpPr>
+        <p:cNvPr id="1" name=""/>
+        <p:cNvGrpSpPr/>
+        <p:nvPr/>
+      </p:nvGrpSpPr>
+      <p:grpSpPr>
+        <a:xfrm>
+          <a:off x="0" y="0"/>
+          <a:ext cx="0" cy="0"/>
+          <a:chOff x="0" y="0"/>
+          <a:chExt cx="0" cy="0"/>
+        </a:xfrm>
+      </p:grpSpPr>
+      <p:sp>
+        <p:nvSpPr>
+          <p:cNvPr id="2" name="スライド イメージ プレースホルダー 1"/>
+          <p:cNvSpPr>
+            <a:spLocks noGrp="1" noRot="1" noChangeAspect="1"/>
+          </p:cNvSpPr>
+          <p:nvPr>
+            <p:ph type="sldImg"/>
+          </p:nvPr>
+        </p:nvSpPr>
+        <p:spPr>
+          <a:xfrm>
+            <a:off x="920750" y="431800"/>
+            <a:ext cx="4965700" cy="3725863"/>
+          </a:xfrm>
+        </p:spPr>
+      </p:sp>
+      <p:sp>
+        <p:nvSpPr>
+          <p:cNvPr id="3" name="ノート プレースホルダー 2"/>
+          <p:cNvSpPr>
+            <a:spLocks noGrp="1"/>
+          </p:cNvSpPr>
+          <p:nvPr>
+            <p:ph type="body" idx="1"/>
+          </p:nvPr>
+        </p:nvSpPr>
+        <p:spPr/>
+        <p:txBody>
+          <a:bodyPr/>
+          <a:lstStyle/>
+          <a:p>
+            <a:endParaRPr kumimoji="1" lang="ja-JP" altLang="en-US"/>
+          </a:p>
+        </p:txBody>
+      </p:sp>
+      <p:sp>
+        <p:nvSpPr>
+          <p:cNvPr id="4" name="スライド番号プレースホルダー 3"/>
+          <p:cNvSpPr>
+            <a:spLocks noGrp="1"/>
+          </p:cNvSpPr>
+          <p:nvPr>
+            <p:ph type="sldNum" sz="quarter" idx="10"/>
+          </p:nvPr>
+        </p:nvSpPr>
+        <p:spPr/>
+        <p:txBody>
+          <a:bodyPr/>
+          <a:lstStyle/>
+          <a:p>
+            <a:fld id="{CFBBA293-708C-4261-9FD1-AE04041D5F79}" type="slidenum">
+              <a:rPr lang="ja-JP" altLang="en-US" smtClean="0"/>
+              <a:pPr/>
+              <a:t>9</a:t>
+            </a:fld>
+            <a:endParaRPr lang="ja-JP" altLang="en-US" dirty="0"/>
+          </a:p>
+        </p:txBody>
+      </p:sp>
+    </p:spTree>
+    <p:extLst>
+      <p:ext uri="{BB962C8B-B14F-4D97-AF65-F5344CB8AC3E}">
+        <p14:creationId xmlns:p14="http://schemas.microsoft.com/office/powerpoint/2010/main" val="4242966656"/>
+      </p:ext>
+    </p:extLst>
+  </p:cSld>
+  <p:clrMapOvr>
+    <a:masterClrMapping/>
+  </p:clrMapOvr>
+</p:notes>
 </file>
 
 <file path=ppt/slideLayouts/slideLayout1.xml><?xml version="1.0" encoding="utf-8"?>
@@ -1072,7 +1460,7 @@
           <a:p>
             <a:fld id="{56F9016B-CCA6-43BE-8BEE-59565A35F4F7}" type="datetimeFigureOut">
               <a:rPr kumimoji="1" lang="ja-JP" altLang="en-US" smtClean="0"/>
-              <a:t>2022/1/18</a:t>
+              <a:t>2022/5/26</a:t>
             </a:fld>
             <a:endParaRPr kumimoji="1" lang="ja-JP" altLang="en-US"/>
           </a:p>
@@ -1272,7 +1660,7 @@
           <a:p>
             <a:fld id="{56F9016B-CCA6-43BE-8BEE-59565A35F4F7}" type="datetimeFigureOut">
               <a:rPr kumimoji="1" lang="ja-JP" altLang="en-US" smtClean="0"/>
-              <a:t>2022/1/18</a:t>
+              <a:t>2022/5/26</a:t>
             </a:fld>
             <a:endParaRPr kumimoji="1" lang="ja-JP" altLang="en-US"/>
           </a:p>
@@ -1517,7 +1905,7 @@
           <a:p>
             <a:fld id="{56F9016B-CCA6-43BE-8BEE-59565A35F4F7}" type="datetimeFigureOut">
               <a:rPr kumimoji="1" lang="ja-JP" altLang="en-US" smtClean="0"/>
-              <a:t>2022/1/18</a:t>
+              <a:t>2022/5/26</a:t>
             </a:fld>
             <a:endParaRPr kumimoji="1" lang="ja-JP" altLang="en-US"/>
           </a:p>
@@ -1810,7 +2198,7 @@
           <a:p>
             <a:fld id="{56F9016B-CCA6-43BE-8BEE-59565A35F4F7}" type="datetimeFigureOut">
               <a:rPr kumimoji="1" lang="ja-JP" altLang="en-US" smtClean="0"/>
-              <a:t>2022/1/18</a:t>
+              <a:t>2022/5/26</a:t>
             </a:fld>
             <a:endParaRPr kumimoji="1" lang="ja-JP" altLang="en-US"/>
           </a:p>
@@ -2238,7 +2626,7 @@
           <a:p>
             <a:fld id="{56F9016B-CCA6-43BE-8BEE-59565A35F4F7}" type="datetimeFigureOut">
               <a:rPr kumimoji="1" lang="ja-JP" altLang="en-US" smtClean="0"/>
-              <a:t>2022/1/18</a:t>
+              <a:t>2022/5/26</a:t>
             </a:fld>
             <a:endParaRPr kumimoji="1" lang="ja-JP" altLang="en-US"/>
           </a:p>
@@ -2355,7 +2743,7 @@
           <a:p>
             <a:fld id="{56F9016B-CCA6-43BE-8BEE-59565A35F4F7}" type="datetimeFigureOut">
               <a:rPr kumimoji="1" lang="ja-JP" altLang="en-US" smtClean="0"/>
-              <a:t>2022/1/18</a:t>
+              <a:t>2022/5/26</a:t>
             </a:fld>
             <a:endParaRPr kumimoji="1" lang="ja-JP" altLang="en-US"/>
           </a:p>
@@ -2450,7 +2838,7 @@
           <a:p>
             <a:fld id="{56F9016B-CCA6-43BE-8BEE-59565A35F4F7}" type="datetimeFigureOut">
               <a:rPr kumimoji="1" lang="ja-JP" altLang="en-US" smtClean="0"/>
-              <a:t>2022/1/18</a:t>
+              <a:t>2022/5/26</a:t>
             </a:fld>
             <a:endParaRPr kumimoji="1" lang="ja-JP" altLang="en-US"/>
           </a:p>
@@ -2757,7 +3145,7 @@
           <a:p>
             <a:fld id="{56F9016B-CCA6-43BE-8BEE-59565A35F4F7}" type="datetimeFigureOut">
               <a:rPr kumimoji="1" lang="ja-JP" altLang="en-US" smtClean="0"/>
-              <a:t>2022/1/18</a:t>
+              <a:t>2022/5/26</a:t>
             </a:fld>
             <a:endParaRPr kumimoji="1" lang="ja-JP" altLang="en-US"/>
           </a:p>
@@ -3009,7 +3397,7 @@
           <a:p>
             <a:fld id="{56F9016B-CCA6-43BE-8BEE-59565A35F4F7}" type="datetimeFigureOut">
               <a:rPr kumimoji="1" lang="ja-JP" altLang="en-US" smtClean="0"/>
-              <a:t>2022/1/18</a:t>
+              <a:t>2022/5/26</a:t>
             </a:fld>
             <a:endParaRPr kumimoji="1" lang="ja-JP" altLang="en-US"/>
           </a:p>
@@ -3276,7 +3664,7 @@
           <a:p>
             <a:fld id="{56F9016B-CCA6-43BE-8BEE-59565A35F4F7}" type="datetimeFigureOut">
               <a:rPr kumimoji="1" lang="ja-JP" altLang="en-US" smtClean="0"/>
-              <a:t>2022/1/18</a:t>
+              <a:t>2022/5/26</a:t>
             </a:fld>
             <a:endParaRPr kumimoji="1" lang="ja-JP" altLang="en-US"/>
           </a:p>
@@ -3486,7 +3874,7 @@
           <a:p>
             <a:fld id="{56F9016B-CCA6-43BE-8BEE-59565A35F4F7}" type="datetimeFigureOut">
               <a:rPr kumimoji="1" lang="ja-JP" altLang="en-US" smtClean="0"/>
-              <a:t>2022/1/18</a:t>
+              <a:t>2022/5/26</a:t>
             </a:fld>
             <a:endParaRPr kumimoji="1" lang="ja-JP" altLang="en-US"/>
           </a:p>
@@ -6478,7 +6866,7 @@
           <a:p>
             <a:fld id="{56F9016B-CCA6-43BE-8BEE-59565A35F4F7}" type="datetimeFigureOut">
               <a:rPr kumimoji="1" lang="ja-JP" altLang="en-US" smtClean="0"/>
-              <a:t>2022/1/18</a:t>
+              <a:t>2022/5/26</a:t>
             </a:fld>
             <a:endParaRPr kumimoji="1" lang="ja-JP" altLang="en-US"/>
           </a:p>
@@ -6909,11 +7297,15 @@
             </a:r>
             <a:r>
               <a:rPr lang="en-US" altLang="ja-JP" dirty="0"/>
-              <a:t> IT Automation Version </a:t>
-            </a:r>
-            <a:r>
-              <a:rPr lang="en-US" altLang="ja-JP" dirty="0" smtClean="0"/>
-              <a:t>1.9</a:t>
+              <a:t> IT Automation </a:t>
+            </a:r>
+            <a:r>
+              <a:rPr lang="en-US" altLang="ja-JP"/>
+              <a:t>Version </a:t>
+            </a:r>
+            <a:r>
+              <a:rPr lang="en-US" altLang="ja-JP" smtClean="0"/>
+              <a:t>1.10</a:t>
             </a:r>
             <a:endParaRPr lang="en-US" altLang="ja-JP" dirty="0"/>
           </a:p>
@@ -7569,7 +7961,7 @@
         </p:blipFill>
         <p:spPr>
           <a:xfrm>
-            <a:off x="296569" y="2030163"/>
+            <a:off x="296569" y="2066622"/>
             <a:ext cx="8549887" cy="3384330"/>
           </a:xfrm>
           <a:prstGeom prst="rect">
@@ -7600,27 +7992,27 @@
           <a:lstStyle/>
           <a:p>
             <a:r>
-              <a:rPr lang="ja-JP" altLang="en-US" sz="1600" b="1" dirty="0"/>
+              <a:rPr lang="ja-JP" altLang="en-US" b="1" dirty="0"/>
               <a:t>連携</a:t>
             </a:r>
             <a:r>
-              <a:rPr lang="ja-JP" altLang="en-US" sz="1600" b="1" dirty="0" smtClean="0"/>
+              <a:rPr lang="ja-JP" altLang="en-US" b="1" dirty="0" smtClean="0"/>
               <a:t>する</a:t>
             </a:r>
             <a:r>
-              <a:rPr lang="en-US" altLang="ja-JP" sz="1600" b="1" dirty="0" err="1" smtClean="0"/>
+              <a:rPr lang="en-US" altLang="ja-JP" b="1" dirty="0" err="1" smtClean="0"/>
               <a:t>Git</a:t>
             </a:r>
             <a:r>
-              <a:rPr lang="ja-JP" altLang="en-US" sz="1600" b="1" dirty="0" smtClean="0"/>
+              <a:rPr lang="ja-JP" altLang="en-US" b="1" dirty="0" smtClean="0"/>
               <a:t>リポジトリ</a:t>
             </a:r>
             <a:r>
-              <a:rPr lang="ja-JP" altLang="en-US" sz="1600" b="1" dirty="0"/>
+              <a:rPr lang="ja-JP" altLang="en-US" b="1" dirty="0"/>
               <a:t>の</a:t>
             </a:r>
             <a:r>
-              <a:rPr lang="ja-JP" altLang="en-US" sz="1600" b="1" dirty="0" smtClean="0"/>
+              <a:rPr lang="ja-JP" altLang="en-US" b="1" dirty="0" smtClean="0"/>
               <a:t>情報を登録</a:t>
             </a:r>
             <a:endParaRPr lang="en-US" altLang="ja-JP" b="1" dirty="0"/>
@@ -7663,11 +8055,26 @@
             </a:r>
             <a:r>
               <a:rPr lang="ja-JP" altLang="en-US" dirty="0" smtClean="0"/>
-              <a:t>」メニュー→「リモートリポジトリ」を</a:t>
+              <a:t>」メニュー→「リモートリポジトリ」</a:t>
+            </a:r>
+            <a:r>
+              <a:rPr lang="ja-JP" altLang="en-US" smtClean="0"/>
+              <a:t>をクリックし、</a:t>
+            </a:r>
+            <a:r>
+              <a:rPr lang="en-US" altLang="ja-JP" smtClean="0"/>
+              <a:t/>
+            </a:r>
+            <a:br>
+              <a:rPr lang="en-US" altLang="ja-JP" smtClean="0"/>
+            </a:br>
+            <a:r>
+              <a:rPr lang="ja-JP" altLang="en-US" smtClean="0"/>
+              <a:t>各項目</a:t>
             </a:r>
             <a:r>
               <a:rPr lang="ja-JP" altLang="en-US" dirty="0"/>
-              <a:t>クリック、各項目へ下表のように</a:t>
+              <a:t>へ下表のように</a:t>
             </a:r>
             <a:r>
               <a:rPr lang="ja-JP" altLang="en-US" dirty="0" smtClean="0"/>
@@ -7720,8 +8127,8 @@
         </p:nvSpPr>
         <p:spPr bwMode="auto">
           <a:xfrm>
-            <a:off x="179513" y="5414493"/>
-            <a:ext cx="8784000" cy="1074478"/>
+            <a:off x="267707" y="5450952"/>
+            <a:ext cx="8695806" cy="1074478"/>
           </a:xfrm>
           <a:prstGeom prst="wedgeRoundRectCallout">
             <a:avLst>
@@ -7764,7 +8171,7 @@
         </p:nvSpPr>
         <p:spPr bwMode="auto">
           <a:xfrm>
-            <a:off x="267707" y="2963387"/>
+            <a:off x="267707" y="2999846"/>
             <a:ext cx="1062708" cy="288040"/>
           </a:xfrm>
           <a:prstGeom prst="roundRect">
@@ -7808,7 +8215,7 @@
         </p:nvSpPr>
         <p:spPr bwMode="auto">
           <a:xfrm>
-            <a:off x="1546444" y="3755497"/>
+            <a:off x="1546444" y="3791956"/>
             <a:ext cx="7201000" cy="1008140"/>
           </a:xfrm>
           <a:prstGeom prst="roundRect">
@@ -7852,7 +8259,7 @@
         </p:nvSpPr>
         <p:spPr bwMode="auto">
           <a:xfrm>
-            <a:off x="2771750" y="4941210"/>
+            <a:off x="2771750" y="4977669"/>
             <a:ext cx="1296180" cy="344383"/>
           </a:xfrm>
           <a:prstGeom prst="roundRect">
@@ -7897,13 +8304,13 @@
           <p:nvPr>
             <p:extLst>
               <p:ext uri="{D42A27DB-BD31-4B8C-83A1-F6EECF244321}">
-                <p14:modId xmlns:p14="http://schemas.microsoft.com/office/powerpoint/2010/main" val="3988829153"/>
+                <p14:modId xmlns:p14="http://schemas.microsoft.com/office/powerpoint/2010/main" val="55598824"/>
               </p:ext>
             </p:extLst>
           </p:nvPr>
         </p:nvGraphicFramePr>
         <p:xfrm>
-          <a:off x="375073" y="5514675"/>
+          <a:off x="375073" y="5551134"/>
           <a:ext cx="8493660" cy="914400"/>
         </p:xfrm>
         <a:graphic>
@@ -8911,34 +9318,34 @@
           <a:lstStyle/>
           <a:p>
             <a:r>
-              <a:rPr lang="ja-JP" altLang="en-US" sz="1600" b="1" dirty="0" smtClean="0"/>
+              <a:rPr lang="ja-JP" altLang="en-US" b="1" dirty="0" smtClean="0"/>
               <a:t>紐付先</a:t>
             </a:r>
             <a:r>
-              <a:rPr lang="ja-JP" altLang="en-US" sz="1600" b="1" dirty="0"/>
+              <a:rPr lang="ja-JP" altLang="en-US" b="1" dirty="0"/>
               <a:t>資材にアクセス</a:t>
             </a:r>
             <a:r>
-              <a:rPr lang="ja-JP" altLang="en-US" sz="1600" b="1" dirty="0" smtClean="0"/>
+              <a:rPr lang="ja-JP" altLang="en-US" b="1" dirty="0" smtClean="0"/>
               <a:t>するた</a:t>
             </a:r>
             <a:r>
-              <a:rPr lang="ja-JP" altLang="en-US" sz="1600" b="1" dirty="0"/>
+              <a:rPr lang="ja-JP" altLang="en-US" b="1" dirty="0"/>
               <a:t>め</a:t>
             </a:r>
             <a:r>
-              <a:rPr lang="ja-JP" altLang="en-US" sz="1600" b="1" dirty="0" smtClean="0"/>
+              <a:rPr lang="ja-JP" altLang="en-US" b="1" dirty="0" smtClean="0"/>
               <a:t>の</a:t>
             </a:r>
             <a:r>
-              <a:rPr lang="ja-JP" altLang="en-US" sz="1600" b="1" dirty="0"/>
+              <a:rPr lang="ja-JP" altLang="en-US" b="1" dirty="0"/>
               <a:t>アカウント</a:t>
             </a:r>
             <a:r>
-              <a:rPr lang="ja-JP" altLang="en-US" sz="1600" b="1" dirty="0" smtClean="0"/>
+              <a:rPr lang="ja-JP" altLang="en-US" b="1" dirty="0" smtClean="0"/>
               <a:t>情報の登録</a:t>
             </a:r>
-            <a:endParaRPr lang="en-US" altLang="ja-JP" sz="1600" b="1" dirty="0" smtClean="0"/>
+            <a:endParaRPr lang="en-US" altLang="ja-JP" b="1" dirty="0" smtClean="0"/>
           </a:p>
           <a:p>
             <a:pPr lvl="1"/>
@@ -8970,14 +9377,16 @@
             </a:r>
             <a:r>
               <a:rPr lang="ja-JP" altLang="en-US" dirty="0" smtClean="0"/>
-              <a:t>を使用します。</a:t>
-            </a:r>
-            <a:endParaRPr lang="en-US" altLang="ja-JP" dirty="0" smtClean="0"/>
-          </a:p>
-          <a:p>
-            <a:pPr marL="180000" lvl="1" indent="0">
-              <a:buNone/>
-            </a:pPr>
+              <a:t>を使用</a:t>
+            </a:r>
+            <a:r>
+              <a:rPr lang="ja-JP" altLang="en-US" smtClean="0"/>
+              <a:t>します</a:t>
+            </a:r>
+            <a:r>
+              <a:rPr lang="ja-JP" altLang="en-US" smtClean="0"/>
+              <a:t>。</a:t>
+            </a:r>
             <a:r>
               <a:rPr kumimoji="1" lang="ja-JP" altLang="en-US" dirty="0"/>
               <a:t>　</a:t>
@@ -9086,8 +9495,8 @@
         </p:nvSpPr>
         <p:spPr bwMode="auto">
           <a:xfrm>
-            <a:off x="4595498" y="5314749"/>
-            <a:ext cx="3744520" cy="916582"/>
+            <a:off x="4703513" y="5412989"/>
+            <a:ext cx="3528490" cy="720101"/>
           </a:xfrm>
           <a:prstGeom prst="wedgeRoundRectCallout">
             <a:avLst>
@@ -9725,20 +10134,43 @@
           <a:lstStyle/>
           <a:p>
             <a:r>
-              <a:rPr lang="ja-JP" altLang="en-US" sz="1600" b="1" dirty="0"/>
+              <a:rPr lang="ja-JP" altLang="en-US" b="1" dirty="0"/>
               <a:t>紐付元資材と紐付先資材の紐付を</a:t>
             </a:r>
             <a:r>
-              <a:rPr lang="ja-JP" altLang="en-US" sz="1600" b="1" dirty="0" smtClean="0"/>
+              <a:rPr lang="ja-JP" altLang="en-US" b="1" dirty="0" smtClean="0"/>
               <a:t>登録</a:t>
             </a:r>
-            <a:endParaRPr lang="en-US" altLang="ja-JP" sz="1600" b="1" dirty="0" smtClean="0"/>
+            <a:endParaRPr lang="en-US" altLang="ja-JP" b="1" dirty="0" smtClean="0"/>
           </a:p>
           <a:p>
             <a:pPr lvl="1"/>
             <a:r>
               <a:rPr lang="ja-JP" altLang="en-US" dirty="0"/>
-              <a:t>紐付元資材と紐付先資材を紐付し、紐付先資材の動作検証を</a:t>
+              <a:t>紐付元資材と紐付先資材を紐付</a:t>
+            </a:r>
+            <a:r>
+              <a:rPr lang="ja-JP" altLang="en-US"/>
+              <a:t>し</a:t>
+            </a:r>
+            <a:r>
+              <a:rPr lang="ja-JP" altLang="en-US" smtClean="0"/>
+              <a:t>、</a:t>
+            </a:r>
+            <a:r>
+              <a:rPr lang="en-US" altLang="ja-JP" smtClean="0"/>
+              <a:t/>
+            </a:r>
+            <a:br>
+              <a:rPr lang="en-US" altLang="ja-JP" smtClean="0"/>
+            </a:br>
+            <a:r>
+              <a:rPr lang="ja-JP" altLang="en-US" smtClean="0"/>
+              <a:t>紐付先</a:t>
+            </a:r>
+            <a:r>
+              <a:rPr lang="ja-JP" altLang="en-US" dirty="0"/>
+              <a:t>資材の動作検証を</a:t>
             </a:r>
             <a:r>
               <a:rPr lang="ja-JP" altLang="en-US" dirty="0" smtClean="0"/>
@@ -9770,11 +10202,26 @@
             </a:r>
             <a:r>
               <a:rPr lang="ja-JP" altLang="en-US" dirty="0"/>
-              <a:t>録します。 </a:t>
+              <a:t>録します</a:t>
+            </a:r>
+            <a:r>
+              <a:rPr lang="ja-JP" altLang="en-US"/>
+              <a:t>。 </a:t>
+            </a:r>
+            <a:r>
+              <a:rPr lang="en-US" altLang="ja-JP" smtClean="0"/>
+              <a:t/>
+            </a:r>
+            <a:br>
+              <a:rPr lang="en-US" altLang="ja-JP" smtClean="0"/>
+            </a:br>
+            <a:r>
+              <a:rPr lang="ja-JP" altLang="en-US" smtClean="0"/>
+              <a:t>「</a:t>
             </a:r>
             <a:r>
               <a:rPr lang="ja-JP" altLang="en-US" dirty="0" smtClean="0"/>
-              <a:t>「資材紐付」をクリック、</a:t>
+              <a:t>資材紐付」をクリック、</a:t>
             </a:r>
             <a:r>
               <a:rPr lang="ja-JP" altLang="en-US" dirty="0"/>
@@ -10020,7 +10467,7 @@
           <p:nvPr>
             <p:extLst>
               <p:ext uri="{D42A27DB-BD31-4B8C-83A1-F6EECF244321}">
-                <p14:modId xmlns:p14="http://schemas.microsoft.com/office/powerpoint/2010/main" val="3223844229"/>
+                <p14:modId xmlns:p14="http://schemas.microsoft.com/office/powerpoint/2010/main" val="961512427"/>
               </p:ext>
             </p:extLst>
           </p:nvPr>
@@ -10036,42 +10483,42 @@
                 <a:tableStyleId>{5C22544A-7EE6-4342-B048-85BDC9FD1C3A}</a:tableStyleId>
               </a:tblPr>
               <a:tblGrid>
-                <a:gridCol w="1415610">
+                <a:gridCol w="1277232">
                   <a:extLst>
                     <a:ext uri="{9D8B030D-6E8A-4147-A177-3AD203B41FA5}">
                       <a16:colId xmlns:a16="http://schemas.microsoft.com/office/drawing/2014/main" val="2883640048"/>
                     </a:ext>
                   </a:extLst>
                 </a:gridCol>
-                <a:gridCol w="1415610">
+                <a:gridCol w="1512210">
                   <a:extLst>
                     <a:ext uri="{9D8B030D-6E8A-4147-A177-3AD203B41FA5}">
                       <a16:colId xmlns:a16="http://schemas.microsoft.com/office/drawing/2014/main" val="3367581533"/>
                     </a:ext>
                   </a:extLst>
                 </a:gridCol>
-                <a:gridCol w="1415610">
+                <a:gridCol w="1800250">
                   <a:extLst>
                     <a:ext uri="{9D8B030D-6E8A-4147-A177-3AD203B41FA5}">
                       <a16:colId xmlns:a16="http://schemas.microsoft.com/office/drawing/2014/main" val="2176785870"/>
                     </a:ext>
                   </a:extLst>
                 </a:gridCol>
-                <a:gridCol w="1415610">
+                <a:gridCol w="1440200">
                   <a:extLst>
                     <a:ext uri="{9D8B030D-6E8A-4147-A177-3AD203B41FA5}">
                       <a16:colId xmlns:a16="http://schemas.microsoft.com/office/drawing/2014/main" val="2382542244"/>
                     </a:ext>
                   </a:extLst>
                 </a:gridCol>
-                <a:gridCol w="1415610">
+                <a:gridCol w="1512210">
                   <a:extLst>
                     <a:ext uri="{9D8B030D-6E8A-4147-A177-3AD203B41FA5}">
                       <a16:colId xmlns:a16="http://schemas.microsoft.com/office/drawing/2014/main" val="1601658823"/>
                     </a:ext>
                   </a:extLst>
                 </a:gridCol>
-                <a:gridCol w="1415610">
+                <a:gridCol w="951558">
                   <a:extLst>
                     <a:ext uri="{9D8B030D-6E8A-4147-A177-3AD203B41FA5}">
                       <a16:colId xmlns:a16="http://schemas.microsoft.com/office/drawing/2014/main" val="213318818"/>
@@ -10666,13 +11113,39 @@
                         <a:defRPr/>
                       </a:pPr>
                       <a:r>
+                        <a:rPr kumimoji="1" lang="en-US" altLang="ja-JP" sz="1200" b="0" smtClean="0">
+                          <a:solidFill>
+                            <a:schemeClr val="tx1"/>
+                          </a:solidFill>
+                          <a:latin typeface="+mn-lt"/>
+                        </a:rPr>
+                        <a:t>yum_package</a:t>
+                      </a:r>
+                      <a:br>
+                        <a:rPr kumimoji="1" lang="en-US" altLang="ja-JP" sz="1200" b="0" smtClean="0">
+                          <a:solidFill>
+                            <a:schemeClr val="tx1"/>
+                          </a:solidFill>
+                          <a:latin typeface="+mn-lt"/>
+                        </a:rPr>
+                      </a:br>
+                      <a:r>
+                        <a:rPr kumimoji="1" lang="en-US" altLang="ja-JP" sz="1200" b="0" smtClean="0">
+                          <a:solidFill>
+                            <a:schemeClr val="tx1"/>
+                          </a:solidFill>
+                          <a:latin typeface="+mn-lt"/>
+                        </a:rPr>
+                        <a:t>_</a:t>
+                      </a:r>
+                      <a:r>
                         <a:rPr kumimoji="1" lang="en-US" altLang="ja-JP" sz="1200" b="0" dirty="0" err="1" smtClean="0">
                           <a:solidFill>
                             <a:schemeClr val="tx1"/>
                           </a:solidFill>
                           <a:latin typeface="+mn-lt"/>
                         </a:rPr>
-                        <a:t>yum_package_install</a:t>
+                        <a:t>install</a:t>
                       </a:r>
                       <a:endParaRPr kumimoji="1" lang="en-US" altLang="ja-JP" sz="1200" b="0" dirty="0" smtClean="0">
                         <a:solidFill>
@@ -10756,13 +11229,49 @@
                     <a:p>
                       <a:pPr algn="ctr"/>
                       <a:r>
-                        <a:rPr kumimoji="1" lang="en-US" altLang="ja-JP" sz="1200" b="0" dirty="0" err="1" smtClean="0">
+                        <a:rPr kumimoji="1" lang="en-US" altLang="ja-JP" sz="1200" b="0" smtClean="0">
                           <a:solidFill>
                             <a:schemeClr val="tx1"/>
                           </a:solidFill>
                           <a:latin typeface="+mn-lt"/>
                         </a:rPr>
-                        <a:t>ita_cicd_test</a:t>
+                        <a:t>(</a:t>
+                      </a:r>
+                      <a:r>
+                        <a:rPr kumimoji="1" lang="ja-JP" altLang="en-US" sz="1200" b="0" smtClean="0">
+                          <a:solidFill>
+                            <a:schemeClr val="tx1"/>
+                          </a:solidFill>
+                          <a:latin typeface="+mn-lt"/>
+                        </a:rPr>
+                        <a:t>作成した</a:t>
+                      </a:r>
+                      <a:endParaRPr kumimoji="1" lang="en-US" altLang="ja-JP" sz="1200" b="0" smtClean="0">
+                        <a:solidFill>
+                          <a:schemeClr val="tx1"/>
+                        </a:solidFill>
+                        <a:latin typeface="+mn-lt"/>
+                      </a:endParaRPr>
+                    </a:p>
+                    <a:p>
+                      <a:pPr algn="ctr"/>
+                      <a:r>
+                        <a:rPr kumimoji="1" lang="ja-JP" altLang="en-US" sz="1200" b="0" smtClean="0">
+                          <a:solidFill>
+                            <a:schemeClr val="tx1"/>
+                          </a:solidFill>
+                          <a:latin typeface="+mn-lt"/>
+                        </a:rPr>
+                        <a:t>リポジトリの名前</a:t>
+                      </a:r>
+                      <a:r>
+                        <a:rPr kumimoji="1" lang="en-US" altLang="ja-JP" sz="1200" b="0" smtClean="0">
+                          <a:solidFill>
+                            <a:schemeClr val="tx1"/>
+                          </a:solidFill>
+                          <a:latin typeface="+mn-lt"/>
+                        </a:rPr>
+                        <a:t>)</a:t>
                       </a:r>
                       <a:endParaRPr kumimoji="1" lang="ja-JP" altLang="en-US" sz="1200" b="0" dirty="0" smtClean="0">
                         <a:solidFill>
@@ -10940,25 +11449,19 @@
                     <a:p>
                       <a:pPr algn="ctr"/>
                       <a:r>
-                        <a:rPr kumimoji="1" lang="en-US" altLang="ja-JP" sz="1200" b="0" dirty="0" err="1" smtClean="0">
+                        <a:rPr kumimoji="1" lang="en-US" altLang="ja-JP" sz="1200" b="0" smtClean="0">
                           <a:solidFill>
                             <a:schemeClr val="tx1"/>
                           </a:solidFill>
                           <a:latin typeface="+mn-lt"/>
                         </a:rPr>
-                        <a:t>Ansible</a:t>
+                        <a:t>Ansible-Legacy</a:t>
                       </a:r>
+                    </a:p>
+                    <a:p>
+                      <a:pPr algn="ctr"/>
                       <a:r>
-                        <a:rPr kumimoji="1" lang="en-US" altLang="ja-JP" sz="1200" b="0" dirty="0" smtClean="0">
-                          <a:solidFill>
-                            <a:schemeClr val="tx1"/>
-                          </a:solidFill>
-                          <a:latin typeface="+mn-lt"/>
-                        </a:rPr>
-                        <a:t>-Legacy</a:t>
-                      </a:r>
-                      <a:r>
-                        <a:rPr kumimoji="1" lang="ja-JP" altLang="en-US" sz="1200" b="0" dirty="0" smtClean="0">
+                        <a:rPr kumimoji="1" lang="ja-JP" altLang="en-US" sz="1200" b="0" smtClean="0">
                           <a:solidFill>
                             <a:schemeClr val="tx1"/>
                           </a:solidFill>
@@ -11287,44 +11790,71 @@
           <a:lstStyle/>
           <a:p>
             <a:r>
-              <a:rPr lang="ja-JP" altLang="en-US" sz="1600" b="1" dirty="0"/>
+              <a:rPr lang="ja-JP" altLang="en-US" b="1" dirty="0"/>
               <a:t>オペレーション</a:t>
             </a:r>
             <a:r>
-              <a:rPr lang="ja-JP" altLang="en-US" sz="1600" b="1" dirty="0" smtClean="0"/>
+              <a:rPr lang="ja-JP" altLang="en-US" b="1" smtClean="0"/>
               <a:t>と</a:t>
             </a:r>
             <a:r>
-              <a:rPr lang="en-US" altLang="ja-JP" sz="1600" b="1" dirty="0" smtClean="0"/>
+              <a:rPr lang="en-US" altLang="ja-JP" b="1" smtClean="0"/>
               <a:t>Movement</a:t>
             </a:r>
             <a:r>
-              <a:rPr lang="ja-JP" altLang="en-US" sz="1600" b="1" dirty="0"/>
-              <a:t>を</a:t>
-            </a:r>
-            <a:r>
-              <a:rPr lang="ja-JP" altLang="en-US" sz="1600" b="1" dirty="0" smtClean="0"/>
-              <a:t>登録、ドライランの選択</a:t>
-            </a:r>
-            <a:endParaRPr lang="en-US" altLang="ja-JP" sz="1200" b="1" dirty="0"/>
+              <a:rPr lang="ja-JP" altLang="en-US" b="1" smtClean="0"/>
+              <a:t>の登録</a:t>
+            </a:r>
+            <a:r>
+              <a:rPr lang="ja-JP" altLang="en-US" b="1" dirty="0" smtClean="0"/>
+              <a:t>、ドライランの選択</a:t>
+            </a:r>
+            <a:endParaRPr lang="en-US" altLang="ja-JP" b="1" dirty="0"/>
           </a:p>
           <a:p>
             <a:pPr lvl="1"/>
             <a:r>
+              <a:rPr lang="ja-JP" altLang="en-US"/>
+              <a:t>前</a:t>
+            </a:r>
+            <a:r>
+              <a:rPr lang="ja-JP" altLang="en-US" smtClean="0"/>
+              <a:t>スライドの</a:t>
+            </a:r>
+            <a:r>
+              <a:rPr lang="ja-JP" altLang="en-US" dirty="0" smtClean="0"/>
+              <a:t>入力が完了したら右へ</a:t>
+            </a:r>
+            <a:r>
+              <a:rPr lang="ja-JP" altLang="en-US" smtClean="0"/>
+              <a:t>スクロールし、項目</a:t>
+            </a:r>
+            <a:r>
               <a:rPr lang="ja-JP" altLang="en-US" dirty="0"/>
-              <a:t>前</a:t>
+              <a:t>へ</a:t>
+            </a:r>
+            <a:r>
+              <a:rPr lang="ja-JP" altLang="en-US"/>
+              <a:t>下表</a:t>
+            </a:r>
+            <a:r>
+              <a:rPr lang="ja-JP" altLang="en-US" smtClean="0"/>
+              <a:t>の通り入力してください。</a:t>
+            </a:r>
+            <a:r>
+              <a:rPr lang="en-US" altLang="ja-JP" smtClean="0"/>
+              <a:t/>
+            </a:r>
+            <a:br>
+              <a:rPr lang="en-US" altLang="ja-JP" smtClean="0"/>
+            </a:br>
+            <a:r>
+              <a:rPr lang="ja-JP" altLang="en-US" smtClean="0"/>
+              <a:t>入力後、「</a:t>
             </a:r>
             <a:r>
               <a:rPr lang="ja-JP" altLang="en-US" dirty="0" smtClean="0"/>
-              <a:t>頁の入力が完了したら右へスクロールし項目</a:t>
-            </a:r>
-            <a:r>
-              <a:rPr lang="ja-JP" altLang="en-US" dirty="0"/>
-              <a:t>へ下表のように入力</a:t>
-            </a:r>
-            <a:r>
-              <a:rPr lang="ja-JP" altLang="en-US" dirty="0" smtClean="0"/>
-              <a:t>し、「登録」をクリックして下さい</a:t>
+              <a:t>登録」をクリックして下さい</a:t>
             </a:r>
             <a:r>
               <a:rPr lang="ja-JP" altLang="en-US" sz="1200" dirty="0" smtClean="0"/>
@@ -12178,16 +12708,36 @@
           <a:lstStyle/>
           <a:p>
             <a:r>
-              <a:rPr lang="ja-JP" altLang="en-US" sz="1600" b="1" dirty="0" smtClean="0"/>
+              <a:rPr lang="ja-JP" altLang="en-US" b="1" dirty="0" smtClean="0"/>
               <a:t>ドライランが実行されているか確認</a:t>
             </a:r>
-            <a:endParaRPr lang="en-US" altLang="ja-JP" sz="1600" b="1" dirty="0" smtClean="0"/>
+            <a:endParaRPr lang="en-US" altLang="ja-JP" b="1" dirty="0" smtClean="0"/>
           </a:p>
           <a:p>
             <a:pPr lvl="1"/>
             <a:r>
               <a:rPr lang="ja-JP" altLang="en-US" dirty="0"/>
-              <a:t>資材紐付の登録が完了すると自動的にドライランが実行されます。</a:t>
+              <a:t>資材紐付の登録が完了すると</a:t>
+            </a:r>
+            <a:r>
+              <a:rPr lang="ja-JP" altLang="en-US"/>
+              <a:t>自動的</a:t>
+            </a:r>
+            <a:r>
+              <a:rPr lang="ja-JP" altLang="en-US" smtClean="0"/>
+              <a:t>に</a:t>
+            </a:r>
+            <a:r>
+              <a:rPr lang="en-US" altLang="ja-JP" smtClean="0"/>
+              <a:t>Movement</a:t>
+            </a:r>
+            <a:r>
+              <a:rPr lang="ja-JP" altLang="en-US" smtClean="0"/>
+              <a:t>のドライラン</a:t>
+            </a:r>
+            <a:r>
+              <a:rPr lang="ja-JP" altLang="en-US" dirty="0"/>
+              <a:t>が実行されます。</a:t>
             </a:r>
             <a:endParaRPr lang="en-US" altLang="ja-JP" dirty="0"/>
           </a:p>
@@ -12209,25 +12759,53 @@
             </a:r>
             <a:r>
               <a:rPr lang="ja-JP" altLang="en-US" dirty="0" smtClean="0"/>
-              <a:t>」メニュー→「作業管理」を</a:t>
-            </a:r>
-            <a:r>
-              <a:rPr lang="ja-JP" altLang="en-US" dirty="0"/>
-              <a:t>クリック</a:t>
+              <a:t>」メニュー→「作業</a:t>
+            </a:r>
+            <a:r>
+              <a:rPr lang="ja-JP" altLang="en-US" smtClean="0"/>
+              <a:t>管理」メニューに移動したのち、</a:t>
+            </a:r>
+            <a:r>
+              <a:rPr lang="en-US" altLang="ja-JP" smtClean="0"/>
+              <a:t/>
+            </a:r>
+            <a:br>
+              <a:rPr lang="en-US" altLang="ja-JP" smtClean="0"/>
+            </a:br>
+            <a:r>
+              <a:rPr lang="ja-JP" altLang="en-US" smtClean="0"/>
+              <a:t>「</a:t>
             </a:r>
             <a:r>
               <a:rPr lang="ja-JP" altLang="en-US" dirty="0" smtClean="0"/>
-              <a:t>、「フィルタ」をクリックすると</a:t>
-            </a:r>
-            <a:endParaRPr lang="en-US" altLang="ja-JP" dirty="0" smtClean="0"/>
-          </a:p>
-          <a:p>
-            <a:pPr marL="180000" lvl="1" indent="0">
-              <a:buNone/>
-            </a:pPr>
+              <a:t>フィルタ」をクリック</a:t>
+            </a:r>
+            <a:r>
+              <a:rPr lang="ja-JP" altLang="en-US" smtClean="0"/>
+              <a:t>すると実行</a:t>
+            </a:r>
             <a:r>
               <a:rPr lang="ja-JP" altLang="en-US" dirty="0" smtClean="0"/>
-              <a:t>実行された作業の一覧が表示されます。対象の作業の「作業状況確認」をクリックしエラーの確認を行います。</a:t>
+              <a:t>された作業の一覧が表示</a:t>
+            </a:r>
+            <a:r>
+              <a:rPr lang="ja-JP" altLang="en-US" smtClean="0"/>
+              <a:t>されます。</a:t>
+            </a:r>
+            <a:r>
+              <a:rPr lang="en-US" altLang="ja-JP" smtClean="0"/>
+              <a:t/>
+            </a:r>
+            <a:br>
+              <a:rPr lang="en-US" altLang="ja-JP" smtClean="0"/>
+            </a:br>
+            <a:r>
+              <a:rPr lang="ja-JP" altLang="en-US" smtClean="0"/>
+              <a:t>対象</a:t>
+            </a:r>
+            <a:r>
+              <a:rPr lang="ja-JP" altLang="en-US" dirty="0" smtClean="0"/>
+              <a:t>の作業の「作業状況確認」をクリックしエラーの確認を行います。</a:t>
             </a:r>
             <a:endParaRPr lang="en-US" altLang="ja-JP" dirty="0"/>
           </a:p>
@@ -12465,7 +13043,7 @@
           <a:lstStyle/>
           <a:p>
             <a:r>
-              <a:rPr lang="ja-JP" altLang="en-US" sz="1600" b="1" dirty="0" smtClean="0"/>
+              <a:rPr lang="ja-JP" altLang="en-US" b="1" dirty="0" smtClean="0"/>
               <a:t>ドライランが実行されているか確認</a:t>
             </a:r>
             <a:endParaRPr lang="en-US" altLang="ja-JP" dirty="0" smtClean="0"/>
@@ -12490,7 +13068,38 @@
             </a:r>
             <a:r>
               <a:rPr lang="ja-JP" altLang="en-US" dirty="0" smtClean="0"/>
-              <a:t>でエラーを確認することができます。今回はインデントがずれているものを登録したためエラーが発生してしまいました。</a:t>
+              <a:t>でエラーを確認することが</a:t>
+            </a:r>
+            <a:r>
+              <a:rPr lang="ja-JP" altLang="en-US" smtClean="0"/>
+              <a:t>できます。</a:t>
+            </a:r>
+            <a:r>
+              <a:rPr lang="en-US" altLang="ja-JP" smtClean="0"/>
+              <a:t/>
+            </a:r>
+            <a:br>
+              <a:rPr lang="en-US" altLang="ja-JP" smtClean="0"/>
+            </a:br>
+            <a:r>
+              <a:rPr lang="ja-JP" altLang="en-US" smtClean="0"/>
+              <a:t>今回は</a:t>
+            </a:r>
+            <a:r>
+              <a:rPr lang="ja-JP" altLang="en-US" smtClean="0">
+                <a:hlinkClick r:id="rId2" action="ppaction://hlinksldjump"/>
+              </a:rPr>
+              <a:t>体裁に不備のある</a:t>
+            </a:r>
+            <a:r>
+              <a:rPr lang="en-US" altLang="ja-JP" smtClean="0">
+                <a:hlinkClick r:id="rId2" action="ppaction://hlinksldjump"/>
+              </a:rPr>
+              <a:t>Playbook</a:t>
+            </a:r>
+            <a:r>
+              <a:rPr lang="ja-JP" altLang="en-US" smtClean="0"/>
+              <a:t>を実行したために、エラーが発生しているはずです。</a:t>
             </a:r>
             <a:endParaRPr lang="en-US" altLang="ja-JP" dirty="0" smtClean="0"/>
           </a:p>
@@ -12552,7 +13161,7 @@
           <p:nvPr/>
         </p:nvPicPr>
         <p:blipFill rotWithShape="1">
-          <a:blip r:embed="rId2"/>
+          <a:blip r:embed="rId3"/>
           <a:srcRect r="31272" b="10418"/>
           <a:stretch/>
         </p:blipFill>
@@ -12663,40 +13272,32 @@
           <a:lstStyle/>
           <a:p>
             <a:r>
-              <a:rPr lang="ja-JP" altLang="en-US" sz="1600" b="1" dirty="0" smtClean="0"/>
+              <a:rPr lang="ja-JP" altLang="en-US" b="1" dirty="0" smtClean="0"/>
               <a:t>再度</a:t>
             </a:r>
             <a:r>
-              <a:rPr lang="en-US" altLang="ja-JP" sz="1600" b="1" dirty="0" smtClean="0"/>
+              <a:rPr lang="en-US" altLang="ja-JP" b="1" dirty="0" smtClean="0"/>
               <a:t>GitHub</a:t>
             </a:r>
             <a:r>
-              <a:rPr lang="ja-JP" altLang="en-US" sz="1600" b="1" dirty="0" smtClean="0"/>
+              <a:rPr lang="ja-JP" altLang="en-US" b="1" dirty="0" smtClean="0"/>
               <a:t>にアクセスし</a:t>
             </a:r>
             <a:r>
-              <a:rPr lang="en-US" altLang="ja-JP" sz="1600" b="1" dirty="0" smtClean="0"/>
+              <a:rPr lang="en-US" altLang="ja-JP" b="1" dirty="0" smtClean="0"/>
               <a:t>Playbook</a:t>
             </a:r>
             <a:r>
-              <a:rPr lang="ja-JP" altLang="en-US" sz="1600" b="1" dirty="0" smtClean="0"/>
+              <a:rPr lang="ja-JP" altLang="en-US" b="1" dirty="0" smtClean="0"/>
               <a:t>を修正</a:t>
             </a:r>
-            <a:endParaRPr lang="en-US" altLang="ja-JP" sz="1600" b="1" dirty="0" smtClean="0"/>
+            <a:endParaRPr lang="en-US" altLang="ja-JP" b="1" dirty="0" smtClean="0"/>
           </a:p>
           <a:p>
             <a:pPr lvl="1"/>
             <a:r>
-              <a:rPr lang="ja-JP" altLang="en-US" dirty="0" smtClean="0"/>
-              <a:t>先ほどエラーが出てしまった箇所の</a:t>
-            </a:r>
-            <a:r>
-              <a:rPr lang="ja-JP" altLang="en-US" dirty="0"/>
-              <a:t>修正</a:t>
-            </a:r>
-            <a:r>
-              <a:rPr lang="ja-JP" altLang="en-US" dirty="0" smtClean="0"/>
-              <a:t>を行っていきます。</a:t>
+              <a:rPr lang="ja-JP" altLang="en-US" smtClean="0"/>
+              <a:t>エラーが出た原因を修正します。</a:t>
             </a:r>
             <a:endParaRPr lang="en-US" altLang="ja-JP" dirty="0" smtClean="0"/>
           </a:p>
@@ -12705,28 +13306,65 @@
               <a:buNone/>
             </a:pPr>
             <a:r>
-              <a:rPr kumimoji="1" lang="ja-JP" altLang="en-US" dirty="0"/>
-              <a:t>　</a:t>
+              <a:rPr kumimoji="1" lang="ja-JP" altLang="en-US" smtClean="0"/>
+              <a:t>　再度</a:t>
+            </a:r>
+            <a:r>
+              <a:rPr kumimoji="1" lang="en-US" altLang="ja-JP" dirty="0" smtClean="0">
+                <a:hlinkClick r:id="rId2"/>
+              </a:rPr>
+              <a:t>GitHub</a:t>
             </a:r>
             <a:r>
               <a:rPr kumimoji="1" lang="ja-JP" altLang="en-US" dirty="0" smtClean="0"/>
-              <a:t>再度</a:t>
-            </a:r>
-            <a:r>
-              <a:rPr kumimoji="1" lang="en-US" altLang="ja-JP" dirty="0" smtClean="0"/>
-              <a:t>GitHub</a:t>
-            </a:r>
-            <a:r>
-              <a:rPr kumimoji="1" lang="ja-JP" altLang="en-US" dirty="0" smtClean="0"/>
-              <a:t>にアクセスし</a:t>
+              <a:t>に</a:t>
+            </a:r>
+            <a:r>
+              <a:rPr kumimoji="1" lang="ja-JP" altLang="en-US" smtClean="0"/>
+              <a:t>アクセスし当該ファイルの</a:t>
+            </a:r>
+            <a:r>
+              <a:rPr lang="ja-JP" altLang="en-US" smtClean="0"/>
+              <a:t>編集</a:t>
             </a:r>
             <a:r>
               <a:rPr lang="ja-JP" altLang="en-US" dirty="0" smtClean="0"/>
-              <a:t>編集アイコンをクリック、対象箇所の修正が完了したら「</a:t>
+              <a:t>アイコン</a:t>
+            </a:r>
+            <a:r>
+              <a:rPr lang="ja-JP" altLang="en-US" smtClean="0"/>
+              <a:t>をクリックして下さい。</a:t>
+            </a:r>
+            <a:r>
+              <a:rPr lang="en-US" altLang="ja-JP" smtClean="0"/>
+              <a:t/>
+            </a:r>
+            <a:br>
+              <a:rPr lang="en-US" altLang="ja-JP" smtClean="0"/>
+            </a:br>
+            <a:r>
+              <a:rPr lang="ja-JP" altLang="en-US" smtClean="0"/>
+              <a:t>　修正</a:t>
+            </a:r>
+            <a:r>
+              <a:rPr lang="ja-JP" altLang="en-US" dirty="0" smtClean="0"/>
+              <a:t>が完了</a:t>
+            </a:r>
+            <a:r>
+              <a:rPr lang="ja-JP" altLang="en-US" smtClean="0"/>
+              <a:t>したら「</a:t>
+            </a:r>
+            <a:r>
+              <a:rPr lang="en-US" altLang="ja-JP" dirty="0"/>
+              <a:t>C</a:t>
+            </a:r>
+            <a:r>
+              <a:rPr lang="en-US" altLang="ja-JP" smtClean="0"/>
+              <a:t>ommit </a:t>
             </a:r>
             <a:r>
               <a:rPr lang="en-US" altLang="ja-JP" dirty="0" smtClean="0"/>
-              <a:t>commit changes</a:t>
+              <a:t>changes</a:t>
             </a:r>
             <a:r>
               <a:rPr lang="ja-JP" altLang="en-US" dirty="0" smtClean="0"/>
@@ -12784,7 +13422,7 @@
           <p:nvPr/>
         </p:nvPicPr>
         <p:blipFill rotWithShape="1">
-          <a:blip r:embed="rId2"/>
+          <a:blip r:embed="rId3"/>
           <a:srcRect r="2780"/>
           <a:stretch/>
         </p:blipFill>
@@ -12808,7 +13446,7 @@
         </p:nvGrpSpPr>
         <p:grpSpPr>
           <a:xfrm>
-            <a:off x="335870" y="2025077"/>
+            <a:off x="335870" y="2073459"/>
             <a:ext cx="5072841" cy="2088289"/>
             <a:chOff x="323410" y="2132820"/>
             <a:chExt cx="6618804" cy="2724702"/>
@@ -12823,7 +13461,7 @@
             <p:nvPr/>
           </p:nvPicPr>
           <p:blipFill>
-            <a:blip r:embed="rId3"/>
+            <a:blip r:embed="rId4"/>
             <a:stretch>
               <a:fillRect/>
             </a:stretch>
@@ -12928,14 +13566,14 @@
           <p:nvPr/>
         </p:nvPicPr>
         <p:blipFill>
-          <a:blip r:embed="rId4"/>
+          <a:blip r:embed="rId5"/>
           <a:stretch>
             <a:fillRect/>
           </a:stretch>
         </p:blipFill>
         <p:spPr>
           <a:xfrm>
-            <a:off x="1970115" y="4213806"/>
+            <a:off x="1970115" y="4262188"/>
             <a:ext cx="2513214" cy="2263242"/>
           </a:xfrm>
           <a:prstGeom prst="rect">
@@ -13155,22 +13793,28 @@
           <a:p>
             <a:pPr algn="ctr"/>
             <a:r>
+              <a:rPr lang="ja-JP" altLang="en-US" sz="1400" smtClean="0">
+                <a:latin typeface="+mn-ea"/>
+              </a:rPr>
+              <a:t>：と </a:t>
+            </a:r>
+            <a:r>
+              <a:rPr lang="en-US" altLang="ja-JP" sz="1400" smtClean="0">
+                <a:latin typeface="+mn-ea"/>
+              </a:rPr>
+              <a:t>y</a:t>
+            </a:r>
+            <a:r>
+              <a:rPr lang="ja-JP" altLang="en-US" sz="1400" smtClean="0">
+                <a:latin typeface="+mn-ea"/>
+              </a:rPr>
+              <a:t> の</a:t>
+            </a:r>
+            <a:r>
               <a:rPr lang="ja-JP" altLang="en-US" sz="1400" dirty="0" smtClean="0">
                 <a:latin typeface="+mn-ea"/>
               </a:rPr>
-              <a:t>：と</a:t>
-            </a:r>
-            <a:r>
-              <a:rPr lang="en-US" altLang="ja-JP" sz="1400" dirty="0" smtClean="0">
-                <a:latin typeface="+mn-ea"/>
-              </a:rPr>
-              <a:t>y</a:t>
-            </a:r>
-            <a:r>
-              <a:rPr lang="ja-JP" altLang="en-US" sz="1400" dirty="0" smtClean="0">
-                <a:latin typeface="+mn-ea"/>
-              </a:rPr>
-              <a:t>の間に半角スペースを入れる</a:t>
+              <a:t>間に半角スペースを入れる</a:t>
             </a:r>
             <a:endParaRPr lang="en-US" altLang="ja-JP" sz="1400" dirty="0">
               <a:latin typeface="+mn-ea"/>
@@ -13187,7 +13831,7 @@
           <p:nvPr/>
         </p:nvPicPr>
         <p:blipFill rotWithShape="1">
-          <a:blip r:embed="rId5"/>
+          <a:blip r:embed="rId6"/>
           <a:srcRect t="15017" b="59448"/>
           <a:stretch/>
         </p:blipFill>
@@ -13210,7 +13854,7 @@
           <p:nvPr/>
         </p:nvPicPr>
         <p:blipFill rotWithShape="1">
-          <a:blip r:embed="rId6"/>
+          <a:blip r:embed="rId7"/>
           <a:srcRect t="14800" b="58140"/>
           <a:stretch/>
         </p:blipFill>
@@ -13348,32 +13992,32 @@
           <a:lstStyle/>
           <a:p>
             <a:r>
-              <a:rPr lang="ja-JP" altLang="en-US" sz="1600" b="1" dirty="0"/>
+              <a:rPr lang="ja-JP" altLang="en-US" b="1" dirty="0"/>
               <a:t>ドライランが実行されているか</a:t>
             </a:r>
             <a:r>
-              <a:rPr lang="ja-JP" altLang="en-US" sz="1600" b="1" dirty="0" smtClean="0"/>
+              <a:rPr lang="ja-JP" altLang="en-US" b="1" dirty="0" smtClean="0"/>
               <a:t>確認</a:t>
             </a:r>
-            <a:endParaRPr lang="en-US" altLang="ja-JP" sz="1600" b="1" dirty="0" smtClean="0"/>
+            <a:endParaRPr lang="en-US" altLang="ja-JP" b="1" dirty="0" smtClean="0"/>
           </a:p>
           <a:p>
             <a:pPr lvl="1"/>
             <a:r>
-              <a:rPr lang="en-US" altLang="ja-JP" dirty="0" smtClean="0"/>
+              <a:rPr lang="en-US" altLang="ja-JP" smtClean="0"/>
               <a:t>GitHub</a:t>
             </a:r>
             <a:r>
-              <a:rPr lang="ja-JP" altLang="en-US" dirty="0" smtClean="0"/>
-              <a:t>で更新が完了すると自動的に</a:t>
-            </a:r>
-            <a:r>
-              <a:rPr lang="en-US" altLang="ja-JP" dirty="0" smtClean="0"/>
+              <a:rPr lang="ja-JP" altLang="en-US" smtClean="0"/>
+              <a:t>でファイルを更新すると自動的に</a:t>
+            </a:r>
+            <a:r>
+              <a:rPr lang="en-US" altLang="ja-JP" smtClean="0"/>
               <a:t>ITA</a:t>
             </a:r>
             <a:r>
-              <a:rPr lang="ja-JP" altLang="en-US" dirty="0" smtClean="0"/>
-              <a:t>の</a:t>
+              <a:rPr lang="ja-JP" altLang="en-US" smtClean="0"/>
+              <a:t>上の</a:t>
             </a:r>
             <a:r>
               <a:rPr lang="en-US" altLang="ja-JP" dirty="0" smtClean="0"/>
@@ -13381,10 +14025,21 @@
             </a:r>
             <a:r>
               <a:rPr lang="ja-JP" altLang="en-US" dirty="0" smtClean="0"/>
-              <a:t>も更新されドライランが実行されます。</a:t>
-            </a:r>
-            <a:r>
-              <a:rPr lang="en-US" altLang="ja-JP" dirty="0" smtClean="0"/>
+              <a:t>も更新されドライランが実行</a:t>
+            </a:r>
+            <a:r>
+              <a:rPr lang="ja-JP" altLang="en-US" smtClean="0"/>
+              <a:t>されます。</a:t>
+            </a:r>
+            <a:r>
+              <a:rPr lang="en-US" altLang="ja-JP" smtClean="0"/>
+              <a:t/>
+            </a:r>
+            <a:br>
+              <a:rPr lang="en-US" altLang="ja-JP" smtClean="0"/>
+            </a:br>
+            <a:r>
+              <a:rPr lang="en-US" altLang="ja-JP" smtClean="0"/>
               <a:t>1</a:t>
             </a:r>
             <a:r>
@@ -13409,31 +14064,39 @@
             </a:r>
             <a:r>
               <a:rPr lang="ja-JP" altLang="en-US" dirty="0" smtClean="0"/>
-              <a:t>クリックして下さい。</a:t>
-            </a:r>
-            <a:r>
-              <a:rPr lang="en-US" altLang="ja-JP" dirty="0" smtClean="0"/>
+              <a:t>クリックして</a:t>
+            </a:r>
+            <a:r>
+              <a:rPr lang="ja-JP" altLang="en-US" smtClean="0"/>
+              <a:t>下さい</a:t>
+            </a:r>
+            <a:r>
+              <a:rPr lang="ja-JP" altLang="en-US" smtClean="0"/>
+              <a:t>。</a:t>
+            </a:r>
+            <a:r>
+              <a:rPr lang="en-US" altLang="ja-JP" smtClean="0"/>
               <a:t>1</a:t>
             </a:r>
             <a:r>
-              <a:rPr lang="ja-JP" altLang="en-US" dirty="0" smtClean="0"/>
-              <a:t>回目は完了の後に</a:t>
-            </a:r>
-            <a:r>
-              <a:rPr lang="en-US" altLang="ja-JP" dirty="0" smtClean="0"/>
+              <a:rPr lang="ja-JP" altLang="en-US" smtClean="0"/>
+              <a:t>回目はステータスが「完了</a:t>
+            </a:r>
+            <a:r>
+              <a:rPr lang="en-US" altLang="ja-JP" smtClean="0"/>
               <a:t>(</a:t>
             </a:r>
             <a:r>
-              <a:rPr lang="ja-JP" altLang="en-US" dirty="0" smtClean="0"/>
+              <a:rPr lang="ja-JP" altLang="en-US" smtClean="0"/>
               <a:t>異常</a:t>
             </a:r>
             <a:r>
-              <a:rPr lang="en-US" altLang="ja-JP" dirty="0" smtClean="0"/>
+              <a:rPr lang="en-US" altLang="ja-JP" smtClean="0"/>
               <a:t>)</a:t>
             </a:r>
             <a:r>
-              <a:rPr lang="ja-JP" altLang="en-US" dirty="0" smtClean="0"/>
-              <a:t>の表示がありましたが、今回は問題なく完了しました。</a:t>
+              <a:rPr lang="ja-JP" altLang="en-US" smtClean="0"/>
+              <a:t>」で終了しましたが、今回は「完了」となっており、正常に終了したことが確認できます。</a:t>
             </a:r>
             <a:endParaRPr lang="en-US" altLang="ja-JP" dirty="0"/>
           </a:p>
@@ -13505,8 +14168,8 @@
         </p:blipFill>
         <p:spPr>
           <a:xfrm>
-            <a:off x="214864" y="2276840"/>
-            <a:ext cx="8730250" cy="3888540"/>
+            <a:off x="377283" y="2780910"/>
+            <a:ext cx="8515317" cy="3792807"/>
           </a:xfrm>
           <a:prstGeom prst="rect">
             <a:avLst/>
@@ -13521,8 +14184,8 @@
         </p:nvSpPr>
         <p:spPr bwMode="auto">
           <a:xfrm>
-            <a:off x="1309660" y="4941210"/>
-            <a:ext cx="7358108" cy="152332"/>
+            <a:off x="1441577" y="5374876"/>
+            <a:ext cx="7176956" cy="142414"/>
           </a:xfrm>
           <a:prstGeom prst="roundRect">
             <a:avLst>
@@ -13565,8 +14228,8 @@
         </p:nvSpPr>
         <p:spPr bwMode="auto">
           <a:xfrm>
-            <a:off x="1300258" y="3686595"/>
-            <a:ext cx="1080150" cy="218404"/>
+            <a:off x="1441577" y="4176863"/>
+            <a:ext cx="1053557" cy="204184"/>
           </a:xfrm>
           <a:prstGeom prst="roundRect">
             <a:avLst>
@@ -13609,8 +14272,8 @@
         </p:nvSpPr>
         <p:spPr bwMode="auto">
           <a:xfrm>
-            <a:off x="211719" y="4336556"/>
-            <a:ext cx="952832" cy="244604"/>
+            <a:off x="377283" y="4797190"/>
+            <a:ext cx="929373" cy="228679"/>
           </a:xfrm>
           <a:prstGeom prst="roundRect">
             <a:avLst>
@@ -13698,48 +14361,51 @@
           <a:lstStyle/>
           <a:p>
             <a:r>
-              <a:rPr lang="ja-JP" altLang="en-US" sz="1600" b="1" dirty="0" smtClean="0"/>
+              <a:rPr lang="ja-JP" altLang="en-US" b="1" dirty="0" smtClean="0"/>
               <a:t>作業</a:t>
             </a:r>
             <a:r>
-              <a:rPr lang="ja-JP" altLang="en-US" sz="1600" b="1" dirty="0"/>
+              <a:rPr lang="ja-JP" altLang="en-US" b="1" dirty="0"/>
               <a:t>実行</a:t>
             </a:r>
             <a:r>
-              <a:rPr lang="ja-JP" altLang="en-US" sz="1600" b="1" dirty="0" smtClean="0"/>
+              <a:rPr lang="ja-JP" altLang="en-US" b="1" dirty="0" smtClean="0"/>
               <a:t>から実際にターゲットサーバへ実行</a:t>
             </a:r>
-            <a:endParaRPr lang="en-US" altLang="ja-JP" sz="1600" b="1" dirty="0" smtClean="0"/>
+            <a:endParaRPr lang="en-US" altLang="ja-JP" b="1" dirty="0" smtClean="0"/>
           </a:p>
           <a:p>
             <a:pPr lvl="1"/>
             <a:r>
-              <a:rPr kumimoji="1" lang="ja-JP" altLang="en-US" dirty="0" smtClean="0"/>
-              <a:t>先ほどまではドライランで実行し</a:t>
-            </a:r>
-            <a:r>
-              <a:rPr kumimoji="1" lang="en-US" altLang="ja-JP" dirty="0" smtClean="0"/>
+              <a:rPr lang="en-US" altLang="ja-JP" smtClean="0"/>
               <a:t>Playbook</a:t>
             </a:r>
             <a:r>
-              <a:rPr kumimoji="1" lang="ja-JP" altLang="en-US" dirty="0" smtClean="0"/>
-              <a:t>の記載が問題ないかチェックを</a:t>
-            </a:r>
-            <a:r>
-              <a:rPr lang="ja-JP" altLang="en-US" dirty="0" smtClean="0"/>
-              <a:t>していましたが修正が完了問題なく動作したのでいよいよ実際のターゲットサーバに</a:t>
-            </a:r>
-            <a:r>
-              <a:rPr lang="ja-JP" altLang="en-US" dirty="0"/>
-              <a:t>反映</a:t>
-            </a:r>
-            <a:r>
-              <a:rPr lang="ja-JP" altLang="en-US" dirty="0" smtClean="0"/>
-              <a:t>させていきます。</a:t>
-            </a:r>
-            <a:r>
-              <a:rPr lang="ja-JP" altLang="en-US" dirty="0"/>
-              <a:t> 「</a:t>
+              <a:rPr lang="ja-JP" altLang="en-US" smtClean="0"/>
+              <a:t>の</a:t>
+            </a:r>
+            <a:r>
+              <a:rPr kumimoji="1" lang="ja-JP" altLang="en-US" smtClean="0"/>
+              <a:t>体裁を修正したところで、実際に</a:t>
+            </a:r>
+            <a:r>
+              <a:rPr lang="ja-JP" altLang="en-US" smtClean="0"/>
+              <a:t>ターゲットサーバに作業を実行します。</a:t>
+            </a:r>
+            <a:r>
+              <a:rPr lang="ja-JP" altLang="en-US"/>
+              <a:t> </a:t>
+            </a:r>
+            <a:r>
+              <a:rPr lang="en-US" altLang="ja-JP" smtClean="0"/>
+              <a:t/>
+            </a:r>
+            <a:br>
+              <a:rPr lang="en-US" altLang="ja-JP" smtClean="0"/>
+            </a:br>
+            <a:r>
+              <a:rPr lang="ja-JP" altLang="en-US" smtClean="0"/>
+              <a:t>「</a:t>
             </a:r>
             <a:r>
               <a:rPr lang="en-US" altLang="ja-JP" dirty="0" err="1"/>
@@ -14623,18 +15289,18 @@
           <a:lstStyle/>
           <a:p>
             <a:r>
-              <a:rPr lang="ja-JP" altLang="en-US" sz="1600" b="1" dirty="0" smtClean="0"/>
+              <a:rPr lang="ja-JP" altLang="en-US" b="1" dirty="0" smtClean="0"/>
               <a:t>作業</a:t>
             </a:r>
             <a:r>
-              <a:rPr lang="ja-JP" altLang="en-US" sz="1600" b="1" dirty="0"/>
+              <a:rPr lang="ja-JP" altLang="en-US" b="1" dirty="0"/>
               <a:t>実行</a:t>
             </a:r>
             <a:r>
-              <a:rPr lang="ja-JP" altLang="en-US" sz="1600" b="1" dirty="0" smtClean="0"/>
+              <a:rPr lang="ja-JP" altLang="en-US" b="1" dirty="0" smtClean="0"/>
               <a:t>から実際にターゲットサーバへ実行</a:t>
             </a:r>
-            <a:endParaRPr lang="en-US" altLang="ja-JP" sz="1600" b="1" dirty="0" smtClean="0"/>
+            <a:endParaRPr lang="en-US" altLang="ja-JP" b="1" dirty="0" smtClean="0"/>
           </a:p>
           <a:p>
             <a:pPr lvl="1"/>
@@ -14648,7 +15314,15 @@
             </a:r>
             <a:r>
               <a:rPr lang="ja-JP" altLang="en-US" dirty="0" smtClean="0"/>
-              <a:t>」をクリックして下さい。実行されステータスが完了の表示になったら無事に反映完了です。</a:t>
+              <a:t>」をクリックして下さい。実行され</a:t>
+            </a:r>
+            <a:r>
+              <a:rPr lang="ja-JP" altLang="en-US" smtClean="0"/>
+              <a:t>ステータスが「完了」の</a:t>
+            </a:r>
+            <a:r>
+              <a:rPr lang="ja-JP" altLang="en-US" dirty="0" smtClean="0"/>
+              <a:t>表示になったら無事に反映完了です。</a:t>
             </a:r>
             <a:endParaRPr lang="en-US" altLang="ja-JP" dirty="0" smtClean="0"/>
           </a:p>
@@ -14724,12 +15398,17 @@
         </p:blipFill>
         <p:spPr>
           <a:xfrm>
-            <a:off x="343847" y="1923866"/>
+            <a:off x="323410" y="1995876"/>
             <a:ext cx="5400750" cy="2585284"/>
           </a:xfrm>
           <a:prstGeom prst="rect">
             <a:avLst/>
           </a:prstGeom>
+          <a:ln>
+            <a:solidFill>
+              <a:schemeClr val="tx1"/>
+            </a:solidFill>
+          </a:ln>
         </p:spPr>
       </p:pic>
       <p:sp>
@@ -14798,6 +15477,11 @@
           <a:prstGeom prst="rect">
             <a:avLst/>
           </a:prstGeom>
+          <a:ln>
+            <a:solidFill>
+              <a:schemeClr val="tx1"/>
+            </a:solidFill>
+          </a:ln>
         </p:spPr>
       </p:pic>
       <p:sp>
@@ -14852,13 +15536,13 @@
         </p:nvSpPr>
         <p:spPr bwMode="auto">
           <a:xfrm rot="5400000">
-            <a:off x="2492390" y="4611188"/>
+            <a:off x="3210145" y="4611188"/>
             <a:ext cx="1616483" cy="1658059"/>
           </a:xfrm>
           <a:prstGeom prst="bentUpArrow">
             <a:avLst>
               <a:gd name="adj1" fmla="val 15675"/>
-              <a:gd name="adj2" fmla="val 25000"/>
+              <a:gd name="adj2" fmla="val 15648"/>
               <a:gd name="adj3" fmla="val 21891"/>
             </a:avLst>
           </a:prstGeom>
@@ -15048,21 +15732,25 @@
             <a:pPr lvl="1"/>
             <a:r>
               <a:rPr lang="ja-JP" altLang="en-US" dirty="0"/>
-              <a:t>本書では、メニューグループ</a:t>
-            </a:r>
-            <a:r>
-              <a:rPr lang="ja-JP" altLang="en-US" dirty="0" smtClean="0"/>
-              <a:t>の</a:t>
-            </a:r>
-            <a:r>
-              <a:rPr lang="en-US" altLang="ja-JP" dirty="0" smtClean="0"/>
+              <a:t>本書</a:t>
+            </a:r>
+            <a:r>
+              <a:rPr lang="ja-JP" altLang="en-US"/>
+              <a:t>で</a:t>
+            </a:r>
+            <a:r>
+              <a:rPr lang="ja-JP" altLang="en-US" smtClean="0"/>
+              <a:t>はメニューグループの</a:t>
+            </a:r>
+            <a:r>
+              <a:rPr lang="en-US" altLang="ja-JP"/>
               <a:t/>
             </a:r>
             <a:br>
-              <a:rPr lang="en-US" altLang="ja-JP" dirty="0" smtClean="0"/>
+              <a:rPr lang="en-US" altLang="ja-JP"/>
             </a:br>
             <a:r>
-              <a:rPr lang="ja-JP" altLang="en-US" dirty="0" smtClean="0"/>
+              <a:rPr lang="ja-JP" altLang="en-US" smtClean="0"/>
               <a:t>「</a:t>
             </a:r>
             <a:r>
@@ -15075,15 +15763,19 @@
             </a:r>
             <a:r>
               <a:rPr lang="ja-JP" altLang="en-US" dirty="0"/>
-              <a:t>」について</a:t>
-            </a:r>
-            <a:r>
-              <a:rPr lang="ja-JP" altLang="en-US" dirty="0" smtClean="0"/>
-              <a:t>、</a:t>
+              <a:t>」に</a:t>
+            </a:r>
+            <a:r>
+              <a:rPr lang="ja-JP" altLang="en-US"/>
+              <a:t>ついて</a:t>
+            </a:r>
+            <a:r>
+              <a:rPr lang="ja-JP" altLang="en-US" smtClean="0"/>
+              <a:t>、実践</a:t>
             </a:r>
             <a:r>
               <a:rPr lang="ja-JP" altLang="en-US" dirty="0"/>
-              <a:t>実践形式で学習いただけます</a:t>
+              <a:t>形式で学習いただけます</a:t>
             </a:r>
             <a:r>
               <a:rPr lang="ja-JP" altLang="en-US" dirty="0" smtClean="0"/>
@@ -15094,12 +15786,28 @@
           <a:p>
             <a:pPr lvl="1"/>
             <a:r>
-              <a:rPr lang="ja-JP" altLang="en-US" dirty="0" smtClean="0">
+              <a:rPr lang="ja-JP" altLang="en-US" smtClean="0">
                 <a:solidFill>
                   <a:srgbClr val="FF0000"/>
                 </a:solidFill>
               </a:rPr>
-              <a:t>なお本書を実施していただく前に「</a:t>
+              <a:t>本書のシナリオを実施するまえに、</a:t>
+            </a:r>
+            <a:r>
+              <a:rPr lang="en-US" altLang="ja-JP" smtClean="0">
+                <a:solidFill>
+                  <a:srgbClr val="FF0000"/>
+                </a:solidFill>
+              </a:rPr>
+              <a:t>Learn</a:t>
+            </a:r>
+            <a:r>
+              <a:rPr lang="ja-JP" altLang="en-US" smtClean="0">
+                <a:solidFill>
+                  <a:srgbClr val="FF0000"/>
+                </a:solidFill>
+              </a:rPr>
+              <a:t>資料「</a:t>
             </a:r>
             <a:r>
               <a:rPr lang="ja-JP" altLang="en-US" dirty="0" smtClean="0">
@@ -15116,7 +15824,15 @@
                   <a:srgbClr val="FF0000"/>
                 </a:solidFill>
               </a:rPr>
-              <a:t>」の実施が必須となります。</a:t>
+              <a:t>」の実施</a:t>
+            </a:r>
+            <a:r>
+              <a:rPr lang="ja-JP" altLang="en-US" smtClean="0">
+                <a:solidFill>
+                  <a:srgbClr val="FF0000"/>
+                </a:solidFill>
+              </a:rPr>
+              <a:t>が必須です。</a:t>
             </a:r>
             <a:endParaRPr lang="en-US" altLang="ja-JP" dirty="0" smtClean="0">
               <a:solidFill>
@@ -15233,7 +15949,7 @@
         <p:spPr>
           <a:xfrm>
             <a:off x="214864" y="856627"/>
-            <a:ext cx="8677736" cy="5596794"/>
+            <a:ext cx="8677736" cy="744470"/>
           </a:xfrm>
         </p:spPr>
         <p:txBody>
@@ -15243,54 +15959,25 @@
           <a:lstStyle/>
           <a:p>
             <a:r>
-              <a:rPr kumimoji="1" lang="ja-JP" altLang="en-US" b="1" dirty="0" smtClean="0"/>
+              <a:rPr kumimoji="1" lang="ja-JP" altLang="en-US" b="1" smtClean="0"/>
               <a:t>作業環境</a:t>
             </a:r>
-            <a:endParaRPr kumimoji="1" lang="en-US" altLang="ja-JP" b="1" dirty="0" smtClean="0"/>
+            <a:endParaRPr kumimoji="1" lang="en-US" altLang="ja-JP" b="1" smtClean="0"/>
           </a:p>
           <a:p>
             <a:pPr lvl="1"/>
             <a:r>
-              <a:rPr lang="ja-JP" altLang="en-US" dirty="0"/>
-              <a:t>本書で使用する作業環境は以下の</a:t>
-            </a:r>
-            <a:r>
-              <a:rPr lang="ja-JP" altLang="en-US" dirty="0" smtClean="0"/>
+              <a:rPr lang="ja-JP" altLang="en-US" smtClean="0"/>
+              <a:t>本書で使用する作業環境</a:t>
+            </a:r>
+            <a:r>
+              <a:rPr lang="ja-JP" altLang="en-US" smtClean="0"/>
+              <a:t>は下図の</a:t>
+            </a:r>
+            <a:r>
+              <a:rPr lang="ja-JP" altLang="en-US" smtClean="0"/>
               <a:t>通りです。</a:t>
             </a:r>
-            <a:endParaRPr lang="en-US" altLang="ja-JP" dirty="0" smtClean="0"/>
-          </a:p>
-          <a:p>
-            <a:pPr lvl="1"/>
-            <a:r>
-              <a:rPr lang="en-US" altLang="ja-JP" dirty="0" smtClean="0"/>
-              <a:t>ITA</a:t>
-            </a:r>
-            <a:r>
-              <a:rPr lang="ja-JP" altLang="en-US" dirty="0" smtClean="0"/>
-              <a:t>サーバ、ターゲットサーバの他</a:t>
-            </a:r>
-            <a:r>
-              <a:rPr lang="ja-JP" altLang="en-US" dirty="0"/>
-              <a:t>に</a:t>
-            </a:r>
-            <a:r>
-              <a:rPr lang="ja-JP" altLang="en-US" dirty="0" smtClean="0"/>
-              <a:t>、</a:t>
-            </a:r>
-            <a:r>
-              <a:rPr lang="en-US" altLang="ja-JP" dirty="0" smtClean="0"/>
-              <a:t>GitHub</a:t>
-            </a:r>
-            <a:r>
-              <a:rPr lang="ja-JP" altLang="en-US" dirty="0" smtClean="0"/>
-              <a:t>のアカウント</a:t>
-            </a:r>
-            <a:r>
-              <a:rPr lang="ja-JP" altLang="en-US" dirty="0"/>
-              <a:t>をご用意ください。</a:t>
-            </a:r>
-            <a:endParaRPr lang="en-US" altLang="ja-JP" dirty="0" smtClean="0"/>
           </a:p>
         </p:txBody>
       </p:sp>
@@ -15341,7 +16028,7 @@
         </p:nvSpPr>
         <p:spPr bwMode="auto">
           <a:xfrm>
-            <a:off x="2681420" y="2567651"/>
+            <a:off x="2768179" y="1644880"/>
             <a:ext cx="3586873" cy="1596552"/>
           </a:xfrm>
           <a:prstGeom prst="rect">
@@ -15424,7 +16111,7 @@
         </p:nvSpPr>
         <p:spPr>
           <a:xfrm>
-            <a:off x="2990506" y="2986144"/>
+            <a:off x="3077265" y="2063373"/>
             <a:ext cx="1286926" cy="1050901"/>
           </a:xfrm>
           <a:prstGeom prst="rect">
@@ -15494,12 +16181,12 @@
           <a:p>
             <a:pPr algn="ctr"/>
             <a:r>
-              <a:rPr lang="en-US" altLang="ja-JP" sz="1100" b="1" dirty="0" smtClean="0">
+              <a:rPr lang="en-US" altLang="ja-JP" sz="1100" b="1" smtClean="0">
                 <a:solidFill>
                   <a:schemeClr val="bg1"/>
                 </a:solidFill>
               </a:rPr>
-              <a:t>1.9</a:t>
+              <a:t>v1.10</a:t>
             </a:r>
             <a:endParaRPr kumimoji="1" lang="ja-JP" altLang="en-US" sz="1100" b="1" dirty="0">
               <a:solidFill>
@@ -15517,7 +16204,7 @@
         </p:nvSpPr>
         <p:spPr>
           <a:xfrm>
-            <a:off x="4724077" y="2986144"/>
+            <a:off x="4810836" y="2063373"/>
             <a:ext cx="1230984" cy="1050900"/>
           </a:xfrm>
           <a:prstGeom prst="rect">
@@ -15552,12 +16239,23 @@
           <a:p>
             <a:pPr algn="ctr"/>
             <a:r>
-              <a:rPr kumimoji="1" lang="en-US" altLang="ja-JP" sz="1100" b="1" dirty="0" err="1" smtClean="0">
+              <a:rPr kumimoji="1" lang="en-US" altLang="ja-JP" sz="1100" b="1" smtClean="0">
                 <a:solidFill>
                   <a:schemeClr val="bg1"/>
                 </a:solidFill>
               </a:rPr>
               <a:t>Ansible</a:t>
+            </a:r>
+          </a:p>
+          <a:p>
+            <a:pPr algn="ctr"/>
+            <a:r>
+              <a:rPr lang="en-US" altLang="ja-JP" sz="1100" b="1">
+                <a:solidFill>
+                  <a:schemeClr val="bg1"/>
+                </a:solidFill>
+              </a:rPr>
+              <a:t>v2.11.7</a:t>
             </a:r>
             <a:endParaRPr kumimoji="1" lang="ja-JP" altLang="en-US" sz="1100" b="1" dirty="0">
               <a:solidFill>
@@ -15575,7 +16273,7 @@
         </p:nvSpPr>
         <p:spPr bwMode="auto">
           <a:xfrm>
-            <a:off x="6371860" y="2565075"/>
+            <a:off x="6458619" y="1642304"/>
             <a:ext cx="1696558" cy="1596552"/>
           </a:xfrm>
           <a:prstGeom prst="rect">
@@ -15669,7 +16367,7 @@
         </p:nvGrpSpPr>
         <p:grpSpPr bwMode="gray">
           <a:xfrm>
-            <a:off x="856703" y="3162409"/>
+            <a:off x="943462" y="2239638"/>
             <a:ext cx="961136" cy="634348"/>
             <a:chOff x="2385390" y="1237172"/>
             <a:chExt cx="1111251" cy="733425"/>
@@ -16169,7 +16867,7 @@
         </p:nvCxnSpPr>
         <p:spPr bwMode="auto">
           <a:xfrm>
-            <a:off x="1761307" y="3501422"/>
+            <a:off x="1848066" y="2578651"/>
             <a:ext cx="1229199" cy="1"/>
           </a:xfrm>
           <a:prstGeom prst="straightConnector1">
@@ -16205,7 +16903,7 @@
         </p:nvSpPr>
         <p:spPr>
           <a:xfrm>
-            <a:off x="668711" y="2908930"/>
+            <a:off x="755470" y="1986159"/>
             <a:ext cx="1339566" cy="261610"/>
           </a:xfrm>
           <a:prstGeom prst="rect">
@@ -16241,7 +16939,7 @@
         </p:nvCxnSpPr>
         <p:spPr bwMode="auto">
           <a:xfrm flipV="1">
-            <a:off x="5955061" y="3511592"/>
+            <a:off x="6041820" y="2588821"/>
             <a:ext cx="833598" cy="2"/>
           </a:xfrm>
           <a:prstGeom prst="straightConnector1">
@@ -16269,49 +16967,6 @@
           <a:extLst/>
         </p:spPr>
       </p:cxnSp>
-      <p:pic>
-        <p:nvPicPr>
-          <p:cNvPr id="23" name="図 22"/>
-          <p:cNvPicPr>
-            <a:picLocks noChangeAspect="1"/>
-          </p:cNvPicPr>
-          <p:nvPr/>
-        </p:nvPicPr>
-        <p:blipFill>
-          <a:blip r:embed="rId2" cstate="print">
-            <a:extLst>
-              <a:ext uri="{BEBA8EAE-BF5A-486C-A8C5-ECC9F3942E4B}">
-                <a14:imgProps xmlns:a14="http://schemas.microsoft.com/office/drawing/2010/main">
-                  <a14:imgLayer r:embed="rId3">
-                    <a14:imgEffect>
-                      <a14:colorTemperature colorTemp="11500"/>
-                    </a14:imgEffect>
-                  </a14:imgLayer>
-                </a14:imgProps>
-              </a:ext>
-              <a:ext uri="{28A0092B-C50C-407E-A947-70E740481C1C}">
-                <a14:useLocalDpi xmlns:a14="http://schemas.microsoft.com/office/drawing/2010/main" val="0"/>
-              </a:ext>
-            </a:extLst>
-          </a:blip>
-          <a:stretch>
-            <a:fillRect/>
-          </a:stretch>
-        </p:blipFill>
-        <p:spPr>
-          <a:xfrm>
-            <a:off x="6894758" y="3151671"/>
-            <a:ext cx="655825" cy="655825"/>
-          </a:xfrm>
-          <a:prstGeom prst="rect">
-            <a:avLst/>
-          </a:prstGeom>
-          <a:noFill/>
-          <a:ln>
-            <a:noFill/>
-          </a:ln>
-        </p:spPr>
-      </p:pic>
       <p:sp>
         <p:nvSpPr>
           <p:cNvPr id="26" name="正方形/長方形 25"/>
@@ -16320,77 +16975,142 @@
         </p:nvSpPr>
         <p:spPr>
           <a:xfrm>
-            <a:off x="395420" y="4519320"/>
-            <a:ext cx="4572000" cy="923330"/>
+            <a:off x="827480" y="3395712"/>
+            <a:ext cx="7327697" cy="2062103"/>
           </a:xfrm>
           <a:prstGeom prst="rect">
             <a:avLst/>
           </a:prstGeom>
+          <a:solidFill>
+            <a:schemeClr val="bg1">
+              <a:lumMod val="95000"/>
+            </a:schemeClr>
+          </a:solidFill>
+          <a:ln>
+            <a:solidFill>
+              <a:schemeClr val="tx1">
+                <a:lumMod val="50000"/>
+                <a:lumOff val="50000"/>
+              </a:schemeClr>
+            </a:solidFill>
+          </a:ln>
         </p:spPr>
         <p:txBody>
-          <a:bodyPr>
+          <a:bodyPr wrap="square">
             <a:spAutoFit/>
           </a:bodyPr>
           <a:lstStyle/>
           <a:p>
-            <a:pPr marL="285750" indent="-285750">
-              <a:buFont typeface="Arial" panose="020B0604020202020204" pitchFamily="34" charset="0"/>
-              <a:buChar char="•"/>
-            </a:pPr>
-            <a:r>
-              <a:rPr lang="en-US" altLang="ja-JP" dirty="0" err="1"/>
-              <a:t>Exastro</a:t>
-            </a:r>
-            <a:r>
-              <a:rPr lang="en-US" altLang="ja-JP" dirty="0"/>
-              <a:t> IT Automation </a:t>
-            </a:r>
-            <a:r>
-              <a:rPr lang="en-US" altLang="ja-JP" dirty="0" smtClean="0"/>
-              <a:t>1.9</a:t>
-            </a:r>
-            <a:endParaRPr lang="en-US" altLang="ja-JP" dirty="0"/>
-          </a:p>
-          <a:p>
-            <a:pPr marL="285750" indent="-285750">
-              <a:buFont typeface="Arial" panose="020B0604020202020204" pitchFamily="34" charset="0"/>
-              <a:buChar char="•"/>
-            </a:pPr>
-            <a:r>
-              <a:rPr lang="en-US" altLang="ja-JP" dirty="0"/>
+            <a:r>
+              <a:rPr lang="en-US" altLang="ja-JP" sz="1600" b="1" u="sng" smtClean="0"/>
+              <a:t>ITA</a:t>
+            </a:r>
+            <a:r>
+              <a:rPr lang="ja-JP" altLang="en-US" sz="1600" b="1" u="sng" smtClean="0"/>
+              <a:t>サーバ</a:t>
+            </a:r>
+            <a:r>
+              <a:rPr lang="en-US" altLang="ja-JP" sz="1600" b="1"/>
+              <a:t/>
+            </a:r>
+            <a:br>
+              <a:rPr lang="en-US" altLang="ja-JP" sz="1600" b="1"/>
+            </a:br>
+            <a:r>
+              <a:rPr lang="ja-JP" altLang="en-US" sz="1600" b="1"/>
+              <a:t>・</a:t>
+            </a:r>
+            <a:r>
+              <a:rPr lang="en-US" altLang="ja-JP" sz="1600"/>
               <a:t>CentOS </a:t>
             </a:r>
             <a:r>
-              <a:rPr lang="en-US" altLang="ja-JP" dirty="0" smtClean="0"/>
-              <a:t>7(ITA</a:t>
-            </a:r>
-            <a:r>
-              <a:rPr lang="ja-JP" altLang="en-US" dirty="0"/>
-              <a:t>サーバ用</a:t>
-            </a:r>
-            <a:r>
-              <a:rPr lang="en-US" altLang="ja-JP" dirty="0"/>
+              <a:rPr lang="en-US" altLang="ja-JP" sz="1600" smtClean="0"/>
+              <a:t>7 (※</a:t>
+            </a:r>
+            <a:r>
+              <a:rPr lang="en-US" altLang="ja-JP" sz="1600"/>
+              <a:t>1</a:t>
+            </a:r>
+            <a:r>
+              <a:rPr lang="en-US" altLang="ja-JP" sz="1600" smtClean="0"/>
               <a:t>)</a:t>
             </a:r>
-          </a:p>
-          <a:p>
-            <a:pPr marL="285750" indent="-285750">
-              <a:buFont typeface="Arial" panose="020B0604020202020204" pitchFamily="34" charset="0"/>
-              <a:buChar char="•"/>
-            </a:pPr>
-            <a:r>
-              <a:rPr lang="en-US" altLang="ja-JP" dirty="0" smtClean="0"/>
-              <a:t>CentOS 7(</a:t>
-            </a:r>
-            <a:r>
-              <a:rPr lang="ja-JP" altLang="en-US" dirty="0"/>
-              <a:t>ターゲットマシン用</a:t>
-            </a:r>
-            <a:r>
-              <a:rPr lang="en-US" altLang="ja-JP" dirty="0" smtClean="0"/>
-              <a:t>)</a:t>
-            </a:r>
-            <a:endParaRPr lang="en-US" altLang="ja-JP" dirty="0"/>
+            <a:r>
+              <a:rPr lang="en-US" altLang="ja-JP" sz="1600"/>
+              <a:t/>
+            </a:r>
+            <a:br>
+              <a:rPr lang="en-US" altLang="ja-JP" sz="1600"/>
+            </a:br>
+            <a:r>
+              <a:rPr lang="ja-JP" altLang="en-US" sz="1600" smtClean="0"/>
+              <a:t>・</a:t>
+            </a:r>
+            <a:r>
+              <a:rPr lang="en-US" altLang="ja-JP" sz="1600" smtClean="0"/>
+              <a:t>Exastro ITA v1.10</a:t>
+            </a:r>
+            <a:r>
+              <a:rPr lang="en-US" altLang="ja-JP" sz="1600"/>
+              <a:t/>
+            </a:r>
+            <a:br>
+              <a:rPr lang="en-US" altLang="ja-JP" sz="1600"/>
+            </a:br>
+            <a:r>
+              <a:rPr lang="en-US" altLang="ja-JP" sz="1600"/>
+              <a:t>・Ansible </a:t>
+            </a:r>
+            <a:r>
+              <a:rPr lang="en-US" altLang="ja-JP" sz="1600" smtClean="0"/>
+              <a:t>2.11.7</a:t>
+            </a:r>
+            <a:r>
+              <a:rPr lang="en-US" altLang="ja-JP" sz="1600"/>
+              <a:t/>
+            </a:r>
+            <a:br>
+              <a:rPr lang="en-US" altLang="ja-JP" sz="1600"/>
+            </a:br>
+            <a:r>
+              <a:rPr lang="en-US" altLang="ja-JP" sz="1600"/>
+              <a:t/>
+            </a:r>
+            <a:br>
+              <a:rPr lang="en-US" altLang="ja-JP" sz="1600"/>
+            </a:br>
+            <a:r>
+              <a:rPr lang="ja-JP" altLang="en-US" sz="1600" b="1" u="sng" smtClean="0"/>
+              <a:t>ターゲットサーバ</a:t>
+            </a:r>
+            <a:r>
+              <a:rPr lang="en-US" altLang="ja-JP" sz="1600"/>
+              <a:t/>
+            </a:r>
+            <a:br>
+              <a:rPr lang="en-US" altLang="ja-JP" sz="1600"/>
+            </a:br>
+            <a:r>
+              <a:rPr lang="ja-JP" altLang="en-US" sz="1600"/>
+              <a:t>・</a:t>
+            </a:r>
+            <a:r>
+              <a:rPr lang="en-US" altLang="ja-JP" sz="1600"/>
+              <a:t>CentOS</a:t>
+            </a:r>
+            <a:r>
+              <a:rPr lang="ja-JP" altLang="en-US" sz="1600"/>
+              <a:t> </a:t>
+            </a:r>
+            <a:r>
+              <a:rPr lang="en-US" altLang="ja-JP" sz="1600" smtClean="0"/>
+              <a:t>7</a:t>
+            </a:r>
+            <a:br>
+              <a:rPr lang="en-US" altLang="ja-JP" sz="1600" smtClean="0"/>
+            </a:br>
+            <a:endParaRPr lang="en-US" altLang="ja-JP" sz="1600" dirty="0"/>
           </a:p>
         </p:txBody>
       </p:sp>
@@ -16404,7 +17124,7 @@
         </p:nvCxnSpPr>
         <p:spPr bwMode="auto">
           <a:xfrm>
-            <a:off x="4274214" y="3511592"/>
+            <a:off x="4360973" y="2588821"/>
             <a:ext cx="449863" cy="2"/>
           </a:xfrm>
           <a:prstGeom prst="straightConnector1">
@@ -16432,6 +17152,805 @@
           <a:extLst/>
         </p:spPr>
       </p:cxnSp>
+      <p:grpSp>
+        <p:nvGrpSpPr>
+          <p:cNvPr id="18" name="グループ化 17"/>
+          <p:cNvGrpSpPr>
+            <a:grpSpLocks noChangeAspect="1"/>
+          </p:cNvGrpSpPr>
+          <p:nvPr/>
+        </p:nvGrpSpPr>
+        <p:grpSpPr bwMode="gray">
+          <a:xfrm>
+            <a:off x="7047728" y="2168937"/>
+            <a:ext cx="476051" cy="819427"/>
+            <a:chOff x="5936838" y="1169393"/>
+            <a:chExt cx="484187" cy="833438"/>
+          </a:xfrm>
+        </p:grpSpPr>
+        <p:sp>
+          <p:nvSpPr>
+            <p:cNvPr id="19" name="Freeform 22"/>
+            <p:cNvSpPr>
+              <a:spLocks noChangeAspect="1"/>
+            </p:cNvSpPr>
+            <p:nvPr/>
+          </p:nvSpPr>
+          <p:spPr bwMode="gray">
+            <a:xfrm>
+              <a:off x="5936838" y="1169393"/>
+              <a:ext cx="484187" cy="833438"/>
+            </a:xfrm>
+            <a:custGeom>
+              <a:avLst/>
+              <a:gdLst>
+                <a:gd name="T0" fmla="*/ 642 w 642"/>
+                <a:gd name="T1" fmla="*/ 1081 h 1107"/>
+                <a:gd name="T2" fmla="*/ 615 w 642"/>
+                <a:gd name="T3" fmla="*/ 1107 h 1107"/>
+                <a:gd name="T4" fmla="*/ 27 w 642"/>
+                <a:gd name="T5" fmla="*/ 1107 h 1107"/>
+                <a:gd name="T6" fmla="*/ 0 w 642"/>
+                <a:gd name="T7" fmla="*/ 1081 h 1107"/>
+                <a:gd name="T8" fmla="*/ 0 w 642"/>
+                <a:gd name="T9" fmla="*/ 27 h 1107"/>
+                <a:gd name="T10" fmla="*/ 27 w 642"/>
+                <a:gd name="T11" fmla="*/ 0 h 1107"/>
+                <a:gd name="T12" fmla="*/ 615 w 642"/>
+                <a:gd name="T13" fmla="*/ 0 h 1107"/>
+                <a:gd name="T14" fmla="*/ 642 w 642"/>
+                <a:gd name="T15" fmla="*/ 27 h 1107"/>
+                <a:gd name="T16" fmla="*/ 642 w 642"/>
+                <a:gd name="T17" fmla="*/ 1081 h 1107"/>
+              </a:gdLst>
+              <a:ahLst/>
+              <a:cxnLst>
+                <a:cxn ang="0">
+                  <a:pos x="T0" y="T1"/>
+                </a:cxn>
+                <a:cxn ang="0">
+                  <a:pos x="T2" y="T3"/>
+                </a:cxn>
+                <a:cxn ang="0">
+                  <a:pos x="T4" y="T5"/>
+                </a:cxn>
+                <a:cxn ang="0">
+                  <a:pos x="T6" y="T7"/>
+                </a:cxn>
+                <a:cxn ang="0">
+                  <a:pos x="T8" y="T9"/>
+                </a:cxn>
+                <a:cxn ang="0">
+                  <a:pos x="T10" y="T11"/>
+                </a:cxn>
+                <a:cxn ang="0">
+                  <a:pos x="T12" y="T13"/>
+                </a:cxn>
+                <a:cxn ang="0">
+                  <a:pos x="T14" y="T15"/>
+                </a:cxn>
+                <a:cxn ang="0">
+                  <a:pos x="T16" y="T17"/>
+                </a:cxn>
+              </a:cxnLst>
+              <a:rect l="0" t="0" r="r" b="b"/>
+              <a:pathLst>
+                <a:path w="642" h="1107">
+                  <a:moveTo>
+                    <a:pt x="642" y="1081"/>
+                  </a:moveTo>
+                  <a:cubicBezTo>
+                    <a:pt x="642" y="1095"/>
+                    <a:pt x="630" y="1107"/>
+                    <a:pt x="615" y="1107"/>
+                  </a:cubicBezTo>
+                  <a:cubicBezTo>
+                    <a:pt x="27" y="1107"/>
+                    <a:pt x="27" y="1107"/>
+                    <a:pt x="27" y="1107"/>
+                  </a:cubicBezTo>
+                  <a:cubicBezTo>
+                    <a:pt x="12" y="1107"/>
+                    <a:pt x="0" y="1095"/>
+                    <a:pt x="0" y="1081"/>
+                  </a:cubicBezTo>
+                  <a:cubicBezTo>
+                    <a:pt x="0" y="27"/>
+                    <a:pt x="0" y="27"/>
+                    <a:pt x="0" y="27"/>
+                  </a:cubicBezTo>
+                  <a:cubicBezTo>
+                    <a:pt x="0" y="12"/>
+                    <a:pt x="12" y="0"/>
+                    <a:pt x="27" y="0"/>
+                  </a:cubicBezTo>
+                  <a:cubicBezTo>
+                    <a:pt x="615" y="0"/>
+                    <a:pt x="615" y="0"/>
+                    <a:pt x="615" y="0"/>
+                  </a:cubicBezTo>
+                  <a:cubicBezTo>
+                    <a:pt x="630" y="0"/>
+                    <a:pt x="642" y="12"/>
+                    <a:pt x="642" y="27"/>
+                  </a:cubicBezTo>
+                  <a:lnTo>
+                    <a:pt x="642" y="1081"/>
+                  </a:lnTo>
+                  <a:close/>
+                </a:path>
+              </a:pathLst>
+            </a:custGeom>
+            <a:solidFill>
+              <a:schemeClr val="accent6"/>
+            </a:solidFill>
+            <a:ln>
+              <a:noFill/>
+            </a:ln>
+            <a:extLst>
+              <a:ext uri="{91240B29-F687-4F45-9708-019B960494DF}">
+                <a14:hiddenLine xmlns:a14="http://schemas.microsoft.com/office/drawing/2010/main" w="9525">
+                  <a:solidFill>
+                    <a:srgbClr val="000000"/>
+                  </a:solidFill>
+                  <a:round/>
+                  <a:headEnd/>
+                  <a:tailEnd/>
+                </a14:hiddenLine>
+              </a:ext>
+            </a:extLst>
+          </p:spPr>
+          <p:txBody>
+            <a:bodyPr vert="horz" wrap="square" lIns="91440" tIns="45720" rIns="91440" bIns="45720" numCol="1" anchor="t" anchorCtr="0" compatLnSpc="1">
+              <a:prstTxWarp prst="textNoShape">
+                <a:avLst/>
+              </a:prstTxWarp>
+            </a:bodyPr>
+            <a:lstStyle/>
+            <a:p>
+              <a:endParaRPr lang="ja-JP" altLang="en-US"/>
+            </a:p>
+          </p:txBody>
+        </p:sp>
+        <p:sp>
+          <p:nvSpPr>
+            <p:cNvPr id="20" name="フリーフォーム 19"/>
+            <p:cNvSpPr>
+              <a:spLocks noChangeAspect="1" noChangeArrowheads="1"/>
+            </p:cNvSpPr>
+            <p:nvPr/>
+          </p:nvSpPr>
+          <p:spPr bwMode="gray">
+            <a:xfrm>
+              <a:off x="6011450" y="1244006"/>
+              <a:ext cx="333375" cy="684213"/>
+            </a:xfrm>
+            <a:custGeom>
+              <a:avLst/>
+              <a:gdLst>
+                <a:gd name="connsiteX0" fmla="*/ 166688 w 333375"/>
+                <a:gd name="connsiteY0" fmla="*/ 600075 h 684213"/>
+                <a:gd name="connsiteX1" fmla="*/ 207963 w 333375"/>
+                <a:gd name="connsiteY1" fmla="*/ 642144 h 684213"/>
+                <a:gd name="connsiteX2" fmla="*/ 166688 w 333375"/>
+                <a:gd name="connsiteY2" fmla="*/ 684213 h 684213"/>
+                <a:gd name="connsiteX3" fmla="*/ 125413 w 333375"/>
+                <a:gd name="connsiteY3" fmla="*/ 642144 h 684213"/>
+                <a:gd name="connsiteX4" fmla="*/ 166688 w 333375"/>
+                <a:gd name="connsiteY4" fmla="*/ 600075 h 684213"/>
+                <a:gd name="connsiteX5" fmla="*/ 16665 w 333375"/>
+                <a:gd name="connsiteY5" fmla="*/ 485775 h 684213"/>
+                <a:gd name="connsiteX6" fmla="*/ 316711 w 333375"/>
+                <a:gd name="connsiteY6" fmla="*/ 485775 h 684213"/>
+                <a:gd name="connsiteX7" fmla="*/ 331788 w 333375"/>
+                <a:gd name="connsiteY7" fmla="*/ 499696 h 684213"/>
+                <a:gd name="connsiteX8" fmla="*/ 316711 w 333375"/>
+                <a:gd name="connsiteY8" fmla="*/ 514350 h 684213"/>
+                <a:gd name="connsiteX9" fmla="*/ 16665 w 333375"/>
+                <a:gd name="connsiteY9" fmla="*/ 514350 h 684213"/>
+                <a:gd name="connsiteX10" fmla="*/ 1588 w 333375"/>
+                <a:gd name="connsiteY10" fmla="*/ 499696 h 684213"/>
+                <a:gd name="connsiteX11" fmla="*/ 16665 w 333375"/>
+                <a:gd name="connsiteY11" fmla="*/ 485775 h 684213"/>
+                <a:gd name="connsiteX12" fmla="*/ 16665 w 333375"/>
+                <a:gd name="connsiteY12" fmla="*/ 419100 h 684213"/>
+                <a:gd name="connsiteX13" fmla="*/ 316711 w 333375"/>
+                <a:gd name="connsiteY13" fmla="*/ 419100 h 684213"/>
+                <a:gd name="connsiteX14" fmla="*/ 331788 w 333375"/>
+                <a:gd name="connsiteY14" fmla="*/ 433021 h 684213"/>
+                <a:gd name="connsiteX15" fmla="*/ 316711 w 333375"/>
+                <a:gd name="connsiteY15" fmla="*/ 447675 h 684213"/>
+                <a:gd name="connsiteX16" fmla="*/ 16665 w 333375"/>
+                <a:gd name="connsiteY16" fmla="*/ 447675 h 684213"/>
+                <a:gd name="connsiteX17" fmla="*/ 1588 w 333375"/>
+                <a:gd name="connsiteY17" fmla="*/ 433021 h 684213"/>
+                <a:gd name="connsiteX18" fmla="*/ 16665 w 333375"/>
+                <a:gd name="connsiteY18" fmla="*/ 419100 h 684213"/>
+                <a:gd name="connsiteX19" fmla="*/ 16665 w 333375"/>
+                <a:gd name="connsiteY19" fmla="*/ 350837 h 684213"/>
+                <a:gd name="connsiteX20" fmla="*/ 316711 w 333375"/>
+                <a:gd name="connsiteY20" fmla="*/ 350837 h 684213"/>
+                <a:gd name="connsiteX21" fmla="*/ 331788 w 333375"/>
+                <a:gd name="connsiteY21" fmla="*/ 366305 h 684213"/>
+                <a:gd name="connsiteX22" fmla="*/ 316711 w 333375"/>
+                <a:gd name="connsiteY22" fmla="*/ 381000 h 684213"/>
+                <a:gd name="connsiteX23" fmla="*/ 16665 w 333375"/>
+                <a:gd name="connsiteY23" fmla="*/ 381000 h 684213"/>
+                <a:gd name="connsiteX24" fmla="*/ 1588 w 333375"/>
+                <a:gd name="connsiteY24" fmla="*/ 366305 h 684213"/>
+                <a:gd name="connsiteX25" fmla="*/ 16665 w 333375"/>
+                <a:gd name="connsiteY25" fmla="*/ 350837 h 684213"/>
+                <a:gd name="connsiteX26" fmla="*/ 19610 w 333375"/>
+                <a:gd name="connsiteY26" fmla="*/ 166687 h 684213"/>
+                <a:gd name="connsiteX27" fmla="*/ 313765 w 333375"/>
+                <a:gd name="connsiteY27" fmla="*/ 166687 h 684213"/>
+                <a:gd name="connsiteX28" fmla="*/ 333375 w 333375"/>
+                <a:gd name="connsiteY28" fmla="*/ 186990 h 684213"/>
+                <a:gd name="connsiteX29" fmla="*/ 333375 w 333375"/>
+                <a:gd name="connsiteY29" fmla="*/ 246397 h 684213"/>
+                <a:gd name="connsiteX30" fmla="*/ 313765 w 333375"/>
+                <a:gd name="connsiteY30" fmla="*/ 266700 h 684213"/>
+                <a:gd name="connsiteX31" fmla="*/ 19610 w 333375"/>
+                <a:gd name="connsiteY31" fmla="*/ 266700 h 684213"/>
+                <a:gd name="connsiteX32" fmla="*/ 0 w 333375"/>
+                <a:gd name="connsiteY32" fmla="*/ 246397 h 684213"/>
+                <a:gd name="connsiteX33" fmla="*/ 0 w 333375"/>
+                <a:gd name="connsiteY33" fmla="*/ 186990 h 684213"/>
+                <a:gd name="connsiteX34" fmla="*/ 19610 w 333375"/>
+                <a:gd name="connsiteY34" fmla="*/ 166687 h 684213"/>
+                <a:gd name="connsiteX35" fmla="*/ 19610 w 333375"/>
+                <a:gd name="connsiteY35" fmla="*/ 0 h 684213"/>
+                <a:gd name="connsiteX36" fmla="*/ 313765 w 333375"/>
+                <a:gd name="connsiteY36" fmla="*/ 0 h 684213"/>
+                <a:gd name="connsiteX37" fmla="*/ 333375 w 333375"/>
+                <a:gd name="connsiteY37" fmla="*/ 19551 h 684213"/>
+                <a:gd name="connsiteX38" fmla="*/ 333375 w 333375"/>
+                <a:gd name="connsiteY38" fmla="*/ 79710 h 684213"/>
+                <a:gd name="connsiteX39" fmla="*/ 313765 w 333375"/>
+                <a:gd name="connsiteY39" fmla="*/ 100013 h 684213"/>
+                <a:gd name="connsiteX40" fmla="*/ 19610 w 333375"/>
+                <a:gd name="connsiteY40" fmla="*/ 100013 h 684213"/>
+                <a:gd name="connsiteX41" fmla="*/ 0 w 333375"/>
+                <a:gd name="connsiteY41" fmla="*/ 79710 h 684213"/>
+                <a:gd name="connsiteX42" fmla="*/ 0 w 333375"/>
+                <a:gd name="connsiteY42" fmla="*/ 19551 h 684213"/>
+                <a:gd name="connsiteX43" fmla="*/ 19610 w 333375"/>
+                <a:gd name="connsiteY43" fmla="*/ 0 h 684213"/>
+              </a:gdLst>
+              <a:ahLst/>
+              <a:cxnLst>
+                <a:cxn ang="0">
+                  <a:pos x="connsiteX0" y="connsiteY0"/>
+                </a:cxn>
+                <a:cxn ang="0">
+                  <a:pos x="connsiteX1" y="connsiteY1"/>
+                </a:cxn>
+                <a:cxn ang="0">
+                  <a:pos x="connsiteX2" y="connsiteY2"/>
+                </a:cxn>
+                <a:cxn ang="0">
+                  <a:pos x="connsiteX3" y="connsiteY3"/>
+                </a:cxn>
+                <a:cxn ang="0">
+                  <a:pos x="connsiteX4" y="connsiteY4"/>
+                </a:cxn>
+                <a:cxn ang="0">
+                  <a:pos x="connsiteX5" y="connsiteY5"/>
+                </a:cxn>
+                <a:cxn ang="0">
+                  <a:pos x="connsiteX6" y="connsiteY6"/>
+                </a:cxn>
+                <a:cxn ang="0">
+                  <a:pos x="connsiteX7" y="connsiteY7"/>
+                </a:cxn>
+                <a:cxn ang="0">
+                  <a:pos x="connsiteX8" y="connsiteY8"/>
+                </a:cxn>
+                <a:cxn ang="0">
+                  <a:pos x="connsiteX9" y="connsiteY9"/>
+                </a:cxn>
+                <a:cxn ang="0">
+                  <a:pos x="connsiteX10" y="connsiteY10"/>
+                </a:cxn>
+                <a:cxn ang="0">
+                  <a:pos x="connsiteX11" y="connsiteY11"/>
+                </a:cxn>
+                <a:cxn ang="0">
+                  <a:pos x="connsiteX12" y="connsiteY12"/>
+                </a:cxn>
+                <a:cxn ang="0">
+                  <a:pos x="connsiteX13" y="connsiteY13"/>
+                </a:cxn>
+                <a:cxn ang="0">
+                  <a:pos x="connsiteX14" y="connsiteY14"/>
+                </a:cxn>
+                <a:cxn ang="0">
+                  <a:pos x="connsiteX15" y="connsiteY15"/>
+                </a:cxn>
+                <a:cxn ang="0">
+                  <a:pos x="connsiteX16" y="connsiteY16"/>
+                </a:cxn>
+                <a:cxn ang="0">
+                  <a:pos x="connsiteX17" y="connsiteY17"/>
+                </a:cxn>
+                <a:cxn ang="0">
+                  <a:pos x="connsiteX18" y="connsiteY18"/>
+                </a:cxn>
+                <a:cxn ang="0">
+                  <a:pos x="connsiteX19" y="connsiteY19"/>
+                </a:cxn>
+                <a:cxn ang="0">
+                  <a:pos x="connsiteX20" y="connsiteY20"/>
+                </a:cxn>
+                <a:cxn ang="0">
+                  <a:pos x="connsiteX21" y="connsiteY21"/>
+                </a:cxn>
+                <a:cxn ang="0">
+                  <a:pos x="connsiteX22" y="connsiteY22"/>
+                </a:cxn>
+                <a:cxn ang="0">
+                  <a:pos x="connsiteX23" y="connsiteY23"/>
+                </a:cxn>
+                <a:cxn ang="0">
+                  <a:pos x="connsiteX24" y="connsiteY24"/>
+                </a:cxn>
+                <a:cxn ang="0">
+                  <a:pos x="connsiteX25" y="connsiteY25"/>
+                </a:cxn>
+                <a:cxn ang="0">
+                  <a:pos x="connsiteX26" y="connsiteY26"/>
+                </a:cxn>
+                <a:cxn ang="0">
+                  <a:pos x="connsiteX27" y="connsiteY27"/>
+                </a:cxn>
+                <a:cxn ang="0">
+                  <a:pos x="connsiteX28" y="connsiteY28"/>
+                </a:cxn>
+                <a:cxn ang="0">
+                  <a:pos x="connsiteX29" y="connsiteY29"/>
+                </a:cxn>
+                <a:cxn ang="0">
+                  <a:pos x="connsiteX30" y="connsiteY30"/>
+                </a:cxn>
+                <a:cxn ang="0">
+                  <a:pos x="connsiteX31" y="connsiteY31"/>
+                </a:cxn>
+                <a:cxn ang="0">
+                  <a:pos x="connsiteX32" y="connsiteY32"/>
+                </a:cxn>
+                <a:cxn ang="0">
+                  <a:pos x="connsiteX33" y="connsiteY33"/>
+                </a:cxn>
+                <a:cxn ang="0">
+                  <a:pos x="connsiteX34" y="connsiteY34"/>
+                </a:cxn>
+                <a:cxn ang="0">
+                  <a:pos x="connsiteX35" y="connsiteY35"/>
+                </a:cxn>
+                <a:cxn ang="0">
+                  <a:pos x="connsiteX36" y="connsiteY36"/>
+                </a:cxn>
+                <a:cxn ang="0">
+                  <a:pos x="connsiteX37" y="connsiteY37"/>
+                </a:cxn>
+                <a:cxn ang="0">
+                  <a:pos x="connsiteX38" y="connsiteY38"/>
+                </a:cxn>
+                <a:cxn ang="0">
+                  <a:pos x="connsiteX39" y="connsiteY39"/>
+                </a:cxn>
+                <a:cxn ang="0">
+                  <a:pos x="connsiteX40" y="connsiteY40"/>
+                </a:cxn>
+                <a:cxn ang="0">
+                  <a:pos x="connsiteX41" y="connsiteY41"/>
+                </a:cxn>
+                <a:cxn ang="0">
+                  <a:pos x="connsiteX42" y="connsiteY42"/>
+                </a:cxn>
+                <a:cxn ang="0">
+                  <a:pos x="connsiteX43" y="connsiteY43"/>
+                </a:cxn>
+              </a:cxnLst>
+              <a:rect l="l" t="t" r="r" b="b"/>
+              <a:pathLst>
+                <a:path w="333375" h="684213">
+                  <a:moveTo>
+                    <a:pt x="166688" y="600075"/>
+                  </a:moveTo>
+                  <a:cubicBezTo>
+                    <a:pt x="189484" y="600075"/>
+                    <a:pt x="207963" y="618910"/>
+                    <a:pt x="207963" y="642144"/>
+                  </a:cubicBezTo>
+                  <a:cubicBezTo>
+                    <a:pt x="207963" y="665378"/>
+                    <a:pt x="189484" y="684213"/>
+                    <a:pt x="166688" y="684213"/>
+                  </a:cubicBezTo>
+                  <a:cubicBezTo>
+                    <a:pt x="143892" y="684213"/>
+                    <a:pt x="125413" y="665378"/>
+                    <a:pt x="125413" y="642144"/>
+                  </a:cubicBezTo>
+                  <a:cubicBezTo>
+                    <a:pt x="125413" y="618910"/>
+                    <a:pt x="143892" y="600075"/>
+                    <a:pt x="166688" y="600075"/>
+                  </a:cubicBezTo>
+                  <a:close/>
+                  <a:moveTo>
+                    <a:pt x="16665" y="485775"/>
+                  </a:moveTo>
+                  <a:cubicBezTo>
+                    <a:pt x="16665" y="485775"/>
+                    <a:pt x="16665" y="485775"/>
+                    <a:pt x="316711" y="485775"/>
+                  </a:cubicBezTo>
+                  <a:cubicBezTo>
+                    <a:pt x="325003" y="485775"/>
+                    <a:pt x="331788" y="491636"/>
+                    <a:pt x="331788" y="499696"/>
+                  </a:cubicBezTo>
+                  <a:cubicBezTo>
+                    <a:pt x="331788" y="507756"/>
+                    <a:pt x="325003" y="514350"/>
+                    <a:pt x="316711" y="514350"/>
+                  </a:cubicBezTo>
+                  <a:cubicBezTo>
+                    <a:pt x="316711" y="514350"/>
+                    <a:pt x="316711" y="514350"/>
+                    <a:pt x="16665" y="514350"/>
+                  </a:cubicBezTo>
+                  <a:cubicBezTo>
+                    <a:pt x="8373" y="514350"/>
+                    <a:pt x="1588" y="507756"/>
+                    <a:pt x="1588" y="499696"/>
+                  </a:cubicBezTo>
+                  <a:cubicBezTo>
+                    <a:pt x="1588" y="491636"/>
+                    <a:pt x="8373" y="485775"/>
+                    <a:pt x="16665" y="485775"/>
+                  </a:cubicBezTo>
+                  <a:close/>
+                  <a:moveTo>
+                    <a:pt x="16665" y="419100"/>
+                  </a:moveTo>
+                  <a:cubicBezTo>
+                    <a:pt x="16665" y="419100"/>
+                    <a:pt x="16665" y="419100"/>
+                    <a:pt x="316711" y="419100"/>
+                  </a:cubicBezTo>
+                  <a:cubicBezTo>
+                    <a:pt x="325003" y="419100"/>
+                    <a:pt x="331788" y="425694"/>
+                    <a:pt x="331788" y="433021"/>
+                  </a:cubicBezTo>
+                  <a:cubicBezTo>
+                    <a:pt x="331788" y="441081"/>
+                    <a:pt x="325003" y="447675"/>
+                    <a:pt x="316711" y="447675"/>
+                  </a:cubicBezTo>
+                  <a:cubicBezTo>
+                    <a:pt x="316711" y="447675"/>
+                    <a:pt x="316711" y="447675"/>
+                    <a:pt x="16665" y="447675"/>
+                  </a:cubicBezTo>
+                  <a:cubicBezTo>
+                    <a:pt x="8373" y="447675"/>
+                    <a:pt x="1588" y="441081"/>
+                    <a:pt x="1588" y="433021"/>
+                  </a:cubicBezTo>
+                  <a:cubicBezTo>
+                    <a:pt x="1588" y="425694"/>
+                    <a:pt x="8373" y="419100"/>
+                    <a:pt x="16665" y="419100"/>
+                  </a:cubicBezTo>
+                  <a:close/>
+                  <a:moveTo>
+                    <a:pt x="16665" y="350837"/>
+                  </a:moveTo>
+                  <a:cubicBezTo>
+                    <a:pt x="16665" y="350837"/>
+                    <a:pt x="16665" y="350837"/>
+                    <a:pt x="316711" y="350837"/>
+                  </a:cubicBezTo>
+                  <a:cubicBezTo>
+                    <a:pt x="325003" y="350837"/>
+                    <a:pt x="331788" y="357798"/>
+                    <a:pt x="331788" y="366305"/>
+                  </a:cubicBezTo>
+                  <a:cubicBezTo>
+                    <a:pt x="331788" y="374813"/>
+                    <a:pt x="325003" y="381000"/>
+                    <a:pt x="316711" y="381000"/>
+                  </a:cubicBezTo>
+                  <a:cubicBezTo>
+                    <a:pt x="316711" y="381000"/>
+                    <a:pt x="316711" y="381000"/>
+                    <a:pt x="16665" y="381000"/>
+                  </a:cubicBezTo>
+                  <a:cubicBezTo>
+                    <a:pt x="8373" y="381000"/>
+                    <a:pt x="1588" y="374813"/>
+                    <a:pt x="1588" y="366305"/>
+                  </a:cubicBezTo>
+                  <a:cubicBezTo>
+                    <a:pt x="1588" y="357798"/>
+                    <a:pt x="8373" y="350837"/>
+                    <a:pt x="16665" y="350837"/>
+                  </a:cubicBezTo>
+                  <a:close/>
+                  <a:moveTo>
+                    <a:pt x="19610" y="166687"/>
+                  </a:moveTo>
+                  <a:cubicBezTo>
+                    <a:pt x="19610" y="166687"/>
+                    <a:pt x="19610" y="166687"/>
+                    <a:pt x="313765" y="166687"/>
+                  </a:cubicBezTo>
+                  <a:cubicBezTo>
+                    <a:pt x="324324" y="166687"/>
+                    <a:pt x="333375" y="175711"/>
+                    <a:pt x="333375" y="186990"/>
+                  </a:cubicBezTo>
+                  <a:cubicBezTo>
+                    <a:pt x="333375" y="186990"/>
+                    <a:pt x="333375" y="186990"/>
+                    <a:pt x="333375" y="246397"/>
+                  </a:cubicBezTo>
+                  <a:cubicBezTo>
+                    <a:pt x="333375" y="257676"/>
+                    <a:pt x="324324" y="266700"/>
+                    <a:pt x="313765" y="266700"/>
+                  </a:cubicBezTo>
+                  <a:cubicBezTo>
+                    <a:pt x="313765" y="266700"/>
+                    <a:pt x="313765" y="266700"/>
+                    <a:pt x="19610" y="266700"/>
+                  </a:cubicBezTo>
+                  <a:cubicBezTo>
+                    <a:pt x="9051" y="266700"/>
+                    <a:pt x="0" y="257676"/>
+                    <a:pt x="0" y="246397"/>
+                  </a:cubicBezTo>
+                  <a:cubicBezTo>
+                    <a:pt x="0" y="246397"/>
+                    <a:pt x="0" y="246397"/>
+                    <a:pt x="0" y="186990"/>
+                  </a:cubicBezTo>
+                  <a:cubicBezTo>
+                    <a:pt x="0" y="175711"/>
+                    <a:pt x="9051" y="166687"/>
+                    <a:pt x="19610" y="166687"/>
+                  </a:cubicBezTo>
+                  <a:close/>
+                  <a:moveTo>
+                    <a:pt x="19610" y="0"/>
+                  </a:moveTo>
+                  <a:cubicBezTo>
+                    <a:pt x="19610" y="0"/>
+                    <a:pt x="19610" y="0"/>
+                    <a:pt x="313765" y="0"/>
+                  </a:cubicBezTo>
+                  <a:cubicBezTo>
+                    <a:pt x="324324" y="0"/>
+                    <a:pt x="333375" y="9024"/>
+                    <a:pt x="333375" y="19551"/>
+                  </a:cubicBezTo>
+                  <a:cubicBezTo>
+                    <a:pt x="333375" y="19551"/>
+                    <a:pt x="333375" y="19551"/>
+                    <a:pt x="333375" y="79710"/>
+                  </a:cubicBezTo>
+                  <a:cubicBezTo>
+                    <a:pt x="333375" y="90989"/>
+                    <a:pt x="324324" y="100013"/>
+                    <a:pt x="313765" y="100013"/>
+                  </a:cubicBezTo>
+                  <a:cubicBezTo>
+                    <a:pt x="313765" y="100013"/>
+                    <a:pt x="313765" y="100013"/>
+                    <a:pt x="19610" y="100013"/>
+                  </a:cubicBezTo>
+                  <a:cubicBezTo>
+                    <a:pt x="9051" y="100013"/>
+                    <a:pt x="0" y="90989"/>
+                    <a:pt x="0" y="79710"/>
+                  </a:cubicBezTo>
+                  <a:cubicBezTo>
+                    <a:pt x="0" y="79710"/>
+                    <a:pt x="0" y="79710"/>
+                    <a:pt x="0" y="19551"/>
+                  </a:cubicBezTo>
+                  <a:cubicBezTo>
+                    <a:pt x="0" y="9024"/>
+                    <a:pt x="9051" y="0"/>
+                    <a:pt x="19610" y="0"/>
+                  </a:cubicBezTo>
+                  <a:close/>
+                </a:path>
+              </a:pathLst>
+            </a:custGeom>
+            <a:solidFill>
+              <a:srgbClr val="FFFFFF"/>
+            </a:solidFill>
+            <a:ln>
+              <a:noFill/>
+            </a:ln>
+            <a:extLst>
+              <a:ext uri="{91240B29-F687-4F45-9708-019B960494DF}">
+                <a14:hiddenLine xmlns:a14="http://schemas.microsoft.com/office/drawing/2010/main" w="9525">
+                  <a:solidFill>
+                    <a:srgbClr val="000000"/>
+                  </a:solidFill>
+                  <a:round/>
+                  <a:headEnd/>
+                  <a:tailEnd/>
+                </a14:hiddenLine>
+              </a:ext>
+            </a:extLst>
+          </p:spPr>
+          <p:txBody>
+            <a:bodyPr vert="horz" wrap="square" lIns="91440" tIns="45720" rIns="91440" bIns="45720" numCol="1" anchor="t" anchorCtr="0" compatLnSpc="1">
+              <a:prstTxWarp prst="textNoShape">
+                <a:avLst/>
+              </a:prstTxWarp>
+              <a:noAutofit/>
+            </a:bodyPr>
+            <a:lstStyle/>
+            <a:p>
+              <a:endParaRPr lang="ja-JP" altLang="en-US"/>
+            </a:p>
+          </p:txBody>
+        </p:sp>
+      </p:grpSp>
+      <p:sp>
+        <p:nvSpPr>
+          <p:cNvPr id="22" name="コンテンツ プレースホルダー 2"/>
+          <p:cNvSpPr>
+            <a:spLocks noGrp="1"/>
+          </p:cNvSpPr>
+          <p:nvPr>
+            <p:ph sz="quarter" idx="10"/>
+          </p:nvPr>
+        </p:nvSpPr>
+        <p:spPr>
+          <a:xfrm>
+            <a:off x="285777" y="5949061"/>
+            <a:ext cx="8677736" cy="510953"/>
+          </a:xfrm>
+        </p:spPr>
+        <p:txBody>
+          <a:bodyPr>
+            <a:normAutofit/>
+          </a:bodyPr>
+          <a:lstStyle/>
+          <a:p>
+            <a:pPr lvl="1"/>
+            <a:r>
+              <a:rPr lang="ja-JP" altLang="en-US" smtClean="0">
+                <a:solidFill>
+                  <a:schemeClr val="tx1"/>
+                </a:solidFill>
+              </a:rPr>
+              <a:t>上記環境のほか、</a:t>
+            </a:r>
+            <a:r>
+              <a:rPr lang="en-US" altLang="ja-JP" smtClean="0">
+                <a:solidFill>
+                  <a:schemeClr val="tx1"/>
+                </a:solidFill>
+                <a:hlinkClick r:id="rId3"/>
+              </a:rPr>
+              <a:t>GitHub</a:t>
+            </a:r>
+            <a:r>
+              <a:rPr lang="ja-JP" altLang="en-US">
+                <a:solidFill>
+                  <a:schemeClr val="tx1"/>
+                </a:solidFill>
+              </a:rPr>
+              <a:t>のアカウントをご用意ください</a:t>
+            </a:r>
+            <a:r>
+              <a:rPr lang="ja-JP" altLang="en-US" smtClean="0">
+                <a:solidFill>
+                  <a:schemeClr val="tx1"/>
+                </a:solidFill>
+              </a:rPr>
+              <a:t>。</a:t>
+            </a:r>
+            <a:endParaRPr lang="en-US" altLang="ja-JP">
+              <a:solidFill>
+                <a:schemeClr val="tx1"/>
+              </a:solidFill>
+            </a:endParaRPr>
+          </a:p>
+        </p:txBody>
+      </p:sp>
+      <p:sp>
+        <p:nvSpPr>
+          <p:cNvPr id="24" name="テキスト ボックス 23"/>
+          <p:cNvSpPr txBox="1"/>
+          <p:nvPr/>
+        </p:nvSpPr>
+        <p:spPr>
+          <a:xfrm>
+            <a:off x="1706879" y="5229662"/>
+            <a:ext cx="6557515" cy="230832"/>
+          </a:xfrm>
+          <a:prstGeom prst="rect">
+            <a:avLst/>
+          </a:prstGeom>
+          <a:noFill/>
+        </p:spPr>
+        <p:txBody>
+          <a:bodyPr wrap="square" rtlCol="0">
+            <a:spAutoFit/>
+          </a:bodyPr>
+          <a:lstStyle/>
+          <a:p>
+            <a:r>
+              <a:rPr kumimoji="1" lang="en-US" altLang="ja-JP" sz="900" dirty="0" smtClean="0"/>
+              <a:t>※1 </a:t>
+            </a:r>
+            <a:r>
+              <a:rPr kumimoji="1" lang="ja-JP" altLang="en-US" sz="900" dirty="0" smtClean="0"/>
+              <a:t>今回はホストサーバーとして</a:t>
+            </a:r>
+            <a:r>
+              <a:rPr kumimoji="1" lang="en-US" altLang="ja-JP" sz="900" dirty="0" smtClean="0"/>
+              <a:t>CentOS7</a:t>
+            </a:r>
+            <a:r>
+              <a:rPr kumimoji="1" lang="ja-JP" altLang="en-US" sz="900" dirty="0" smtClean="0"/>
+              <a:t>を利用致しますが、</a:t>
+            </a:r>
+            <a:r>
+              <a:rPr kumimoji="1" lang="en-US" altLang="ja-JP" sz="900" dirty="0" smtClean="0"/>
+              <a:t>ITA</a:t>
+            </a:r>
+            <a:r>
+              <a:rPr kumimoji="1" lang="ja-JP" altLang="en-US" sz="900" dirty="0" smtClean="0"/>
+              <a:t>は</a:t>
+            </a:r>
+            <a:r>
+              <a:rPr kumimoji="1" lang="en-US" altLang="ja-JP" sz="900" dirty="0" smtClean="0"/>
+              <a:t>RHEL7</a:t>
+            </a:r>
+            <a:r>
+              <a:rPr kumimoji="1" lang="ja-JP" altLang="en-US" sz="900" dirty="0" smtClean="0"/>
+              <a:t>系および</a:t>
+            </a:r>
+            <a:r>
+              <a:rPr kumimoji="1" lang="en-US" altLang="ja-JP" sz="900" dirty="0" smtClean="0"/>
+              <a:t>RHEL8</a:t>
+            </a:r>
+            <a:r>
+              <a:rPr kumimoji="1" lang="ja-JP" altLang="en-US" sz="900" dirty="0" smtClean="0"/>
+              <a:t>系</a:t>
+            </a:r>
+            <a:r>
+              <a:rPr lang="ja-JP" altLang="en-US" sz="900" dirty="0" smtClean="0"/>
+              <a:t>の</a:t>
+            </a:r>
+            <a:r>
+              <a:rPr lang="en-US" altLang="ja-JP" sz="900" dirty="0" smtClean="0"/>
+              <a:t>OS</a:t>
+            </a:r>
+            <a:r>
+              <a:rPr lang="ja-JP" altLang="en-US" sz="900" dirty="0" smtClean="0"/>
+              <a:t>で導入</a:t>
+            </a:r>
+            <a:r>
+              <a:rPr lang="ja-JP" altLang="en-US" sz="900" smtClean="0"/>
+              <a:t>いただけます。</a:t>
+            </a:r>
+            <a:endParaRPr kumimoji="1" lang="ja-JP" altLang="en-US" sz="900" dirty="0"/>
+          </a:p>
+        </p:txBody>
+      </p:sp>
     </p:spTree>
     <p:extLst>
       <p:ext uri="{BB962C8B-B14F-4D97-AF65-F5344CB8AC3E}">
@@ -16464,1512 +17983,6 @@
       </p:grpSpPr>
       <p:sp>
         <p:nvSpPr>
-          <p:cNvPr id="136" name="正方形/長方形 135"/>
-          <p:cNvSpPr/>
-          <p:nvPr/>
-        </p:nvSpPr>
-        <p:spPr bwMode="auto">
-          <a:xfrm>
-            <a:off x="3985565" y="1844781"/>
-            <a:ext cx="5030036" cy="3617647"/>
-          </a:xfrm>
-          <a:prstGeom prst="rect">
-            <a:avLst/>
-          </a:prstGeom>
-          <a:solidFill>
-            <a:sysClr val="window" lastClr="FFFFFF"/>
-          </a:solidFill>
-          <a:ln w="38100">
-            <a:solidFill>
-              <a:srgbClr val="002B62"/>
-            </a:solidFill>
-          </a:ln>
-          <a:effectLst/>
-          <a:extLst/>
-        </p:spPr>
-        <p:txBody>
-          <a:bodyPr rot="0" spcFirstLastPara="0" vertOverflow="overflow" horzOverflow="overflow" vert="horz" wrap="square" lIns="68580" tIns="34290" rIns="68580" bIns="34290" numCol="1" spcCol="0" rtlCol="0" fromWordArt="0" anchor="t" anchorCtr="0" forceAA="0" compatLnSpc="1">
-            <a:prstTxWarp prst="textNoShape">
-              <a:avLst/>
-            </a:prstTxWarp>
-            <a:noAutofit/>
-          </a:bodyPr>
-          <a:lstStyle/>
-          <a:p>
-            <a:pPr marL="0" marR="0" lvl="0" indent="0" algn="ctr" defTabSz="685800" eaLnBrk="1" fontAlgn="auto" latinLnBrk="0" hangingPunct="1">
-              <a:lnSpc>
-                <a:spcPct val="100000"/>
-              </a:lnSpc>
-              <a:spcBef>
-                <a:spcPts val="0"/>
-              </a:spcBef>
-              <a:spcAft>
-                <a:spcPts val="0"/>
-              </a:spcAft>
-              <a:buClrTx/>
-              <a:buSzTx/>
-              <a:buFontTx/>
-              <a:buNone/>
-              <a:tabLst/>
-              <a:defRPr/>
-            </a:pPr>
-            <a:endParaRPr kumimoji="0" lang="ja-JP" altLang="en-US" sz="900" b="1" i="0" u="none" strike="noStrike" kern="0" cap="none" spc="0" normalizeH="0" baseline="0" noProof="0" dirty="0">
-              <a:ln>
-                <a:noFill/>
-              </a:ln>
-              <a:solidFill>
-                <a:srgbClr val="002B62"/>
-              </a:solidFill>
-              <a:effectLst/>
-              <a:uLnTx/>
-              <a:uFillTx/>
-              <a:latin typeface="Meiryo UI" panose="020B0604030504040204" pitchFamily="50" charset="-128"/>
-              <a:ea typeface="Meiryo UI" panose="020B0604030504040204" pitchFamily="50" charset="-128"/>
-            </a:endParaRPr>
-          </a:p>
-        </p:txBody>
-      </p:sp>
-      <p:sp>
-        <p:nvSpPr>
-          <p:cNvPr id="137" name="角丸四角形 136"/>
-          <p:cNvSpPr/>
-          <p:nvPr/>
-        </p:nvSpPr>
-        <p:spPr>
-          <a:xfrm>
-            <a:off x="5524650" y="3805883"/>
-            <a:ext cx="1150247" cy="1379615"/>
-          </a:xfrm>
-          <a:prstGeom prst="roundRect">
-            <a:avLst/>
-          </a:prstGeom>
-          <a:noFill/>
-          <a:ln w="38100" cap="flat" cmpd="sng" algn="ctr">
-            <a:solidFill>
-              <a:srgbClr val="002B62"/>
-            </a:solidFill>
-            <a:prstDash val="dash"/>
-            <a:miter lim="800000"/>
-          </a:ln>
-          <a:effectLst/>
-        </p:spPr>
-        <p:txBody>
-          <a:bodyPr rtlCol="0" anchor="b" anchorCtr="0"/>
-          <a:lstStyle/>
-          <a:p>
-            <a:pPr marL="0" marR="0" lvl="0" indent="0" algn="ctr" defTabSz="685800" eaLnBrk="1" fontAlgn="auto" latinLnBrk="0" hangingPunct="1">
-              <a:lnSpc>
-                <a:spcPct val="100000"/>
-              </a:lnSpc>
-              <a:spcBef>
-                <a:spcPts val="0"/>
-              </a:spcBef>
-              <a:spcAft>
-                <a:spcPts val="0"/>
-              </a:spcAft>
-              <a:buClrTx/>
-              <a:buSzTx/>
-              <a:buFontTx/>
-              <a:buNone/>
-              <a:tabLst/>
-              <a:defRPr/>
-            </a:pPr>
-            <a:r>
-              <a:rPr kumimoji="0" lang="ja-JP" altLang="en-US" sz="1000" b="1" i="0" u="none" strike="noStrike" kern="0" cap="none" spc="0" normalizeH="0" baseline="0" noProof="0" dirty="0" smtClean="0">
-                <a:ln>
-                  <a:noFill/>
-                </a:ln>
-                <a:solidFill>
-                  <a:srgbClr val="002B62"/>
-                </a:solidFill>
-                <a:effectLst/>
-                <a:uLnTx/>
-                <a:uFillTx/>
-                <a:latin typeface="Meiryo UI" panose="020B0604030504040204" pitchFamily="50" charset="-128"/>
-                <a:ea typeface="Meiryo UI" panose="020B0604030504040204" pitchFamily="50" charset="-128"/>
-                <a:cs typeface="+mn-cs"/>
-              </a:rPr>
-              <a:t>資材紐付</a:t>
-            </a:r>
-          </a:p>
-        </p:txBody>
-      </p:sp>
-      <p:sp>
-        <p:nvSpPr>
-          <p:cNvPr id="138" name="テキスト ボックス 137"/>
-          <p:cNvSpPr txBox="1"/>
-          <p:nvPr/>
-        </p:nvSpPr>
-        <p:spPr>
-          <a:xfrm>
-            <a:off x="6386341" y="1945604"/>
-            <a:ext cx="532195" cy="300082"/>
-          </a:xfrm>
-          <a:prstGeom prst="rect">
-            <a:avLst/>
-          </a:prstGeom>
-          <a:noFill/>
-        </p:spPr>
-        <p:txBody>
-          <a:bodyPr wrap="square" rtlCol="0">
-            <a:spAutoFit/>
-          </a:bodyPr>
-          <a:lstStyle/>
-          <a:p>
-            <a:pPr defTabSz="685800"/>
-            <a:r>
-              <a:rPr lang="en-US" altLang="ja-JP" sz="1350" b="1" dirty="0">
-                <a:solidFill>
-                  <a:srgbClr val="002B62"/>
-                </a:solidFill>
-                <a:latin typeface="Meiryo UI" panose="020B0604030504040204" pitchFamily="50" charset="-128"/>
-                <a:ea typeface="Meiryo UI" panose="020B0604030504040204" pitchFamily="50" charset="-128"/>
-              </a:rPr>
-              <a:t>ITA</a:t>
-            </a:r>
-            <a:endParaRPr lang="ja-JP" altLang="en-US" sz="1350" b="1" dirty="0">
-              <a:solidFill>
-                <a:srgbClr val="002B62"/>
-              </a:solidFill>
-              <a:latin typeface="Meiryo UI" panose="020B0604030504040204" pitchFamily="50" charset="-128"/>
-              <a:ea typeface="Meiryo UI" panose="020B0604030504040204" pitchFamily="50" charset="-128"/>
-            </a:endParaRPr>
-          </a:p>
-        </p:txBody>
-      </p:sp>
-      <p:grpSp>
-        <p:nvGrpSpPr>
-          <p:cNvPr id="139" name="グループ化 138"/>
-          <p:cNvGrpSpPr/>
-          <p:nvPr/>
-        </p:nvGrpSpPr>
-        <p:grpSpPr>
-          <a:xfrm>
-            <a:off x="4085912" y="1930480"/>
-            <a:ext cx="973207" cy="923254"/>
-            <a:chOff x="371024" y="1474960"/>
-            <a:chExt cx="2337717" cy="1888541"/>
-          </a:xfrm>
-        </p:grpSpPr>
-        <p:sp>
-          <p:nvSpPr>
-            <p:cNvPr id="140" name="フローチャート: 磁気ディスク 139"/>
-            <p:cNvSpPr/>
-            <p:nvPr/>
-          </p:nvSpPr>
-          <p:spPr>
-            <a:xfrm>
-              <a:off x="1340505" y="2009996"/>
-              <a:ext cx="990600" cy="933450"/>
-            </a:xfrm>
-            <a:prstGeom prst="flowChartMagneticDisk">
-              <a:avLst/>
-            </a:prstGeom>
-            <a:solidFill>
-              <a:srgbClr val="5B9BD5"/>
-            </a:solidFill>
-            <a:ln w="38100" cap="flat" cmpd="sng" algn="ctr">
-              <a:solidFill>
-                <a:srgbClr val="002B62"/>
-              </a:solidFill>
-              <a:prstDash val="solid"/>
-              <a:miter lim="800000"/>
-            </a:ln>
-            <a:effectLst/>
-          </p:spPr>
-          <p:txBody>
-            <a:bodyPr rtlCol="0" anchor="ctr"/>
-            <a:lstStyle/>
-            <a:p>
-              <a:pPr algn="ctr" defTabSz="685800"/>
-              <a:endParaRPr kumimoji="0" lang="ja-JP" altLang="en-US" sz="1350" kern="0" smtClean="0">
-                <a:solidFill>
-                  <a:prstClr val="white"/>
-                </a:solidFill>
-                <a:latin typeface="Meiryo UI" panose="020B0604030504040204" pitchFamily="50" charset="-128"/>
-                <a:ea typeface="Meiryo UI" panose="020B0604030504040204" pitchFamily="50" charset="-128"/>
-              </a:endParaRPr>
-            </a:p>
-          </p:txBody>
-        </p:sp>
-        <p:sp>
-          <p:nvSpPr>
-            <p:cNvPr id="141" name="フローチャート: 磁気ディスク 140"/>
-            <p:cNvSpPr/>
-            <p:nvPr/>
-          </p:nvSpPr>
-          <p:spPr>
-            <a:xfrm>
-              <a:off x="749784" y="2334140"/>
-              <a:ext cx="990600" cy="933450"/>
-            </a:xfrm>
-            <a:prstGeom prst="flowChartMagneticDisk">
-              <a:avLst/>
-            </a:prstGeom>
-            <a:solidFill>
-              <a:srgbClr val="5B9BD5"/>
-            </a:solidFill>
-            <a:ln w="38100" cap="flat" cmpd="sng" algn="ctr">
-              <a:solidFill>
-                <a:srgbClr val="002B62"/>
-              </a:solidFill>
-              <a:prstDash val="solid"/>
-              <a:miter lim="800000"/>
-            </a:ln>
-            <a:effectLst/>
-          </p:spPr>
-          <p:txBody>
-            <a:bodyPr rtlCol="0" anchor="ctr"/>
-            <a:lstStyle/>
-            <a:p>
-              <a:pPr algn="ctr" defTabSz="685800"/>
-              <a:r>
-                <a:rPr kumimoji="0" lang="ja-JP" altLang="en-US" sz="600" kern="0" dirty="0" smtClean="0">
-                  <a:solidFill>
-                    <a:prstClr val="white"/>
-                  </a:solidFill>
-                  <a:latin typeface="Meiryo UI" panose="020B0604030504040204" pitchFamily="50" charset="-128"/>
-                  <a:ea typeface="Meiryo UI" panose="020B0604030504040204" pitchFamily="50" charset="-128"/>
-                </a:rPr>
-                <a:t>資材</a:t>
-              </a:r>
-              <a:r>
-                <a:rPr kumimoji="0" lang="en-US" altLang="ja-JP" sz="600" kern="0" dirty="0" smtClean="0">
-                  <a:solidFill>
-                    <a:prstClr val="white"/>
-                  </a:solidFill>
-                  <a:latin typeface="Meiryo UI" panose="020B0604030504040204" pitchFamily="50" charset="-128"/>
-                  <a:ea typeface="Meiryo UI" panose="020B0604030504040204" pitchFamily="50" charset="-128"/>
-                </a:rPr>
-                <a:t>A</a:t>
-              </a:r>
-              <a:endParaRPr kumimoji="0" lang="ja-JP" altLang="en-US" sz="600" kern="0" dirty="0" smtClean="0">
-                <a:solidFill>
-                  <a:prstClr val="white"/>
-                </a:solidFill>
-                <a:latin typeface="Meiryo UI" panose="020B0604030504040204" pitchFamily="50" charset="-128"/>
-                <a:ea typeface="Meiryo UI" panose="020B0604030504040204" pitchFamily="50" charset="-128"/>
-              </a:endParaRPr>
-            </a:p>
-          </p:txBody>
-        </p:sp>
-        <p:sp>
-          <p:nvSpPr>
-            <p:cNvPr id="142" name="角丸四角形 141"/>
-            <p:cNvSpPr/>
-            <p:nvPr/>
-          </p:nvSpPr>
-          <p:spPr>
-            <a:xfrm>
-              <a:off x="371024" y="1474960"/>
-              <a:ext cx="2337717" cy="1888541"/>
-            </a:xfrm>
-            <a:prstGeom prst="roundRect">
-              <a:avLst/>
-            </a:prstGeom>
-            <a:noFill/>
-            <a:ln w="38100" cap="flat" cmpd="sng" algn="ctr">
-              <a:solidFill>
-                <a:srgbClr val="002B62"/>
-              </a:solidFill>
-              <a:prstDash val="solid"/>
-              <a:miter lim="800000"/>
-            </a:ln>
-            <a:effectLst/>
-          </p:spPr>
-          <p:txBody>
-            <a:bodyPr rtlCol="0" anchor="t" anchorCtr="0"/>
-            <a:lstStyle/>
-            <a:p>
-              <a:pPr algn="ctr" defTabSz="685800"/>
-              <a:r>
-                <a:rPr kumimoji="0" lang="en-US" altLang="ja-JP" sz="1000" b="1" kern="0" dirty="0" smtClean="0">
-                  <a:solidFill>
-                    <a:srgbClr val="002B62"/>
-                  </a:solidFill>
-                  <a:latin typeface="Meiryo UI" panose="020B0604030504040204" pitchFamily="50" charset="-128"/>
-                  <a:ea typeface="Meiryo UI" panose="020B0604030504040204" pitchFamily="50" charset="-128"/>
-                </a:rPr>
-                <a:t>Git</a:t>
-              </a:r>
-              <a:r>
-                <a:rPr kumimoji="0" lang="ja-JP" altLang="en-US" sz="1000" b="1" kern="0" dirty="0" smtClean="0">
-                  <a:solidFill>
-                    <a:srgbClr val="002B62"/>
-                  </a:solidFill>
-                  <a:latin typeface="Meiryo UI" panose="020B0604030504040204" pitchFamily="50" charset="-128"/>
-                  <a:ea typeface="Meiryo UI" panose="020B0604030504040204" pitchFamily="50" charset="-128"/>
-                </a:rPr>
-                <a:t>リポジトリ</a:t>
-              </a:r>
-            </a:p>
-          </p:txBody>
-        </p:sp>
-      </p:grpSp>
-      <p:grpSp>
-        <p:nvGrpSpPr>
-          <p:cNvPr id="143" name="グループ化 142"/>
-          <p:cNvGrpSpPr/>
-          <p:nvPr/>
-        </p:nvGrpSpPr>
-        <p:grpSpPr>
-          <a:xfrm>
-            <a:off x="5497968" y="2385700"/>
-            <a:ext cx="1149417" cy="1337388"/>
-            <a:chOff x="6020681" y="2080208"/>
-            <a:chExt cx="1435808" cy="1415272"/>
-          </a:xfrm>
-        </p:grpSpPr>
-        <p:sp>
-          <p:nvSpPr>
-            <p:cNvPr id="144" name="フローチャート: 磁気ディスク 143"/>
-            <p:cNvSpPr/>
-            <p:nvPr/>
-          </p:nvSpPr>
-          <p:spPr>
-            <a:xfrm>
-              <a:off x="6683158" y="2659041"/>
-              <a:ext cx="525435" cy="492993"/>
-            </a:xfrm>
-            <a:prstGeom prst="flowChartMagneticDisk">
-              <a:avLst/>
-            </a:prstGeom>
-            <a:solidFill>
-              <a:srgbClr val="5B9BD5"/>
-            </a:solidFill>
-            <a:ln w="38100" cap="flat" cmpd="sng" algn="ctr">
-              <a:solidFill>
-                <a:srgbClr val="002B62"/>
-              </a:solidFill>
-              <a:prstDash val="solid"/>
-              <a:miter lim="800000"/>
-            </a:ln>
-            <a:effectLst/>
-          </p:spPr>
-          <p:txBody>
-            <a:bodyPr rtlCol="0" anchor="ctr"/>
-            <a:lstStyle/>
-            <a:p>
-              <a:pPr algn="ctr" defTabSz="685800"/>
-              <a:endParaRPr kumimoji="0" lang="ja-JP" altLang="en-US" sz="1350" kern="0" smtClean="0">
-                <a:solidFill>
-                  <a:prstClr val="white"/>
-                </a:solidFill>
-                <a:latin typeface="Meiryo UI" panose="020B0604030504040204" pitchFamily="50" charset="-128"/>
-                <a:ea typeface="Meiryo UI" panose="020B0604030504040204" pitchFamily="50" charset="-128"/>
-              </a:endParaRPr>
-            </a:p>
-          </p:txBody>
-        </p:sp>
-        <p:sp>
-          <p:nvSpPr>
-            <p:cNvPr id="145" name="フローチャート: 磁気ディスク 144"/>
-            <p:cNvSpPr/>
-            <p:nvPr/>
-          </p:nvSpPr>
-          <p:spPr>
-            <a:xfrm>
-              <a:off x="6345606" y="2855308"/>
-              <a:ext cx="525435" cy="466925"/>
-            </a:xfrm>
-            <a:prstGeom prst="flowChartMagneticDisk">
-              <a:avLst/>
-            </a:prstGeom>
-            <a:solidFill>
-              <a:srgbClr val="5B9BD5"/>
-            </a:solidFill>
-            <a:ln w="38100" cap="flat" cmpd="sng" algn="ctr">
-              <a:solidFill>
-                <a:srgbClr val="002B62"/>
-              </a:solidFill>
-              <a:prstDash val="solid"/>
-              <a:miter lim="800000"/>
-            </a:ln>
-            <a:effectLst/>
-          </p:spPr>
-          <p:txBody>
-            <a:bodyPr rtlCol="0" anchor="ctr"/>
-            <a:lstStyle/>
-            <a:p>
-              <a:pPr algn="ctr" defTabSz="685800"/>
-              <a:r>
-                <a:rPr kumimoji="0" lang="ja-JP" altLang="en-US" sz="600" kern="0" dirty="0" smtClean="0">
-                  <a:solidFill>
-                    <a:prstClr val="white"/>
-                  </a:solidFill>
-                  <a:latin typeface="Meiryo UI" panose="020B0604030504040204" pitchFamily="50" charset="-128"/>
-                  <a:ea typeface="Meiryo UI" panose="020B0604030504040204" pitchFamily="50" charset="-128"/>
-                </a:rPr>
-                <a:t>資材</a:t>
-              </a:r>
-              <a:r>
-                <a:rPr kumimoji="0" lang="en-US" altLang="ja-JP" sz="600" kern="0" dirty="0" smtClean="0">
-                  <a:solidFill>
-                    <a:prstClr val="white"/>
-                  </a:solidFill>
-                  <a:latin typeface="Meiryo UI" panose="020B0604030504040204" pitchFamily="50" charset="-128"/>
-                  <a:ea typeface="Meiryo UI" panose="020B0604030504040204" pitchFamily="50" charset="-128"/>
-                </a:rPr>
-                <a:t>A</a:t>
-              </a:r>
-              <a:endParaRPr kumimoji="0" lang="ja-JP" altLang="en-US" sz="600" kern="0" dirty="0" smtClean="0">
-                <a:solidFill>
-                  <a:prstClr val="white"/>
-                </a:solidFill>
-                <a:latin typeface="Meiryo UI" panose="020B0604030504040204" pitchFamily="50" charset="-128"/>
-                <a:ea typeface="Meiryo UI" panose="020B0604030504040204" pitchFamily="50" charset="-128"/>
-              </a:endParaRPr>
-            </a:p>
-          </p:txBody>
-        </p:sp>
-        <p:sp>
-          <p:nvSpPr>
-            <p:cNvPr id="146" name="角丸四角形 145"/>
-            <p:cNvSpPr/>
-            <p:nvPr/>
-          </p:nvSpPr>
-          <p:spPr>
-            <a:xfrm>
-              <a:off x="6020681" y="2080208"/>
-              <a:ext cx="1435808" cy="1415272"/>
-            </a:xfrm>
-            <a:prstGeom prst="roundRect">
-              <a:avLst/>
-            </a:prstGeom>
-            <a:noFill/>
-            <a:ln w="38100" cap="flat" cmpd="sng" algn="ctr">
-              <a:solidFill>
-                <a:srgbClr val="002B62"/>
-              </a:solidFill>
-              <a:prstDash val="dash"/>
-              <a:miter lim="800000"/>
-            </a:ln>
-            <a:effectLst/>
-          </p:spPr>
-          <p:txBody>
-            <a:bodyPr rtlCol="0" anchor="t" anchorCtr="0"/>
-            <a:lstStyle/>
-            <a:p>
-              <a:pPr algn="ctr" defTabSz="685800"/>
-              <a:r>
-                <a:rPr kumimoji="0" lang="en-US" altLang="ja-JP" sz="1000" b="1" kern="0" dirty="0" smtClean="0">
-                  <a:solidFill>
-                    <a:srgbClr val="002B62"/>
-                  </a:solidFill>
-                  <a:latin typeface="Meiryo UI" panose="020B0604030504040204" pitchFamily="50" charset="-128"/>
-                  <a:ea typeface="Meiryo UI" panose="020B0604030504040204" pitchFamily="50" charset="-128"/>
-                </a:rPr>
-                <a:t>Git</a:t>
-              </a:r>
-              <a:r>
-                <a:rPr kumimoji="0" lang="ja-JP" altLang="en-US" sz="1000" b="1" kern="0" dirty="0" smtClean="0">
-                  <a:solidFill>
-                    <a:srgbClr val="002B62"/>
-                  </a:solidFill>
-                  <a:latin typeface="Meiryo UI" panose="020B0604030504040204" pitchFamily="50" charset="-128"/>
-                  <a:ea typeface="Meiryo UI" panose="020B0604030504040204" pitchFamily="50" charset="-128"/>
-                </a:rPr>
-                <a:t>連携機能</a:t>
-              </a:r>
-            </a:p>
-          </p:txBody>
-        </p:sp>
-        <p:sp>
-          <p:nvSpPr>
-            <p:cNvPr id="147" name="角丸四角形 146"/>
-            <p:cNvSpPr/>
-            <p:nvPr/>
-          </p:nvSpPr>
-          <p:spPr>
-            <a:xfrm>
-              <a:off x="6138137" y="2395959"/>
-              <a:ext cx="1217639" cy="973727"/>
-            </a:xfrm>
-            <a:prstGeom prst="roundRect">
-              <a:avLst/>
-            </a:prstGeom>
-            <a:noFill/>
-            <a:ln w="38100" cap="flat" cmpd="sng" algn="ctr">
-              <a:solidFill>
-                <a:srgbClr val="002B62"/>
-              </a:solidFill>
-              <a:prstDash val="solid"/>
-              <a:miter lim="800000"/>
-            </a:ln>
-            <a:effectLst/>
-          </p:spPr>
-          <p:txBody>
-            <a:bodyPr rtlCol="0" anchor="t" anchorCtr="0"/>
-            <a:lstStyle/>
-            <a:p>
-              <a:pPr algn="ctr" defTabSz="685800"/>
-              <a:r>
-                <a:rPr kumimoji="0" lang="ja-JP" altLang="en-US" sz="700" b="1" kern="0" dirty="0" smtClean="0">
-                  <a:solidFill>
-                    <a:srgbClr val="002B62"/>
-                  </a:solidFill>
-                  <a:latin typeface="Meiryo UI" panose="020B0604030504040204" pitchFamily="50" charset="-128"/>
-                  <a:ea typeface="Meiryo UI" panose="020B0604030504040204" pitchFamily="50" charset="-128"/>
-                </a:rPr>
-                <a:t>ローカルリポジトリ</a:t>
-              </a:r>
-            </a:p>
-          </p:txBody>
-        </p:sp>
-      </p:grpSp>
-      <p:sp>
-        <p:nvSpPr>
-          <p:cNvPr id="148" name="正方形/長方形 147"/>
-          <p:cNvSpPr/>
-          <p:nvPr/>
-        </p:nvSpPr>
-        <p:spPr>
-          <a:xfrm>
-            <a:off x="5186250" y="1929062"/>
-            <a:ext cx="2761536" cy="3444208"/>
-          </a:xfrm>
-          <a:prstGeom prst="rect">
-            <a:avLst/>
-          </a:prstGeom>
-          <a:noFill/>
-          <a:ln w="38100" cap="flat" cmpd="sng" algn="ctr">
-            <a:solidFill>
-              <a:srgbClr val="002B62"/>
-            </a:solidFill>
-            <a:prstDash val="solid"/>
-            <a:miter lim="800000"/>
-          </a:ln>
-          <a:effectLst/>
-        </p:spPr>
-        <p:txBody>
-          <a:bodyPr rtlCol="0" anchor="ctr"/>
-          <a:lstStyle/>
-          <a:p>
-            <a:pPr marL="0" marR="0" lvl="0" indent="0" algn="ctr" defTabSz="685800" eaLnBrk="1" fontAlgn="auto" latinLnBrk="0" hangingPunct="1">
-              <a:lnSpc>
-                <a:spcPct val="100000"/>
-              </a:lnSpc>
-              <a:spcBef>
-                <a:spcPts val="0"/>
-              </a:spcBef>
-              <a:spcAft>
-                <a:spcPts val="0"/>
-              </a:spcAft>
-              <a:buClrTx/>
-              <a:buSzTx/>
-              <a:buFontTx/>
-              <a:buNone/>
-              <a:tabLst/>
-              <a:defRPr/>
-            </a:pPr>
-            <a:endParaRPr kumimoji="0" lang="ja-JP" altLang="en-US" sz="1350" b="0" i="0" u="none" strike="noStrike" kern="0" cap="none" spc="0" normalizeH="0" baseline="0" noProof="0" smtClean="0">
-              <a:ln>
-                <a:noFill/>
-              </a:ln>
-              <a:solidFill>
-                <a:prstClr val="white"/>
-              </a:solidFill>
-              <a:effectLst/>
-              <a:uLnTx/>
-              <a:uFillTx/>
-              <a:latin typeface="Meiryo UI" panose="020B0604030504040204" pitchFamily="50" charset="-128"/>
-              <a:ea typeface="Meiryo UI" panose="020B0604030504040204" pitchFamily="50" charset="-128"/>
-              <a:cs typeface="+mn-cs"/>
-            </a:endParaRPr>
-          </a:p>
-        </p:txBody>
-      </p:sp>
-      <p:sp>
-        <p:nvSpPr>
-          <p:cNvPr id="149" name="環状矢印 148"/>
-          <p:cNvSpPr/>
-          <p:nvPr/>
-        </p:nvSpPr>
-        <p:spPr>
-          <a:xfrm rot="10800000">
-            <a:off x="4826209" y="2782889"/>
-            <a:ext cx="666516" cy="721355"/>
-          </a:xfrm>
-          <a:prstGeom prst="circularArrow">
-            <a:avLst>
-              <a:gd name="adj1" fmla="val 12716"/>
-              <a:gd name="adj2" fmla="val 1861405"/>
-              <a:gd name="adj3" fmla="val 8853523"/>
-              <a:gd name="adj4" fmla="val 12039106"/>
-              <a:gd name="adj5" fmla="val 17377"/>
-            </a:avLst>
-          </a:prstGeom>
-          <a:solidFill>
-            <a:srgbClr val="FFC000"/>
-          </a:solidFill>
-          <a:ln>
-            <a:noFill/>
-          </a:ln>
-          <a:effectLst/>
-        </p:spPr>
-      </p:sp>
-      <p:sp>
-        <p:nvSpPr>
-          <p:cNvPr id="150" name="テキスト ボックス 149"/>
-          <p:cNvSpPr txBox="1"/>
-          <p:nvPr/>
-        </p:nvSpPr>
-        <p:spPr>
-          <a:xfrm>
-            <a:off x="4391647" y="3457446"/>
-            <a:ext cx="1073554" cy="230832"/>
-          </a:xfrm>
-          <a:prstGeom prst="rect">
-            <a:avLst/>
-          </a:prstGeom>
-          <a:solidFill>
-            <a:sysClr val="window" lastClr="FFFFFF"/>
-          </a:solidFill>
-        </p:spPr>
-        <p:txBody>
-          <a:bodyPr wrap="square" rtlCol="0">
-            <a:spAutoFit/>
-          </a:bodyPr>
-          <a:lstStyle/>
-          <a:p>
-            <a:pPr marL="0" marR="0" lvl="0" indent="0" defTabSz="685800" eaLnBrk="1" fontAlgn="auto" latinLnBrk="0" hangingPunct="1">
-              <a:lnSpc>
-                <a:spcPct val="100000"/>
-              </a:lnSpc>
-              <a:spcBef>
-                <a:spcPts val="0"/>
-              </a:spcBef>
-              <a:spcAft>
-                <a:spcPts val="0"/>
-              </a:spcAft>
-              <a:buClrTx/>
-              <a:buSzTx/>
-              <a:buFontTx/>
-              <a:buNone/>
-              <a:tabLst/>
-              <a:defRPr/>
-            </a:pPr>
-            <a:r>
-              <a:rPr kumimoji="0" lang="en-US" altLang="ja-JP" sz="900" b="1" i="0" u="none" strike="noStrike" kern="0" cap="none" spc="0" normalizeH="0" baseline="0" noProof="0" dirty="0" smtClean="0">
-                <a:ln>
-                  <a:noFill/>
-                </a:ln>
-                <a:solidFill>
-                  <a:srgbClr val="002B62"/>
-                </a:solidFill>
-                <a:effectLst/>
-                <a:uLnTx/>
-                <a:uFillTx/>
-                <a:latin typeface="Meiryo UI" panose="020B0604030504040204" pitchFamily="50" charset="-128"/>
-                <a:ea typeface="Meiryo UI" panose="020B0604030504040204" pitchFamily="50" charset="-128"/>
-              </a:rPr>
-              <a:t>Git</a:t>
-            </a:r>
-            <a:r>
-              <a:rPr kumimoji="0" lang="ja-JP" altLang="en-US" sz="900" b="1" i="0" u="none" strike="noStrike" kern="0" cap="none" spc="0" normalizeH="0" baseline="0" noProof="0" dirty="0" smtClean="0">
-                <a:ln>
-                  <a:noFill/>
-                </a:ln>
-                <a:solidFill>
-                  <a:srgbClr val="002B62"/>
-                </a:solidFill>
-                <a:effectLst/>
-                <a:uLnTx/>
-                <a:uFillTx/>
-                <a:latin typeface="Meiryo UI" panose="020B0604030504040204" pitchFamily="50" charset="-128"/>
-                <a:ea typeface="Meiryo UI" panose="020B0604030504040204" pitchFamily="50" charset="-128"/>
-              </a:rPr>
-              <a:t>クローン</a:t>
-            </a:r>
-            <a:r>
-              <a:rPr kumimoji="0" lang="en-US" altLang="ja-JP" sz="900" b="1" i="0" u="none" strike="noStrike" kern="0" cap="none" spc="0" normalizeH="0" baseline="0" noProof="0" dirty="0" smtClean="0">
-                <a:ln>
-                  <a:noFill/>
-                </a:ln>
-                <a:solidFill>
-                  <a:srgbClr val="002B62"/>
-                </a:solidFill>
-                <a:effectLst/>
-                <a:uLnTx/>
-                <a:uFillTx/>
-                <a:latin typeface="Meiryo UI" panose="020B0604030504040204" pitchFamily="50" charset="-128"/>
-                <a:ea typeface="Meiryo UI" panose="020B0604030504040204" pitchFamily="50" charset="-128"/>
-              </a:rPr>
-              <a:t>/</a:t>
-            </a:r>
-            <a:r>
-              <a:rPr kumimoji="0" lang="ja-JP" altLang="en-US" sz="900" b="1" i="0" u="none" strike="noStrike" kern="0" cap="none" spc="0" normalizeH="0" baseline="0" noProof="0" dirty="0" smtClean="0">
-                <a:ln>
-                  <a:noFill/>
-                </a:ln>
-                <a:solidFill>
-                  <a:srgbClr val="002B62"/>
-                </a:solidFill>
-                <a:effectLst/>
-                <a:uLnTx/>
-                <a:uFillTx/>
-                <a:latin typeface="Meiryo UI" panose="020B0604030504040204" pitchFamily="50" charset="-128"/>
-                <a:ea typeface="Meiryo UI" panose="020B0604030504040204" pitchFamily="50" charset="-128"/>
-              </a:rPr>
-              <a:t>更新</a:t>
-            </a:r>
-          </a:p>
-        </p:txBody>
-      </p:sp>
-      <p:grpSp>
-        <p:nvGrpSpPr>
-          <p:cNvPr id="151" name="グループ化 150"/>
-          <p:cNvGrpSpPr/>
-          <p:nvPr/>
-        </p:nvGrpSpPr>
-        <p:grpSpPr>
-          <a:xfrm>
-            <a:off x="8025083" y="4016125"/>
-            <a:ext cx="862761" cy="1169373"/>
-            <a:chOff x="10343028" y="4197849"/>
-            <a:chExt cx="1544172" cy="1965414"/>
-          </a:xfrm>
-        </p:grpSpPr>
-        <p:sp>
-          <p:nvSpPr>
-            <p:cNvPr id="152" name="角丸四角形 151"/>
-            <p:cNvSpPr/>
-            <p:nvPr/>
-          </p:nvSpPr>
-          <p:spPr>
-            <a:xfrm>
-              <a:off x="10343028" y="4197849"/>
-              <a:ext cx="1544172" cy="1965414"/>
-            </a:xfrm>
-            <a:prstGeom prst="roundRect">
-              <a:avLst/>
-            </a:prstGeom>
-            <a:noFill/>
-            <a:ln w="38100" cap="flat" cmpd="sng" algn="ctr">
-              <a:solidFill>
-                <a:srgbClr val="002B62"/>
-              </a:solidFill>
-              <a:prstDash val="dash"/>
-              <a:miter lim="800000"/>
-            </a:ln>
-            <a:effectLst/>
-          </p:spPr>
-          <p:txBody>
-            <a:bodyPr rtlCol="0" anchor="t" anchorCtr="0"/>
-            <a:lstStyle/>
-            <a:p>
-              <a:pPr marL="0" marR="0" lvl="0" indent="0" algn="ctr" defTabSz="685800" eaLnBrk="1" fontAlgn="auto" latinLnBrk="0" hangingPunct="1">
-                <a:lnSpc>
-                  <a:spcPct val="100000"/>
-                </a:lnSpc>
-                <a:spcBef>
-                  <a:spcPts val="0"/>
-                </a:spcBef>
-                <a:spcAft>
-                  <a:spcPts val="0"/>
-                </a:spcAft>
-                <a:buClrTx/>
-                <a:buSzTx/>
-                <a:buFontTx/>
-                <a:buNone/>
-                <a:tabLst/>
-                <a:defRPr/>
-              </a:pPr>
-              <a:r>
-                <a:rPr kumimoji="0" lang="ja-JP" altLang="en-US" sz="800" b="1" i="0" u="none" strike="noStrike" kern="0" cap="none" spc="0" normalizeH="0" baseline="0" noProof="0" dirty="0" smtClean="0">
-                  <a:ln>
-                    <a:noFill/>
-                  </a:ln>
-                  <a:solidFill>
-                    <a:srgbClr val="002B62"/>
-                  </a:solidFill>
-                  <a:effectLst/>
-                  <a:uLnTx/>
-                  <a:uFillTx/>
-                  <a:latin typeface="Meiryo UI" panose="020B0604030504040204" pitchFamily="50" charset="-128"/>
-                  <a:ea typeface="Meiryo UI" panose="020B0604030504040204" pitchFamily="50" charset="-128"/>
-                  <a:cs typeface="+mn-cs"/>
-                </a:rPr>
-                <a:t>対象システム</a:t>
-              </a:r>
-            </a:p>
-          </p:txBody>
-        </p:sp>
-        <p:pic>
-          <p:nvPicPr>
-            <p:cNvPr id="153" name="図 152"/>
-            <p:cNvPicPr>
-              <a:picLocks noChangeAspect="1"/>
-            </p:cNvPicPr>
-            <p:nvPr/>
-          </p:nvPicPr>
-          <p:blipFill>
-            <a:blip r:embed="rId2" cstate="print">
-              <a:duotone>
-                <a:srgbClr val="5B9BD5">
-                  <a:shade val="45000"/>
-                  <a:satMod val="135000"/>
-                </a:srgbClr>
-                <a:prstClr val="white"/>
-              </a:duotone>
-              <a:extLst>
-                <a:ext uri="{28A0092B-C50C-407E-A947-70E740481C1C}">
-                  <a14:useLocalDpi xmlns:a14="http://schemas.microsoft.com/office/drawing/2010/main" val="0"/>
-                </a:ext>
-              </a:extLst>
-            </a:blip>
-            <a:stretch>
-              <a:fillRect/>
-            </a:stretch>
-          </p:blipFill>
-          <p:spPr>
-            <a:xfrm>
-              <a:off x="10719701" y="4911350"/>
-              <a:ext cx="890928" cy="890928"/>
-            </a:xfrm>
-            <a:prstGeom prst="rect">
-              <a:avLst/>
-            </a:prstGeom>
-            <a:noFill/>
-            <a:ln>
-              <a:noFill/>
-            </a:ln>
-          </p:spPr>
-        </p:pic>
-        <p:sp>
-          <p:nvSpPr>
-            <p:cNvPr id="154" name="テキスト ボックス 153"/>
-            <p:cNvSpPr txBox="1"/>
-            <p:nvPr/>
-          </p:nvSpPr>
-          <p:spPr>
-            <a:xfrm>
-              <a:off x="10546691" y="5802278"/>
-              <a:ext cx="1190212" cy="326116"/>
-            </a:xfrm>
-            <a:prstGeom prst="rect">
-              <a:avLst/>
-            </a:prstGeom>
-            <a:noFill/>
-          </p:spPr>
-          <p:txBody>
-            <a:bodyPr wrap="square" rtlCol="0">
-              <a:spAutoFit/>
-            </a:bodyPr>
-            <a:lstStyle/>
-            <a:p>
-              <a:pPr marL="0" marR="0" lvl="0" indent="0" defTabSz="685800" eaLnBrk="1" fontAlgn="auto" latinLnBrk="0" hangingPunct="1">
-                <a:lnSpc>
-                  <a:spcPct val="100000"/>
-                </a:lnSpc>
-                <a:spcBef>
-                  <a:spcPts val="0"/>
-                </a:spcBef>
-                <a:spcAft>
-                  <a:spcPts val="0"/>
-                </a:spcAft>
-                <a:buClrTx/>
-                <a:buSzTx/>
-                <a:buFontTx/>
-                <a:buNone/>
-                <a:tabLst/>
-                <a:defRPr/>
-              </a:pPr>
-              <a:r>
-                <a:rPr kumimoji="0" lang="ja-JP" altLang="en-US" sz="800" b="1" i="0" u="none" strike="noStrike" kern="0" cap="none" spc="0" normalizeH="0" baseline="0" noProof="0" dirty="0" smtClean="0">
-                  <a:ln>
-                    <a:noFill/>
-                  </a:ln>
-                  <a:solidFill>
-                    <a:srgbClr val="002B62"/>
-                  </a:solidFill>
-                  <a:effectLst/>
-                  <a:uLnTx/>
-                  <a:uFillTx/>
-                  <a:latin typeface="Meiryo UI" panose="020B0604030504040204" pitchFamily="50" charset="-128"/>
-                  <a:ea typeface="Meiryo UI" panose="020B0604030504040204" pitchFamily="50" charset="-128"/>
-                </a:rPr>
-                <a:t>対象サーバ</a:t>
-              </a:r>
-            </a:p>
-          </p:txBody>
-        </p:sp>
-      </p:grpSp>
-      <p:grpSp>
-        <p:nvGrpSpPr>
-          <p:cNvPr id="156" name="グループ化 155"/>
-          <p:cNvGrpSpPr/>
-          <p:nvPr/>
-        </p:nvGrpSpPr>
-        <p:grpSpPr>
-          <a:xfrm>
-            <a:off x="6740432" y="3281726"/>
-            <a:ext cx="1132607" cy="1896370"/>
-            <a:chOff x="3328152" y="3510483"/>
-            <a:chExt cx="1414810" cy="2006807"/>
-          </a:xfrm>
-        </p:grpSpPr>
-        <p:sp>
-          <p:nvSpPr>
-            <p:cNvPr id="157" name="角丸四角形 156"/>
-            <p:cNvSpPr/>
-            <p:nvPr/>
-          </p:nvSpPr>
-          <p:spPr>
-            <a:xfrm>
-              <a:off x="3328152" y="3510483"/>
-              <a:ext cx="1414810" cy="2006807"/>
-            </a:xfrm>
-            <a:prstGeom prst="roundRect">
-              <a:avLst/>
-            </a:prstGeom>
-            <a:noFill/>
-            <a:ln w="38100" cap="flat" cmpd="sng" algn="ctr">
-              <a:solidFill>
-                <a:srgbClr val="002B62"/>
-              </a:solidFill>
-              <a:prstDash val="dash"/>
-              <a:miter lim="800000"/>
-            </a:ln>
-            <a:effectLst/>
-          </p:spPr>
-          <p:txBody>
-            <a:bodyPr rtlCol="0" anchor="t" anchorCtr="0"/>
-            <a:lstStyle/>
-            <a:p>
-              <a:pPr marL="0" marR="0" lvl="0" indent="0" algn="ctr" defTabSz="685800" eaLnBrk="1" fontAlgn="auto" latinLnBrk="0" hangingPunct="1">
-                <a:lnSpc>
-                  <a:spcPct val="100000"/>
-                </a:lnSpc>
-                <a:spcBef>
-                  <a:spcPts val="0"/>
-                </a:spcBef>
-                <a:spcAft>
-                  <a:spcPts val="0"/>
-                </a:spcAft>
-                <a:buClrTx/>
-                <a:buSzTx/>
-                <a:buFontTx/>
-                <a:buNone/>
-                <a:tabLst/>
-                <a:defRPr/>
-              </a:pPr>
-              <a:r>
-                <a:rPr kumimoji="0" lang="ja-JP" altLang="en-US" sz="1000" b="1" i="0" u="none" strike="noStrike" kern="0" cap="none" spc="0" normalizeH="0" baseline="0" noProof="0" dirty="0" smtClean="0">
-                  <a:ln>
-                    <a:noFill/>
-                  </a:ln>
-                  <a:solidFill>
-                    <a:srgbClr val="002B62"/>
-                  </a:solidFill>
-                  <a:effectLst/>
-                  <a:uLnTx/>
-                  <a:uFillTx/>
-                  <a:latin typeface="Meiryo UI" panose="020B0604030504040204" pitchFamily="50" charset="-128"/>
-                  <a:ea typeface="Meiryo UI" panose="020B0604030504040204" pitchFamily="50" charset="-128"/>
-                  <a:cs typeface="+mn-cs"/>
-                </a:rPr>
-                <a:t>連携ドライバ</a:t>
-              </a:r>
-            </a:p>
-          </p:txBody>
-        </p:sp>
-        <p:grpSp>
-          <p:nvGrpSpPr>
-            <p:cNvPr id="158" name="グループ化 157"/>
-            <p:cNvGrpSpPr/>
-            <p:nvPr/>
-          </p:nvGrpSpPr>
-          <p:grpSpPr>
-            <a:xfrm>
-              <a:off x="3417953" y="3882474"/>
-              <a:ext cx="1213390" cy="970960"/>
-              <a:chOff x="5747827" y="2440136"/>
-              <a:chExt cx="1213390" cy="970960"/>
-            </a:xfrm>
-          </p:grpSpPr>
-          <p:sp>
-            <p:nvSpPr>
-              <p:cNvPr id="160" name="フローチャート: 磁気ディスク 159"/>
-              <p:cNvSpPr/>
-              <p:nvPr/>
-            </p:nvSpPr>
-            <p:spPr>
-              <a:xfrm>
-                <a:off x="6284458" y="2723422"/>
-                <a:ext cx="494540" cy="485720"/>
-              </a:xfrm>
-              <a:prstGeom prst="flowChartMagneticDisk">
-                <a:avLst/>
-              </a:prstGeom>
-              <a:solidFill>
-                <a:srgbClr val="5B9BD5"/>
-              </a:solidFill>
-              <a:ln w="38100" cap="flat" cmpd="sng" algn="ctr">
-                <a:solidFill>
-                  <a:srgbClr val="002B62"/>
-                </a:solidFill>
-                <a:prstDash val="solid"/>
-                <a:miter lim="800000"/>
-              </a:ln>
-              <a:effectLst/>
-            </p:spPr>
-            <p:txBody>
-              <a:bodyPr rtlCol="0" anchor="ctr"/>
-              <a:lstStyle/>
-              <a:p>
-                <a:pPr marL="0" marR="0" lvl="0" indent="0" algn="ctr" defTabSz="685800" eaLnBrk="1" fontAlgn="auto" latinLnBrk="0" hangingPunct="1">
-                  <a:lnSpc>
-                    <a:spcPct val="100000"/>
-                  </a:lnSpc>
-                  <a:spcBef>
-                    <a:spcPts val="0"/>
-                  </a:spcBef>
-                  <a:spcAft>
-                    <a:spcPts val="0"/>
-                  </a:spcAft>
-                  <a:buClrTx/>
-                  <a:buSzTx/>
-                  <a:buFontTx/>
-                  <a:buNone/>
-                  <a:tabLst/>
-                  <a:defRPr/>
-                </a:pPr>
-                <a:endParaRPr kumimoji="0" lang="ja-JP" altLang="en-US" sz="1350" b="0" i="0" u="none" strike="noStrike" kern="0" cap="none" spc="0" normalizeH="0" baseline="0" noProof="0" smtClean="0">
-                  <a:ln>
-                    <a:noFill/>
-                  </a:ln>
-                  <a:solidFill>
-                    <a:prstClr val="white"/>
-                  </a:solidFill>
-                  <a:effectLst/>
-                  <a:uLnTx/>
-                  <a:uFillTx/>
-                  <a:latin typeface="Meiryo UI" panose="020B0604030504040204" pitchFamily="50" charset="-128"/>
-                  <a:ea typeface="Meiryo UI" panose="020B0604030504040204" pitchFamily="50" charset="-128"/>
-                  <a:cs typeface="+mn-cs"/>
-                </a:endParaRPr>
-              </a:p>
-            </p:txBody>
-          </p:sp>
-          <p:sp>
-            <p:nvSpPr>
-              <p:cNvPr id="161" name="フローチャート: 磁気ディスク 160"/>
-              <p:cNvSpPr/>
-              <p:nvPr/>
-            </p:nvSpPr>
-            <p:spPr>
-              <a:xfrm>
-                <a:off x="5908089" y="2868332"/>
-                <a:ext cx="494540" cy="485720"/>
-              </a:xfrm>
-              <a:prstGeom prst="flowChartMagneticDisk">
-                <a:avLst/>
-              </a:prstGeom>
-              <a:solidFill>
-                <a:srgbClr val="5B9BD5"/>
-              </a:solidFill>
-              <a:ln w="38100" cap="flat" cmpd="sng" algn="ctr">
-                <a:solidFill>
-                  <a:srgbClr val="002B62"/>
-                </a:solidFill>
-                <a:prstDash val="solid"/>
-                <a:miter lim="800000"/>
-              </a:ln>
-              <a:effectLst/>
-            </p:spPr>
-            <p:txBody>
-              <a:bodyPr rtlCol="0" anchor="ctr"/>
-              <a:lstStyle/>
-              <a:p>
-                <a:pPr marL="0" marR="0" lvl="0" indent="0" algn="ctr" defTabSz="685800" eaLnBrk="1" fontAlgn="auto" latinLnBrk="0" hangingPunct="1">
-                  <a:lnSpc>
-                    <a:spcPct val="100000"/>
-                  </a:lnSpc>
-                  <a:spcBef>
-                    <a:spcPts val="0"/>
-                  </a:spcBef>
-                  <a:spcAft>
-                    <a:spcPts val="0"/>
-                  </a:spcAft>
-                  <a:buClrTx/>
-                  <a:buSzTx/>
-                  <a:buFontTx/>
-                  <a:buNone/>
-                  <a:tabLst/>
-                  <a:defRPr/>
-                </a:pPr>
-                <a:r>
-                  <a:rPr kumimoji="0" lang="ja-JP" altLang="en-US" sz="600" b="0" i="0" u="none" strike="noStrike" kern="0" cap="none" spc="0" normalizeH="0" baseline="0" noProof="0" dirty="0" smtClean="0">
-                    <a:ln>
-                      <a:noFill/>
-                    </a:ln>
-                    <a:solidFill>
-                      <a:prstClr val="white"/>
-                    </a:solidFill>
-                    <a:effectLst/>
-                    <a:uLnTx/>
-                    <a:uFillTx/>
-                    <a:latin typeface="Meiryo UI" panose="020B0604030504040204" pitchFamily="50" charset="-128"/>
-                    <a:ea typeface="Meiryo UI" panose="020B0604030504040204" pitchFamily="50" charset="-128"/>
-                    <a:cs typeface="+mn-cs"/>
-                  </a:rPr>
-                  <a:t>資材</a:t>
-                </a:r>
-                <a:r>
-                  <a:rPr kumimoji="0" lang="en-US" altLang="ja-JP" sz="600" b="0" i="0" u="none" strike="noStrike" kern="0" cap="none" spc="0" normalizeH="0" baseline="0" noProof="0" dirty="0" smtClean="0">
-                    <a:ln>
-                      <a:noFill/>
-                    </a:ln>
-                    <a:solidFill>
-                      <a:prstClr val="white"/>
-                    </a:solidFill>
-                    <a:effectLst/>
-                    <a:uLnTx/>
-                    <a:uFillTx/>
-                    <a:latin typeface="Meiryo UI" panose="020B0604030504040204" pitchFamily="50" charset="-128"/>
-                    <a:ea typeface="Meiryo UI" panose="020B0604030504040204" pitchFamily="50" charset="-128"/>
-                    <a:cs typeface="+mn-cs"/>
-                  </a:rPr>
-                  <a:t>A</a:t>
-                </a:r>
-                <a:endParaRPr kumimoji="0" lang="ja-JP" altLang="en-US" sz="600" b="0" i="0" u="none" strike="noStrike" kern="0" cap="none" spc="0" normalizeH="0" baseline="0" noProof="0" dirty="0" smtClean="0">
-                  <a:ln>
-                    <a:noFill/>
-                  </a:ln>
-                  <a:solidFill>
-                    <a:prstClr val="white"/>
-                  </a:solidFill>
-                  <a:effectLst/>
-                  <a:uLnTx/>
-                  <a:uFillTx/>
-                  <a:latin typeface="Meiryo UI" panose="020B0604030504040204" pitchFamily="50" charset="-128"/>
-                  <a:ea typeface="Meiryo UI" panose="020B0604030504040204" pitchFamily="50" charset="-128"/>
-                  <a:cs typeface="+mn-cs"/>
-                </a:endParaRPr>
-              </a:p>
-            </p:txBody>
-          </p:sp>
-          <p:sp>
-            <p:nvSpPr>
-              <p:cNvPr id="162" name="角丸四角形 161"/>
-              <p:cNvSpPr/>
-              <p:nvPr/>
-            </p:nvSpPr>
-            <p:spPr>
-              <a:xfrm>
-                <a:off x="5747827" y="2440136"/>
-                <a:ext cx="1213390" cy="970960"/>
-              </a:xfrm>
-              <a:prstGeom prst="roundRect">
-                <a:avLst/>
-              </a:prstGeom>
-              <a:noFill/>
-              <a:ln w="38100" cap="flat" cmpd="sng" algn="ctr">
-                <a:solidFill>
-                  <a:srgbClr val="002B62"/>
-                </a:solidFill>
-                <a:prstDash val="solid"/>
-                <a:miter lim="800000"/>
-              </a:ln>
-              <a:effectLst/>
-            </p:spPr>
-            <p:txBody>
-              <a:bodyPr rtlCol="0" anchor="t" anchorCtr="0"/>
-              <a:lstStyle/>
-              <a:p>
-                <a:pPr marL="0" marR="0" lvl="0" indent="0" algn="ctr" defTabSz="685800" eaLnBrk="1" fontAlgn="auto" latinLnBrk="0" hangingPunct="1">
-                  <a:lnSpc>
-                    <a:spcPct val="100000"/>
-                  </a:lnSpc>
-                  <a:spcBef>
-                    <a:spcPts val="0"/>
-                  </a:spcBef>
-                  <a:spcAft>
-                    <a:spcPts val="0"/>
-                  </a:spcAft>
-                  <a:buClrTx/>
-                  <a:buSzTx/>
-                  <a:buFontTx/>
-                  <a:buNone/>
-                  <a:tabLst/>
-                  <a:defRPr/>
-                </a:pPr>
-                <a:r>
-                  <a:rPr kumimoji="0" lang="ja-JP" altLang="en-US" sz="1000" b="1" i="0" u="none" strike="noStrike" kern="0" cap="none" spc="0" normalizeH="0" baseline="0" noProof="0" dirty="0" smtClean="0">
-                    <a:ln>
-                      <a:noFill/>
-                    </a:ln>
-                    <a:solidFill>
-                      <a:srgbClr val="002B62"/>
-                    </a:solidFill>
-                    <a:effectLst/>
-                    <a:uLnTx/>
-                    <a:uFillTx/>
-                    <a:latin typeface="Meiryo UI" panose="020B0604030504040204" pitchFamily="50" charset="-128"/>
-                    <a:ea typeface="Meiryo UI" panose="020B0604030504040204" pitchFamily="50" charset="-128"/>
-                    <a:cs typeface="+mn-cs"/>
-                  </a:rPr>
-                  <a:t>紐付先資材</a:t>
-                </a:r>
-              </a:p>
-            </p:txBody>
-          </p:sp>
-        </p:grpSp>
-        <p:sp>
-          <p:nvSpPr>
-            <p:cNvPr id="159" name="角丸四角形 158"/>
-            <p:cNvSpPr/>
-            <p:nvPr/>
-          </p:nvSpPr>
-          <p:spPr>
-            <a:xfrm>
-              <a:off x="3425227" y="4959373"/>
-              <a:ext cx="1206116" cy="413897"/>
-            </a:xfrm>
-            <a:prstGeom prst="roundRect">
-              <a:avLst/>
-            </a:prstGeom>
-            <a:noFill/>
-            <a:ln w="38100" cap="flat" cmpd="sng" algn="ctr">
-              <a:solidFill>
-                <a:srgbClr val="002B62"/>
-              </a:solidFill>
-              <a:prstDash val="solid"/>
-              <a:miter lim="800000"/>
-            </a:ln>
-            <a:effectLst/>
-          </p:spPr>
-          <p:txBody>
-            <a:bodyPr rtlCol="0" anchor="ctr" anchorCtr="0"/>
-            <a:lstStyle/>
-            <a:p>
-              <a:pPr marL="0" marR="0" lvl="0" indent="0" algn="ctr" defTabSz="685800" eaLnBrk="1" fontAlgn="auto" latinLnBrk="0" hangingPunct="1">
-                <a:lnSpc>
-                  <a:spcPct val="100000"/>
-                </a:lnSpc>
-                <a:spcBef>
-                  <a:spcPts val="0"/>
-                </a:spcBef>
-                <a:spcAft>
-                  <a:spcPts val="0"/>
-                </a:spcAft>
-                <a:buClrTx/>
-                <a:buSzTx/>
-                <a:buFontTx/>
-                <a:buNone/>
-                <a:tabLst/>
-                <a:defRPr/>
-              </a:pPr>
-              <a:r>
-                <a:rPr kumimoji="0" lang="ja-JP" altLang="en-US" sz="1000" b="1" i="0" u="none" strike="noStrike" kern="0" cap="none" spc="0" normalizeH="0" baseline="0" noProof="0" dirty="0" smtClean="0">
-                  <a:ln>
-                    <a:noFill/>
-                  </a:ln>
-                  <a:solidFill>
-                    <a:srgbClr val="002B62"/>
-                  </a:solidFill>
-                  <a:effectLst/>
-                  <a:uLnTx/>
-                  <a:uFillTx/>
-                  <a:latin typeface="Meiryo UI" panose="020B0604030504040204" pitchFamily="50" charset="-128"/>
-                  <a:ea typeface="Meiryo UI" panose="020B0604030504040204" pitchFamily="50" charset="-128"/>
-                  <a:cs typeface="+mn-cs"/>
-                </a:rPr>
-                <a:t>作業実行</a:t>
-              </a:r>
-            </a:p>
-          </p:txBody>
-        </p:sp>
-      </p:grpSp>
-      <p:sp>
-        <p:nvSpPr>
-          <p:cNvPr id="163" name="屈折矢印 162"/>
-          <p:cNvSpPr/>
-          <p:nvPr/>
-        </p:nvSpPr>
-        <p:spPr>
-          <a:xfrm rot="5400000">
-            <a:off x="5983398" y="3583925"/>
-            <a:ext cx="771653" cy="867936"/>
-          </a:xfrm>
-          <a:prstGeom prst="bentUpArrow">
-            <a:avLst/>
-          </a:prstGeom>
-          <a:solidFill>
-            <a:srgbClr val="FFC000"/>
-          </a:solidFill>
-          <a:ln w="12700" cap="flat" cmpd="sng" algn="ctr">
-            <a:noFill/>
-            <a:prstDash val="solid"/>
-            <a:miter lim="800000"/>
-          </a:ln>
-          <a:effectLst/>
-        </p:spPr>
-        <p:txBody>
-          <a:bodyPr rtlCol="0" anchor="ctr"/>
-          <a:lstStyle/>
-          <a:p>
-            <a:pPr marL="0" marR="0" lvl="0" indent="0" algn="ctr" defTabSz="685800" eaLnBrk="1" fontAlgn="auto" latinLnBrk="0" hangingPunct="1">
-              <a:lnSpc>
-                <a:spcPct val="100000"/>
-              </a:lnSpc>
-              <a:spcBef>
-                <a:spcPts val="0"/>
-              </a:spcBef>
-              <a:spcAft>
-                <a:spcPts val="0"/>
-              </a:spcAft>
-              <a:buClrTx/>
-              <a:buSzTx/>
-              <a:buFontTx/>
-              <a:buNone/>
-              <a:tabLst/>
-              <a:defRPr/>
-            </a:pPr>
-            <a:endParaRPr kumimoji="0" lang="ja-JP" altLang="en-US" sz="1350" b="0" i="0" u="none" strike="noStrike" kern="0" cap="none" spc="0" normalizeH="0" baseline="0" noProof="0" dirty="0" smtClean="0">
-              <a:ln>
-                <a:noFill/>
-              </a:ln>
-              <a:solidFill>
-                <a:prstClr val="white"/>
-              </a:solidFill>
-              <a:effectLst/>
-              <a:uLnTx/>
-              <a:uFillTx/>
-              <a:latin typeface="Meiryo UI" panose="020B0604030504040204" pitchFamily="50" charset="-128"/>
-              <a:ea typeface="Meiryo UI" panose="020B0604030504040204" pitchFamily="50" charset="-128"/>
-              <a:cs typeface="+mn-cs"/>
-            </a:endParaRPr>
-          </a:p>
-        </p:txBody>
-      </p:sp>
-      <p:sp>
-        <p:nvSpPr>
-          <p:cNvPr id="164" name="屈折矢印 163"/>
-          <p:cNvSpPr/>
-          <p:nvPr/>
-        </p:nvSpPr>
-        <p:spPr>
-          <a:xfrm rot="5400000">
-            <a:off x="5983399" y="4182378"/>
-            <a:ext cx="771652" cy="867936"/>
-          </a:xfrm>
-          <a:prstGeom prst="bentUpArrow">
-            <a:avLst/>
-          </a:prstGeom>
-          <a:solidFill>
-            <a:srgbClr val="FFC000"/>
-          </a:solidFill>
-          <a:ln w="12700" cap="flat" cmpd="sng" algn="ctr">
-            <a:noFill/>
-            <a:prstDash val="solid"/>
-            <a:miter lim="800000"/>
-          </a:ln>
-          <a:effectLst/>
-        </p:spPr>
-        <p:txBody>
-          <a:bodyPr rtlCol="0" anchor="ctr"/>
-          <a:lstStyle/>
-          <a:p>
-            <a:pPr marL="0" marR="0" lvl="0" indent="0" algn="ctr" defTabSz="685800" eaLnBrk="1" fontAlgn="auto" latinLnBrk="0" hangingPunct="1">
-              <a:lnSpc>
-                <a:spcPct val="100000"/>
-              </a:lnSpc>
-              <a:spcBef>
-                <a:spcPts val="0"/>
-              </a:spcBef>
-              <a:spcAft>
-                <a:spcPts val="0"/>
-              </a:spcAft>
-              <a:buClrTx/>
-              <a:buSzTx/>
-              <a:buFontTx/>
-              <a:buNone/>
-              <a:tabLst/>
-              <a:defRPr/>
-            </a:pPr>
-            <a:endParaRPr kumimoji="0" lang="ja-JP" altLang="en-US" sz="1350" b="0" i="0" u="none" strike="noStrike" kern="0" cap="none" spc="0" normalizeH="0" baseline="0" noProof="0" smtClean="0">
-              <a:ln>
-                <a:noFill/>
-              </a:ln>
-              <a:solidFill>
-                <a:prstClr val="white"/>
-              </a:solidFill>
-              <a:effectLst/>
-              <a:uLnTx/>
-              <a:uFillTx/>
-              <a:latin typeface="Meiryo UI" panose="020B0604030504040204" pitchFamily="50" charset="-128"/>
-              <a:ea typeface="Meiryo UI" panose="020B0604030504040204" pitchFamily="50" charset="-128"/>
-              <a:cs typeface="+mn-cs"/>
-            </a:endParaRPr>
-          </a:p>
-        </p:txBody>
-      </p:sp>
-      <p:sp>
-        <p:nvSpPr>
-          <p:cNvPr id="155" name="右矢印 154"/>
-          <p:cNvSpPr/>
-          <p:nvPr/>
-        </p:nvSpPr>
-        <p:spPr>
-          <a:xfrm>
-            <a:off x="7817998" y="4641974"/>
-            <a:ext cx="406106" cy="426863"/>
-          </a:xfrm>
-          <a:prstGeom prst="rightArrow">
-            <a:avLst/>
-          </a:prstGeom>
-          <a:solidFill>
-            <a:srgbClr val="FFC000"/>
-          </a:solidFill>
-          <a:ln w="12700" cap="flat" cmpd="sng" algn="ctr">
-            <a:noFill/>
-            <a:prstDash val="solid"/>
-            <a:miter lim="800000"/>
-          </a:ln>
-          <a:effectLst/>
-        </p:spPr>
-        <p:txBody>
-          <a:bodyPr rtlCol="0" anchor="ctr"/>
-          <a:lstStyle/>
-          <a:p>
-            <a:pPr marL="0" marR="0" lvl="0" indent="0" algn="ctr" defTabSz="685800" eaLnBrk="1" fontAlgn="auto" latinLnBrk="0" hangingPunct="1">
-              <a:lnSpc>
-                <a:spcPct val="100000"/>
-              </a:lnSpc>
-              <a:spcBef>
-                <a:spcPts val="0"/>
-              </a:spcBef>
-              <a:spcAft>
-                <a:spcPts val="0"/>
-              </a:spcAft>
-              <a:buClrTx/>
-              <a:buSzTx/>
-              <a:buFontTx/>
-              <a:buNone/>
-              <a:tabLst/>
-              <a:defRPr/>
-            </a:pPr>
-            <a:endParaRPr kumimoji="0" lang="ja-JP" altLang="en-US" sz="1350" b="0" i="0" u="none" strike="noStrike" kern="0" cap="none" spc="0" normalizeH="0" baseline="0" noProof="0" smtClean="0">
-              <a:ln>
-                <a:noFill/>
-              </a:ln>
-              <a:solidFill>
-                <a:prstClr val="white"/>
-              </a:solidFill>
-              <a:effectLst/>
-              <a:uLnTx/>
-              <a:uFillTx/>
-              <a:latin typeface="游ゴシック" panose="020F0502020204030204"/>
-              <a:ea typeface="游ゴシック" panose="020B0400000000000000" pitchFamily="50" charset="-128"/>
-              <a:cs typeface="+mn-cs"/>
-            </a:endParaRPr>
-          </a:p>
-        </p:txBody>
-      </p:sp>
-      <p:sp>
-        <p:nvSpPr>
           <p:cNvPr id="38" name="タイトル 1"/>
           <p:cNvSpPr>
             <a:spLocks noGrp="1"/>
@@ -18031,40 +18044,533 @@
           <a:p>
             <a:pPr lvl="1"/>
             <a:r>
-              <a:rPr lang="ja-JP" altLang="en-US" dirty="0" smtClean="0"/>
-              <a:t>今回のシナリオは以下となります。</a:t>
+              <a:rPr lang="ja-JP" altLang="en-US"/>
+              <a:t>本書</a:t>
+            </a:r>
+            <a:r>
+              <a:rPr lang="ja-JP" altLang="en-US" smtClean="0"/>
+              <a:t>のシナリオは以下の流れで進行します。</a:t>
             </a:r>
             <a:endParaRPr kumimoji="1" lang="ja-JP" altLang="en-US" dirty="0"/>
           </a:p>
         </p:txBody>
       </p:sp>
+      <p:grpSp>
+        <p:nvGrpSpPr>
+          <p:cNvPr id="2" name="グループ化 1"/>
+          <p:cNvGrpSpPr/>
+          <p:nvPr/>
+        </p:nvGrpSpPr>
+        <p:grpSpPr>
+          <a:xfrm>
+            <a:off x="179513" y="1931850"/>
+            <a:ext cx="3744520" cy="3546580"/>
+            <a:chOff x="179513" y="1931850"/>
+            <a:chExt cx="3744520" cy="3546580"/>
+          </a:xfrm>
+        </p:grpSpPr>
+        <p:sp>
+          <p:nvSpPr>
+            <p:cNvPr id="41" name="正方形/長方形 40"/>
+            <p:cNvSpPr/>
+            <p:nvPr/>
+          </p:nvSpPr>
+          <p:spPr bwMode="auto">
+            <a:xfrm>
+              <a:off x="179513" y="1931850"/>
+              <a:ext cx="3744520" cy="3546580"/>
+            </a:xfrm>
+            <a:prstGeom prst="rect">
+              <a:avLst/>
+            </a:prstGeom>
+            <a:solidFill>
+              <a:schemeClr val="bg1">
+                <a:lumMod val="85000"/>
+              </a:schemeClr>
+            </a:solidFill>
+            <a:ln w="12700">
+              <a:noFill/>
+            </a:ln>
+            <a:effectLst/>
+            <a:extLst/>
+          </p:spPr>
+          <p:txBody>
+            <a:bodyPr rot="0" spcFirstLastPara="0" vertOverflow="overflow" horzOverflow="overflow" vert="horz" wrap="none" lIns="72000" tIns="72000" rIns="72000" bIns="72000" numCol="1" spcCol="0" rtlCol="0" fromWordArt="0" anchor="ctr" anchorCtr="0" forceAA="0" compatLnSpc="1">
+              <a:prstTxWarp prst="textNoShape">
+                <a:avLst/>
+              </a:prstTxWarp>
+              <a:noAutofit/>
+            </a:bodyPr>
+            <a:lstStyle/>
+            <a:p>
+              <a:pPr algn="ctr"/>
+              <a:endParaRPr kumimoji="1" lang="ja-JP" altLang="en-US" b="1" dirty="0" smtClean="0">
+                <a:latin typeface="+mn-ea"/>
+              </a:endParaRPr>
+            </a:p>
+          </p:txBody>
+        </p:sp>
+        <p:sp>
+          <p:nvSpPr>
+            <p:cNvPr id="43" name="下矢印 42"/>
+            <p:cNvSpPr/>
+            <p:nvPr/>
+          </p:nvSpPr>
+          <p:spPr bwMode="auto">
+            <a:xfrm>
+              <a:off x="323409" y="2158263"/>
+              <a:ext cx="554744" cy="3032127"/>
+            </a:xfrm>
+            <a:prstGeom prst="downArrow">
+              <a:avLst/>
+            </a:prstGeom>
+            <a:solidFill>
+              <a:schemeClr val="accent6">
+                <a:lumMod val="90000"/>
+                <a:lumOff val="10000"/>
+              </a:schemeClr>
+            </a:solidFill>
+            <a:ln w="12700">
+              <a:noFill/>
+            </a:ln>
+            <a:effectLst/>
+            <a:extLst/>
+          </p:spPr>
+          <p:txBody>
+            <a:bodyPr rot="0" spcFirstLastPara="0" vertOverflow="overflow" horzOverflow="overflow" vert="horz" wrap="none" lIns="72000" tIns="72000" rIns="72000" bIns="72000" numCol="1" spcCol="0" rtlCol="0" fromWordArt="0" anchor="ctr" anchorCtr="0" forceAA="0" compatLnSpc="1">
+              <a:prstTxWarp prst="textNoShape">
+                <a:avLst/>
+              </a:prstTxWarp>
+              <a:noAutofit/>
+            </a:bodyPr>
+            <a:lstStyle/>
+            <a:p>
+              <a:pPr algn="ctr"/>
+              <a:endParaRPr kumimoji="1" lang="ja-JP" altLang="en-US" b="1" dirty="0" smtClean="0">
+                <a:latin typeface="+mn-ea"/>
+              </a:endParaRPr>
+            </a:p>
+          </p:txBody>
+        </p:sp>
+        <p:sp>
+          <p:nvSpPr>
+            <p:cNvPr id="44" name="角丸四角形 43"/>
+            <p:cNvSpPr/>
+            <p:nvPr/>
+          </p:nvSpPr>
+          <p:spPr bwMode="auto">
+            <a:xfrm>
+              <a:off x="323409" y="4016125"/>
+              <a:ext cx="3467148" cy="324000"/>
+            </a:xfrm>
+            <a:prstGeom prst="roundRect">
+              <a:avLst/>
+            </a:prstGeom>
+            <a:solidFill>
+              <a:schemeClr val="bg1"/>
+            </a:solidFill>
+            <a:ln w="28575">
+              <a:solidFill>
+                <a:schemeClr val="accent6">
+                  <a:lumMod val="90000"/>
+                  <a:lumOff val="10000"/>
+                </a:schemeClr>
+              </a:solidFill>
+            </a:ln>
+            <a:effectLst/>
+            <a:extLst/>
+          </p:spPr>
+          <p:txBody>
+            <a:bodyPr rot="0" spcFirstLastPara="0" vertOverflow="overflow" horzOverflow="overflow" vert="horz" wrap="none" lIns="72000" tIns="72000" rIns="72000" bIns="72000" numCol="1" spcCol="0" rtlCol="0" fromWordArt="0" anchor="ctr" anchorCtr="0" forceAA="0" compatLnSpc="1">
+              <a:prstTxWarp prst="textNoShape">
+                <a:avLst/>
+              </a:prstTxWarp>
+              <a:noAutofit/>
+            </a:bodyPr>
+            <a:lstStyle/>
+            <a:p>
+              <a:r>
+                <a:rPr lang="ja-JP" altLang="en-US" sz="1600" b="1" dirty="0" smtClean="0"/>
+                <a:t>⑤</a:t>
+              </a:r>
+              <a:r>
+                <a:rPr lang="en-US" altLang="ja-JP" sz="1600" b="1" dirty="0"/>
+                <a:t>Playbook</a:t>
+              </a:r>
+              <a:r>
+                <a:rPr lang="ja-JP" altLang="en-US" sz="1600" b="1" dirty="0"/>
+                <a:t>の修正</a:t>
+              </a:r>
+              <a:endParaRPr kumimoji="1" lang="ja-JP" altLang="en-US" sz="1600" b="1" dirty="0" smtClean="0">
+                <a:latin typeface="+mn-ea"/>
+              </a:endParaRPr>
+            </a:p>
+          </p:txBody>
+        </p:sp>
+        <p:sp>
+          <p:nvSpPr>
+            <p:cNvPr id="46" name="角丸四角形 45"/>
+            <p:cNvSpPr/>
+            <p:nvPr/>
+          </p:nvSpPr>
+          <p:spPr bwMode="auto">
+            <a:xfrm>
+              <a:off x="323409" y="3532629"/>
+              <a:ext cx="3467148" cy="324000"/>
+            </a:xfrm>
+            <a:prstGeom prst="roundRect">
+              <a:avLst/>
+            </a:prstGeom>
+            <a:solidFill>
+              <a:schemeClr val="bg1"/>
+            </a:solidFill>
+            <a:ln w="28575">
+              <a:solidFill>
+                <a:schemeClr val="accent6">
+                  <a:lumMod val="90000"/>
+                  <a:lumOff val="10000"/>
+                </a:schemeClr>
+              </a:solidFill>
+            </a:ln>
+            <a:effectLst/>
+            <a:extLst/>
+          </p:spPr>
+          <p:txBody>
+            <a:bodyPr rot="0" spcFirstLastPara="0" vertOverflow="overflow" horzOverflow="overflow" vert="horz" wrap="none" lIns="72000" tIns="72000" rIns="72000" bIns="72000" numCol="1" spcCol="0" rtlCol="0" fromWordArt="0" anchor="ctr" anchorCtr="0" forceAA="0" compatLnSpc="1">
+              <a:prstTxWarp prst="textNoShape">
+                <a:avLst/>
+              </a:prstTxWarp>
+              <a:noAutofit/>
+            </a:bodyPr>
+            <a:lstStyle/>
+            <a:p>
+              <a:r>
+                <a:rPr lang="ja-JP" altLang="en-US" sz="1600" b="1" dirty="0">
+                  <a:latin typeface="+mn-ea"/>
+                </a:rPr>
+                <a:t>④ドライランで実行</a:t>
+              </a:r>
+              <a:r>
+                <a:rPr lang="en-US" altLang="ja-JP" sz="1600" b="1" dirty="0">
+                  <a:latin typeface="+mn-ea"/>
+                </a:rPr>
+                <a:t>(1</a:t>
+              </a:r>
+              <a:r>
+                <a:rPr lang="ja-JP" altLang="en-US" sz="1600" b="1" dirty="0">
+                  <a:latin typeface="+mn-ea"/>
+                </a:rPr>
+                <a:t>回目</a:t>
+              </a:r>
+              <a:r>
+                <a:rPr lang="en-US" altLang="ja-JP" sz="1600" b="1" dirty="0">
+                  <a:latin typeface="+mn-ea"/>
+                </a:rPr>
+                <a:t>)</a:t>
+              </a:r>
+              <a:endParaRPr kumimoji="1" lang="ja-JP" altLang="en-US" sz="1600" b="1" dirty="0" smtClean="0">
+                <a:latin typeface="+mn-ea"/>
+              </a:endParaRPr>
+            </a:p>
+          </p:txBody>
+        </p:sp>
+        <p:sp>
+          <p:nvSpPr>
+            <p:cNvPr id="47" name="角丸四角形 46"/>
+            <p:cNvSpPr/>
+            <p:nvPr/>
+          </p:nvSpPr>
+          <p:spPr bwMode="auto">
+            <a:xfrm>
+              <a:off x="323409" y="2565637"/>
+              <a:ext cx="3467148" cy="324000"/>
+            </a:xfrm>
+            <a:prstGeom prst="roundRect">
+              <a:avLst/>
+            </a:prstGeom>
+            <a:solidFill>
+              <a:schemeClr val="bg1"/>
+            </a:solidFill>
+            <a:ln w="28575">
+              <a:solidFill>
+                <a:schemeClr val="accent6">
+                  <a:lumMod val="90000"/>
+                  <a:lumOff val="10000"/>
+                </a:schemeClr>
+              </a:solidFill>
+            </a:ln>
+            <a:effectLst/>
+            <a:extLst/>
+          </p:spPr>
+          <p:txBody>
+            <a:bodyPr rot="0" spcFirstLastPara="0" vertOverflow="overflow" horzOverflow="overflow" vert="horz" wrap="none" lIns="72000" tIns="72000" rIns="72000" bIns="72000" numCol="1" spcCol="0" rtlCol="0" fromWordArt="0" anchor="ctr" anchorCtr="0" forceAA="0" compatLnSpc="1">
+              <a:prstTxWarp prst="textNoShape">
+                <a:avLst/>
+              </a:prstTxWarp>
+              <a:noAutofit/>
+            </a:bodyPr>
+            <a:lstStyle/>
+            <a:p>
+              <a:r>
+                <a:rPr lang="ja-JP" altLang="en-US" sz="1600" b="1" dirty="0">
+                  <a:latin typeface="+mn-ea"/>
+                </a:rPr>
+                <a:t>②登録アカウントの登録</a:t>
+              </a:r>
+              <a:endParaRPr kumimoji="1" lang="ja-JP" altLang="en-US" sz="1600" b="1" dirty="0" smtClean="0">
+                <a:latin typeface="+mn-ea"/>
+              </a:endParaRPr>
+            </a:p>
+          </p:txBody>
+        </p:sp>
+        <p:sp>
+          <p:nvSpPr>
+            <p:cNvPr id="51" name="角丸四角形 50"/>
+            <p:cNvSpPr/>
+            <p:nvPr/>
+          </p:nvSpPr>
+          <p:spPr bwMode="auto">
+            <a:xfrm>
+              <a:off x="323409" y="4975257"/>
+              <a:ext cx="3467148" cy="324000"/>
+            </a:xfrm>
+            <a:prstGeom prst="roundRect">
+              <a:avLst/>
+            </a:prstGeom>
+            <a:solidFill>
+              <a:schemeClr val="bg1"/>
+            </a:solidFill>
+            <a:ln w="28575">
+              <a:solidFill>
+                <a:schemeClr val="accent6">
+                  <a:lumMod val="90000"/>
+                  <a:lumOff val="10000"/>
+                </a:schemeClr>
+              </a:solidFill>
+            </a:ln>
+            <a:effectLst/>
+            <a:extLst/>
+          </p:spPr>
+          <p:txBody>
+            <a:bodyPr rot="0" spcFirstLastPara="0" vertOverflow="overflow" horzOverflow="overflow" vert="horz" wrap="none" lIns="72000" tIns="72000" rIns="72000" bIns="72000" numCol="1" spcCol="0" rtlCol="0" fromWordArt="0" anchor="ctr" anchorCtr="0" forceAA="0" compatLnSpc="1">
+              <a:prstTxWarp prst="textNoShape">
+                <a:avLst/>
+              </a:prstTxWarp>
+              <a:noAutofit/>
+            </a:bodyPr>
+            <a:lstStyle/>
+            <a:p>
+              <a:r>
+                <a:rPr lang="ja-JP" altLang="en-US" sz="1600" b="1" dirty="0">
+                  <a:latin typeface="+mn-ea"/>
+                </a:rPr>
+                <a:t>⑦ターゲットサーバへ実行</a:t>
+              </a:r>
+              <a:endParaRPr kumimoji="1" lang="ja-JP" altLang="en-US" sz="1600" b="1" dirty="0" smtClean="0">
+                <a:latin typeface="+mn-ea"/>
+              </a:endParaRPr>
+            </a:p>
+          </p:txBody>
+        </p:sp>
+        <p:sp>
+          <p:nvSpPr>
+            <p:cNvPr id="52" name="角丸四角形 51"/>
+            <p:cNvSpPr/>
+            <p:nvPr/>
+          </p:nvSpPr>
+          <p:spPr bwMode="auto">
+            <a:xfrm>
+              <a:off x="323409" y="2082141"/>
+              <a:ext cx="3467148" cy="324000"/>
+            </a:xfrm>
+            <a:prstGeom prst="roundRect">
+              <a:avLst/>
+            </a:prstGeom>
+            <a:solidFill>
+              <a:schemeClr val="bg1"/>
+            </a:solidFill>
+            <a:ln w="28575">
+              <a:solidFill>
+                <a:schemeClr val="accent6">
+                  <a:lumMod val="90000"/>
+                  <a:lumOff val="10000"/>
+                </a:schemeClr>
+              </a:solidFill>
+            </a:ln>
+            <a:effectLst/>
+            <a:extLst/>
+          </p:spPr>
+          <p:txBody>
+            <a:bodyPr rot="0" spcFirstLastPara="0" vertOverflow="overflow" horzOverflow="overflow" vert="horz" wrap="none" lIns="72000" tIns="72000" rIns="72000" bIns="72000" numCol="1" spcCol="0" rtlCol="0" fromWordArt="0" anchor="ctr" anchorCtr="0" forceAA="0" compatLnSpc="1">
+              <a:prstTxWarp prst="textNoShape">
+                <a:avLst/>
+              </a:prstTxWarp>
+              <a:noAutofit/>
+            </a:bodyPr>
+            <a:lstStyle/>
+            <a:p>
+              <a:r>
+                <a:rPr lang="ja-JP" altLang="en-US" sz="1600" b="1" dirty="0" smtClean="0">
+                  <a:latin typeface="+mn-ea"/>
+                </a:rPr>
+                <a:t>①リモートリポジトリ</a:t>
+              </a:r>
+              <a:r>
+                <a:rPr lang="ja-JP" altLang="en-US" sz="1600" b="1" dirty="0">
+                  <a:latin typeface="+mn-ea"/>
+                </a:rPr>
+                <a:t>の登録</a:t>
+              </a:r>
+              <a:endParaRPr kumimoji="1" lang="en-US" altLang="ja-JP" sz="1600" b="1" dirty="0" smtClean="0">
+                <a:latin typeface="+mn-ea"/>
+              </a:endParaRPr>
+            </a:p>
+          </p:txBody>
+        </p:sp>
+        <p:sp>
+          <p:nvSpPr>
+            <p:cNvPr id="60" name="角丸四角形 59"/>
+            <p:cNvSpPr/>
+            <p:nvPr/>
+          </p:nvSpPr>
+          <p:spPr bwMode="auto">
+            <a:xfrm>
+              <a:off x="323409" y="3049133"/>
+              <a:ext cx="3467148" cy="324000"/>
+            </a:xfrm>
+            <a:prstGeom prst="roundRect">
+              <a:avLst/>
+            </a:prstGeom>
+            <a:solidFill>
+              <a:schemeClr val="bg1"/>
+            </a:solidFill>
+            <a:ln w="28575">
+              <a:solidFill>
+                <a:schemeClr val="accent6">
+                  <a:lumMod val="90000"/>
+                  <a:lumOff val="10000"/>
+                </a:schemeClr>
+              </a:solidFill>
+            </a:ln>
+            <a:effectLst/>
+            <a:extLst/>
+          </p:spPr>
+          <p:txBody>
+            <a:bodyPr rot="0" spcFirstLastPara="0" vertOverflow="overflow" horzOverflow="overflow" vert="horz" wrap="none" lIns="72000" tIns="72000" rIns="72000" bIns="72000" numCol="1" spcCol="0" rtlCol="0" fromWordArt="0" anchor="ctr" anchorCtr="0" forceAA="0" compatLnSpc="1">
+              <a:prstTxWarp prst="textNoShape">
+                <a:avLst/>
+              </a:prstTxWarp>
+              <a:noAutofit/>
+            </a:bodyPr>
+            <a:lstStyle/>
+            <a:p>
+              <a:r>
+                <a:rPr lang="ja-JP" altLang="en-US" sz="1600" b="1" dirty="0">
+                  <a:latin typeface="+mn-ea"/>
+                </a:rPr>
+                <a:t>③資材紐付の登録</a:t>
+              </a:r>
+              <a:endParaRPr kumimoji="1" lang="ja-JP" altLang="en-US" sz="1600" b="1" dirty="0" smtClean="0">
+                <a:latin typeface="+mn-ea"/>
+              </a:endParaRPr>
+            </a:p>
+          </p:txBody>
+        </p:sp>
+        <p:sp>
+          <p:nvSpPr>
+            <p:cNvPr id="61" name="角丸四角形 60"/>
+            <p:cNvSpPr/>
+            <p:nvPr/>
+          </p:nvSpPr>
+          <p:spPr bwMode="auto">
+            <a:xfrm>
+              <a:off x="323409" y="4495691"/>
+              <a:ext cx="3467148" cy="324000"/>
+            </a:xfrm>
+            <a:prstGeom prst="roundRect">
+              <a:avLst/>
+            </a:prstGeom>
+            <a:solidFill>
+              <a:schemeClr val="bg1"/>
+            </a:solidFill>
+            <a:ln w="28575">
+              <a:solidFill>
+                <a:schemeClr val="accent6">
+                  <a:lumMod val="90000"/>
+                  <a:lumOff val="10000"/>
+                </a:schemeClr>
+              </a:solidFill>
+            </a:ln>
+            <a:effectLst/>
+            <a:extLst/>
+          </p:spPr>
+          <p:txBody>
+            <a:bodyPr rot="0" spcFirstLastPara="0" vertOverflow="overflow" horzOverflow="overflow" vert="horz" wrap="none" lIns="72000" tIns="72000" rIns="72000" bIns="72000" numCol="1" spcCol="0" rtlCol="0" fromWordArt="0" anchor="ctr" anchorCtr="0" forceAA="0" compatLnSpc="1">
+              <a:prstTxWarp prst="textNoShape">
+                <a:avLst/>
+              </a:prstTxWarp>
+              <a:noAutofit/>
+            </a:bodyPr>
+            <a:lstStyle/>
+            <a:p>
+              <a:r>
+                <a:rPr lang="ja-JP" altLang="en-US" sz="1600" b="1" dirty="0">
+                  <a:latin typeface="+mn-ea"/>
+                </a:rPr>
+                <a:t>⑥ドライランで実行</a:t>
+              </a:r>
+              <a:r>
+                <a:rPr lang="en-US" altLang="ja-JP" sz="1600" b="1" dirty="0">
+                  <a:latin typeface="+mn-ea"/>
+                </a:rPr>
+                <a:t>(2</a:t>
+              </a:r>
+              <a:r>
+                <a:rPr lang="ja-JP" altLang="en-US" sz="1600" b="1" dirty="0">
+                  <a:latin typeface="+mn-ea"/>
+                </a:rPr>
+                <a:t>回目</a:t>
+              </a:r>
+              <a:r>
+                <a:rPr lang="en-US" altLang="ja-JP" sz="1600" b="1" dirty="0">
+                  <a:latin typeface="+mn-ea"/>
+                </a:rPr>
+                <a:t>)</a:t>
+              </a:r>
+              <a:endParaRPr kumimoji="1" lang="ja-JP" altLang="en-US" sz="1600" b="1" dirty="0" smtClean="0">
+                <a:latin typeface="+mn-ea"/>
+              </a:endParaRPr>
+            </a:p>
+          </p:txBody>
+        </p:sp>
+      </p:grpSp>
       <p:sp>
         <p:nvSpPr>
-          <p:cNvPr id="41" name="正方形/長方形 40"/>
+          <p:cNvPr id="85" name="角丸四角形 84"/>
           <p:cNvSpPr/>
           <p:nvPr/>
         </p:nvSpPr>
         <p:spPr bwMode="auto">
           <a:xfrm>
-            <a:off x="179513" y="1931850"/>
-            <a:ext cx="3744520" cy="3546580"/>
+            <a:off x="5940190" y="2131967"/>
+            <a:ext cx="3023323" cy="2670089"/>
           </a:xfrm>
-          <a:prstGeom prst="rect">
-            <a:avLst/>
+          <a:prstGeom prst="roundRect">
+            <a:avLst>
+              <a:gd name="adj" fmla="val 3359"/>
+            </a:avLst>
           </a:prstGeom>
-          <a:solidFill>
-            <a:schemeClr val="bg1">
-              <a:lumMod val="85000"/>
-            </a:schemeClr>
-          </a:solidFill>
-          <a:ln w="12700">
-            <a:noFill/>
+          <a:noFill/>
+          <a:ln w="28575">
+            <a:solidFill>
+              <a:schemeClr val="accent6"/>
+            </a:solidFill>
           </a:ln>
           <a:effectLst/>
           <a:extLst/>
         </p:spPr>
         <p:txBody>
-          <a:bodyPr rot="0" spcFirstLastPara="0" vertOverflow="overflow" horzOverflow="overflow" vert="horz" wrap="none" lIns="72000" tIns="72000" rIns="72000" bIns="72000" numCol="1" spcCol="0" rtlCol="0" fromWordArt="0" anchor="ctr" anchorCtr="0" forceAA="0" compatLnSpc="1">
+          <a:bodyPr rot="0" spcFirstLastPara="0" vertOverflow="overflow" horzOverflow="overflow" vert="horz" wrap="none" lIns="72000" tIns="72000" rIns="72000" bIns="72000" numCol="1" spcCol="0" rtlCol="0" fromWordArt="0" anchor="t" anchorCtr="0" forceAA="0" compatLnSpc="1">
             <a:prstTxWarp prst="textNoShape">
               <a:avLst/>
             </a:prstTxWarp>
@@ -18073,7 +18579,31 @@
           <a:lstStyle/>
           <a:p>
             <a:pPr algn="ctr"/>
-            <a:endParaRPr kumimoji="1" lang="ja-JP" altLang="en-US" b="1" dirty="0" smtClean="0">
+            <a:r>
+              <a:rPr kumimoji="1" lang="en-US" altLang="ja-JP" sz="1000" b="1" smtClean="0">
+                <a:latin typeface="+mn-ea"/>
+              </a:rPr>
+              <a:t>Exastro</a:t>
+            </a:r>
+            <a:r>
+              <a:rPr kumimoji="1" lang="ja-JP" altLang="en-US" sz="1000" b="1" smtClean="0">
+                <a:latin typeface="+mn-ea"/>
+              </a:rPr>
+              <a:t> </a:t>
+            </a:r>
+            <a:r>
+              <a:rPr kumimoji="1" lang="en-US" altLang="ja-JP" sz="1000" b="1" smtClean="0">
+                <a:latin typeface="+mn-ea"/>
+              </a:rPr>
+              <a:t>ITA</a:t>
+            </a:r>
+            <a:r>
+              <a:rPr kumimoji="1" lang="ja-JP" altLang="en-US" sz="1000" b="1" smtClean="0">
+                <a:latin typeface="+mn-ea"/>
+              </a:rPr>
+              <a:t>サーバ</a:t>
+            </a:r>
+            <a:endParaRPr kumimoji="1" lang="ja-JP" altLang="en-US" sz="1000" b="1" dirty="0" smtClean="0">
               <a:latin typeface="+mn-ea"/>
             </a:endParaRPr>
           </a:p>
@@ -18081,32 +18611,29 @@
       </p:sp>
       <p:sp>
         <p:nvSpPr>
-          <p:cNvPr id="43" name="下矢印 42"/>
+          <p:cNvPr id="86" name="角丸四角形 85"/>
           <p:cNvSpPr/>
           <p:nvPr/>
         </p:nvSpPr>
         <p:spPr bwMode="auto">
           <a:xfrm>
-            <a:off x="323409" y="2158263"/>
-            <a:ext cx="554744" cy="3032127"/>
+            <a:off x="7561602" y="2898192"/>
+            <a:ext cx="1193290" cy="794498"/>
           </a:xfrm>
-          <a:prstGeom prst="downArrow">
+          <a:prstGeom prst="roundRect">
             <a:avLst/>
           </a:prstGeom>
-          <a:solidFill>
-            <a:schemeClr val="accent6">
-              <a:lumMod val="90000"/>
-              <a:lumOff val="10000"/>
-            </a:schemeClr>
-          </a:solidFill>
-          <a:ln w="12700">
-            <a:noFill/>
+          <a:noFill/>
+          <a:ln w="28575">
+            <a:solidFill>
+              <a:schemeClr val="accent6"/>
+            </a:solidFill>
           </a:ln>
           <a:effectLst/>
           <a:extLst/>
         </p:spPr>
         <p:txBody>
-          <a:bodyPr rot="0" spcFirstLastPara="0" vertOverflow="overflow" horzOverflow="overflow" vert="horz" wrap="none" lIns="72000" tIns="72000" rIns="72000" bIns="72000" numCol="1" spcCol="0" rtlCol="0" fromWordArt="0" anchor="ctr" anchorCtr="0" forceAA="0" compatLnSpc="1">
+          <a:bodyPr rot="0" spcFirstLastPara="0" vertOverflow="overflow" horzOverflow="overflow" vert="horz" wrap="none" lIns="72000" tIns="72000" rIns="72000" bIns="72000" numCol="1" spcCol="0" rtlCol="0" fromWordArt="0" anchor="t" anchorCtr="0" forceAA="0" compatLnSpc="1">
             <a:prstTxWarp prst="textNoShape">
               <a:avLst/>
             </a:prstTxWarp>
@@ -18115,7 +18642,19 @@
           <a:lstStyle/>
           <a:p>
             <a:pPr algn="ctr"/>
-            <a:endParaRPr kumimoji="1" lang="ja-JP" altLang="en-US" b="1" dirty="0" smtClean="0">
+            <a:r>
+              <a:rPr kumimoji="1" lang="en-US" altLang="ja-JP" sz="1000" b="1" smtClean="0">
+                <a:latin typeface="+mn-ea"/>
+              </a:rPr>
+              <a:t>Playbook</a:t>
+            </a:r>
+            <a:r>
+              <a:rPr kumimoji="1" lang="ja-JP" altLang="en-US" sz="1000" b="1" smtClean="0">
+                <a:latin typeface="+mn-ea"/>
+              </a:rPr>
+              <a:t>一覧</a:t>
+            </a:r>
+            <a:endParaRPr kumimoji="1" lang="ja-JP" altLang="en-US" sz="1000" b="1" dirty="0" smtClean="0">
               <a:latin typeface="+mn-ea"/>
             </a:endParaRPr>
           </a:p>
@@ -18123,27 +18662,117 @@
       </p:sp>
       <p:sp>
         <p:nvSpPr>
-          <p:cNvPr id="44" name="角丸四角形 43"/>
+          <p:cNvPr id="87" name="円柱 86"/>
           <p:cNvSpPr/>
           <p:nvPr/>
         </p:nvSpPr>
         <p:spPr bwMode="auto">
           <a:xfrm>
-            <a:off x="323409" y="4016125"/>
-            <a:ext cx="3467148" cy="324000"/>
+            <a:off x="4388906" y="2843636"/>
+            <a:ext cx="961786" cy="1048896"/>
           </a:xfrm>
-          <a:prstGeom prst="roundRect">
+          <a:prstGeom prst="can">
+            <a:avLst>
+              <a:gd name="adj" fmla="val 15813"/>
+            </a:avLst>
+          </a:prstGeom>
+          <a:noFill/>
+          <a:ln w="28575">
+            <a:solidFill>
+              <a:schemeClr val="accent6"/>
+            </a:solidFill>
+          </a:ln>
+          <a:effectLst/>
+          <a:extLst/>
+        </p:spPr>
+        <p:txBody>
+          <a:bodyPr rot="0" spcFirstLastPara="0" vertOverflow="overflow" horzOverflow="overflow" vert="horz" wrap="none" lIns="72000" tIns="72000" rIns="72000" bIns="72000" numCol="1" spcCol="0" rtlCol="0" fromWordArt="0" anchor="t" anchorCtr="0" forceAA="0" compatLnSpc="1">
+            <a:prstTxWarp prst="textNoShape">
+              <a:avLst/>
+            </a:prstTxWarp>
+            <a:noAutofit/>
+          </a:bodyPr>
+          <a:lstStyle/>
+          <a:p>
+            <a:pPr algn="ctr"/>
+            <a:r>
+              <a:rPr kumimoji="1" lang="en-US" altLang="ja-JP" sz="1000" b="1" smtClean="0">
+                <a:latin typeface="+mn-ea"/>
+              </a:rPr>
+              <a:t>Git</a:t>
+            </a:r>
+            <a:r>
+              <a:rPr kumimoji="1" lang="ja-JP" altLang="en-US" sz="1000" b="1" smtClean="0">
+                <a:latin typeface="+mn-ea"/>
+              </a:rPr>
+              <a:t>リポジトリ</a:t>
+            </a:r>
+            <a:endParaRPr kumimoji="1" lang="ja-JP" altLang="en-US" sz="1000" b="1" dirty="0" smtClean="0">
+              <a:latin typeface="+mn-ea"/>
+            </a:endParaRPr>
+          </a:p>
+        </p:txBody>
+      </p:sp>
+      <p:pic>
+        <p:nvPicPr>
+          <p:cNvPr id="88" name="図 87"/>
+          <p:cNvPicPr>
+            <a:picLocks noChangeAspect="1"/>
+          </p:cNvPicPr>
+          <p:nvPr/>
+        </p:nvPicPr>
+        <p:blipFill rotWithShape="1">
+          <a:blip r:embed="rId3">
+            <a:extLst>
+              <a:ext uri="{28A0092B-C50C-407E-A947-70E740481C1C}">
+                <a14:useLocalDpi xmlns:a14="http://schemas.microsoft.com/office/drawing/2010/main" val="0"/>
+              </a:ext>
+            </a:extLst>
+          </a:blip>
+          <a:srcRect l="-10097" t="-10097" r="-10097" b="-10097"/>
+          <a:stretch/>
+        </p:blipFill>
+        <p:spPr>
+          <a:xfrm>
+            <a:off x="4172557" y="2594211"/>
+            <a:ext cx="387864" cy="387864"/>
+          </a:xfrm>
+          <a:prstGeom prst="rect">
             <a:avLst/>
           </a:prstGeom>
           <a:solidFill>
             <a:schemeClr val="bg1"/>
           </a:solidFill>
-          <a:ln w="28575">
+          <a:ln w="22225">
             <a:solidFill>
-              <a:schemeClr val="accent6">
-                <a:lumMod val="90000"/>
-                <a:lumOff val="10000"/>
-              </a:schemeClr>
+              <a:schemeClr val="accent6"/>
+            </a:solidFill>
+          </a:ln>
+        </p:spPr>
+      </p:pic>
+      <p:sp>
+        <p:nvSpPr>
+          <p:cNvPr id="92" name="フローチャート: 書類 91"/>
+          <p:cNvSpPr/>
+          <p:nvPr/>
+        </p:nvSpPr>
+        <p:spPr bwMode="auto">
+          <a:xfrm>
+            <a:off x="6379600" y="3429669"/>
+            <a:ext cx="561430" cy="339692"/>
+          </a:xfrm>
+          <a:prstGeom prst="flowChartDocument">
+            <a:avLst/>
+          </a:prstGeom>
+          <a:solidFill>
+            <a:schemeClr val="accent6">
+              <a:lumMod val="25000"/>
+              <a:lumOff val="75000"/>
+            </a:schemeClr>
+          </a:solidFill>
+          <a:ln w="12700">
+            <a:solidFill>
+              <a:schemeClr val="tx1"/>
             </a:solidFill>
           </a:ln>
           <a:effectLst/>
@@ -18158,19 +18787,20 @@
           </a:bodyPr>
           <a:lstStyle/>
           <a:p>
-            <a:r>
-              <a:rPr lang="ja-JP" altLang="en-US" sz="1600" b="1" dirty="0" smtClean="0"/>
-              <a:t>⑤</a:t>
-            </a:r>
-            <a:r>
-              <a:rPr lang="en-US" altLang="ja-JP" sz="1600" b="1" dirty="0"/>
-              <a:t>Playbook</a:t>
-            </a:r>
-            <a:r>
-              <a:rPr lang="ja-JP" altLang="en-US" sz="1600" b="1" dirty="0"/>
-              <a:t>の修正</a:t>
-            </a:r>
-            <a:endParaRPr kumimoji="1" lang="ja-JP" altLang="en-US" sz="1600" b="1" dirty="0" smtClean="0">
+            <a:pPr algn="ctr"/>
+            <a:r>
+              <a:rPr kumimoji="1" lang="ja-JP" altLang="en-US" sz="1000" b="1" smtClean="0">
+                <a:latin typeface="+mn-ea"/>
+              </a:rPr>
+              <a:t>資材</a:t>
+            </a:r>
+            <a:r>
+              <a:rPr kumimoji="1" lang="en-US" altLang="ja-JP" sz="1000" b="1" smtClean="0">
+                <a:latin typeface="+mn-ea"/>
+              </a:rPr>
+              <a:t>A</a:t>
+            </a:r>
+            <a:endParaRPr kumimoji="1" lang="ja-JP" altLang="en-US" sz="1000" b="1" dirty="0" smtClean="0">
               <a:latin typeface="+mn-ea"/>
             </a:endParaRPr>
           </a:p>
@@ -18178,27 +18808,27 @@
       </p:sp>
       <p:sp>
         <p:nvSpPr>
-          <p:cNvPr id="46" name="角丸四角形 45"/>
+          <p:cNvPr id="95" name="フローチャート: 書類 94"/>
           <p:cNvSpPr/>
           <p:nvPr/>
         </p:nvSpPr>
         <p:spPr bwMode="auto">
           <a:xfrm>
-            <a:off x="323409" y="3532629"/>
-            <a:ext cx="3467148" cy="324000"/>
+            <a:off x="4623112" y="3411147"/>
+            <a:ext cx="561430" cy="339692"/>
           </a:xfrm>
-          <a:prstGeom prst="roundRect">
+          <a:prstGeom prst="flowChartDocument">
             <a:avLst/>
           </a:prstGeom>
           <a:solidFill>
-            <a:schemeClr val="bg1"/>
+            <a:schemeClr val="accent6">
+              <a:lumMod val="25000"/>
+              <a:lumOff val="75000"/>
+            </a:schemeClr>
           </a:solidFill>
-          <a:ln w="28575">
+          <a:ln w="12700">
             <a:solidFill>
-              <a:schemeClr val="accent6">
-                <a:lumMod val="90000"/>
-                <a:lumOff val="10000"/>
-              </a:schemeClr>
+              <a:schemeClr val="tx1"/>
             </a:solidFill>
           </a:ln>
           <a:effectLst/>
@@ -18213,31 +18843,20 @@
           </a:bodyPr>
           <a:lstStyle/>
           <a:p>
-            <a:r>
-              <a:rPr lang="ja-JP" altLang="en-US" sz="1600" b="1" dirty="0">
+            <a:pPr algn="ctr"/>
+            <a:r>
+              <a:rPr kumimoji="1" lang="ja-JP" altLang="en-US" sz="1000" b="1" smtClean="0">
                 <a:latin typeface="+mn-ea"/>
               </a:rPr>
-              <a:t>④ドライランで実行</a:t>
-            </a:r>
-            <a:r>
-              <a:rPr lang="en-US" altLang="ja-JP" sz="1600" b="1" dirty="0">
+              <a:t>資材</a:t>
+            </a:r>
+            <a:r>
+              <a:rPr kumimoji="1" lang="en-US" altLang="ja-JP" sz="1000" b="1" smtClean="0">
                 <a:latin typeface="+mn-ea"/>
               </a:rPr>
-              <a:t>(1</a:t>
-            </a:r>
-            <a:r>
-              <a:rPr lang="ja-JP" altLang="en-US" sz="1600" b="1" dirty="0">
-                <a:latin typeface="+mn-ea"/>
-              </a:rPr>
-              <a:t>回目</a:t>
-            </a:r>
-            <a:r>
-              <a:rPr lang="en-US" altLang="ja-JP" sz="1600" b="1" dirty="0">
-                <a:latin typeface="+mn-ea"/>
-              </a:rPr>
-              <a:t>)</a:t>
-            </a:r>
-            <a:endParaRPr kumimoji="1" lang="ja-JP" altLang="en-US" sz="1600" b="1" dirty="0" smtClean="0">
+              <a:t>A</a:t>
+            </a:r>
+            <a:endParaRPr kumimoji="1" lang="ja-JP" altLang="en-US" sz="1000" b="1" dirty="0" smtClean="0">
               <a:latin typeface="+mn-ea"/>
             </a:endParaRPr>
           </a:p>
@@ -18245,27 +18864,27 @@
       </p:sp>
       <p:sp>
         <p:nvSpPr>
-          <p:cNvPr id="47" name="角丸四角形 46"/>
+          <p:cNvPr id="97" name="フローチャート: 書類 96"/>
           <p:cNvSpPr/>
           <p:nvPr/>
         </p:nvSpPr>
         <p:spPr bwMode="auto">
           <a:xfrm>
-            <a:off x="323409" y="2565637"/>
-            <a:ext cx="3467148" cy="324000"/>
+            <a:off x="7884951" y="3241356"/>
+            <a:ext cx="561430" cy="339692"/>
           </a:xfrm>
-          <a:prstGeom prst="roundRect">
+          <a:prstGeom prst="flowChartDocument">
             <a:avLst/>
           </a:prstGeom>
           <a:solidFill>
-            <a:schemeClr val="bg1"/>
+            <a:schemeClr val="accent6">
+              <a:lumMod val="25000"/>
+              <a:lumOff val="75000"/>
+            </a:schemeClr>
           </a:solidFill>
-          <a:ln w="28575">
+          <a:ln w="12700">
             <a:solidFill>
-              <a:schemeClr val="accent6">
-                <a:lumMod val="90000"/>
-                <a:lumOff val="10000"/>
-              </a:schemeClr>
+              <a:schemeClr val="tx1"/>
             </a:solidFill>
           </a:ln>
           <a:effectLst/>
@@ -18280,13 +18899,20 @@
           </a:bodyPr>
           <a:lstStyle/>
           <a:p>
-            <a:r>
-              <a:rPr lang="ja-JP" altLang="en-US" sz="1600" b="1" dirty="0">
+            <a:pPr algn="ctr"/>
+            <a:r>
+              <a:rPr kumimoji="1" lang="ja-JP" altLang="en-US" sz="1000" b="1" smtClean="0">
                 <a:latin typeface="+mn-ea"/>
               </a:rPr>
-              <a:t>②登録アカウントの登録</a:t>
-            </a:r>
-            <a:endParaRPr kumimoji="1" lang="ja-JP" altLang="en-US" sz="1600" b="1" dirty="0" smtClean="0">
+              <a:t>資材</a:t>
+            </a:r>
+            <a:r>
+              <a:rPr lang="en-US" altLang="ja-JP" sz="1000" b="1" smtClean="0">
+                <a:latin typeface="+mn-ea"/>
+              </a:rPr>
+              <a:t>A’</a:t>
+            </a:r>
+            <a:endParaRPr kumimoji="1" lang="ja-JP" altLang="en-US" sz="1000" b="1" dirty="0" smtClean="0">
               <a:latin typeface="+mn-ea"/>
             </a:endParaRPr>
           </a:p>
@@ -18294,27 +18920,944 @@
       </p:sp>
       <p:sp>
         <p:nvSpPr>
-          <p:cNvPr id="51" name="角丸四角形 50"/>
+          <p:cNvPr id="98" name="角丸四角形 97"/>
           <p:cNvSpPr/>
           <p:nvPr/>
         </p:nvSpPr>
         <p:spPr bwMode="auto">
           <a:xfrm>
-            <a:off x="323409" y="4975257"/>
-            <a:ext cx="3467148" cy="324000"/>
+            <a:off x="6058595" y="2454840"/>
+            <a:ext cx="1281448" cy="1885285"/>
+          </a:xfrm>
+          <a:prstGeom prst="roundRect">
+            <a:avLst>
+              <a:gd name="adj" fmla="val 3359"/>
+            </a:avLst>
+          </a:prstGeom>
+          <a:noFill/>
+          <a:ln w="12700">
+            <a:solidFill>
+              <a:schemeClr val="accent6"/>
+            </a:solidFill>
+            <a:prstDash val="sysDash"/>
+          </a:ln>
+          <a:effectLst/>
+          <a:extLst/>
+        </p:spPr>
+        <p:txBody>
+          <a:bodyPr rot="0" spcFirstLastPara="0" vertOverflow="overflow" horzOverflow="overflow" vert="horz" wrap="none" lIns="72000" tIns="72000" rIns="72000" bIns="72000" numCol="1" spcCol="0" rtlCol="0" fromWordArt="0" anchor="t" anchorCtr="0" forceAA="0" compatLnSpc="1">
+            <a:prstTxWarp prst="textNoShape">
+              <a:avLst/>
+            </a:prstTxWarp>
+            <a:noAutofit/>
+          </a:bodyPr>
+          <a:lstStyle/>
+          <a:p>
+            <a:pPr algn="ctr"/>
+            <a:r>
+              <a:rPr lang="en-US" altLang="ja-JP" sz="1000" b="1"/>
+              <a:t>CI/CD for IaC</a:t>
+            </a:r>
+            <a:endParaRPr kumimoji="1" lang="ja-JP" altLang="en-US" sz="1000" b="1" dirty="0" smtClean="0">
+              <a:latin typeface="+mn-ea"/>
+            </a:endParaRPr>
+          </a:p>
+        </p:txBody>
+      </p:sp>
+      <p:sp>
+        <p:nvSpPr>
+          <p:cNvPr id="99" name="角丸四角形 98"/>
+          <p:cNvSpPr/>
+          <p:nvPr/>
+        </p:nvSpPr>
+        <p:spPr bwMode="auto">
+          <a:xfrm>
+            <a:off x="7457763" y="2454839"/>
+            <a:ext cx="1391999" cy="2154197"/>
+          </a:xfrm>
+          <a:prstGeom prst="roundRect">
+            <a:avLst>
+              <a:gd name="adj" fmla="val 3359"/>
+            </a:avLst>
+          </a:prstGeom>
+          <a:noFill/>
+          <a:ln w="12700">
+            <a:solidFill>
+              <a:schemeClr val="accent6"/>
+            </a:solidFill>
+            <a:prstDash val="sysDash"/>
+          </a:ln>
+          <a:effectLst/>
+          <a:extLst/>
+        </p:spPr>
+        <p:txBody>
+          <a:bodyPr rot="0" spcFirstLastPara="0" vertOverflow="overflow" horzOverflow="overflow" vert="horz" wrap="none" lIns="72000" tIns="72000" rIns="72000" bIns="72000" numCol="1" spcCol="0" rtlCol="0" fromWordArt="0" anchor="t" anchorCtr="0" forceAA="0" compatLnSpc="1">
+            <a:prstTxWarp prst="textNoShape">
+              <a:avLst/>
+            </a:prstTxWarp>
+            <a:noAutofit/>
+          </a:bodyPr>
+          <a:lstStyle/>
+          <a:p>
+            <a:pPr algn="ctr"/>
+            <a:r>
+              <a:rPr lang="en-US" altLang="ja-JP" sz="1000" b="1" smtClean="0">
+                <a:latin typeface="+mn-ea"/>
+              </a:rPr>
+              <a:t>Ansible-Legacy</a:t>
+            </a:r>
+            <a:endParaRPr lang="en-US" altLang="ja-JP" sz="1000" b="1" smtClean="0">
+              <a:latin typeface="+mn-ea"/>
+            </a:endParaRPr>
+          </a:p>
+          <a:p>
+            <a:pPr algn="ctr"/>
+            <a:r>
+              <a:rPr kumimoji="1" lang="ja-JP" altLang="en-US" sz="1000" b="1">
+                <a:latin typeface="+mn-ea"/>
+              </a:rPr>
+              <a:t>ドライバ</a:t>
+            </a:r>
+            <a:endParaRPr kumimoji="1" lang="ja-JP" altLang="en-US" sz="1000" b="1" dirty="0" smtClean="0">
+              <a:latin typeface="+mn-ea"/>
+            </a:endParaRPr>
+          </a:p>
+        </p:txBody>
+      </p:sp>
+      <p:grpSp>
+        <p:nvGrpSpPr>
+          <p:cNvPr id="107" name="グループ化 106"/>
+          <p:cNvGrpSpPr>
+            <a:grpSpLocks noChangeAspect="1"/>
+          </p:cNvGrpSpPr>
+          <p:nvPr/>
+        </p:nvGrpSpPr>
+        <p:grpSpPr bwMode="gray">
+          <a:xfrm>
+            <a:off x="7920221" y="5093356"/>
+            <a:ext cx="476051" cy="819427"/>
+            <a:chOff x="5936837" y="1169393"/>
+            <a:chExt cx="484187" cy="833438"/>
+          </a:xfrm>
+        </p:grpSpPr>
+        <p:sp>
+          <p:nvSpPr>
+            <p:cNvPr id="108" name="Freeform 22"/>
+            <p:cNvSpPr>
+              <a:spLocks noChangeAspect="1"/>
+            </p:cNvSpPr>
+            <p:nvPr/>
+          </p:nvSpPr>
+          <p:spPr bwMode="gray">
+            <a:xfrm>
+              <a:off x="5936837" y="1169393"/>
+              <a:ext cx="484187" cy="833438"/>
+            </a:xfrm>
+            <a:custGeom>
+              <a:avLst/>
+              <a:gdLst>
+                <a:gd name="T0" fmla="*/ 642 w 642"/>
+                <a:gd name="T1" fmla="*/ 1081 h 1107"/>
+                <a:gd name="T2" fmla="*/ 615 w 642"/>
+                <a:gd name="T3" fmla="*/ 1107 h 1107"/>
+                <a:gd name="T4" fmla="*/ 27 w 642"/>
+                <a:gd name="T5" fmla="*/ 1107 h 1107"/>
+                <a:gd name="T6" fmla="*/ 0 w 642"/>
+                <a:gd name="T7" fmla="*/ 1081 h 1107"/>
+                <a:gd name="T8" fmla="*/ 0 w 642"/>
+                <a:gd name="T9" fmla="*/ 27 h 1107"/>
+                <a:gd name="T10" fmla="*/ 27 w 642"/>
+                <a:gd name="T11" fmla="*/ 0 h 1107"/>
+                <a:gd name="T12" fmla="*/ 615 w 642"/>
+                <a:gd name="T13" fmla="*/ 0 h 1107"/>
+                <a:gd name="T14" fmla="*/ 642 w 642"/>
+                <a:gd name="T15" fmla="*/ 27 h 1107"/>
+                <a:gd name="T16" fmla="*/ 642 w 642"/>
+                <a:gd name="T17" fmla="*/ 1081 h 1107"/>
+              </a:gdLst>
+              <a:ahLst/>
+              <a:cxnLst>
+                <a:cxn ang="0">
+                  <a:pos x="T0" y="T1"/>
+                </a:cxn>
+                <a:cxn ang="0">
+                  <a:pos x="T2" y="T3"/>
+                </a:cxn>
+                <a:cxn ang="0">
+                  <a:pos x="T4" y="T5"/>
+                </a:cxn>
+                <a:cxn ang="0">
+                  <a:pos x="T6" y="T7"/>
+                </a:cxn>
+                <a:cxn ang="0">
+                  <a:pos x="T8" y="T9"/>
+                </a:cxn>
+                <a:cxn ang="0">
+                  <a:pos x="T10" y="T11"/>
+                </a:cxn>
+                <a:cxn ang="0">
+                  <a:pos x="T12" y="T13"/>
+                </a:cxn>
+                <a:cxn ang="0">
+                  <a:pos x="T14" y="T15"/>
+                </a:cxn>
+                <a:cxn ang="0">
+                  <a:pos x="T16" y="T17"/>
+                </a:cxn>
+              </a:cxnLst>
+              <a:rect l="0" t="0" r="r" b="b"/>
+              <a:pathLst>
+                <a:path w="642" h="1107">
+                  <a:moveTo>
+                    <a:pt x="642" y="1081"/>
+                  </a:moveTo>
+                  <a:cubicBezTo>
+                    <a:pt x="642" y="1095"/>
+                    <a:pt x="630" y="1107"/>
+                    <a:pt x="615" y="1107"/>
+                  </a:cubicBezTo>
+                  <a:cubicBezTo>
+                    <a:pt x="27" y="1107"/>
+                    <a:pt x="27" y="1107"/>
+                    <a:pt x="27" y="1107"/>
+                  </a:cubicBezTo>
+                  <a:cubicBezTo>
+                    <a:pt x="12" y="1107"/>
+                    <a:pt x="0" y="1095"/>
+                    <a:pt x="0" y="1081"/>
+                  </a:cubicBezTo>
+                  <a:cubicBezTo>
+                    <a:pt x="0" y="27"/>
+                    <a:pt x="0" y="27"/>
+                    <a:pt x="0" y="27"/>
+                  </a:cubicBezTo>
+                  <a:cubicBezTo>
+                    <a:pt x="0" y="12"/>
+                    <a:pt x="12" y="0"/>
+                    <a:pt x="27" y="0"/>
+                  </a:cubicBezTo>
+                  <a:cubicBezTo>
+                    <a:pt x="615" y="0"/>
+                    <a:pt x="615" y="0"/>
+                    <a:pt x="615" y="0"/>
+                  </a:cubicBezTo>
+                  <a:cubicBezTo>
+                    <a:pt x="630" y="0"/>
+                    <a:pt x="642" y="12"/>
+                    <a:pt x="642" y="27"/>
+                  </a:cubicBezTo>
+                  <a:lnTo>
+                    <a:pt x="642" y="1081"/>
+                  </a:lnTo>
+                  <a:close/>
+                </a:path>
+              </a:pathLst>
+            </a:custGeom>
+            <a:solidFill>
+              <a:schemeClr val="accent6"/>
+            </a:solidFill>
+            <a:ln>
+              <a:noFill/>
+            </a:ln>
+            <a:extLst>
+              <a:ext uri="{91240B29-F687-4F45-9708-019B960494DF}">
+                <a14:hiddenLine xmlns:a14="http://schemas.microsoft.com/office/drawing/2010/main" w="9525">
+                  <a:solidFill>
+                    <a:srgbClr val="000000"/>
+                  </a:solidFill>
+                  <a:round/>
+                  <a:headEnd/>
+                  <a:tailEnd/>
+                </a14:hiddenLine>
+              </a:ext>
+            </a:extLst>
+          </p:spPr>
+          <p:txBody>
+            <a:bodyPr vert="horz" wrap="square" lIns="91440" tIns="45720" rIns="91440" bIns="45720" numCol="1" anchor="t" anchorCtr="0" compatLnSpc="1">
+              <a:prstTxWarp prst="textNoShape">
+                <a:avLst/>
+              </a:prstTxWarp>
+            </a:bodyPr>
+            <a:lstStyle/>
+            <a:p>
+              <a:endParaRPr lang="ja-JP" altLang="en-US"/>
+            </a:p>
+          </p:txBody>
+        </p:sp>
+        <p:sp>
+          <p:nvSpPr>
+            <p:cNvPr id="109" name="フリーフォーム 108"/>
+            <p:cNvSpPr>
+              <a:spLocks noChangeAspect="1" noChangeArrowheads="1"/>
+            </p:cNvSpPr>
+            <p:nvPr/>
+          </p:nvSpPr>
+          <p:spPr bwMode="gray">
+            <a:xfrm>
+              <a:off x="6011450" y="1244006"/>
+              <a:ext cx="333375" cy="684213"/>
+            </a:xfrm>
+            <a:custGeom>
+              <a:avLst/>
+              <a:gdLst>
+                <a:gd name="connsiteX0" fmla="*/ 166688 w 333375"/>
+                <a:gd name="connsiteY0" fmla="*/ 600075 h 684213"/>
+                <a:gd name="connsiteX1" fmla="*/ 207963 w 333375"/>
+                <a:gd name="connsiteY1" fmla="*/ 642144 h 684213"/>
+                <a:gd name="connsiteX2" fmla="*/ 166688 w 333375"/>
+                <a:gd name="connsiteY2" fmla="*/ 684213 h 684213"/>
+                <a:gd name="connsiteX3" fmla="*/ 125413 w 333375"/>
+                <a:gd name="connsiteY3" fmla="*/ 642144 h 684213"/>
+                <a:gd name="connsiteX4" fmla="*/ 166688 w 333375"/>
+                <a:gd name="connsiteY4" fmla="*/ 600075 h 684213"/>
+                <a:gd name="connsiteX5" fmla="*/ 16665 w 333375"/>
+                <a:gd name="connsiteY5" fmla="*/ 485775 h 684213"/>
+                <a:gd name="connsiteX6" fmla="*/ 316711 w 333375"/>
+                <a:gd name="connsiteY6" fmla="*/ 485775 h 684213"/>
+                <a:gd name="connsiteX7" fmla="*/ 331788 w 333375"/>
+                <a:gd name="connsiteY7" fmla="*/ 499696 h 684213"/>
+                <a:gd name="connsiteX8" fmla="*/ 316711 w 333375"/>
+                <a:gd name="connsiteY8" fmla="*/ 514350 h 684213"/>
+                <a:gd name="connsiteX9" fmla="*/ 16665 w 333375"/>
+                <a:gd name="connsiteY9" fmla="*/ 514350 h 684213"/>
+                <a:gd name="connsiteX10" fmla="*/ 1588 w 333375"/>
+                <a:gd name="connsiteY10" fmla="*/ 499696 h 684213"/>
+                <a:gd name="connsiteX11" fmla="*/ 16665 w 333375"/>
+                <a:gd name="connsiteY11" fmla="*/ 485775 h 684213"/>
+                <a:gd name="connsiteX12" fmla="*/ 16665 w 333375"/>
+                <a:gd name="connsiteY12" fmla="*/ 419100 h 684213"/>
+                <a:gd name="connsiteX13" fmla="*/ 316711 w 333375"/>
+                <a:gd name="connsiteY13" fmla="*/ 419100 h 684213"/>
+                <a:gd name="connsiteX14" fmla="*/ 331788 w 333375"/>
+                <a:gd name="connsiteY14" fmla="*/ 433021 h 684213"/>
+                <a:gd name="connsiteX15" fmla="*/ 316711 w 333375"/>
+                <a:gd name="connsiteY15" fmla="*/ 447675 h 684213"/>
+                <a:gd name="connsiteX16" fmla="*/ 16665 w 333375"/>
+                <a:gd name="connsiteY16" fmla="*/ 447675 h 684213"/>
+                <a:gd name="connsiteX17" fmla="*/ 1588 w 333375"/>
+                <a:gd name="connsiteY17" fmla="*/ 433021 h 684213"/>
+                <a:gd name="connsiteX18" fmla="*/ 16665 w 333375"/>
+                <a:gd name="connsiteY18" fmla="*/ 419100 h 684213"/>
+                <a:gd name="connsiteX19" fmla="*/ 16665 w 333375"/>
+                <a:gd name="connsiteY19" fmla="*/ 350837 h 684213"/>
+                <a:gd name="connsiteX20" fmla="*/ 316711 w 333375"/>
+                <a:gd name="connsiteY20" fmla="*/ 350837 h 684213"/>
+                <a:gd name="connsiteX21" fmla="*/ 331788 w 333375"/>
+                <a:gd name="connsiteY21" fmla="*/ 366305 h 684213"/>
+                <a:gd name="connsiteX22" fmla="*/ 316711 w 333375"/>
+                <a:gd name="connsiteY22" fmla="*/ 381000 h 684213"/>
+                <a:gd name="connsiteX23" fmla="*/ 16665 w 333375"/>
+                <a:gd name="connsiteY23" fmla="*/ 381000 h 684213"/>
+                <a:gd name="connsiteX24" fmla="*/ 1588 w 333375"/>
+                <a:gd name="connsiteY24" fmla="*/ 366305 h 684213"/>
+                <a:gd name="connsiteX25" fmla="*/ 16665 w 333375"/>
+                <a:gd name="connsiteY25" fmla="*/ 350837 h 684213"/>
+                <a:gd name="connsiteX26" fmla="*/ 19610 w 333375"/>
+                <a:gd name="connsiteY26" fmla="*/ 166687 h 684213"/>
+                <a:gd name="connsiteX27" fmla="*/ 313765 w 333375"/>
+                <a:gd name="connsiteY27" fmla="*/ 166687 h 684213"/>
+                <a:gd name="connsiteX28" fmla="*/ 333375 w 333375"/>
+                <a:gd name="connsiteY28" fmla="*/ 186990 h 684213"/>
+                <a:gd name="connsiteX29" fmla="*/ 333375 w 333375"/>
+                <a:gd name="connsiteY29" fmla="*/ 246397 h 684213"/>
+                <a:gd name="connsiteX30" fmla="*/ 313765 w 333375"/>
+                <a:gd name="connsiteY30" fmla="*/ 266700 h 684213"/>
+                <a:gd name="connsiteX31" fmla="*/ 19610 w 333375"/>
+                <a:gd name="connsiteY31" fmla="*/ 266700 h 684213"/>
+                <a:gd name="connsiteX32" fmla="*/ 0 w 333375"/>
+                <a:gd name="connsiteY32" fmla="*/ 246397 h 684213"/>
+                <a:gd name="connsiteX33" fmla="*/ 0 w 333375"/>
+                <a:gd name="connsiteY33" fmla="*/ 186990 h 684213"/>
+                <a:gd name="connsiteX34" fmla="*/ 19610 w 333375"/>
+                <a:gd name="connsiteY34" fmla="*/ 166687 h 684213"/>
+                <a:gd name="connsiteX35" fmla="*/ 19610 w 333375"/>
+                <a:gd name="connsiteY35" fmla="*/ 0 h 684213"/>
+                <a:gd name="connsiteX36" fmla="*/ 313765 w 333375"/>
+                <a:gd name="connsiteY36" fmla="*/ 0 h 684213"/>
+                <a:gd name="connsiteX37" fmla="*/ 333375 w 333375"/>
+                <a:gd name="connsiteY37" fmla="*/ 19551 h 684213"/>
+                <a:gd name="connsiteX38" fmla="*/ 333375 w 333375"/>
+                <a:gd name="connsiteY38" fmla="*/ 79710 h 684213"/>
+                <a:gd name="connsiteX39" fmla="*/ 313765 w 333375"/>
+                <a:gd name="connsiteY39" fmla="*/ 100013 h 684213"/>
+                <a:gd name="connsiteX40" fmla="*/ 19610 w 333375"/>
+                <a:gd name="connsiteY40" fmla="*/ 100013 h 684213"/>
+                <a:gd name="connsiteX41" fmla="*/ 0 w 333375"/>
+                <a:gd name="connsiteY41" fmla="*/ 79710 h 684213"/>
+                <a:gd name="connsiteX42" fmla="*/ 0 w 333375"/>
+                <a:gd name="connsiteY42" fmla="*/ 19551 h 684213"/>
+                <a:gd name="connsiteX43" fmla="*/ 19610 w 333375"/>
+                <a:gd name="connsiteY43" fmla="*/ 0 h 684213"/>
+              </a:gdLst>
+              <a:ahLst/>
+              <a:cxnLst>
+                <a:cxn ang="0">
+                  <a:pos x="connsiteX0" y="connsiteY0"/>
+                </a:cxn>
+                <a:cxn ang="0">
+                  <a:pos x="connsiteX1" y="connsiteY1"/>
+                </a:cxn>
+                <a:cxn ang="0">
+                  <a:pos x="connsiteX2" y="connsiteY2"/>
+                </a:cxn>
+                <a:cxn ang="0">
+                  <a:pos x="connsiteX3" y="connsiteY3"/>
+                </a:cxn>
+                <a:cxn ang="0">
+                  <a:pos x="connsiteX4" y="connsiteY4"/>
+                </a:cxn>
+                <a:cxn ang="0">
+                  <a:pos x="connsiteX5" y="connsiteY5"/>
+                </a:cxn>
+                <a:cxn ang="0">
+                  <a:pos x="connsiteX6" y="connsiteY6"/>
+                </a:cxn>
+                <a:cxn ang="0">
+                  <a:pos x="connsiteX7" y="connsiteY7"/>
+                </a:cxn>
+                <a:cxn ang="0">
+                  <a:pos x="connsiteX8" y="connsiteY8"/>
+                </a:cxn>
+                <a:cxn ang="0">
+                  <a:pos x="connsiteX9" y="connsiteY9"/>
+                </a:cxn>
+                <a:cxn ang="0">
+                  <a:pos x="connsiteX10" y="connsiteY10"/>
+                </a:cxn>
+                <a:cxn ang="0">
+                  <a:pos x="connsiteX11" y="connsiteY11"/>
+                </a:cxn>
+                <a:cxn ang="0">
+                  <a:pos x="connsiteX12" y="connsiteY12"/>
+                </a:cxn>
+                <a:cxn ang="0">
+                  <a:pos x="connsiteX13" y="connsiteY13"/>
+                </a:cxn>
+                <a:cxn ang="0">
+                  <a:pos x="connsiteX14" y="connsiteY14"/>
+                </a:cxn>
+                <a:cxn ang="0">
+                  <a:pos x="connsiteX15" y="connsiteY15"/>
+                </a:cxn>
+                <a:cxn ang="0">
+                  <a:pos x="connsiteX16" y="connsiteY16"/>
+                </a:cxn>
+                <a:cxn ang="0">
+                  <a:pos x="connsiteX17" y="connsiteY17"/>
+                </a:cxn>
+                <a:cxn ang="0">
+                  <a:pos x="connsiteX18" y="connsiteY18"/>
+                </a:cxn>
+                <a:cxn ang="0">
+                  <a:pos x="connsiteX19" y="connsiteY19"/>
+                </a:cxn>
+                <a:cxn ang="0">
+                  <a:pos x="connsiteX20" y="connsiteY20"/>
+                </a:cxn>
+                <a:cxn ang="0">
+                  <a:pos x="connsiteX21" y="connsiteY21"/>
+                </a:cxn>
+                <a:cxn ang="0">
+                  <a:pos x="connsiteX22" y="connsiteY22"/>
+                </a:cxn>
+                <a:cxn ang="0">
+                  <a:pos x="connsiteX23" y="connsiteY23"/>
+                </a:cxn>
+                <a:cxn ang="0">
+                  <a:pos x="connsiteX24" y="connsiteY24"/>
+                </a:cxn>
+                <a:cxn ang="0">
+                  <a:pos x="connsiteX25" y="connsiteY25"/>
+                </a:cxn>
+                <a:cxn ang="0">
+                  <a:pos x="connsiteX26" y="connsiteY26"/>
+                </a:cxn>
+                <a:cxn ang="0">
+                  <a:pos x="connsiteX27" y="connsiteY27"/>
+                </a:cxn>
+                <a:cxn ang="0">
+                  <a:pos x="connsiteX28" y="connsiteY28"/>
+                </a:cxn>
+                <a:cxn ang="0">
+                  <a:pos x="connsiteX29" y="connsiteY29"/>
+                </a:cxn>
+                <a:cxn ang="0">
+                  <a:pos x="connsiteX30" y="connsiteY30"/>
+                </a:cxn>
+                <a:cxn ang="0">
+                  <a:pos x="connsiteX31" y="connsiteY31"/>
+                </a:cxn>
+                <a:cxn ang="0">
+                  <a:pos x="connsiteX32" y="connsiteY32"/>
+                </a:cxn>
+                <a:cxn ang="0">
+                  <a:pos x="connsiteX33" y="connsiteY33"/>
+                </a:cxn>
+                <a:cxn ang="0">
+                  <a:pos x="connsiteX34" y="connsiteY34"/>
+                </a:cxn>
+                <a:cxn ang="0">
+                  <a:pos x="connsiteX35" y="connsiteY35"/>
+                </a:cxn>
+                <a:cxn ang="0">
+                  <a:pos x="connsiteX36" y="connsiteY36"/>
+                </a:cxn>
+                <a:cxn ang="0">
+                  <a:pos x="connsiteX37" y="connsiteY37"/>
+                </a:cxn>
+                <a:cxn ang="0">
+                  <a:pos x="connsiteX38" y="connsiteY38"/>
+                </a:cxn>
+                <a:cxn ang="0">
+                  <a:pos x="connsiteX39" y="connsiteY39"/>
+                </a:cxn>
+                <a:cxn ang="0">
+                  <a:pos x="connsiteX40" y="connsiteY40"/>
+                </a:cxn>
+                <a:cxn ang="0">
+                  <a:pos x="connsiteX41" y="connsiteY41"/>
+                </a:cxn>
+                <a:cxn ang="0">
+                  <a:pos x="connsiteX42" y="connsiteY42"/>
+                </a:cxn>
+                <a:cxn ang="0">
+                  <a:pos x="connsiteX43" y="connsiteY43"/>
+                </a:cxn>
+              </a:cxnLst>
+              <a:rect l="l" t="t" r="r" b="b"/>
+              <a:pathLst>
+                <a:path w="333375" h="684213">
+                  <a:moveTo>
+                    <a:pt x="166688" y="600075"/>
+                  </a:moveTo>
+                  <a:cubicBezTo>
+                    <a:pt x="189484" y="600075"/>
+                    <a:pt x="207963" y="618910"/>
+                    <a:pt x="207963" y="642144"/>
+                  </a:cubicBezTo>
+                  <a:cubicBezTo>
+                    <a:pt x="207963" y="665378"/>
+                    <a:pt x="189484" y="684213"/>
+                    <a:pt x="166688" y="684213"/>
+                  </a:cubicBezTo>
+                  <a:cubicBezTo>
+                    <a:pt x="143892" y="684213"/>
+                    <a:pt x="125413" y="665378"/>
+                    <a:pt x="125413" y="642144"/>
+                  </a:cubicBezTo>
+                  <a:cubicBezTo>
+                    <a:pt x="125413" y="618910"/>
+                    <a:pt x="143892" y="600075"/>
+                    <a:pt x="166688" y="600075"/>
+                  </a:cubicBezTo>
+                  <a:close/>
+                  <a:moveTo>
+                    <a:pt x="16665" y="485775"/>
+                  </a:moveTo>
+                  <a:cubicBezTo>
+                    <a:pt x="16665" y="485775"/>
+                    <a:pt x="16665" y="485775"/>
+                    <a:pt x="316711" y="485775"/>
+                  </a:cubicBezTo>
+                  <a:cubicBezTo>
+                    <a:pt x="325003" y="485775"/>
+                    <a:pt x="331788" y="491636"/>
+                    <a:pt x="331788" y="499696"/>
+                  </a:cubicBezTo>
+                  <a:cubicBezTo>
+                    <a:pt x="331788" y="507756"/>
+                    <a:pt x="325003" y="514350"/>
+                    <a:pt x="316711" y="514350"/>
+                  </a:cubicBezTo>
+                  <a:cubicBezTo>
+                    <a:pt x="316711" y="514350"/>
+                    <a:pt x="316711" y="514350"/>
+                    <a:pt x="16665" y="514350"/>
+                  </a:cubicBezTo>
+                  <a:cubicBezTo>
+                    <a:pt x="8373" y="514350"/>
+                    <a:pt x="1588" y="507756"/>
+                    <a:pt x="1588" y="499696"/>
+                  </a:cubicBezTo>
+                  <a:cubicBezTo>
+                    <a:pt x="1588" y="491636"/>
+                    <a:pt x="8373" y="485775"/>
+                    <a:pt x="16665" y="485775"/>
+                  </a:cubicBezTo>
+                  <a:close/>
+                  <a:moveTo>
+                    <a:pt x="16665" y="419100"/>
+                  </a:moveTo>
+                  <a:cubicBezTo>
+                    <a:pt x="16665" y="419100"/>
+                    <a:pt x="16665" y="419100"/>
+                    <a:pt x="316711" y="419100"/>
+                  </a:cubicBezTo>
+                  <a:cubicBezTo>
+                    <a:pt x="325003" y="419100"/>
+                    <a:pt x="331788" y="425694"/>
+                    <a:pt x="331788" y="433021"/>
+                  </a:cubicBezTo>
+                  <a:cubicBezTo>
+                    <a:pt x="331788" y="441081"/>
+                    <a:pt x="325003" y="447675"/>
+                    <a:pt x="316711" y="447675"/>
+                  </a:cubicBezTo>
+                  <a:cubicBezTo>
+                    <a:pt x="316711" y="447675"/>
+                    <a:pt x="316711" y="447675"/>
+                    <a:pt x="16665" y="447675"/>
+                  </a:cubicBezTo>
+                  <a:cubicBezTo>
+                    <a:pt x="8373" y="447675"/>
+                    <a:pt x="1588" y="441081"/>
+                    <a:pt x="1588" y="433021"/>
+                  </a:cubicBezTo>
+                  <a:cubicBezTo>
+                    <a:pt x="1588" y="425694"/>
+                    <a:pt x="8373" y="419100"/>
+                    <a:pt x="16665" y="419100"/>
+                  </a:cubicBezTo>
+                  <a:close/>
+                  <a:moveTo>
+                    <a:pt x="16665" y="350837"/>
+                  </a:moveTo>
+                  <a:cubicBezTo>
+                    <a:pt x="16665" y="350837"/>
+                    <a:pt x="16665" y="350837"/>
+                    <a:pt x="316711" y="350837"/>
+                  </a:cubicBezTo>
+                  <a:cubicBezTo>
+                    <a:pt x="325003" y="350837"/>
+                    <a:pt x="331788" y="357798"/>
+                    <a:pt x="331788" y="366305"/>
+                  </a:cubicBezTo>
+                  <a:cubicBezTo>
+                    <a:pt x="331788" y="374813"/>
+                    <a:pt x="325003" y="381000"/>
+                    <a:pt x="316711" y="381000"/>
+                  </a:cubicBezTo>
+                  <a:cubicBezTo>
+                    <a:pt x="316711" y="381000"/>
+                    <a:pt x="316711" y="381000"/>
+                    <a:pt x="16665" y="381000"/>
+                  </a:cubicBezTo>
+                  <a:cubicBezTo>
+                    <a:pt x="8373" y="381000"/>
+                    <a:pt x="1588" y="374813"/>
+                    <a:pt x="1588" y="366305"/>
+                  </a:cubicBezTo>
+                  <a:cubicBezTo>
+                    <a:pt x="1588" y="357798"/>
+                    <a:pt x="8373" y="350837"/>
+                    <a:pt x="16665" y="350837"/>
+                  </a:cubicBezTo>
+                  <a:close/>
+                  <a:moveTo>
+                    <a:pt x="19610" y="166687"/>
+                  </a:moveTo>
+                  <a:cubicBezTo>
+                    <a:pt x="19610" y="166687"/>
+                    <a:pt x="19610" y="166687"/>
+                    <a:pt x="313765" y="166687"/>
+                  </a:cubicBezTo>
+                  <a:cubicBezTo>
+                    <a:pt x="324324" y="166687"/>
+                    <a:pt x="333375" y="175711"/>
+                    <a:pt x="333375" y="186990"/>
+                  </a:cubicBezTo>
+                  <a:cubicBezTo>
+                    <a:pt x="333375" y="186990"/>
+                    <a:pt x="333375" y="186990"/>
+                    <a:pt x="333375" y="246397"/>
+                  </a:cubicBezTo>
+                  <a:cubicBezTo>
+                    <a:pt x="333375" y="257676"/>
+                    <a:pt x="324324" y="266700"/>
+                    <a:pt x="313765" y="266700"/>
+                  </a:cubicBezTo>
+                  <a:cubicBezTo>
+                    <a:pt x="313765" y="266700"/>
+                    <a:pt x="313765" y="266700"/>
+                    <a:pt x="19610" y="266700"/>
+                  </a:cubicBezTo>
+                  <a:cubicBezTo>
+                    <a:pt x="9051" y="266700"/>
+                    <a:pt x="0" y="257676"/>
+                    <a:pt x="0" y="246397"/>
+                  </a:cubicBezTo>
+                  <a:cubicBezTo>
+                    <a:pt x="0" y="246397"/>
+                    <a:pt x="0" y="246397"/>
+                    <a:pt x="0" y="186990"/>
+                  </a:cubicBezTo>
+                  <a:cubicBezTo>
+                    <a:pt x="0" y="175711"/>
+                    <a:pt x="9051" y="166687"/>
+                    <a:pt x="19610" y="166687"/>
+                  </a:cubicBezTo>
+                  <a:close/>
+                  <a:moveTo>
+                    <a:pt x="19610" y="0"/>
+                  </a:moveTo>
+                  <a:cubicBezTo>
+                    <a:pt x="19610" y="0"/>
+                    <a:pt x="19610" y="0"/>
+                    <a:pt x="313765" y="0"/>
+                  </a:cubicBezTo>
+                  <a:cubicBezTo>
+                    <a:pt x="324324" y="0"/>
+                    <a:pt x="333375" y="9024"/>
+                    <a:pt x="333375" y="19551"/>
+                  </a:cubicBezTo>
+                  <a:cubicBezTo>
+                    <a:pt x="333375" y="19551"/>
+                    <a:pt x="333375" y="19551"/>
+                    <a:pt x="333375" y="79710"/>
+                  </a:cubicBezTo>
+                  <a:cubicBezTo>
+                    <a:pt x="333375" y="90989"/>
+                    <a:pt x="324324" y="100013"/>
+                    <a:pt x="313765" y="100013"/>
+                  </a:cubicBezTo>
+                  <a:cubicBezTo>
+                    <a:pt x="313765" y="100013"/>
+                    <a:pt x="313765" y="100013"/>
+                    <a:pt x="19610" y="100013"/>
+                  </a:cubicBezTo>
+                  <a:cubicBezTo>
+                    <a:pt x="9051" y="100013"/>
+                    <a:pt x="0" y="90989"/>
+                    <a:pt x="0" y="79710"/>
+                  </a:cubicBezTo>
+                  <a:cubicBezTo>
+                    <a:pt x="0" y="79710"/>
+                    <a:pt x="0" y="79710"/>
+                    <a:pt x="0" y="19551"/>
+                  </a:cubicBezTo>
+                  <a:cubicBezTo>
+                    <a:pt x="0" y="9024"/>
+                    <a:pt x="9051" y="0"/>
+                    <a:pt x="19610" y="0"/>
+                  </a:cubicBezTo>
+                  <a:close/>
+                </a:path>
+              </a:pathLst>
+            </a:custGeom>
+            <a:solidFill>
+              <a:srgbClr val="FFFFFF"/>
+            </a:solidFill>
+            <a:ln>
+              <a:noFill/>
+            </a:ln>
+            <a:extLst>
+              <a:ext uri="{91240B29-F687-4F45-9708-019B960494DF}">
+                <a14:hiddenLine xmlns:a14="http://schemas.microsoft.com/office/drawing/2010/main" w="9525">
+                  <a:solidFill>
+                    <a:srgbClr val="000000"/>
+                  </a:solidFill>
+                  <a:round/>
+                  <a:headEnd/>
+                  <a:tailEnd/>
+                </a14:hiddenLine>
+              </a:ext>
+            </a:extLst>
+          </p:spPr>
+          <p:txBody>
+            <a:bodyPr vert="horz" wrap="square" lIns="91440" tIns="45720" rIns="91440" bIns="45720" numCol="1" anchor="t" anchorCtr="0" compatLnSpc="1">
+              <a:prstTxWarp prst="textNoShape">
+                <a:avLst/>
+              </a:prstTxWarp>
+              <a:noAutofit/>
+            </a:bodyPr>
+            <a:lstStyle/>
+            <a:p>
+              <a:endParaRPr lang="ja-JP" altLang="en-US"/>
+            </a:p>
+          </p:txBody>
+        </p:sp>
+      </p:grpSp>
+      <p:sp>
+        <p:nvSpPr>
+          <p:cNvPr id="113" name="正方形/長方形 112"/>
+          <p:cNvSpPr/>
+          <p:nvPr/>
+        </p:nvSpPr>
+        <p:spPr bwMode="auto">
+          <a:xfrm>
+            <a:off x="6341918" y="3378624"/>
+            <a:ext cx="648926" cy="427034"/>
+          </a:xfrm>
+          <a:prstGeom prst="rect">
+            <a:avLst/>
+          </a:prstGeom>
+          <a:noFill/>
+          <a:ln w="19050">
+            <a:solidFill>
+              <a:srgbClr val="FFC000"/>
+            </a:solidFill>
+            <a:prstDash val="lgDash"/>
+          </a:ln>
+          <a:effectLst/>
+          <a:extLst/>
+        </p:spPr>
+        <p:txBody>
+          <a:bodyPr rot="0" spcFirstLastPara="0" vertOverflow="overflow" horzOverflow="overflow" vert="horz" wrap="none" lIns="72000" tIns="72000" rIns="72000" bIns="72000" numCol="1" spcCol="0" rtlCol="0" fromWordArt="0" anchor="ctr" anchorCtr="0" forceAA="0" compatLnSpc="1">
+            <a:prstTxWarp prst="textNoShape">
+              <a:avLst/>
+            </a:prstTxWarp>
+            <a:noAutofit/>
+          </a:bodyPr>
+          <a:lstStyle/>
+          <a:p>
+            <a:pPr algn="ctr"/>
+            <a:endParaRPr kumimoji="1" lang="ja-JP" altLang="en-US" b="1" dirty="0" smtClean="0">
+              <a:latin typeface="+mn-ea"/>
+            </a:endParaRPr>
+          </a:p>
+        </p:txBody>
+      </p:sp>
+      <p:sp>
+        <p:nvSpPr>
+          <p:cNvPr id="114" name="正方形/長方形 113"/>
+          <p:cNvSpPr/>
+          <p:nvPr/>
+        </p:nvSpPr>
+        <p:spPr bwMode="auto">
+          <a:xfrm>
+            <a:off x="7818750" y="3191020"/>
+            <a:ext cx="689667" cy="427034"/>
+          </a:xfrm>
+          <a:prstGeom prst="rect">
+            <a:avLst/>
+          </a:prstGeom>
+          <a:noFill/>
+          <a:ln w="19050">
+            <a:solidFill>
+              <a:srgbClr val="FFC000"/>
+            </a:solidFill>
+            <a:prstDash val="lgDash"/>
+          </a:ln>
+          <a:effectLst/>
+          <a:extLst/>
+        </p:spPr>
+        <p:txBody>
+          <a:bodyPr rot="0" spcFirstLastPara="0" vertOverflow="overflow" horzOverflow="overflow" vert="horz" wrap="none" lIns="72000" tIns="72000" rIns="72000" bIns="72000" numCol="1" spcCol="0" rtlCol="0" fromWordArt="0" anchor="ctr" anchorCtr="0" forceAA="0" compatLnSpc="1">
+            <a:prstTxWarp prst="textNoShape">
+              <a:avLst/>
+            </a:prstTxWarp>
+            <a:noAutofit/>
+          </a:bodyPr>
+          <a:lstStyle/>
+          <a:p>
+            <a:pPr algn="ctr"/>
+            <a:endParaRPr kumimoji="1" lang="ja-JP" altLang="en-US" b="1" dirty="0" smtClean="0">
+              <a:latin typeface="+mn-ea"/>
+            </a:endParaRPr>
+          </a:p>
+        </p:txBody>
+      </p:sp>
+      <p:cxnSp>
+        <p:nvCxnSpPr>
+          <p:cNvPr id="115" name="カギ線コネクタ 114"/>
+          <p:cNvCxnSpPr>
+            <a:stCxn id="113" idx="2"/>
+            <a:endCxn id="114" idx="2"/>
+          </p:cNvCxnSpPr>
+          <p:nvPr/>
+        </p:nvCxnSpPr>
+        <p:spPr bwMode="auto">
+          <a:xfrm rot="5400000" flipH="1" flipV="1">
+            <a:off x="7321180" y="2963254"/>
+            <a:ext cx="187604" cy="1497203"/>
+          </a:xfrm>
+          <a:prstGeom prst="bentConnector3">
+            <a:avLst>
+              <a:gd name="adj1" fmla="val -121852"/>
+            </a:avLst>
+          </a:prstGeom>
+          <a:solidFill>
+            <a:schemeClr val="bg1"/>
+          </a:solidFill>
+          <a:ln w="28575" cap="flat" cmpd="sng" algn="ctr">
+            <a:solidFill>
+              <a:srgbClr val="FFC000"/>
+            </a:solidFill>
+            <a:prstDash val="dash"/>
+            <a:round/>
+            <a:headEnd type="diamond" w="med" len="med"/>
+            <a:tailEnd type="diamond" w="med" len="med"/>
+          </a:ln>
+          <a:effectLst/>
+          <a:extLst>
+            <a:ext uri="{AF507438-7753-43E0-B8FC-AC1667EBCBE1}">
+              <a14:hiddenEffects xmlns:a14="http://schemas.microsoft.com/office/drawing/2010/main">
+                <a:effectLst>
+                  <a:outerShdw dist="35921" dir="2700000" algn="ctr" rotWithShape="0">
+                    <a:schemeClr val="tx1">
+                      <a:alpha val="50000"/>
+                    </a:schemeClr>
+                  </a:outerShdw>
+                </a:effectLst>
+              </a14:hiddenEffects>
+            </a:ext>
+          </a:extLst>
+        </p:spPr>
+      </p:cxnSp>
+      <p:sp>
+        <p:nvSpPr>
+          <p:cNvPr id="116" name="テキスト ボックス 115"/>
+          <p:cNvSpPr txBox="1"/>
+          <p:nvPr/>
+        </p:nvSpPr>
+        <p:spPr>
+          <a:xfrm>
+            <a:off x="7209717" y="3748395"/>
+            <a:ext cx="647949" cy="215444"/>
+          </a:xfrm>
+          <a:prstGeom prst="rect">
+            <a:avLst/>
+          </a:prstGeom>
+          <a:solidFill>
+            <a:schemeClr val="accent1">
+              <a:lumMod val="20000"/>
+              <a:lumOff val="80000"/>
+            </a:schemeClr>
+          </a:solidFill>
+        </p:spPr>
+        <p:txBody>
+          <a:bodyPr wrap="square" rtlCol="0">
+            <a:spAutoFit/>
+          </a:bodyPr>
+          <a:lstStyle/>
+          <a:p>
+            <a:pPr algn="ctr"/>
+            <a:r>
+              <a:rPr lang="ja-JP" altLang="en-US" sz="800" b="1" smtClean="0"/>
+              <a:t>資材紐付</a:t>
+            </a:r>
+            <a:endParaRPr kumimoji="1" lang="ja-JP" altLang="en-US" sz="800" b="1"/>
+          </a:p>
+        </p:txBody>
+      </p:sp>
+      <p:sp>
+        <p:nvSpPr>
+          <p:cNvPr id="117" name="角丸四角形 116"/>
+          <p:cNvSpPr/>
+          <p:nvPr/>
+        </p:nvSpPr>
+        <p:spPr bwMode="auto">
+          <a:xfrm>
+            <a:off x="7569021" y="4113450"/>
+            <a:ext cx="1193290" cy="410899"/>
           </a:xfrm>
           <a:prstGeom prst="roundRect">
             <a:avLst/>
           </a:prstGeom>
-          <a:solidFill>
-            <a:schemeClr val="bg1"/>
-          </a:solidFill>
+          <a:noFill/>
           <a:ln w="28575">
             <a:solidFill>
-              <a:schemeClr val="accent6">
-                <a:lumMod val="90000"/>
-                <a:lumOff val="10000"/>
-              </a:schemeClr>
+              <a:schemeClr val="accent6"/>
             </a:solidFill>
           </a:ln>
           <a:effectLst/>
@@ -18329,41 +19872,107 @@
           </a:bodyPr>
           <a:lstStyle/>
           <a:p>
-            <a:r>
-              <a:rPr lang="ja-JP" altLang="en-US" sz="1600" b="1" dirty="0">
+            <a:pPr algn="ctr"/>
+            <a:r>
+              <a:rPr kumimoji="1" lang="ja-JP" altLang="en-US" sz="1000" b="1" smtClean="0">
                 <a:latin typeface="+mn-ea"/>
               </a:rPr>
-              <a:t>⑦ターゲットサーバへ実行</a:t>
-            </a:r>
-            <a:endParaRPr kumimoji="1" lang="ja-JP" altLang="en-US" sz="1600" b="1" dirty="0" smtClean="0">
+              <a:t>「作業実行</a:t>
+            </a:r>
+            <a:r>
+              <a:rPr kumimoji="1" lang="ja-JP" altLang="en-US" sz="1000" b="1" smtClean="0">
+                <a:latin typeface="+mn-ea"/>
+              </a:rPr>
+              <a:t>」</a:t>
+            </a:r>
+            <a:endParaRPr kumimoji="1" lang="en-US" altLang="ja-JP" sz="1000" b="1" smtClean="0">
               <a:latin typeface="+mn-ea"/>
             </a:endParaRPr>
           </a:p>
+          <a:p>
+            <a:pPr algn="ctr"/>
+            <a:r>
+              <a:rPr kumimoji="1" lang="ja-JP" altLang="en-US" sz="1000" b="1" smtClean="0">
+                <a:latin typeface="+mn-ea"/>
+              </a:rPr>
+              <a:t>メニュー</a:t>
+            </a:r>
+            <a:endParaRPr kumimoji="1" lang="ja-JP" altLang="en-US" sz="1000" b="1" dirty="0" smtClean="0">
+              <a:latin typeface="+mn-ea"/>
+            </a:endParaRPr>
+          </a:p>
         </p:txBody>
       </p:sp>
+      <p:cxnSp>
+        <p:nvCxnSpPr>
+          <p:cNvPr id="118" name="カギ線コネクタ 117"/>
+          <p:cNvCxnSpPr>
+            <a:stCxn id="117" idx="0"/>
+            <a:endCxn id="114" idx="2"/>
+          </p:cNvCxnSpPr>
+          <p:nvPr/>
+        </p:nvCxnSpPr>
+        <p:spPr bwMode="auto">
+          <a:xfrm rot="16200000" flipV="1">
+            <a:off x="7916927" y="3864711"/>
+            <a:ext cx="495396" cy="2082"/>
+          </a:xfrm>
+          <a:prstGeom prst="bentConnector3">
+            <a:avLst>
+              <a:gd name="adj1" fmla="val 50000"/>
+            </a:avLst>
+          </a:prstGeom>
+          <a:solidFill>
+            <a:schemeClr val="bg1"/>
+          </a:solidFill>
+          <a:ln w="28575" cap="flat" cmpd="sng" algn="ctr">
+            <a:solidFill>
+              <a:srgbClr val="FFC000"/>
+            </a:solidFill>
+            <a:prstDash val="dash"/>
+            <a:round/>
+            <a:headEnd type="diamond" w="med" len="med"/>
+            <a:tailEnd type="diamond" w="med" len="med"/>
+          </a:ln>
+          <a:effectLst/>
+          <a:extLst>
+            <a:ext uri="{AF507438-7753-43E0-B8FC-AC1667EBCBE1}">
+              <a14:hiddenEffects xmlns:a14="http://schemas.microsoft.com/office/drawing/2010/main">
+                <a:effectLst>
+                  <a:outerShdw dist="35921" dir="2700000" algn="ctr" rotWithShape="0">
+                    <a:schemeClr val="tx1">
+                      <a:alpha val="50000"/>
+                    </a:schemeClr>
+                  </a:outerShdw>
+                </a:effectLst>
+              </a14:hiddenEffects>
+            </a:ext>
+          </a:extLst>
+        </p:spPr>
+      </p:cxnSp>
       <p:sp>
         <p:nvSpPr>
-          <p:cNvPr id="52" name="角丸四角形 51"/>
+          <p:cNvPr id="119" name="左矢印 118"/>
           <p:cNvSpPr/>
           <p:nvPr/>
         </p:nvSpPr>
         <p:spPr bwMode="auto">
-          <a:xfrm>
-            <a:off x="323409" y="2082141"/>
-            <a:ext cx="3467148" cy="324000"/>
+          <a:xfrm rot="5400000" flipH="1">
+            <a:off x="7887598" y="4689687"/>
+            <a:ext cx="532328" cy="249598"/>
           </a:xfrm>
-          <a:prstGeom prst="roundRect">
-            <a:avLst/>
+          <a:prstGeom prst="leftArrow">
+            <a:avLst>
+              <a:gd name="adj1" fmla="val 37925"/>
+              <a:gd name="adj2" fmla="val 33627"/>
+            </a:avLst>
           </a:prstGeom>
           <a:solidFill>
-            <a:schemeClr val="bg1"/>
+            <a:srgbClr val="FFC000"/>
           </a:solidFill>
-          <a:ln w="28575">
+          <a:ln w="12700">
             <a:solidFill>
-              <a:schemeClr val="accent6">
-                <a:lumMod val="90000"/>
-                <a:lumOff val="10000"/>
-              </a:schemeClr>
+              <a:schemeClr val="tx1"/>
             </a:solidFill>
           </a:ln>
           <a:effectLst/>
@@ -18378,19 +19987,8 @@
           </a:bodyPr>
           <a:lstStyle/>
           <a:p>
-            <a:r>
-              <a:rPr lang="ja-JP" altLang="en-US" sz="1600" b="1" dirty="0" smtClean="0">
-                <a:latin typeface="+mn-ea"/>
-              </a:rPr>
-              <a:t>①リモートリポジトリ</a:t>
-            </a:r>
-            <a:r>
-              <a:rPr lang="ja-JP" altLang="en-US" sz="1600" b="1" dirty="0">
-                <a:latin typeface="+mn-ea"/>
-              </a:rPr>
-              <a:t>の登録</a:t>
-            </a:r>
-            <a:endParaRPr kumimoji="1" lang="en-US" altLang="ja-JP" sz="1600" b="1" dirty="0" smtClean="0">
+            <a:pPr algn="ctr"/>
+            <a:endParaRPr kumimoji="1" lang="ja-JP" altLang="en-US" b="1" dirty="0" smtClean="0">
               <a:latin typeface="+mn-ea"/>
             </a:endParaRPr>
           </a:p>
@@ -18398,34 +19996,64 @@
       </p:sp>
       <p:sp>
         <p:nvSpPr>
-          <p:cNvPr id="60" name="角丸四角形 59"/>
+          <p:cNvPr id="8" name="テキスト ボックス 7"/>
+          <p:cNvSpPr txBox="1"/>
+          <p:nvPr/>
+        </p:nvSpPr>
+        <p:spPr>
+          <a:xfrm>
+            <a:off x="7724172" y="5973849"/>
+            <a:ext cx="842626" cy="246221"/>
+          </a:xfrm>
+          <a:prstGeom prst="rect">
+            <a:avLst/>
+          </a:prstGeom>
+          <a:noFill/>
+        </p:spPr>
+        <p:txBody>
+          <a:bodyPr wrap="square" rtlCol="0">
+            <a:spAutoFit/>
+          </a:bodyPr>
+          <a:lstStyle/>
+          <a:p>
+            <a:pPr algn="ctr"/>
+            <a:r>
+              <a:rPr lang="ja-JP" altLang="en-US" sz="1000" b="1">
+                <a:latin typeface="+mn-ea"/>
+              </a:rPr>
+              <a:t>対象サーバ</a:t>
+            </a:r>
+            <a:endParaRPr kumimoji="1" lang="ja-JP" altLang="en-US" sz="1000"/>
+          </a:p>
+        </p:txBody>
+      </p:sp>
+      <p:sp>
+        <p:nvSpPr>
+          <p:cNvPr id="131" name="円柱 130"/>
           <p:cNvSpPr/>
           <p:nvPr/>
         </p:nvSpPr>
         <p:spPr bwMode="auto">
           <a:xfrm>
-            <a:off x="323409" y="3049133"/>
-            <a:ext cx="3467148" cy="324000"/>
+            <a:off x="6211735" y="2823740"/>
+            <a:ext cx="961786" cy="1068792"/>
           </a:xfrm>
-          <a:prstGeom prst="roundRect">
-            <a:avLst/>
+          <a:prstGeom prst="can">
+            <a:avLst>
+              <a:gd name="adj" fmla="val 15813"/>
+            </a:avLst>
           </a:prstGeom>
-          <a:solidFill>
-            <a:schemeClr val="bg1"/>
-          </a:solidFill>
+          <a:noFill/>
           <a:ln w="28575">
             <a:solidFill>
-              <a:schemeClr val="accent6">
-                <a:lumMod val="90000"/>
-                <a:lumOff val="10000"/>
-              </a:schemeClr>
+              <a:schemeClr val="accent6"/>
             </a:solidFill>
           </a:ln>
           <a:effectLst/>
           <a:extLst/>
         </p:spPr>
         <p:txBody>
-          <a:bodyPr rot="0" spcFirstLastPara="0" vertOverflow="overflow" horzOverflow="overflow" vert="horz" wrap="none" lIns="72000" tIns="72000" rIns="72000" bIns="72000" numCol="1" spcCol="0" rtlCol="0" fromWordArt="0" anchor="ctr" anchorCtr="0" forceAA="0" compatLnSpc="1">
+          <a:bodyPr rot="0" spcFirstLastPara="0" vertOverflow="overflow" horzOverflow="overflow" vert="horz" wrap="none" lIns="72000" tIns="72000" rIns="72000" bIns="72000" numCol="1" spcCol="0" rtlCol="0" fromWordArt="0" anchor="t" anchorCtr="0" forceAA="0" compatLnSpc="1">
             <a:prstTxWarp prst="textNoShape">
               <a:avLst/>
             </a:prstTxWarp>
@@ -18433,85 +20061,163 @@
           </a:bodyPr>
           <a:lstStyle/>
           <a:p>
-            <a:r>
-              <a:rPr lang="ja-JP" altLang="en-US" sz="1600" b="1" dirty="0">
+            <a:pPr algn="ctr"/>
+            <a:r>
+              <a:rPr lang="ja-JP" altLang="en-US" sz="1000" b="1" smtClean="0">
                 <a:latin typeface="+mn-ea"/>
               </a:rPr>
-              <a:t>③資材紐付の登録</a:t>
-            </a:r>
-            <a:endParaRPr kumimoji="1" lang="ja-JP" altLang="en-US" sz="1600" b="1" dirty="0" smtClean="0">
+              <a:t>ローカル</a:t>
+            </a:r>
+            <a:endParaRPr lang="en-US" altLang="ja-JP" sz="1000" b="1" smtClean="0">
               <a:latin typeface="+mn-ea"/>
             </a:endParaRPr>
           </a:p>
+          <a:p>
+            <a:pPr algn="ctr"/>
+            <a:r>
+              <a:rPr kumimoji="1" lang="ja-JP" altLang="en-US" sz="1000" b="1" smtClean="0">
+                <a:latin typeface="+mn-ea"/>
+              </a:rPr>
+              <a:t>リポジトリ</a:t>
+            </a:r>
+            <a:endParaRPr kumimoji="1" lang="ja-JP" altLang="en-US" sz="1000" b="1" dirty="0" smtClean="0">
+              <a:latin typeface="+mn-ea"/>
+            </a:endParaRPr>
+          </a:p>
         </p:txBody>
       </p:sp>
-      <p:sp>
-        <p:nvSpPr>
-          <p:cNvPr id="61" name="角丸四角形 60"/>
-          <p:cNvSpPr/>
+      <p:grpSp>
+        <p:nvGrpSpPr>
+          <p:cNvPr id="22" name="グループ化 21"/>
+          <p:cNvGrpSpPr/>
           <p:nvPr/>
-        </p:nvSpPr>
-        <p:spPr bwMode="auto">
+        </p:nvGrpSpPr>
+        <p:grpSpPr>
           <a:xfrm>
-            <a:off x="323409" y="4495691"/>
-            <a:ext cx="3467148" cy="324000"/>
+            <a:off x="5410405" y="3211133"/>
+            <a:ext cx="712262" cy="579518"/>
+            <a:chOff x="5376382" y="3404537"/>
+            <a:chExt cx="712262" cy="579518"/>
           </a:xfrm>
-          <a:prstGeom prst="roundRect">
+        </p:grpSpPr>
+        <p:sp>
+          <p:nvSpPr>
+            <p:cNvPr id="100" name="U ターン矢印 99"/>
+            <p:cNvSpPr/>
+            <p:nvPr/>
+          </p:nvSpPr>
+          <p:spPr bwMode="auto">
+            <a:xfrm rot="16200000" flipH="1">
+              <a:off x="5546138" y="3234781"/>
+              <a:ext cx="339693" cy="679205"/>
+            </a:xfrm>
+            <a:prstGeom prst="uturnArrow">
+              <a:avLst>
+                <a:gd name="adj1" fmla="val 25000"/>
+                <a:gd name="adj2" fmla="val 25000"/>
+                <a:gd name="adj3" fmla="val 25000"/>
+                <a:gd name="adj4" fmla="val 43750"/>
+                <a:gd name="adj5" fmla="val 100000"/>
+              </a:avLst>
+            </a:prstGeom>
+            <a:solidFill>
+              <a:srgbClr val="FFC000"/>
+            </a:solidFill>
+            <a:ln w="12700">
+              <a:solidFill>
+                <a:schemeClr val="tx1"/>
+              </a:solidFill>
+            </a:ln>
+            <a:effectLst/>
+            <a:extLst/>
+          </p:spPr>
+          <p:txBody>
+            <a:bodyPr rot="0" spcFirstLastPara="0" vertOverflow="overflow" horzOverflow="overflow" vert="horz" wrap="none" lIns="72000" tIns="72000" rIns="72000" bIns="72000" numCol="1" spcCol="0" rtlCol="0" fromWordArt="0" anchor="ctr" anchorCtr="0" forceAA="0" compatLnSpc="1">
+              <a:prstTxWarp prst="textNoShape">
+                <a:avLst/>
+              </a:prstTxWarp>
+              <a:noAutofit/>
+            </a:bodyPr>
+            <a:lstStyle/>
+            <a:p>
+              <a:pPr algn="ctr"/>
+              <a:endParaRPr kumimoji="1" lang="ja-JP" altLang="en-US" b="1" dirty="0" smtClean="0">
+                <a:latin typeface="+mn-ea"/>
+              </a:endParaRPr>
+            </a:p>
+          </p:txBody>
+        </p:sp>
+        <p:sp>
+          <p:nvSpPr>
+            <p:cNvPr id="101" name="テキスト ボックス 100"/>
+            <p:cNvSpPr txBox="1"/>
+            <p:nvPr/>
+          </p:nvSpPr>
+          <p:spPr>
+            <a:xfrm>
+              <a:off x="5381100" y="3785048"/>
+              <a:ext cx="707544" cy="199007"/>
+            </a:xfrm>
+            <a:prstGeom prst="rect">
+              <a:avLst/>
+            </a:prstGeom>
+            <a:solidFill>
+              <a:schemeClr val="accent1">
+                <a:lumMod val="20000"/>
+                <a:lumOff val="80000"/>
+              </a:schemeClr>
+            </a:solidFill>
+          </p:spPr>
+          <p:txBody>
+            <a:bodyPr wrap="square" rtlCol="0">
+              <a:spAutoFit/>
+            </a:bodyPr>
+            <a:lstStyle/>
+            <a:p>
+              <a:pPr algn="ctr"/>
+              <a:r>
+                <a:rPr kumimoji="1" lang="en-US" altLang="ja-JP" sz="700" b="1" smtClean="0"/>
+                <a:t>Git</a:t>
+              </a:r>
+              <a:r>
+                <a:rPr kumimoji="1" lang="ja-JP" altLang="en-US" sz="700" b="1" smtClean="0"/>
+                <a:t>クローン</a:t>
+              </a:r>
+              <a:endParaRPr kumimoji="1" lang="ja-JP" altLang="en-US" sz="700" b="1"/>
+            </a:p>
+          </p:txBody>
+        </p:sp>
+      </p:grpSp>
+      <p:pic>
+        <p:nvPicPr>
+          <p:cNvPr id="134" name="図 133"/>
+          <p:cNvPicPr>
+            <a:picLocks noChangeAspect="1"/>
+          </p:cNvPicPr>
+          <p:nvPr/>
+        </p:nvPicPr>
+        <p:blipFill>
+          <a:blip r:embed="rId4">
+            <a:extLst>
+              <a:ext uri="{28A0092B-C50C-407E-A947-70E740481C1C}">
+                <a14:useLocalDpi xmlns:a14="http://schemas.microsoft.com/office/drawing/2010/main" val="0"/>
+              </a:ext>
+            </a:extLst>
+          </a:blip>
+          <a:stretch>
+            <a:fillRect/>
+          </a:stretch>
+        </p:blipFill>
+        <p:spPr>
+          <a:xfrm>
+            <a:off x="5720778" y="1928578"/>
+            <a:ext cx="438823" cy="438823"/>
+          </a:xfrm>
+          <a:prstGeom prst="rect">
             <a:avLst/>
           </a:prstGeom>
-          <a:solidFill>
-            <a:schemeClr val="bg1"/>
-          </a:solidFill>
-          <a:ln w="28575">
-            <a:solidFill>
-              <a:schemeClr val="accent6">
-                <a:lumMod val="90000"/>
-                <a:lumOff val="10000"/>
-              </a:schemeClr>
-            </a:solidFill>
-          </a:ln>
-          <a:effectLst/>
-          <a:extLst/>
         </p:spPr>
-        <p:txBody>
-          <a:bodyPr rot="0" spcFirstLastPara="0" vertOverflow="overflow" horzOverflow="overflow" vert="horz" wrap="none" lIns="72000" tIns="72000" rIns="72000" bIns="72000" numCol="1" spcCol="0" rtlCol="0" fromWordArt="0" anchor="ctr" anchorCtr="0" forceAA="0" compatLnSpc="1">
-            <a:prstTxWarp prst="textNoShape">
-              <a:avLst/>
-            </a:prstTxWarp>
-            <a:noAutofit/>
-          </a:bodyPr>
-          <a:lstStyle/>
-          <a:p>
-            <a:r>
-              <a:rPr lang="ja-JP" altLang="en-US" sz="1600" b="1" dirty="0">
-                <a:latin typeface="+mn-ea"/>
-              </a:rPr>
-              <a:t>⑥ドライランで実行</a:t>
-            </a:r>
-            <a:r>
-              <a:rPr lang="en-US" altLang="ja-JP" sz="1600" b="1" dirty="0">
-                <a:latin typeface="+mn-ea"/>
-              </a:rPr>
-              <a:t>(2</a:t>
-            </a:r>
-            <a:r>
-              <a:rPr lang="ja-JP" altLang="en-US" sz="1600" b="1" dirty="0">
-                <a:latin typeface="+mn-ea"/>
-              </a:rPr>
-              <a:t>回目</a:t>
-            </a:r>
-            <a:r>
-              <a:rPr lang="en-US" altLang="ja-JP" sz="1600" b="1" dirty="0">
-                <a:latin typeface="+mn-ea"/>
-              </a:rPr>
-              <a:t>)</a:t>
-            </a:r>
-            <a:endParaRPr kumimoji="1" lang="ja-JP" altLang="en-US" sz="1600" b="1" dirty="0" smtClean="0">
-              <a:latin typeface="+mn-ea"/>
-            </a:endParaRPr>
-          </a:p>
-        </p:txBody>
-      </p:sp>
+      </p:pic>
     </p:spTree>
     <p:extLst>
       <p:ext uri="{BB962C8B-B14F-4D97-AF65-F5344CB8AC3E}">
@@ -18595,28 +20301,36 @@
           <a:lstStyle/>
           <a:p>
             <a:r>
-              <a:rPr kumimoji="1" lang="en-US" altLang="ja-JP" dirty="0" err="1" smtClean="0"/>
+              <a:rPr kumimoji="1" lang="en-US" altLang="ja-JP" b="1" dirty="0" err="1" smtClean="0"/>
               <a:t>Git</a:t>
             </a:r>
             <a:r>
-              <a:rPr kumimoji="1" lang="ja-JP" altLang="en-US" dirty="0" smtClean="0"/>
+              <a:rPr kumimoji="1" lang="ja-JP" altLang="en-US" b="1" dirty="0" smtClean="0"/>
               <a:t>リポジトリの準備</a:t>
             </a:r>
-            <a:endParaRPr kumimoji="1" lang="en-US" altLang="ja-JP" dirty="0" smtClean="0"/>
+            <a:endParaRPr kumimoji="1" lang="en-US" altLang="ja-JP" b="1" dirty="0" smtClean="0"/>
           </a:p>
           <a:p>
             <a:pPr lvl="1"/>
             <a:r>
+              <a:rPr lang="ja-JP" altLang="en-US" smtClean="0"/>
+              <a:t>リモートリポジトリには</a:t>
+            </a:r>
+            <a:r>
+              <a:rPr lang="en-US" altLang="ja-JP" smtClean="0"/>
+              <a:t>GitHub</a:t>
+            </a:r>
+            <a:r>
               <a:rPr lang="ja-JP" altLang="en-US" dirty="0" smtClean="0"/>
-              <a:t>今回は</a:t>
-            </a:r>
-            <a:r>
-              <a:rPr lang="en-US" altLang="ja-JP" dirty="0" smtClean="0"/>
-              <a:t>GitHub</a:t>
+              <a:t>を</a:t>
+            </a:r>
+            <a:r>
+              <a:rPr lang="ja-JP" altLang="en-US" smtClean="0"/>
+              <a:t>使用します</a:t>
             </a:r>
             <a:r>
               <a:rPr lang="ja-JP" altLang="en-US" dirty="0" smtClean="0"/>
-              <a:t>を使用していきます。</a:t>
+              <a:t>。</a:t>
             </a:r>
             <a:endParaRPr lang="en-US" altLang="ja-JP" dirty="0"/>
           </a:p>
@@ -18625,73 +20339,28 @@
               <a:buNone/>
             </a:pPr>
             <a:r>
-              <a:rPr lang="ja-JP" altLang="en-US" dirty="0"/>
+              <a:rPr lang="ja-JP" altLang="en-US"/>
               <a:t>　</a:t>
             </a:r>
             <a:r>
-              <a:rPr lang="en-US" altLang="ja-JP" dirty="0" smtClean="0"/>
-              <a:t>Repository</a:t>
+              <a:rPr lang="ja-JP" altLang="en-US" smtClean="0">
+                <a:hlinkClick r:id="rId3"/>
+              </a:rPr>
+              <a:t>新規リポジトリ作成画面</a:t>
+            </a:r>
+            <a:r>
+              <a:rPr lang="ja-JP" altLang="en-US" smtClean="0"/>
+              <a:t>から本シナリオで利用するリポジトリ</a:t>
             </a:r>
             <a:r>
               <a:rPr lang="ja-JP" altLang="en-US" dirty="0" smtClean="0"/>
-              <a:t>→</a:t>
-            </a:r>
-            <a:r>
-              <a:rPr lang="en-US" altLang="ja-JP" dirty="0" smtClean="0"/>
-              <a:t>New</a:t>
-            </a:r>
-            <a:r>
-              <a:rPr lang="ja-JP" altLang="en-US" dirty="0" smtClean="0"/>
-              <a:t>を選択し新規のリポジトリを作成してください。</a:t>
+              <a:t>を</a:t>
+            </a:r>
+            <a:r>
+              <a:rPr lang="ja-JP" altLang="en-US" smtClean="0"/>
+              <a:t>作成して下さい。</a:t>
             </a:r>
             <a:endParaRPr lang="en-US" altLang="ja-JP" dirty="0" smtClean="0"/>
-          </a:p>
-          <a:p>
-            <a:pPr marL="180000" lvl="1" indent="0">
-              <a:buNone/>
-            </a:pPr>
-            <a:r>
-              <a:rPr lang="ja-JP" altLang="en-US" dirty="0"/>
-              <a:t>　</a:t>
-            </a:r>
-            <a:r>
-              <a:rPr lang="ja-JP" altLang="en-US" dirty="0" smtClean="0"/>
-              <a:t>リポジトリ名を入力</a:t>
-            </a:r>
-            <a:r>
-              <a:rPr lang="ja-JP" altLang="en-US" dirty="0"/>
-              <a:t>し</a:t>
-            </a:r>
-            <a:r>
-              <a:rPr lang="en-US" altLang="ja-JP" dirty="0" smtClean="0"/>
-              <a:t>Public</a:t>
-            </a:r>
-            <a:r>
-              <a:rPr lang="ja-JP" altLang="en-US" dirty="0" smtClean="0"/>
-              <a:t>を選択、</a:t>
-            </a:r>
-            <a:r>
-              <a:rPr lang="en-US" altLang="ja-JP" dirty="0" smtClean="0"/>
-              <a:t>Create repository</a:t>
-            </a:r>
-            <a:r>
-              <a:rPr lang="ja-JP" altLang="en-US" dirty="0" smtClean="0"/>
-              <a:t>をクリックし作成して下さい。</a:t>
-            </a:r>
-            <a:endParaRPr lang="en-US" altLang="ja-JP" dirty="0" smtClean="0"/>
-          </a:p>
-          <a:p>
-            <a:pPr marL="180000" lvl="1" indent="0">
-              <a:buNone/>
-            </a:pPr>
-            <a:r>
-              <a:rPr lang="en-US" altLang="ja-JP" dirty="0"/>
-              <a:t> </a:t>
-            </a:r>
-            <a:r>
-              <a:rPr lang="en-US" altLang="ja-JP" dirty="0" smtClean="0"/>
-              <a:t>  </a:t>
-            </a:r>
           </a:p>
         </p:txBody>
       </p:sp>
@@ -18704,13 +20373,13 @@
           <p:nvPr/>
         </p:nvPicPr>
         <p:blipFill rotWithShape="1">
-          <a:blip r:embed="rId2"/>
+          <a:blip r:embed="rId4"/>
           <a:srcRect l="27788" t="10317" r="29460"/>
           <a:stretch/>
         </p:blipFill>
         <p:spPr>
           <a:xfrm>
-            <a:off x="2195670" y="2146291"/>
+            <a:off x="1115520" y="2168103"/>
             <a:ext cx="4392610" cy="4307129"/>
           </a:xfrm>
           <a:prstGeom prst="rect">
@@ -18720,26 +20389,25 @@
       </p:pic>
       <p:sp>
         <p:nvSpPr>
-          <p:cNvPr id="6" name="角丸四角形吹き出し 5"/>
+          <p:cNvPr id="6" name="線吹き出し 1 (枠付き) 5"/>
           <p:cNvSpPr/>
           <p:nvPr/>
         </p:nvSpPr>
         <p:spPr bwMode="auto">
           <a:xfrm>
-            <a:off x="6745304" y="2924930"/>
-            <a:ext cx="2147296" cy="792110"/>
+            <a:off x="5615263" y="3083689"/>
+            <a:ext cx="3242092" cy="531943"/>
           </a:xfrm>
-          <a:prstGeom prst="wedgeRoundRectCallout">
+          <a:prstGeom prst="borderCallout1">
             <a:avLst>
-              <a:gd name="adj1" fmla="val -130244"/>
-              <a:gd name="adj2" fmla="val -16818"/>
-              <a:gd name="adj3" fmla="val 16667"/>
+              <a:gd name="adj1" fmla="val 20579"/>
+              <a:gd name="adj2" fmla="val -53340"/>
+              <a:gd name="adj3" fmla="val 21065"/>
+              <a:gd name="adj4" fmla="val 73"/>
             </a:avLst>
           </a:prstGeom>
-          <a:solidFill>
-            <a:schemeClr val="bg1"/>
-          </a:solidFill>
-          <a:ln w="12700">
+          <a:noFill/>
+          <a:ln w="28575">
             <a:solidFill>
               <a:srgbClr val="FF0000"/>
             </a:solidFill>
@@ -18755,300 +20423,15 @@
           </a:bodyPr>
           <a:lstStyle/>
           <a:p>
-            <a:pPr algn="ctr"/>
-            <a:endParaRPr kumimoji="1" lang="ja-JP" altLang="en-US" b="1" dirty="0" smtClean="0">
+            <a:r>
+              <a:rPr lang="ja-JP" altLang="en-US" sz="1600" smtClean="0">
+                <a:latin typeface="+mn-ea"/>
+              </a:rPr>
+              <a:t>任意のリポジトリ名を入力する</a:t>
+            </a:r>
+            <a:endParaRPr kumimoji="1" lang="ja-JP" altLang="en-US" sz="1600" dirty="0" smtClean="0">
               <a:latin typeface="+mn-ea"/>
             </a:endParaRPr>
-          </a:p>
-        </p:txBody>
-      </p:sp>
-      <p:graphicFrame>
-        <p:nvGraphicFramePr>
-          <p:cNvPr id="9" name="表 8"/>
-          <p:cNvGraphicFramePr>
-            <a:graphicFrameLocks noGrp="1"/>
-          </p:cNvGraphicFramePr>
-          <p:nvPr>
-            <p:extLst>
-              <p:ext uri="{D42A27DB-BD31-4B8C-83A1-F6EECF244321}">
-                <p14:modId xmlns:p14="http://schemas.microsoft.com/office/powerpoint/2010/main" val="3503125008"/>
-              </p:ext>
-            </p:extLst>
-          </p:nvPr>
-        </p:nvGraphicFramePr>
-        <p:xfrm>
-          <a:off x="6888105" y="3046625"/>
-          <a:ext cx="1888267" cy="548640"/>
-        </p:xfrm>
-        <a:graphic>
-          <a:graphicData uri="http://schemas.openxmlformats.org/drawingml/2006/table">
-            <a:tbl>
-              <a:tblPr firstRow="1" bandRow="1">
-                <a:tableStyleId>{5C22544A-7EE6-4342-B048-85BDC9FD1C3A}</a:tableStyleId>
-              </a:tblPr>
-              <a:tblGrid>
-                <a:gridCol w="1888267">
-                  <a:extLst>
-                    <a:ext uri="{9D8B030D-6E8A-4147-A177-3AD203B41FA5}">
-                      <a16:colId xmlns:a16="http://schemas.microsoft.com/office/drawing/2014/main" val="2883640048"/>
-                    </a:ext>
-                  </a:extLst>
-                </a:gridCol>
-              </a:tblGrid>
-              <a:tr h="210497">
-                <a:tc>
-                  <a:txBody>
-                    <a:bodyPr/>
-                    <a:lstStyle/>
-                    <a:p>
-                      <a:pPr algn="ctr"/>
-                      <a:r>
-                        <a:rPr kumimoji="1" lang="ja-JP" altLang="en-US" sz="1200" dirty="0" smtClean="0">
-                          <a:solidFill>
-                            <a:schemeClr val="bg1"/>
-                          </a:solidFill>
-                          <a:latin typeface="+mn-lt"/>
-                        </a:rPr>
-                        <a:t>リポジトリ名</a:t>
-                      </a:r>
-                    </a:p>
-                  </a:txBody>
-                  <a:tcPr>
-                    <a:lnL w="12700" cap="flat" cmpd="sng" algn="ctr">
-                      <a:solidFill>
-                        <a:schemeClr val="bg1">
-                          <a:lumMod val="85000"/>
-                        </a:schemeClr>
-                      </a:solidFill>
-                      <a:prstDash val="solid"/>
-                      <a:round/>
-                      <a:headEnd type="none" w="med" len="med"/>
-                      <a:tailEnd type="none" w="med" len="med"/>
-                    </a:lnL>
-                    <a:lnR w="12700" cap="flat" cmpd="sng" algn="ctr">
-                      <a:solidFill>
-                        <a:schemeClr val="bg1">
-                          <a:lumMod val="85000"/>
-                        </a:schemeClr>
-                      </a:solidFill>
-                      <a:prstDash val="solid"/>
-                      <a:round/>
-                      <a:headEnd type="none" w="med" len="med"/>
-                      <a:tailEnd type="none" w="med" len="med"/>
-                    </a:lnR>
-                    <a:lnT w="12700" cap="flat" cmpd="sng" algn="ctr">
-                      <a:solidFill>
-                        <a:schemeClr val="bg1">
-                          <a:lumMod val="85000"/>
-                        </a:schemeClr>
-                      </a:solidFill>
-                      <a:prstDash val="solid"/>
-                      <a:round/>
-                      <a:headEnd type="none" w="med" len="med"/>
-                      <a:tailEnd type="none" w="med" len="med"/>
-                    </a:lnT>
-                    <a:lnB w="12700" cap="flat" cmpd="sng" algn="ctr">
-                      <a:solidFill>
-                        <a:schemeClr val="bg1">
-                          <a:lumMod val="85000"/>
-                        </a:schemeClr>
-                      </a:solidFill>
-                      <a:prstDash val="solid"/>
-                      <a:round/>
-                      <a:headEnd type="none" w="med" len="med"/>
-                      <a:tailEnd type="none" w="med" len="med"/>
-                    </a:lnB>
-                    <a:lnTlToBr w="12700" cmpd="sng">
-                      <a:noFill/>
-                      <a:prstDash val="solid"/>
-                    </a:lnTlToBr>
-                    <a:lnBlToTr w="12700" cmpd="sng">
-                      <a:noFill/>
-                      <a:prstDash val="solid"/>
-                    </a:lnBlToTr>
-                    <a:solidFill>
-                      <a:schemeClr val="accent6"/>
-                    </a:solidFill>
-                  </a:tcPr>
-                </a:tc>
-                <a:extLst>
-                  <a:ext uri="{0D108BD9-81ED-4DB2-BD59-A6C34878D82A}">
-                    <a16:rowId xmlns:a16="http://schemas.microsoft.com/office/drawing/2014/main" val="2458714703"/>
-                  </a:ext>
-                </a:extLst>
-              </a:tr>
-              <a:tr h="210497">
-                <a:tc>
-                  <a:txBody>
-                    <a:bodyPr/>
-                    <a:lstStyle/>
-                    <a:p>
-                      <a:pPr algn="ctr"/>
-                      <a:r>
-                        <a:rPr kumimoji="1" lang="en-US" altLang="ja-JP" sz="1200" b="0" dirty="0" smtClean="0">
-                          <a:solidFill>
-                            <a:schemeClr val="tx1"/>
-                          </a:solidFill>
-                          <a:latin typeface="+mn-lt"/>
-                        </a:rPr>
-                        <a:t>(</a:t>
-                      </a:r>
-                      <a:r>
-                        <a:rPr kumimoji="1" lang="ja-JP" altLang="en-US" sz="1200" b="0" dirty="0" smtClean="0">
-                          <a:solidFill>
-                            <a:schemeClr val="tx1"/>
-                          </a:solidFill>
-                          <a:latin typeface="+mn-lt"/>
-                        </a:rPr>
-                        <a:t>任意の名前</a:t>
-                      </a:r>
-                      <a:r>
-                        <a:rPr kumimoji="1" lang="en-US" altLang="ja-JP" sz="1200" b="0" dirty="0" smtClean="0">
-                          <a:solidFill>
-                            <a:schemeClr val="tx1"/>
-                          </a:solidFill>
-                          <a:latin typeface="+mn-lt"/>
-                        </a:rPr>
-                        <a:t>)</a:t>
-                      </a:r>
-                      <a:endParaRPr kumimoji="1" lang="ja-JP" altLang="en-US" sz="1200" b="0" dirty="0" smtClean="0">
-                        <a:solidFill>
-                          <a:schemeClr val="tx1"/>
-                        </a:solidFill>
-                        <a:latin typeface="+mn-lt"/>
-                      </a:endParaRPr>
-                    </a:p>
-                  </a:txBody>
-                  <a:tcPr>
-                    <a:lnL w="12700" cap="flat" cmpd="sng" algn="ctr">
-                      <a:solidFill>
-                        <a:schemeClr val="bg1">
-                          <a:lumMod val="85000"/>
-                        </a:schemeClr>
-                      </a:solidFill>
-                      <a:prstDash val="solid"/>
-                      <a:round/>
-                      <a:headEnd type="none" w="med" len="med"/>
-                      <a:tailEnd type="none" w="med" len="med"/>
-                    </a:lnL>
-                    <a:lnR w="12700" cap="flat" cmpd="sng" algn="ctr">
-                      <a:solidFill>
-                        <a:schemeClr val="bg1">
-                          <a:lumMod val="85000"/>
-                        </a:schemeClr>
-                      </a:solidFill>
-                      <a:prstDash val="solid"/>
-                      <a:round/>
-                      <a:headEnd type="none" w="med" len="med"/>
-                      <a:tailEnd type="none" w="med" len="med"/>
-                    </a:lnR>
-                    <a:lnT w="12700" cap="flat" cmpd="sng" algn="ctr">
-                      <a:solidFill>
-                        <a:schemeClr val="bg1">
-                          <a:lumMod val="85000"/>
-                        </a:schemeClr>
-                      </a:solidFill>
-                      <a:prstDash val="solid"/>
-                      <a:round/>
-                      <a:headEnd type="none" w="med" len="med"/>
-                      <a:tailEnd type="none" w="med" len="med"/>
-                    </a:lnT>
-                    <a:lnB w="12700" cap="flat" cmpd="sng" algn="ctr">
-                      <a:solidFill>
-                        <a:schemeClr val="bg1">
-                          <a:lumMod val="85000"/>
-                        </a:schemeClr>
-                      </a:solidFill>
-                      <a:prstDash val="solid"/>
-                      <a:round/>
-                      <a:headEnd type="none" w="med" len="med"/>
-                      <a:tailEnd type="none" w="med" len="med"/>
-                    </a:lnB>
-                    <a:lnTlToBr w="12700" cmpd="sng">
-                      <a:noFill/>
-                      <a:prstDash val="solid"/>
-                    </a:lnTlToBr>
-                    <a:lnBlToTr w="12700" cmpd="sng">
-                      <a:noFill/>
-                      <a:prstDash val="solid"/>
-                    </a:lnBlToTr>
-                    <a:solidFill>
-                      <a:schemeClr val="bg1"/>
-                    </a:solidFill>
-                  </a:tcPr>
-                </a:tc>
-                <a:extLst>
-                  <a:ext uri="{0D108BD9-81ED-4DB2-BD59-A6C34878D82A}">
-                    <a16:rowId xmlns:a16="http://schemas.microsoft.com/office/drawing/2014/main" val="4029950975"/>
-                  </a:ext>
-                </a:extLst>
-              </a:tr>
-            </a:tbl>
-          </a:graphicData>
-        </a:graphic>
-      </p:graphicFrame>
-      <p:sp>
-        <p:nvSpPr>
-          <p:cNvPr id="13" name="角丸四角形吹き出し 12"/>
-          <p:cNvSpPr/>
-          <p:nvPr/>
-        </p:nvSpPr>
-        <p:spPr bwMode="auto">
-          <a:xfrm>
-            <a:off x="323410" y="4293120"/>
-            <a:ext cx="1584220" cy="648090"/>
-          </a:xfrm>
-          <a:prstGeom prst="wedgeRoundRectCallout">
-            <a:avLst>
-              <a:gd name="adj1" fmla="val 75985"/>
-              <a:gd name="adj2" fmla="val -58304"/>
-              <a:gd name="adj3" fmla="val 16667"/>
-            </a:avLst>
-          </a:prstGeom>
-          <a:solidFill>
-            <a:schemeClr val="bg1"/>
-          </a:solidFill>
-          <a:ln w="12700">
-            <a:solidFill>
-              <a:srgbClr val="FF0000"/>
-            </a:solidFill>
-          </a:ln>
-          <a:effectLst/>
-        </p:spPr>
-        <p:txBody>
-          <a:bodyPr rot="0" spcFirstLastPara="0" vertOverflow="overflow" horzOverflow="overflow" vert="horz" wrap="none" lIns="72000" tIns="72000" rIns="72000" bIns="72000" numCol="1" spcCol="0" rtlCol="0" fromWordArt="0" anchor="ctr" anchorCtr="0" forceAA="0" compatLnSpc="1">
-            <a:prstTxWarp prst="textNoShape">
-              <a:avLst/>
-            </a:prstTxWarp>
-            <a:noAutofit/>
-          </a:bodyPr>
-          <a:lstStyle/>
-          <a:p>
-            <a:pPr algn="ctr"/>
-            <a:r>
-              <a:rPr kumimoji="1" lang="ja-JP" altLang="en-US" sz="1600" dirty="0" smtClean="0">
-                <a:latin typeface="+mn-ea"/>
-              </a:rPr>
-              <a:t>今回は</a:t>
-            </a:r>
-            <a:endParaRPr lang="en-US" altLang="ja-JP" sz="1600" dirty="0">
-              <a:latin typeface="+mn-ea"/>
-            </a:endParaRPr>
-          </a:p>
-          <a:p>
-            <a:pPr algn="ctr"/>
-            <a:r>
-              <a:rPr kumimoji="1" lang="en-US" altLang="ja-JP" sz="1600" dirty="0" smtClean="0">
-                <a:latin typeface="+mn-ea"/>
-              </a:rPr>
-              <a:t>Public</a:t>
-            </a:r>
-            <a:r>
-              <a:rPr kumimoji="1" lang="ja-JP" altLang="en-US" sz="1600" dirty="0" smtClean="0">
-                <a:latin typeface="+mn-ea"/>
-              </a:rPr>
-              <a:t>を選択</a:t>
-            </a:r>
           </a:p>
         </p:txBody>
       </p:sp>
@@ -19060,7 +20443,7 @@
         </p:nvSpPr>
         <p:spPr bwMode="auto">
           <a:xfrm>
-            <a:off x="2339690" y="6106769"/>
+            <a:off x="1259540" y="6128581"/>
             <a:ext cx="1008140" cy="288040"/>
           </a:xfrm>
           <a:prstGeom prst="roundRect">
@@ -19104,8 +20487,8 @@
         </p:nvSpPr>
         <p:spPr bwMode="auto">
           <a:xfrm>
-            <a:off x="3501377" y="3140960"/>
-            <a:ext cx="1502683" cy="179985"/>
+            <a:off x="2411700" y="3133901"/>
+            <a:ext cx="1502683" cy="266228"/>
           </a:xfrm>
           <a:prstGeom prst="roundRect">
             <a:avLst>
@@ -19148,7 +20531,7 @@
         </p:nvSpPr>
         <p:spPr bwMode="auto">
           <a:xfrm>
-            <a:off x="2384450" y="4082425"/>
+            <a:off x="1304300" y="4104237"/>
             <a:ext cx="2854895" cy="288040"/>
           </a:xfrm>
           <a:prstGeom prst="roundRect">
@@ -19192,7 +20575,7 @@
         </p:nvSpPr>
         <p:spPr bwMode="auto">
           <a:xfrm>
-            <a:off x="2684678" y="3164775"/>
+            <a:off x="1604528" y="3186587"/>
             <a:ext cx="535799" cy="160857"/>
           </a:xfrm>
           <a:prstGeom prst="rect">
@@ -19217,6 +20600,114 @@
           <a:p>
             <a:pPr algn="ctr"/>
             <a:endParaRPr kumimoji="1" lang="ja-JP" altLang="en-US" b="1" dirty="0" smtClean="0">
+              <a:latin typeface="+mn-ea"/>
+            </a:endParaRPr>
+          </a:p>
+        </p:txBody>
+      </p:sp>
+      <p:sp>
+        <p:nvSpPr>
+          <p:cNvPr id="14" name="線吹き出し 1 (枠付き) 13"/>
+          <p:cNvSpPr/>
+          <p:nvPr/>
+        </p:nvSpPr>
+        <p:spPr bwMode="auto">
+          <a:xfrm>
+            <a:off x="5615769" y="4099515"/>
+            <a:ext cx="2341207" cy="531943"/>
+          </a:xfrm>
+          <a:prstGeom prst="borderCallout1">
+            <a:avLst>
+              <a:gd name="adj1" fmla="val 20580"/>
+              <a:gd name="adj2" fmla="val -62181"/>
+              <a:gd name="adj3" fmla="val 21065"/>
+              <a:gd name="adj4" fmla="val 73"/>
+            </a:avLst>
+          </a:prstGeom>
+          <a:noFill/>
+          <a:ln w="28575">
+            <a:solidFill>
+              <a:srgbClr val="FF0000"/>
+            </a:solidFill>
+          </a:ln>
+          <a:effectLst/>
+        </p:spPr>
+        <p:txBody>
+          <a:bodyPr rot="0" spcFirstLastPara="0" vertOverflow="overflow" horzOverflow="overflow" vert="horz" wrap="none" lIns="72000" tIns="72000" rIns="72000" bIns="72000" numCol="1" spcCol="0" rtlCol="0" fromWordArt="0" anchor="ctr" anchorCtr="0" forceAA="0" compatLnSpc="1">
+            <a:prstTxWarp prst="textNoShape">
+              <a:avLst/>
+            </a:prstTxWarp>
+            <a:noAutofit/>
+          </a:bodyPr>
+          <a:lstStyle/>
+          <a:p>
+            <a:r>
+              <a:rPr kumimoji="1" lang="en-US" altLang="ja-JP" sz="1600" smtClean="0">
+                <a:latin typeface="+mn-ea"/>
+              </a:rPr>
+              <a:t>[Public]</a:t>
+            </a:r>
+            <a:r>
+              <a:rPr kumimoji="1" lang="ja-JP" altLang="en-US" sz="1600" smtClean="0">
+                <a:latin typeface="+mn-ea"/>
+              </a:rPr>
+              <a:t> を選択する</a:t>
+            </a:r>
+            <a:endParaRPr kumimoji="1" lang="ja-JP" altLang="en-US" sz="1600" dirty="0" smtClean="0">
+              <a:latin typeface="+mn-ea"/>
+            </a:endParaRPr>
+          </a:p>
+        </p:txBody>
+      </p:sp>
+      <p:sp>
+        <p:nvSpPr>
+          <p:cNvPr id="19" name="線吹き出し 1 (枠付き) 18"/>
+          <p:cNvSpPr/>
+          <p:nvPr/>
+        </p:nvSpPr>
+        <p:spPr bwMode="auto">
+          <a:xfrm>
+            <a:off x="5615263" y="5862609"/>
+            <a:ext cx="2341207" cy="531943"/>
+          </a:xfrm>
+          <a:prstGeom prst="borderCallout1">
+            <a:avLst>
+              <a:gd name="adj1" fmla="val 64469"/>
+              <a:gd name="adj2" fmla="val -141188"/>
+              <a:gd name="adj3" fmla="val 66783"/>
+              <a:gd name="adj4" fmla="val -227"/>
+            </a:avLst>
+          </a:prstGeom>
+          <a:noFill/>
+          <a:ln w="28575">
+            <a:solidFill>
+              <a:srgbClr val="FF0000"/>
+            </a:solidFill>
+          </a:ln>
+          <a:effectLst/>
+        </p:spPr>
+        <p:txBody>
+          <a:bodyPr rot="0" spcFirstLastPara="0" vertOverflow="overflow" horzOverflow="overflow" vert="horz" wrap="none" lIns="72000" tIns="72000" rIns="72000" bIns="72000" numCol="1" spcCol="0" rtlCol="0" fromWordArt="0" anchor="ctr" anchorCtr="0" forceAA="0" compatLnSpc="1">
+            <a:prstTxWarp prst="textNoShape">
+              <a:avLst/>
+            </a:prstTxWarp>
+            <a:noAutofit/>
+          </a:bodyPr>
+          <a:lstStyle/>
+          <a:p>
+            <a:r>
+              <a:rPr lang="ja-JP" altLang="en-US" sz="1600">
+                <a:latin typeface="+mn-ea"/>
+              </a:rPr>
+              <a:t>クリック</a:t>
+            </a:r>
+            <a:r>
+              <a:rPr kumimoji="1" lang="ja-JP" altLang="en-US" sz="1600" smtClean="0">
+                <a:latin typeface="+mn-ea"/>
+              </a:rPr>
+              <a:t>する</a:t>
+            </a:r>
+            <a:endParaRPr kumimoji="1" lang="ja-JP" altLang="en-US" sz="1600" dirty="0" smtClean="0">
               <a:latin typeface="+mn-ea"/>
             </a:endParaRPr>
           </a:p>
@@ -19311,14 +20802,14 @@
           <a:lstStyle/>
           <a:p>
             <a:r>
-              <a:rPr kumimoji="1" lang="en-US" altLang="ja-JP" dirty="0" smtClean="0"/>
+              <a:rPr kumimoji="1" lang="en-US" altLang="ja-JP" b="1" dirty="0" smtClean="0"/>
               <a:t>Playbook</a:t>
             </a:r>
             <a:r>
-              <a:rPr kumimoji="1" lang="ja-JP" altLang="en-US" dirty="0" smtClean="0"/>
+              <a:rPr kumimoji="1" lang="ja-JP" altLang="en-US" b="1" dirty="0" smtClean="0"/>
               <a:t>の準備</a:t>
             </a:r>
-            <a:endParaRPr kumimoji="1" lang="en-US" altLang="ja-JP" dirty="0" smtClean="0"/>
+            <a:endParaRPr kumimoji="1" lang="en-US" altLang="ja-JP" b="1" dirty="0" smtClean="0"/>
           </a:p>
           <a:p>
             <a:pPr lvl="1"/>
@@ -19903,8 +21394,8 @@
         </p:nvSpPr>
         <p:spPr bwMode="auto">
           <a:xfrm>
-            <a:off x="3588447" y="5660576"/>
-            <a:ext cx="5342519" cy="761344"/>
+            <a:off x="4244573" y="5519033"/>
+            <a:ext cx="4728073" cy="902585"/>
           </a:xfrm>
           <a:prstGeom prst="roundRect">
             <a:avLst>
@@ -19935,12 +21426,12 @@
               <a:buNone/>
             </a:pPr>
             <a:r>
-              <a:rPr lang="en-US" altLang="ja-JP" sz="1600" dirty="0">
+              <a:rPr lang="en-US" altLang="ja-JP" sz="1600" smtClean="0">
                 <a:solidFill>
                   <a:srgbClr val="FF0000"/>
                 </a:solidFill>
               </a:rPr>
-              <a:t>※CI/CD</a:t>
+              <a:t>CI/CD</a:t>
             </a:r>
             <a:r>
               <a:rPr lang="ja-JP" altLang="en-US" sz="1600" dirty="0">
@@ -19948,17 +21439,25 @@
                   <a:srgbClr val="FF0000"/>
                 </a:solidFill>
               </a:rPr>
-              <a:t>の機能を体感して</a:t>
-            </a:r>
-            <a:r>
-              <a:rPr lang="ja-JP" altLang="en-US" sz="1600" dirty="0" smtClean="0">
+              <a:t>の機能</a:t>
+            </a:r>
+            <a:r>
+              <a:rPr lang="ja-JP" altLang="en-US" sz="1600">
                 <a:solidFill>
                   <a:srgbClr val="FF0000"/>
                 </a:solidFill>
               </a:rPr>
-              <a:t>いただくために今回は</a:t>
-            </a:r>
-            <a:endParaRPr lang="en-US" altLang="ja-JP" sz="1600" dirty="0" smtClean="0">
+              <a:t>を</a:t>
+            </a:r>
+            <a:r>
+              <a:rPr lang="ja-JP" altLang="en-US" sz="1600" smtClean="0">
+                <a:solidFill>
+                  <a:srgbClr val="FF0000"/>
+                </a:solidFill>
+              </a:rPr>
+              <a:t>体感いただくため、現段階では</a:t>
+            </a:r>
+            <a:endParaRPr lang="en-US" altLang="ja-JP" sz="1600" smtClean="0">
               <a:solidFill>
                 <a:srgbClr val="FF0000"/>
               </a:solidFill>
@@ -19969,117 +21468,107 @@
               <a:buNone/>
             </a:pPr>
             <a:r>
-              <a:rPr lang="ja-JP" altLang="en-US" sz="1600" dirty="0" smtClean="0">
+              <a:rPr lang="ja-JP" altLang="en-US" sz="1600" smtClean="0">
                 <a:solidFill>
                   <a:srgbClr val="FF0000"/>
                 </a:solidFill>
               </a:rPr>
-              <a:t>あえて</a:t>
-            </a:r>
-            <a:r>
-              <a:rPr lang="ja-JP" altLang="en-US" sz="1600" dirty="0">
+              <a:t>「</a:t>
+            </a:r>
+            <a:r>
+              <a:rPr lang="en-US" altLang="ja-JP" sz="1600" smtClean="0">
                 <a:solidFill>
                   <a:srgbClr val="FF0000"/>
                 </a:solidFill>
               </a:rPr>
-              <a:t>インデント</a:t>
-            </a:r>
-            <a:r>
-              <a:rPr lang="ja-JP" altLang="en-US" sz="1600" dirty="0" smtClean="0">
+              <a:t>: (</a:t>
+            </a:r>
+            <a:r>
+              <a:rPr lang="ja-JP" altLang="en-US" sz="1600" smtClean="0">
                 <a:solidFill>
                   <a:srgbClr val="FF0000"/>
                 </a:solidFill>
               </a:rPr>
-              <a:t>がずれて</a:t>
-            </a:r>
-            <a:r>
-              <a:rPr lang="ja-JP" altLang="en-US" sz="1600" dirty="0">
+              <a:t>コロン</a:t>
+            </a:r>
+            <a:r>
+              <a:rPr lang="en-US" altLang="ja-JP" sz="1600" smtClean="0">
                 <a:solidFill>
                   <a:srgbClr val="FF0000"/>
                 </a:solidFill>
               </a:rPr>
-              <a:t>いるもの</a:t>
-            </a:r>
-            <a:r>
-              <a:rPr lang="ja-JP" altLang="en-US" sz="1600" dirty="0" smtClean="0">
+              <a:t>)</a:t>
+            </a:r>
+            <a:r>
+              <a:rPr lang="ja-JP" altLang="en-US" sz="1600" smtClean="0">
                 <a:solidFill>
                   <a:srgbClr val="FF0000"/>
                 </a:solidFill>
               </a:rPr>
-              <a:t>を使用</a:t>
-            </a:r>
-            <a:r>
-              <a:rPr lang="ja-JP" altLang="en-US" sz="1600" dirty="0">
+              <a:t>」の直後に半角</a:t>
+            </a:r>
+            <a:r>
+              <a:rPr lang="ja-JP" altLang="en-US" sz="1600" smtClean="0">
                 <a:solidFill>
                   <a:srgbClr val="FF0000"/>
                 </a:solidFill>
               </a:rPr>
-              <a:t>して</a:t>
-            </a:r>
-            <a:r>
-              <a:rPr lang="ja-JP" altLang="en-US" sz="1600" dirty="0" smtClean="0">
+              <a:t>スペース</a:t>
+            </a:r>
+            <a:r>
+              <a:rPr lang="ja-JP" altLang="en-US" sz="1600" smtClean="0">
                 <a:solidFill>
                   <a:srgbClr val="FF0000"/>
                 </a:solidFill>
               </a:rPr>
-              <a:t>います</a:t>
-            </a:r>
-            <a:r>
-              <a:rPr lang="ja-JP" altLang="en-US" dirty="0">
+              <a:t>を欠く、</a:t>
+            </a:r>
+            <a:endParaRPr lang="en-US" altLang="ja-JP" sz="1600" smtClean="0">
+              <a:solidFill>
+                <a:srgbClr val="FF0000"/>
+              </a:solidFill>
+            </a:endParaRPr>
+          </a:p>
+          <a:p>
+            <a:pPr marL="180000" lvl="1" indent="0">
+              <a:buNone/>
+            </a:pPr>
+            <a:r>
+              <a:rPr lang="ja-JP" altLang="en-US" sz="1600">
                 <a:solidFill>
                   <a:srgbClr val="FF0000"/>
                 </a:solidFill>
               </a:rPr>
-              <a:t>。</a:t>
+              <a:t>不正</a:t>
+            </a:r>
+            <a:r>
+              <a:rPr lang="ja-JP" altLang="en-US" sz="1600" smtClean="0">
+                <a:solidFill>
+                  <a:srgbClr val="FF0000"/>
+                </a:solidFill>
+              </a:rPr>
+              <a:t>な</a:t>
+            </a:r>
+            <a:r>
+              <a:rPr lang="en-US" altLang="ja-JP" sz="1600" smtClean="0">
+                <a:solidFill>
+                  <a:srgbClr val="FF0000"/>
+                </a:solidFill>
+              </a:rPr>
+              <a:t>Playbook</a:t>
+            </a:r>
+            <a:r>
+              <a:rPr lang="ja-JP" altLang="en-US" sz="1600" smtClean="0">
+                <a:solidFill>
+                  <a:srgbClr val="FF0000"/>
+                </a:solidFill>
+              </a:rPr>
+              <a:t>を作成します。</a:t>
             </a:r>
             <a:endParaRPr lang="en-US" altLang="ja-JP" dirty="0" smtClean="0">
               <a:solidFill>
                 <a:srgbClr val="FF0000"/>
               </a:solidFill>
-            </a:endParaRPr>
-          </a:p>
-        </p:txBody>
-      </p:sp>
-      <p:sp>
-        <p:nvSpPr>
-          <p:cNvPr id="10" name="角丸四角形 9"/>
-          <p:cNvSpPr/>
-          <p:nvPr/>
-        </p:nvSpPr>
-        <p:spPr bwMode="auto">
-          <a:xfrm>
-            <a:off x="570917" y="4056171"/>
-            <a:ext cx="5688790" cy="288042"/>
-          </a:xfrm>
-          <a:prstGeom prst="roundRect">
-            <a:avLst>
-              <a:gd name="adj" fmla="val 5764"/>
-            </a:avLst>
-          </a:prstGeom>
-          <a:noFill/>
-          <a:ln w="28575">
-            <a:solidFill>
-              <a:srgbClr val="FF0000"/>
-            </a:solidFill>
-          </a:ln>
-          <a:effectLst/>
-          <a:extLst/>
-        </p:spPr>
-        <p:txBody>
-          <a:bodyPr rot="0" spcFirstLastPara="0" vertOverflow="overflow" horzOverflow="overflow" vert="horz" wrap="none" lIns="72000" tIns="72000" rIns="72000" bIns="72000" numCol="1" spcCol="0" rtlCol="0" fromWordArt="0" anchor="ctr" anchorCtr="0" forceAA="0" compatLnSpc="1">
-            <a:prstTxWarp prst="textNoShape">
-              <a:avLst/>
-            </a:prstTxWarp>
-            <a:noAutofit/>
-          </a:bodyPr>
-          <a:lstStyle/>
-          <a:p>
-            <a:pPr algn="ctr"/>
-            <a:endParaRPr kumimoji="1" lang="ja-JP" altLang="en-US" sz="1400" b="1" dirty="0" smtClean="0">
-              <a:solidFill>
-                <a:srgbClr val="FF0000"/>
-              </a:solidFill>
-              <a:latin typeface="+mn-ea"/>
             </a:endParaRPr>
           </a:p>
         </p:txBody>
@@ -20092,13 +21581,13 @@
         </p:nvSpPr>
         <p:spPr bwMode="auto">
           <a:xfrm>
-            <a:off x="3274980" y="5359308"/>
+            <a:off x="3963653" y="5253669"/>
             <a:ext cx="559890" cy="540000"/>
           </a:xfrm>
           <a:prstGeom prst="wedgeEllipseCallout">
             <a:avLst>
-              <a:gd name="adj1" fmla="val 150218"/>
-              <a:gd name="adj2" fmla="val -236802"/>
+              <a:gd name="adj1" fmla="val -169317"/>
+              <a:gd name="adj2" fmla="val -218396"/>
             </a:avLst>
           </a:prstGeom>
           <a:solidFill>
@@ -20152,6 +21641,48 @@
           </a:p>
         </p:txBody>
       </p:sp>
+      <p:cxnSp>
+        <p:nvCxnSpPr>
+          <p:cNvPr id="3" name="直線コネクタ 2"/>
+          <p:cNvCxnSpPr/>
+          <p:nvPr/>
+        </p:nvCxnSpPr>
+        <p:spPr bwMode="auto">
+          <a:xfrm>
+            <a:off x="683460" y="4365130"/>
+            <a:ext cx="5472760" cy="0"/>
+          </a:xfrm>
+          <a:prstGeom prst="line">
+            <a:avLst/>
+          </a:prstGeom>
+          <a:solidFill>
+            <a:schemeClr val="bg1"/>
+          </a:solidFill>
+          <a:ln w="19050" cap="flat" cmpd="sng" algn="ctr">
+            <a:solidFill>
+              <a:srgbClr val="FF0000"/>
+            </a:solidFill>
+            <a:prstDash val="solid"/>
+            <a:round/>
+            <a:headEnd type="none" w="med" len="med"/>
+            <a:tailEnd type="none" w="med" len="med"/>
+          </a:ln>
+          <a:effectLst/>
+          <a:extLst>
+            <a:ext uri="{AF507438-7753-43E0-B8FC-AC1667EBCBE1}">
+              <a14:hiddenEffects xmlns:a14="http://schemas.microsoft.com/office/drawing/2010/main">
+                <a:effectLst>
+                  <a:outerShdw dist="35921" dir="2700000" algn="ctr" rotWithShape="0">
+                    <a:schemeClr val="tx1">
+                      <a:alpha val="50000"/>
+                    </a:schemeClr>
+                  </a:outerShdw>
+                </a:effectLst>
+              </a14:hiddenEffects>
+            </a:ext>
+          </a:extLst>
+        </p:spPr>
+      </p:cxnSp>
     </p:spTree>
     <p:extLst>
       <p:ext uri="{BB962C8B-B14F-4D97-AF65-F5344CB8AC3E}">
@@ -20241,36 +21772,44 @@
           <a:lstStyle/>
           <a:p>
             <a:r>
-              <a:rPr kumimoji="1" lang="en-US" altLang="ja-JP" dirty="0" smtClean="0"/>
+              <a:rPr kumimoji="1" lang="en-US" altLang="ja-JP" b="1" dirty="0" smtClean="0"/>
               <a:t>Playbook</a:t>
             </a:r>
             <a:r>
-              <a:rPr kumimoji="1" lang="ja-JP" altLang="en-US" dirty="0" smtClean="0"/>
+              <a:rPr kumimoji="1" lang="ja-JP" altLang="en-US" b="1" dirty="0" smtClean="0"/>
               <a:t>の</a:t>
             </a:r>
             <a:r>
-              <a:rPr lang="ja-JP" altLang="en-US" dirty="0"/>
+              <a:rPr lang="ja-JP" altLang="en-US" b="1" dirty="0"/>
               <a:t>アップロード</a:t>
             </a:r>
-            <a:endParaRPr kumimoji="1" lang="en-US" altLang="ja-JP" dirty="0" smtClean="0"/>
+            <a:endParaRPr kumimoji="1" lang="en-US" altLang="ja-JP" b="1" dirty="0" smtClean="0"/>
           </a:p>
           <a:p>
             <a:pPr lvl="1"/>
             <a:r>
-              <a:rPr lang="en-US" altLang="ja-JP" dirty="0" smtClean="0"/>
+              <a:rPr lang="ja-JP" altLang="en-US" smtClean="0"/>
+              <a:t>下記手順で</a:t>
+            </a:r>
+            <a:r>
+              <a:rPr lang="en-US" altLang="ja-JP" smtClean="0"/>
               <a:t>GitHub</a:t>
             </a:r>
             <a:r>
-              <a:rPr lang="ja-JP" altLang="en-US" dirty="0" smtClean="0"/>
+              <a:rPr lang="ja-JP" altLang="en-US"/>
+              <a:t>上</a:t>
+            </a:r>
+            <a:r>
+              <a:rPr lang="ja-JP" altLang="en-US" smtClean="0"/>
               <a:t>に</a:t>
             </a:r>
             <a:r>
-              <a:rPr lang="en-US" altLang="ja-JP" dirty="0" smtClean="0"/>
+              <a:rPr lang="en-US" altLang="ja-JP" smtClean="0"/>
               <a:t>Playbook</a:t>
             </a:r>
             <a:r>
-              <a:rPr lang="ja-JP" altLang="en-US" dirty="0" smtClean="0"/>
-              <a:t>をアップロードします。</a:t>
+              <a:rPr lang="ja-JP" altLang="en-US" smtClean="0"/>
+              <a:t>を作成します。</a:t>
             </a:r>
             <a:endParaRPr lang="en-US" altLang="ja-JP" dirty="0" smtClean="0"/>
           </a:p>
@@ -20279,56 +21818,92 @@
               <a:buNone/>
             </a:pPr>
             <a:r>
+              <a:rPr lang="ja-JP" altLang="en-US" smtClean="0"/>
+              <a:t>① </a:t>
+            </a:r>
+            <a:r>
+              <a:rPr lang="en-US" altLang="ja-JP" smtClean="0"/>
+              <a:t>[Code]</a:t>
+            </a:r>
+            <a:r>
+              <a:rPr lang="ja-JP" altLang="en-US" smtClean="0"/>
+              <a:t>タブの画面から</a:t>
+            </a:r>
+            <a:r>
               <a:rPr lang="ja-JP" altLang="en-US" dirty="0" smtClean="0"/>
-              <a:t>　</a:t>
-            </a:r>
-            <a:r>
-              <a:rPr lang="en-US" altLang="ja-JP" dirty="0" smtClean="0"/>
-              <a:t>Code</a:t>
-            </a:r>
-            <a:r>
-              <a:rPr lang="ja-JP" altLang="en-US" dirty="0" smtClean="0"/>
-              <a:t>の画面から「</a:t>
+              <a:t>「</a:t>
             </a:r>
             <a:r>
               <a:rPr lang="en-US" altLang="ja-JP" dirty="0" smtClean="0"/>
               <a:t>creating a new file</a:t>
             </a:r>
             <a:r>
-              <a:rPr lang="ja-JP" altLang="en-US" dirty="0"/>
+              <a:rPr lang="ja-JP" altLang="en-US"/>
               <a:t>」</a:t>
             </a:r>
             <a:r>
-              <a:rPr lang="ja-JP" altLang="en-US" dirty="0" smtClean="0"/>
-              <a:t>をクリック、先ほどの</a:t>
-            </a:r>
-            <a:r>
-              <a:rPr lang="en-US" altLang="ja-JP" dirty="0" smtClean="0"/>
-              <a:t>Playbook</a:t>
-            </a:r>
-            <a:r>
-              <a:rPr lang="ja-JP" altLang="en-US" dirty="0" smtClean="0"/>
-              <a:t>名と中身を貼り付けて</a:t>
-            </a:r>
-            <a:r>
-              <a:rPr lang="ja-JP" altLang="en-US" dirty="0"/>
-              <a:t>下</a:t>
-            </a:r>
-            <a:r>
-              <a:rPr lang="ja-JP" altLang="en-US" dirty="0" smtClean="0"/>
-              <a:t>にスクロールし「</a:t>
+              <a:rPr lang="ja-JP" altLang="en-US" smtClean="0"/>
+              <a:t>を</a:t>
+            </a:r>
+            <a:r>
+              <a:rPr lang="ja-JP" altLang="en-US"/>
+              <a:t>クリック</a:t>
+            </a:r>
+            <a:r>
+              <a:rPr lang="ja-JP" altLang="en-US" smtClean="0"/>
+              <a:t>する。</a:t>
+            </a:r>
+            <a:r>
+              <a:rPr lang="en-US" altLang="ja-JP" smtClean="0"/>
+              <a:t/>
+            </a:r>
+            <a:br>
+              <a:rPr lang="en-US" altLang="ja-JP" smtClean="0"/>
+            </a:br>
+            <a:r>
+              <a:rPr lang="ja-JP" altLang="en-US" smtClean="0"/>
+              <a:t>② </a:t>
+            </a:r>
+            <a:r>
+              <a:rPr lang="ja-JP" altLang="en-US" smtClean="0">
+                <a:hlinkClick r:id="rId3" action="ppaction://hlinksldjump"/>
+              </a:rPr>
+              <a:t>前スライド</a:t>
+            </a:r>
+            <a:r>
+              <a:rPr lang="ja-JP" altLang="en-US" smtClean="0"/>
+              <a:t>のファイル名と内容でファイルを編集する。</a:t>
+            </a:r>
+            <a:r>
+              <a:rPr lang="en-US" altLang="ja-JP" smtClean="0"/>
+              <a:t/>
+            </a:r>
+            <a:br>
+              <a:rPr lang="en-US" altLang="ja-JP" smtClean="0"/>
+            </a:br>
+            <a:r>
+              <a:rPr lang="ja-JP" altLang="en-US" smtClean="0"/>
+              <a:t>③ 画面下から「</a:t>
             </a:r>
             <a:r>
               <a:rPr lang="en-US" altLang="ja-JP" dirty="0" smtClean="0"/>
               <a:t>Commit new file</a:t>
             </a:r>
             <a:r>
-              <a:rPr lang="ja-JP" altLang="en-US" dirty="0"/>
+              <a:rPr lang="ja-JP" altLang="en-US"/>
               <a:t>」</a:t>
             </a:r>
             <a:r>
-              <a:rPr lang="ja-JP" altLang="en-US" dirty="0" smtClean="0"/>
-              <a:t>をクリックして下さい。</a:t>
+              <a:rPr lang="ja-JP" altLang="en-US" smtClean="0"/>
+              <a:t>を</a:t>
+            </a:r>
+            <a:r>
+              <a:rPr lang="ja-JP" altLang="en-US"/>
+              <a:t>クリック</a:t>
+            </a:r>
+            <a:r>
+              <a:rPr lang="ja-JP" altLang="en-US" smtClean="0"/>
+              <a:t>する。</a:t>
             </a:r>
             <a:endParaRPr lang="en-US" altLang="ja-JP" dirty="0" smtClean="0"/>
           </a:p>
@@ -20343,13 +21918,13 @@
           <p:nvPr/>
         </p:nvPicPr>
         <p:blipFill rotWithShape="1">
-          <a:blip r:embed="rId2"/>
+          <a:blip r:embed="rId4"/>
           <a:srcRect r="35154"/>
           <a:stretch/>
         </p:blipFill>
         <p:spPr>
           <a:xfrm>
-            <a:off x="433930" y="2155061"/>
+            <a:off x="513869" y="2443012"/>
             <a:ext cx="3662070" cy="903916"/>
           </a:xfrm>
           <a:prstGeom prst="rect">
@@ -20365,7 +21940,7 @@
         </p:nvSpPr>
         <p:spPr bwMode="auto">
           <a:xfrm>
-            <a:off x="1720223" y="2764650"/>
+            <a:off x="1835620" y="3069968"/>
             <a:ext cx="576080" cy="176234"/>
           </a:xfrm>
           <a:prstGeom prst="roundRect">
@@ -20410,13 +21985,13 @@
           <p:nvPr/>
         </p:nvPicPr>
         <p:blipFill rotWithShape="1">
-          <a:blip r:embed="rId3"/>
+          <a:blip r:embed="rId5"/>
           <a:srcRect r="67159"/>
           <a:stretch/>
         </p:blipFill>
         <p:spPr>
           <a:xfrm>
-            <a:off x="549880" y="3741277"/>
+            <a:off x="513869" y="3809151"/>
             <a:ext cx="3084290" cy="2659959"/>
           </a:xfrm>
           <a:prstGeom prst="rect">
@@ -20433,13 +22008,13 @@
           <p:nvPr/>
         </p:nvPicPr>
         <p:blipFill rotWithShape="1">
-          <a:blip r:embed="rId4"/>
+          <a:blip r:embed="rId6"/>
           <a:srcRect r="65682"/>
           <a:stretch/>
         </p:blipFill>
         <p:spPr>
           <a:xfrm>
-            <a:off x="5467903" y="4089669"/>
+            <a:off x="5465283" y="4249084"/>
             <a:ext cx="3220971" cy="2222716"/>
           </a:xfrm>
           <a:prstGeom prst="rect">
@@ -20455,8 +22030,8 @@
         </p:nvSpPr>
         <p:spPr bwMode="auto">
           <a:xfrm>
-            <a:off x="1027640" y="4593739"/>
-            <a:ext cx="2474650" cy="1656230"/>
+            <a:off x="976921" y="4653170"/>
+            <a:ext cx="2474650" cy="1745130"/>
           </a:xfrm>
           <a:prstGeom prst="roundRect">
             <a:avLst>
@@ -20499,8 +22074,8 @@
         </p:nvSpPr>
         <p:spPr bwMode="auto">
           <a:xfrm>
-            <a:off x="1403560" y="3873639"/>
-            <a:ext cx="1368190" cy="216030"/>
+            <a:off x="1331550" y="3880907"/>
+            <a:ext cx="2043399" cy="368177"/>
           </a:xfrm>
           <a:prstGeom prst="roundRect">
             <a:avLst>
@@ -20543,8 +22118,8 @@
         </p:nvSpPr>
         <p:spPr bwMode="auto">
           <a:xfrm>
-            <a:off x="6115993" y="5805363"/>
-            <a:ext cx="1152160" cy="453557"/>
+            <a:off x="6116239" y="6020740"/>
+            <a:ext cx="1147897" cy="377560"/>
           </a:xfrm>
           <a:prstGeom prst="roundRect">
             <a:avLst>
@@ -20587,8 +22162,8 @@
         </p:nvSpPr>
         <p:spPr>
           <a:xfrm rot="5400000">
-            <a:off x="1822748" y="3176203"/>
-            <a:ext cx="527426" cy="480804"/>
+            <a:off x="597890" y="3411149"/>
+            <a:ext cx="424279" cy="333782"/>
           </a:xfrm>
           <a:prstGeom prst="rightArrow">
             <a:avLst/>
@@ -20627,14 +22202,106 @@
       </p:sp>
       <p:sp>
         <p:nvSpPr>
-          <p:cNvPr id="19" name="右矢印 18"/>
+          <p:cNvPr id="23" name="線吹き出し 1 (枠付き) 22"/>
+          <p:cNvSpPr/>
+          <p:nvPr/>
+        </p:nvSpPr>
+        <p:spPr bwMode="auto">
+          <a:xfrm>
+            <a:off x="3719725" y="3788198"/>
+            <a:ext cx="3037524" cy="301983"/>
+          </a:xfrm>
+          <a:prstGeom prst="borderCallout1">
+            <a:avLst>
+              <a:gd name="adj1" fmla="val 75137"/>
+              <a:gd name="adj2" fmla="val -11547"/>
+              <a:gd name="adj3" fmla="val 21065"/>
+              <a:gd name="adj4" fmla="val 73"/>
+            </a:avLst>
+          </a:prstGeom>
+          <a:solidFill>
+            <a:schemeClr val="bg1"/>
+          </a:solidFill>
+          <a:ln w="12700">
+            <a:solidFill>
+              <a:srgbClr val="FF0000"/>
+            </a:solidFill>
+          </a:ln>
+          <a:effectLst/>
+        </p:spPr>
+        <p:txBody>
+          <a:bodyPr rot="0" spcFirstLastPara="0" vertOverflow="overflow" horzOverflow="overflow" vert="horz" wrap="none" lIns="72000" tIns="72000" rIns="72000" bIns="72000" numCol="1" spcCol="0" rtlCol="0" fromWordArt="0" anchor="ctr" anchorCtr="0" forceAA="0" compatLnSpc="1">
+            <a:prstTxWarp prst="textNoShape">
+              <a:avLst/>
+            </a:prstTxWarp>
+            <a:noAutofit/>
+          </a:bodyPr>
+          <a:lstStyle/>
+          <a:p>
+            <a:r>
+              <a:rPr lang="en-US" altLang="ja-JP" sz="1400" smtClean="0"/>
+              <a:t>yum_package_install_check.yml</a:t>
+            </a:r>
+            <a:endParaRPr lang="ja-JP" altLang="en-US" sz="1400"/>
+          </a:p>
+        </p:txBody>
+      </p:sp>
+      <p:sp>
+        <p:nvSpPr>
+          <p:cNvPr id="7" name="フローチャート: 代替処理 6"/>
+          <p:cNvSpPr/>
+          <p:nvPr/>
+        </p:nvSpPr>
+        <p:spPr bwMode="auto">
+          <a:xfrm>
+            <a:off x="3739054" y="3553297"/>
+            <a:ext cx="1452209" cy="234901"/>
+          </a:xfrm>
+          <a:prstGeom prst="flowChartAlternateProcess">
+            <a:avLst/>
+          </a:prstGeom>
+          <a:solidFill>
+            <a:schemeClr val="bg1"/>
+          </a:solidFill>
+          <a:ln w="12700">
+            <a:solidFill>
+              <a:schemeClr val="tx1"/>
+            </a:solidFill>
+          </a:ln>
+          <a:effectLst/>
+        </p:spPr>
+        <p:txBody>
+          <a:bodyPr rot="0" spcFirstLastPara="0" vertOverflow="overflow" horzOverflow="overflow" vert="horz" wrap="none" lIns="72000" tIns="72000" rIns="72000" bIns="72000" numCol="1" spcCol="0" rtlCol="0" fromWordArt="0" anchor="ctr" anchorCtr="0" forceAA="0" compatLnSpc="1">
+            <a:prstTxWarp prst="textNoShape">
+              <a:avLst/>
+            </a:prstTxWarp>
+            <a:noAutofit/>
+          </a:bodyPr>
+          <a:lstStyle/>
+          <a:p>
+            <a:pPr algn="ctr"/>
+            <a:r>
+              <a:rPr kumimoji="1" lang="ja-JP" altLang="en-US" sz="1400" b="1" smtClean="0">
+                <a:latin typeface="+mn-ea"/>
+              </a:rPr>
+              <a:t>ファイル名</a:t>
+            </a:r>
+            <a:endParaRPr kumimoji="1" lang="ja-JP" altLang="en-US" sz="1400" b="1" dirty="0" smtClean="0">
+              <a:latin typeface="+mn-ea"/>
+            </a:endParaRPr>
+          </a:p>
+        </p:txBody>
+      </p:sp>
+      <p:sp>
+        <p:nvSpPr>
+          <p:cNvPr id="24" name="右矢印 23"/>
           <p:cNvSpPr/>
           <p:nvPr/>
         </p:nvSpPr>
         <p:spPr>
           <a:xfrm>
-            <a:off x="3896833" y="5071256"/>
-            <a:ext cx="1276470" cy="480804"/>
+            <a:off x="3739054" y="5995412"/>
+            <a:ext cx="1664918" cy="333782"/>
           </a:xfrm>
           <a:prstGeom prst="rightArrow">
             <a:avLst/>
@@ -20673,290 +22340,14 @@
       </p:sp>
       <p:sp>
         <p:nvSpPr>
-          <p:cNvPr id="20" name="角丸四角形吹き出し 19"/>
-          <p:cNvSpPr/>
-          <p:nvPr/>
-        </p:nvSpPr>
-        <p:spPr bwMode="auto">
-          <a:xfrm>
-            <a:off x="5804799" y="2420860"/>
-            <a:ext cx="3015791" cy="1155803"/>
-          </a:xfrm>
-          <a:prstGeom prst="wedgeRoundRectCallout">
-            <a:avLst>
-              <a:gd name="adj1" fmla="val -149821"/>
-              <a:gd name="adj2" fmla="val 73613"/>
-              <a:gd name="adj3" fmla="val 16667"/>
-            </a:avLst>
-          </a:prstGeom>
-          <a:solidFill>
-            <a:schemeClr val="bg1"/>
-          </a:solidFill>
-          <a:ln w="12700">
-            <a:solidFill>
-              <a:srgbClr val="FF0000"/>
-            </a:solidFill>
-          </a:ln>
-          <a:effectLst/>
-        </p:spPr>
-        <p:txBody>
-          <a:bodyPr rot="0" spcFirstLastPara="0" vertOverflow="overflow" horzOverflow="overflow" vert="horz" wrap="none" lIns="72000" tIns="72000" rIns="72000" bIns="72000" numCol="1" spcCol="0" rtlCol="0" fromWordArt="0" anchor="b" anchorCtr="0" forceAA="0" compatLnSpc="1">
-            <a:prstTxWarp prst="textNoShape">
-              <a:avLst/>
-            </a:prstTxWarp>
-            <a:noAutofit/>
-          </a:bodyPr>
-          <a:lstStyle/>
-          <a:p>
-            <a:pPr algn="ctr"/>
-            <a:r>
-              <a:rPr lang="ja-JP" altLang="en-US" sz="1400" dirty="0" smtClean="0">
-                <a:latin typeface="+mn-ea"/>
-              </a:rPr>
-              <a:t>中身は</a:t>
-            </a:r>
-            <a:r>
-              <a:rPr lang="ja-JP" altLang="en-US" sz="1400" dirty="0" smtClean="0">
-                <a:latin typeface="+mn-ea"/>
-                <a:hlinkClick r:id="rId5" action="ppaction://hlinksldjump"/>
-              </a:rPr>
-              <a:t>こちら</a:t>
-            </a:r>
-            <a:r>
-              <a:rPr lang="ja-JP" altLang="en-US" sz="1400" dirty="0" smtClean="0">
-                <a:latin typeface="+mn-ea"/>
-              </a:rPr>
-              <a:t>のページを参照。</a:t>
-            </a:r>
-            <a:endParaRPr lang="en-US" altLang="ja-JP" sz="1400" dirty="0">
-              <a:latin typeface="+mn-ea"/>
-            </a:endParaRPr>
-          </a:p>
-        </p:txBody>
-      </p:sp>
-      <p:graphicFrame>
-        <p:nvGraphicFramePr>
-          <p:cNvPr id="21" name="表 20"/>
-          <p:cNvGraphicFramePr>
-            <a:graphicFrameLocks noGrp="1"/>
-          </p:cNvGraphicFramePr>
-          <p:nvPr>
-            <p:extLst>
-              <p:ext uri="{D42A27DB-BD31-4B8C-83A1-F6EECF244321}">
-                <p14:modId xmlns:p14="http://schemas.microsoft.com/office/powerpoint/2010/main" val="3379414299"/>
-              </p:ext>
-            </p:extLst>
-          </p:nvPr>
-        </p:nvGraphicFramePr>
-        <p:xfrm>
-          <a:off x="5948610" y="2578447"/>
-          <a:ext cx="2639085" cy="548640"/>
-        </p:xfrm>
-        <a:graphic>
-          <a:graphicData uri="http://schemas.openxmlformats.org/drawingml/2006/table">
-            <a:tbl>
-              <a:tblPr firstRow="1" bandRow="1">
-                <a:tableStyleId>{5C22544A-7EE6-4342-B048-85BDC9FD1C3A}</a:tableStyleId>
-              </a:tblPr>
-              <a:tblGrid>
-                <a:gridCol w="2639085">
-                  <a:extLst>
-                    <a:ext uri="{9D8B030D-6E8A-4147-A177-3AD203B41FA5}">
-                      <a16:colId xmlns:a16="http://schemas.microsoft.com/office/drawing/2014/main" val="2883640048"/>
-                    </a:ext>
-                  </a:extLst>
-                </a:gridCol>
-              </a:tblGrid>
-              <a:tr h="210497">
-                <a:tc>
-                  <a:txBody>
-                    <a:bodyPr/>
-                    <a:lstStyle/>
-                    <a:p>
-                      <a:pPr algn="ctr"/>
-                      <a:r>
-                        <a:rPr kumimoji="1" lang="ja-JP" altLang="en-US" sz="1200" dirty="0" smtClean="0">
-                          <a:solidFill>
-                            <a:schemeClr val="bg1"/>
-                          </a:solidFill>
-                          <a:latin typeface="+mn-lt"/>
-                        </a:rPr>
-                        <a:t>リポジトリ名</a:t>
-                      </a:r>
-                    </a:p>
-                  </a:txBody>
-                  <a:tcPr>
-                    <a:lnL w="12700" cap="flat" cmpd="sng" algn="ctr">
-                      <a:solidFill>
-                        <a:schemeClr val="bg1">
-                          <a:lumMod val="85000"/>
-                        </a:schemeClr>
-                      </a:solidFill>
-                      <a:prstDash val="solid"/>
-                      <a:round/>
-                      <a:headEnd type="none" w="med" len="med"/>
-                      <a:tailEnd type="none" w="med" len="med"/>
-                    </a:lnL>
-                    <a:lnR w="12700" cap="flat" cmpd="sng" algn="ctr">
-                      <a:solidFill>
-                        <a:schemeClr val="bg1">
-                          <a:lumMod val="85000"/>
-                        </a:schemeClr>
-                      </a:solidFill>
-                      <a:prstDash val="solid"/>
-                      <a:round/>
-                      <a:headEnd type="none" w="med" len="med"/>
-                      <a:tailEnd type="none" w="med" len="med"/>
-                    </a:lnR>
-                    <a:lnT w="12700" cap="flat" cmpd="sng" algn="ctr">
-                      <a:solidFill>
-                        <a:schemeClr val="bg1">
-                          <a:lumMod val="85000"/>
-                        </a:schemeClr>
-                      </a:solidFill>
-                      <a:prstDash val="solid"/>
-                      <a:round/>
-                      <a:headEnd type="none" w="med" len="med"/>
-                      <a:tailEnd type="none" w="med" len="med"/>
-                    </a:lnT>
-                    <a:lnB w="12700" cap="flat" cmpd="sng" algn="ctr">
-                      <a:solidFill>
-                        <a:schemeClr val="bg1">
-                          <a:lumMod val="85000"/>
-                        </a:schemeClr>
-                      </a:solidFill>
-                      <a:prstDash val="solid"/>
-                      <a:round/>
-                      <a:headEnd type="none" w="med" len="med"/>
-                      <a:tailEnd type="none" w="med" len="med"/>
-                    </a:lnB>
-                    <a:lnTlToBr w="12700" cmpd="sng">
-                      <a:noFill/>
-                      <a:prstDash val="solid"/>
-                    </a:lnTlToBr>
-                    <a:lnBlToTr w="12700" cmpd="sng">
-                      <a:noFill/>
-                      <a:prstDash val="solid"/>
-                    </a:lnBlToTr>
-                    <a:solidFill>
-                      <a:schemeClr val="accent6"/>
-                    </a:solidFill>
-                  </a:tcPr>
-                </a:tc>
-                <a:extLst>
-                  <a:ext uri="{0D108BD9-81ED-4DB2-BD59-A6C34878D82A}">
-                    <a16:rowId xmlns:a16="http://schemas.microsoft.com/office/drawing/2014/main" val="2458714703"/>
-                  </a:ext>
-                </a:extLst>
-              </a:tr>
-              <a:tr h="210497">
-                <a:tc>
-                  <a:txBody>
-                    <a:bodyPr/>
-                    <a:lstStyle/>
-                    <a:p>
-                      <a:pPr marL="0" marR="0" lvl="0" indent="0" algn="ctr" defTabSz="914400" rtl="0" eaLnBrk="1" fontAlgn="auto" latinLnBrk="0" hangingPunct="1">
-                        <a:lnSpc>
-                          <a:spcPct val="100000"/>
-                        </a:lnSpc>
-                        <a:spcBef>
-                          <a:spcPts val="0"/>
-                        </a:spcBef>
-                        <a:spcAft>
-                          <a:spcPts val="0"/>
-                        </a:spcAft>
-                        <a:buClrTx/>
-                        <a:buSzTx/>
-                        <a:buFontTx/>
-                        <a:buNone/>
-                        <a:tabLst/>
-                        <a:defRPr/>
-                      </a:pPr>
-                      <a:r>
-                        <a:rPr lang="en-US" altLang="ja-JP" sz="1200" dirty="0" err="1" smtClean="0"/>
-                        <a:t>yum_package_install_check.yml</a:t>
-                      </a:r>
-                      <a:endParaRPr kumimoji="1" lang="ja-JP" altLang="en-US" sz="1200" dirty="0" smtClean="0"/>
-                    </a:p>
-                  </a:txBody>
-                  <a:tcPr>
-                    <a:lnL w="12700" cap="flat" cmpd="sng" algn="ctr">
-                      <a:solidFill>
-                        <a:schemeClr val="bg1">
-                          <a:lumMod val="85000"/>
-                        </a:schemeClr>
-                      </a:solidFill>
-                      <a:prstDash val="solid"/>
-                      <a:round/>
-                      <a:headEnd type="none" w="med" len="med"/>
-                      <a:tailEnd type="none" w="med" len="med"/>
-                    </a:lnL>
-                    <a:lnR w="12700" cap="flat" cmpd="sng" algn="ctr">
-                      <a:solidFill>
-                        <a:schemeClr val="bg1">
-                          <a:lumMod val="85000"/>
-                        </a:schemeClr>
-                      </a:solidFill>
-                      <a:prstDash val="solid"/>
-                      <a:round/>
-                      <a:headEnd type="none" w="med" len="med"/>
-                      <a:tailEnd type="none" w="med" len="med"/>
-                    </a:lnR>
-                    <a:lnT w="12700" cap="flat" cmpd="sng" algn="ctr">
-                      <a:solidFill>
-                        <a:schemeClr val="bg1">
-                          <a:lumMod val="85000"/>
-                        </a:schemeClr>
-                      </a:solidFill>
-                      <a:prstDash val="solid"/>
-                      <a:round/>
-                      <a:headEnd type="none" w="med" len="med"/>
-                      <a:tailEnd type="none" w="med" len="med"/>
-                    </a:lnT>
-                    <a:lnB w="12700" cap="flat" cmpd="sng" algn="ctr">
-                      <a:solidFill>
-                        <a:schemeClr val="bg1">
-                          <a:lumMod val="85000"/>
-                        </a:schemeClr>
-                      </a:solidFill>
-                      <a:prstDash val="solid"/>
-                      <a:round/>
-                      <a:headEnd type="none" w="med" len="med"/>
-                      <a:tailEnd type="none" w="med" len="med"/>
-                    </a:lnB>
-                    <a:lnTlToBr w="12700" cmpd="sng">
-                      <a:noFill/>
-                      <a:prstDash val="solid"/>
-                    </a:lnTlToBr>
-                    <a:lnBlToTr w="12700" cmpd="sng">
-                      <a:noFill/>
-                      <a:prstDash val="solid"/>
-                    </a:lnBlToTr>
-                    <a:solidFill>
-                      <a:schemeClr val="bg1"/>
-                    </a:solidFill>
-                  </a:tcPr>
-                </a:tc>
-                <a:extLst>
-                  <a:ext uri="{0D108BD9-81ED-4DB2-BD59-A6C34878D82A}">
-                    <a16:rowId xmlns:a16="http://schemas.microsoft.com/office/drawing/2014/main" val="4029950975"/>
-                  </a:ext>
-                </a:extLst>
-              </a:tr>
-            </a:tbl>
-          </a:graphicData>
-        </a:graphic>
-      </p:graphicFrame>
-      <p:sp>
-        <p:nvSpPr>
           <p:cNvPr id="3" name="テキスト ボックス 2"/>
           <p:cNvSpPr txBox="1"/>
           <p:nvPr/>
         </p:nvSpPr>
         <p:spPr>
           <a:xfrm>
-            <a:off x="3717113" y="4732702"/>
-            <a:ext cx="1708800" cy="338554"/>
+            <a:off x="3889732" y="5743741"/>
+            <a:ext cx="1267353" cy="276999"/>
           </a:xfrm>
           <a:prstGeom prst="rect">
             <a:avLst/>
@@ -20970,10 +22361,10 @@
           <a:lstStyle/>
           <a:p>
             <a:r>
-              <a:rPr kumimoji="1" lang="ja-JP" altLang="en-US" sz="1600" dirty="0" smtClean="0"/>
-              <a:t>下へスクロール</a:t>
-            </a:r>
-            <a:endParaRPr kumimoji="1" lang="ja-JP" altLang="en-US" sz="1600" dirty="0"/>
+              <a:rPr kumimoji="1" lang="ja-JP" altLang="en-US" sz="1200" smtClean="0"/>
+              <a:t>下にスクロール</a:t>
+            </a:r>
+            <a:endParaRPr kumimoji="1" lang="ja-JP" altLang="en-US" sz="1200"/>
           </a:p>
         </p:txBody>
       </p:sp>

--- a/asset/Learn_ja/ITA-CICD_for_IaC_practice_ja.pptx
+++ b/asset/Learn_ja/ITA-CICD_for_IaC_practice_ja.pptx
@@ -322,7 +322,7 @@
               <a:rPr kumimoji="1" lang="ja-JP" altLang="en-US" smtClean="0">
                 <a:ea typeface="メイリオ" panose="020B0604030504040204" pitchFamily="50" charset="-128"/>
               </a:rPr>
-              <a:t>2022/5/26</a:t>
+              <a:t>2022/1/18</a:t>
             </a:fld>
             <a:endParaRPr kumimoji="1" lang="ja-JP" altLang="en-US" dirty="0">
               <a:ea typeface="メイリオ" panose="020B0604030504040204" pitchFamily="50" charset="-128"/>
@@ -468,7 +468,7 @@
             <a:fld id="{4B26993D-C081-44EB-B0F5-A9F467792B62}" type="datetimeFigureOut">
               <a:rPr lang="ja-JP" altLang="en-US" smtClean="0"/>
               <a:pPr/>
-              <a:t>2022/5/26</a:t>
+              <a:t>2022/1/18</a:t>
             </a:fld>
             <a:endParaRPr lang="ja-JP" altLang="en-US" dirty="0"/>
           </a:p>
@@ -678,394 +678,6 @@
     </a:lvl9pPr>
   </p:notesStyle>
 </p:notesMaster>
-</file>
-
-<file path=ppt/notesSlides/notesSlide1.xml><?xml version="1.0" encoding="utf-8"?>
-<p:notes xmlns:a="http://schemas.openxmlformats.org/drawingml/2006/main" xmlns:r="http://schemas.openxmlformats.org/officeDocument/2006/relationships" xmlns:p="http://schemas.openxmlformats.org/presentationml/2006/main">
-  <p:cSld>
-    <p:spTree>
-      <p:nvGrpSpPr>
-        <p:cNvPr id="1" name=""/>
-        <p:cNvGrpSpPr/>
-        <p:nvPr/>
-      </p:nvGrpSpPr>
-      <p:grpSpPr>
-        <a:xfrm>
-          <a:off x="0" y="0"/>
-          <a:ext cx="0" cy="0"/>
-          <a:chOff x="0" y="0"/>
-          <a:chExt cx="0" cy="0"/>
-        </a:xfrm>
-      </p:grpSpPr>
-      <p:sp>
-        <p:nvSpPr>
-          <p:cNvPr id="2" name="スライド イメージ プレースホルダー 1"/>
-          <p:cNvSpPr>
-            <a:spLocks noGrp="1" noRot="1" noChangeAspect="1"/>
-          </p:cNvSpPr>
-          <p:nvPr>
-            <p:ph type="sldImg"/>
-          </p:nvPr>
-        </p:nvSpPr>
-        <p:spPr>
-          <a:xfrm>
-            <a:off x="920750" y="431800"/>
-            <a:ext cx="4965700" cy="3725863"/>
-          </a:xfrm>
-        </p:spPr>
-      </p:sp>
-      <p:sp>
-        <p:nvSpPr>
-          <p:cNvPr id="3" name="ノート プレースホルダー 2"/>
-          <p:cNvSpPr>
-            <a:spLocks noGrp="1"/>
-          </p:cNvSpPr>
-          <p:nvPr>
-            <p:ph type="body" idx="1"/>
-          </p:nvPr>
-        </p:nvSpPr>
-        <p:spPr/>
-        <p:txBody>
-          <a:bodyPr/>
-          <a:lstStyle/>
-          <a:p>
-            <a:pPr marL="0" marR="0" lvl="0" indent="0" algn="l" defTabSz="914400" rtl="0" eaLnBrk="1" fontAlgn="auto" latinLnBrk="0" hangingPunct="1">
-              <a:lnSpc>
-                <a:spcPct val="100000"/>
-              </a:lnSpc>
-              <a:spcBef>
-                <a:spcPts val="0"/>
-              </a:spcBef>
-              <a:spcAft>
-                <a:spcPts val="0"/>
-              </a:spcAft>
-              <a:buClrTx/>
-              <a:buSzTx/>
-              <a:buFontTx/>
-              <a:buNone/>
-              <a:tabLst/>
-              <a:defRPr/>
-            </a:pPr>
-            <a:r>
-              <a:rPr lang="en-US" altLang="ja-JP" smtClean="0"/>
-              <a:t>GitHub</a:t>
-            </a:r>
-            <a:r>
-              <a:rPr lang="ja-JP" altLang="en-US" smtClean="0"/>
-              <a:t>のアカウントをご用意ください。</a:t>
-            </a:r>
-            <a:endParaRPr lang="en-US" altLang="ja-JP" smtClean="0"/>
-          </a:p>
-          <a:p>
-            <a:endParaRPr kumimoji="1" lang="ja-JP" altLang="en-US"/>
-          </a:p>
-        </p:txBody>
-      </p:sp>
-      <p:sp>
-        <p:nvSpPr>
-          <p:cNvPr id="4" name="スライド番号プレースホルダー 3"/>
-          <p:cNvSpPr>
-            <a:spLocks noGrp="1"/>
-          </p:cNvSpPr>
-          <p:nvPr>
-            <p:ph type="sldNum" sz="quarter" idx="10"/>
-          </p:nvPr>
-        </p:nvSpPr>
-        <p:spPr/>
-        <p:txBody>
-          <a:bodyPr/>
-          <a:lstStyle/>
-          <a:p>
-            <a:fld id="{CFBBA293-708C-4261-9FD1-AE04041D5F79}" type="slidenum">
-              <a:rPr lang="ja-JP" altLang="en-US" smtClean="0"/>
-              <a:pPr/>
-              <a:t>5</a:t>
-            </a:fld>
-            <a:endParaRPr lang="ja-JP" altLang="en-US" dirty="0"/>
-          </a:p>
-        </p:txBody>
-      </p:sp>
-    </p:spTree>
-    <p:extLst>
-      <p:ext uri="{BB962C8B-B14F-4D97-AF65-F5344CB8AC3E}">
-        <p14:creationId xmlns:p14="http://schemas.microsoft.com/office/powerpoint/2010/main" val="140247859"/>
-      </p:ext>
-    </p:extLst>
-  </p:cSld>
-  <p:clrMapOvr>
-    <a:masterClrMapping/>
-  </p:clrMapOvr>
-</p:notes>
-</file>
-
-<file path=ppt/notesSlides/notesSlide2.xml><?xml version="1.0" encoding="utf-8"?>
-<p:notes xmlns:a="http://schemas.openxmlformats.org/drawingml/2006/main" xmlns:r="http://schemas.openxmlformats.org/officeDocument/2006/relationships" xmlns:p="http://schemas.openxmlformats.org/presentationml/2006/main">
-  <p:cSld>
-    <p:spTree>
-      <p:nvGrpSpPr>
-        <p:cNvPr id="1" name=""/>
-        <p:cNvGrpSpPr/>
-        <p:nvPr/>
-      </p:nvGrpSpPr>
-      <p:grpSpPr>
-        <a:xfrm>
-          <a:off x="0" y="0"/>
-          <a:ext cx="0" cy="0"/>
-          <a:chOff x="0" y="0"/>
-          <a:chExt cx="0" cy="0"/>
-        </a:xfrm>
-      </p:grpSpPr>
-      <p:sp>
-        <p:nvSpPr>
-          <p:cNvPr id="2" name="スライド イメージ プレースホルダー 1"/>
-          <p:cNvSpPr>
-            <a:spLocks noGrp="1" noRot="1" noChangeAspect="1"/>
-          </p:cNvSpPr>
-          <p:nvPr>
-            <p:ph type="sldImg"/>
-          </p:nvPr>
-        </p:nvSpPr>
-        <p:spPr>
-          <a:xfrm>
-            <a:off x="920750" y="431800"/>
-            <a:ext cx="4965700" cy="3725863"/>
-          </a:xfrm>
-        </p:spPr>
-      </p:sp>
-      <p:sp>
-        <p:nvSpPr>
-          <p:cNvPr id="3" name="ノート プレースホルダー 2"/>
-          <p:cNvSpPr>
-            <a:spLocks noGrp="1"/>
-          </p:cNvSpPr>
-          <p:nvPr>
-            <p:ph type="body" idx="1"/>
-          </p:nvPr>
-        </p:nvSpPr>
-        <p:spPr/>
-        <p:txBody>
-          <a:bodyPr/>
-          <a:lstStyle/>
-          <a:p>
-            <a:endParaRPr kumimoji="1" lang="ja-JP" altLang="en-US"/>
-          </a:p>
-        </p:txBody>
-      </p:sp>
-      <p:sp>
-        <p:nvSpPr>
-          <p:cNvPr id="4" name="スライド番号プレースホルダー 3"/>
-          <p:cNvSpPr>
-            <a:spLocks noGrp="1"/>
-          </p:cNvSpPr>
-          <p:nvPr>
-            <p:ph type="sldNum" sz="quarter" idx="10"/>
-          </p:nvPr>
-        </p:nvSpPr>
-        <p:spPr/>
-        <p:txBody>
-          <a:bodyPr/>
-          <a:lstStyle/>
-          <a:p>
-            <a:fld id="{CFBBA293-708C-4261-9FD1-AE04041D5F79}" type="slidenum">
-              <a:rPr lang="ja-JP" altLang="en-US" smtClean="0"/>
-              <a:pPr/>
-              <a:t>6</a:t>
-            </a:fld>
-            <a:endParaRPr lang="ja-JP" altLang="en-US" dirty="0"/>
-          </a:p>
-        </p:txBody>
-      </p:sp>
-    </p:spTree>
-    <p:extLst>
-      <p:ext uri="{BB962C8B-B14F-4D97-AF65-F5344CB8AC3E}">
-        <p14:creationId xmlns:p14="http://schemas.microsoft.com/office/powerpoint/2010/main" val="2296531209"/>
-      </p:ext>
-    </p:extLst>
-  </p:cSld>
-  <p:clrMapOvr>
-    <a:masterClrMapping/>
-  </p:clrMapOvr>
-</p:notes>
-</file>
-
-<file path=ppt/notesSlides/notesSlide3.xml><?xml version="1.0" encoding="utf-8"?>
-<p:notes xmlns:a="http://schemas.openxmlformats.org/drawingml/2006/main" xmlns:r="http://schemas.openxmlformats.org/officeDocument/2006/relationships" xmlns:p="http://schemas.openxmlformats.org/presentationml/2006/main">
-  <p:cSld>
-    <p:spTree>
-      <p:nvGrpSpPr>
-        <p:cNvPr id="1" name=""/>
-        <p:cNvGrpSpPr/>
-        <p:nvPr/>
-      </p:nvGrpSpPr>
-      <p:grpSpPr>
-        <a:xfrm>
-          <a:off x="0" y="0"/>
-          <a:ext cx="0" cy="0"/>
-          <a:chOff x="0" y="0"/>
-          <a:chExt cx="0" cy="0"/>
-        </a:xfrm>
-      </p:grpSpPr>
-      <p:sp>
-        <p:nvSpPr>
-          <p:cNvPr id="2" name="スライド イメージ プレースホルダー 1"/>
-          <p:cNvSpPr>
-            <a:spLocks noGrp="1" noRot="1" noChangeAspect="1"/>
-          </p:cNvSpPr>
-          <p:nvPr>
-            <p:ph type="sldImg"/>
-          </p:nvPr>
-        </p:nvSpPr>
-        <p:spPr>
-          <a:xfrm>
-            <a:off x="920750" y="431800"/>
-            <a:ext cx="4965700" cy="3725863"/>
-          </a:xfrm>
-        </p:spPr>
-      </p:sp>
-      <p:sp>
-        <p:nvSpPr>
-          <p:cNvPr id="3" name="ノート プレースホルダー 2"/>
-          <p:cNvSpPr>
-            <a:spLocks noGrp="1"/>
-          </p:cNvSpPr>
-          <p:nvPr>
-            <p:ph type="body" idx="1"/>
-          </p:nvPr>
-        </p:nvSpPr>
-        <p:spPr/>
-        <p:txBody>
-          <a:bodyPr/>
-          <a:lstStyle/>
-          <a:p>
-            <a:endParaRPr kumimoji="1" lang="ja-JP" altLang="en-US"/>
-          </a:p>
-        </p:txBody>
-      </p:sp>
-      <p:sp>
-        <p:nvSpPr>
-          <p:cNvPr id="4" name="スライド番号プレースホルダー 3"/>
-          <p:cNvSpPr>
-            <a:spLocks noGrp="1"/>
-          </p:cNvSpPr>
-          <p:nvPr>
-            <p:ph type="sldNum" sz="quarter" idx="10"/>
-          </p:nvPr>
-        </p:nvSpPr>
-        <p:spPr/>
-        <p:txBody>
-          <a:bodyPr/>
-          <a:lstStyle/>
-          <a:p>
-            <a:fld id="{CFBBA293-708C-4261-9FD1-AE04041D5F79}" type="slidenum">
-              <a:rPr lang="ja-JP" altLang="en-US" smtClean="0"/>
-              <a:pPr/>
-              <a:t>7</a:t>
-            </a:fld>
-            <a:endParaRPr lang="ja-JP" altLang="en-US" dirty="0"/>
-          </a:p>
-        </p:txBody>
-      </p:sp>
-    </p:spTree>
-    <p:extLst>
-      <p:ext uri="{BB962C8B-B14F-4D97-AF65-F5344CB8AC3E}">
-        <p14:creationId xmlns:p14="http://schemas.microsoft.com/office/powerpoint/2010/main" val="2302933190"/>
-      </p:ext>
-    </p:extLst>
-  </p:cSld>
-  <p:clrMapOvr>
-    <a:masterClrMapping/>
-  </p:clrMapOvr>
-</p:notes>
-</file>
-
-<file path=ppt/notesSlides/notesSlide4.xml><?xml version="1.0" encoding="utf-8"?>
-<p:notes xmlns:a="http://schemas.openxmlformats.org/drawingml/2006/main" xmlns:r="http://schemas.openxmlformats.org/officeDocument/2006/relationships" xmlns:p="http://schemas.openxmlformats.org/presentationml/2006/main">
-  <p:cSld>
-    <p:spTree>
-      <p:nvGrpSpPr>
-        <p:cNvPr id="1" name=""/>
-        <p:cNvGrpSpPr/>
-        <p:nvPr/>
-      </p:nvGrpSpPr>
-      <p:grpSpPr>
-        <a:xfrm>
-          <a:off x="0" y="0"/>
-          <a:ext cx="0" cy="0"/>
-          <a:chOff x="0" y="0"/>
-          <a:chExt cx="0" cy="0"/>
-        </a:xfrm>
-      </p:grpSpPr>
-      <p:sp>
-        <p:nvSpPr>
-          <p:cNvPr id="2" name="スライド イメージ プレースホルダー 1"/>
-          <p:cNvSpPr>
-            <a:spLocks noGrp="1" noRot="1" noChangeAspect="1"/>
-          </p:cNvSpPr>
-          <p:nvPr>
-            <p:ph type="sldImg"/>
-          </p:nvPr>
-        </p:nvSpPr>
-        <p:spPr>
-          <a:xfrm>
-            <a:off x="920750" y="431800"/>
-            <a:ext cx="4965700" cy="3725863"/>
-          </a:xfrm>
-        </p:spPr>
-      </p:sp>
-      <p:sp>
-        <p:nvSpPr>
-          <p:cNvPr id="3" name="ノート プレースホルダー 2"/>
-          <p:cNvSpPr>
-            <a:spLocks noGrp="1"/>
-          </p:cNvSpPr>
-          <p:nvPr>
-            <p:ph type="body" idx="1"/>
-          </p:nvPr>
-        </p:nvSpPr>
-        <p:spPr/>
-        <p:txBody>
-          <a:bodyPr/>
-          <a:lstStyle/>
-          <a:p>
-            <a:endParaRPr kumimoji="1" lang="ja-JP" altLang="en-US"/>
-          </a:p>
-        </p:txBody>
-      </p:sp>
-      <p:sp>
-        <p:nvSpPr>
-          <p:cNvPr id="4" name="スライド番号プレースホルダー 3"/>
-          <p:cNvSpPr>
-            <a:spLocks noGrp="1"/>
-          </p:cNvSpPr>
-          <p:nvPr>
-            <p:ph type="sldNum" sz="quarter" idx="10"/>
-          </p:nvPr>
-        </p:nvSpPr>
-        <p:spPr/>
-        <p:txBody>
-          <a:bodyPr/>
-          <a:lstStyle/>
-          <a:p>
-            <a:fld id="{CFBBA293-708C-4261-9FD1-AE04041D5F79}" type="slidenum">
-              <a:rPr lang="ja-JP" altLang="en-US" smtClean="0"/>
-              <a:pPr/>
-              <a:t>9</a:t>
-            </a:fld>
-            <a:endParaRPr lang="ja-JP" altLang="en-US" dirty="0"/>
-          </a:p>
-        </p:txBody>
-      </p:sp>
-    </p:spTree>
-    <p:extLst>
-      <p:ext uri="{BB962C8B-B14F-4D97-AF65-F5344CB8AC3E}">
-        <p14:creationId xmlns:p14="http://schemas.microsoft.com/office/powerpoint/2010/main" val="4242966656"/>
-      </p:ext>
-    </p:extLst>
-  </p:cSld>
-  <p:clrMapOvr>
-    <a:masterClrMapping/>
-  </p:clrMapOvr>
-</p:notes>
 </file>
 
 <file path=ppt/slideLayouts/slideLayout1.xml><?xml version="1.0" encoding="utf-8"?>
@@ -1460,7 +1072,7 @@
           <a:p>
             <a:fld id="{56F9016B-CCA6-43BE-8BEE-59565A35F4F7}" type="datetimeFigureOut">
               <a:rPr kumimoji="1" lang="ja-JP" altLang="en-US" smtClean="0"/>
-              <a:t>2022/5/26</a:t>
+              <a:t>2022/1/18</a:t>
             </a:fld>
             <a:endParaRPr kumimoji="1" lang="ja-JP" altLang="en-US"/>
           </a:p>
@@ -1660,7 +1272,7 @@
           <a:p>
             <a:fld id="{56F9016B-CCA6-43BE-8BEE-59565A35F4F7}" type="datetimeFigureOut">
               <a:rPr kumimoji="1" lang="ja-JP" altLang="en-US" smtClean="0"/>
-              <a:t>2022/5/26</a:t>
+              <a:t>2022/1/18</a:t>
             </a:fld>
             <a:endParaRPr kumimoji="1" lang="ja-JP" altLang="en-US"/>
           </a:p>
@@ -1905,7 +1517,7 @@
           <a:p>
             <a:fld id="{56F9016B-CCA6-43BE-8BEE-59565A35F4F7}" type="datetimeFigureOut">
               <a:rPr kumimoji="1" lang="ja-JP" altLang="en-US" smtClean="0"/>
-              <a:t>2022/5/26</a:t>
+              <a:t>2022/1/18</a:t>
             </a:fld>
             <a:endParaRPr kumimoji="1" lang="ja-JP" altLang="en-US"/>
           </a:p>
@@ -2198,7 +1810,7 @@
           <a:p>
             <a:fld id="{56F9016B-CCA6-43BE-8BEE-59565A35F4F7}" type="datetimeFigureOut">
               <a:rPr kumimoji="1" lang="ja-JP" altLang="en-US" smtClean="0"/>
-              <a:t>2022/5/26</a:t>
+              <a:t>2022/1/18</a:t>
             </a:fld>
             <a:endParaRPr kumimoji="1" lang="ja-JP" altLang="en-US"/>
           </a:p>
@@ -2626,7 +2238,7 @@
           <a:p>
             <a:fld id="{56F9016B-CCA6-43BE-8BEE-59565A35F4F7}" type="datetimeFigureOut">
               <a:rPr kumimoji="1" lang="ja-JP" altLang="en-US" smtClean="0"/>
-              <a:t>2022/5/26</a:t>
+              <a:t>2022/1/18</a:t>
             </a:fld>
             <a:endParaRPr kumimoji="1" lang="ja-JP" altLang="en-US"/>
           </a:p>
@@ -2743,7 +2355,7 @@
           <a:p>
             <a:fld id="{56F9016B-CCA6-43BE-8BEE-59565A35F4F7}" type="datetimeFigureOut">
               <a:rPr kumimoji="1" lang="ja-JP" altLang="en-US" smtClean="0"/>
-              <a:t>2022/5/26</a:t>
+              <a:t>2022/1/18</a:t>
             </a:fld>
             <a:endParaRPr kumimoji="1" lang="ja-JP" altLang="en-US"/>
           </a:p>
@@ -2838,7 +2450,7 @@
           <a:p>
             <a:fld id="{56F9016B-CCA6-43BE-8BEE-59565A35F4F7}" type="datetimeFigureOut">
               <a:rPr kumimoji="1" lang="ja-JP" altLang="en-US" smtClean="0"/>
-              <a:t>2022/5/26</a:t>
+              <a:t>2022/1/18</a:t>
             </a:fld>
             <a:endParaRPr kumimoji="1" lang="ja-JP" altLang="en-US"/>
           </a:p>
@@ -3145,7 +2757,7 @@
           <a:p>
             <a:fld id="{56F9016B-CCA6-43BE-8BEE-59565A35F4F7}" type="datetimeFigureOut">
               <a:rPr kumimoji="1" lang="ja-JP" altLang="en-US" smtClean="0"/>
-              <a:t>2022/5/26</a:t>
+              <a:t>2022/1/18</a:t>
             </a:fld>
             <a:endParaRPr kumimoji="1" lang="ja-JP" altLang="en-US"/>
           </a:p>
@@ -3397,7 +3009,7 @@
           <a:p>
             <a:fld id="{56F9016B-CCA6-43BE-8BEE-59565A35F4F7}" type="datetimeFigureOut">
               <a:rPr kumimoji="1" lang="ja-JP" altLang="en-US" smtClean="0"/>
-              <a:t>2022/5/26</a:t>
+              <a:t>2022/1/18</a:t>
             </a:fld>
             <a:endParaRPr kumimoji="1" lang="ja-JP" altLang="en-US"/>
           </a:p>
@@ -3664,7 +3276,7 @@
           <a:p>
             <a:fld id="{56F9016B-CCA6-43BE-8BEE-59565A35F4F7}" type="datetimeFigureOut">
               <a:rPr kumimoji="1" lang="ja-JP" altLang="en-US" smtClean="0"/>
-              <a:t>2022/5/26</a:t>
+              <a:t>2022/1/18</a:t>
             </a:fld>
             <a:endParaRPr kumimoji="1" lang="ja-JP" altLang="en-US"/>
           </a:p>
@@ -3874,7 +3486,7 @@
           <a:p>
             <a:fld id="{56F9016B-CCA6-43BE-8BEE-59565A35F4F7}" type="datetimeFigureOut">
               <a:rPr kumimoji="1" lang="ja-JP" altLang="en-US" smtClean="0"/>
-              <a:t>2022/5/26</a:t>
+              <a:t>2022/1/18</a:t>
             </a:fld>
             <a:endParaRPr kumimoji="1" lang="ja-JP" altLang="en-US"/>
           </a:p>
@@ -6866,7 +6478,7 @@
           <a:p>
             <a:fld id="{56F9016B-CCA6-43BE-8BEE-59565A35F4F7}" type="datetimeFigureOut">
               <a:rPr kumimoji="1" lang="ja-JP" altLang="en-US" smtClean="0"/>
-              <a:t>2022/5/26</a:t>
+              <a:t>2022/1/18</a:t>
             </a:fld>
             <a:endParaRPr kumimoji="1" lang="ja-JP" altLang="en-US"/>
           </a:p>
@@ -7297,15 +6909,11 @@
             </a:r>
             <a:r>
               <a:rPr lang="en-US" altLang="ja-JP" dirty="0"/>
-              <a:t> IT Automation </a:t>
-            </a:r>
-            <a:r>
-              <a:rPr lang="en-US" altLang="ja-JP"/>
-              <a:t>Version </a:t>
-            </a:r>
-            <a:r>
-              <a:rPr lang="en-US" altLang="ja-JP" smtClean="0"/>
-              <a:t>1.10</a:t>
+              <a:t> IT Automation Version </a:t>
+            </a:r>
+            <a:r>
+              <a:rPr lang="en-US" altLang="ja-JP" dirty="0" smtClean="0"/>
+              <a:t>1.9</a:t>
             </a:r>
             <a:endParaRPr lang="en-US" altLang="ja-JP" dirty="0"/>
           </a:p>
@@ -7961,7 +7569,7 @@
         </p:blipFill>
         <p:spPr>
           <a:xfrm>
-            <a:off x="296569" y="2066622"/>
+            <a:off x="296569" y="2030163"/>
             <a:ext cx="8549887" cy="3384330"/>
           </a:xfrm>
           <a:prstGeom prst="rect">
@@ -7992,27 +7600,27 @@
           <a:lstStyle/>
           <a:p>
             <a:r>
-              <a:rPr lang="ja-JP" altLang="en-US" b="1" dirty="0"/>
+              <a:rPr lang="ja-JP" altLang="en-US" sz="1600" b="1" dirty="0"/>
               <a:t>連携</a:t>
             </a:r>
             <a:r>
-              <a:rPr lang="ja-JP" altLang="en-US" b="1" dirty="0" smtClean="0"/>
+              <a:rPr lang="ja-JP" altLang="en-US" sz="1600" b="1" dirty="0" smtClean="0"/>
               <a:t>する</a:t>
             </a:r>
             <a:r>
-              <a:rPr lang="en-US" altLang="ja-JP" b="1" dirty="0" err="1" smtClean="0"/>
+              <a:rPr lang="en-US" altLang="ja-JP" sz="1600" b="1" dirty="0" err="1" smtClean="0"/>
               <a:t>Git</a:t>
             </a:r>
             <a:r>
-              <a:rPr lang="ja-JP" altLang="en-US" b="1" dirty="0" smtClean="0"/>
+              <a:rPr lang="ja-JP" altLang="en-US" sz="1600" b="1" dirty="0" smtClean="0"/>
               <a:t>リポジトリ</a:t>
             </a:r>
             <a:r>
-              <a:rPr lang="ja-JP" altLang="en-US" b="1" dirty="0"/>
+              <a:rPr lang="ja-JP" altLang="en-US" sz="1600" b="1" dirty="0"/>
               <a:t>の</a:t>
             </a:r>
             <a:r>
-              <a:rPr lang="ja-JP" altLang="en-US" b="1" dirty="0" smtClean="0"/>
+              <a:rPr lang="ja-JP" altLang="en-US" sz="1600" b="1" dirty="0" smtClean="0"/>
               <a:t>情報を登録</a:t>
             </a:r>
             <a:endParaRPr lang="en-US" altLang="ja-JP" b="1" dirty="0"/>
@@ -8055,26 +7663,11 @@
             </a:r>
             <a:r>
               <a:rPr lang="ja-JP" altLang="en-US" dirty="0" smtClean="0"/>
-              <a:t>」メニュー→「リモートリポジトリ」</a:t>
-            </a:r>
-            <a:r>
-              <a:rPr lang="ja-JP" altLang="en-US" smtClean="0"/>
-              <a:t>をクリックし、</a:t>
-            </a:r>
-            <a:r>
-              <a:rPr lang="en-US" altLang="ja-JP" smtClean="0"/>
-              <a:t/>
-            </a:r>
-            <a:br>
-              <a:rPr lang="en-US" altLang="ja-JP" smtClean="0"/>
-            </a:br>
-            <a:r>
-              <a:rPr lang="ja-JP" altLang="en-US" smtClean="0"/>
-              <a:t>各項目</a:t>
+              <a:t>」メニュー→「リモートリポジトリ」を</a:t>
             </a:r>
             <a:r>
               <a:rPr lang="ja-JP" altLang="en-US" dirty="0"/>
-              <a:t>へ下表のように</a:t>
+              <a:t>クリック、各項目へ下表のように</a:t>
             </a:r>
             <a:r>
               <a:rPr lang="ja-JP" altLang="en-US" dirty="0" smtClean="0"/>
@@ -8127,8 +7720,8 @@
         </p:nvSpPr>
         <p:spPr bwMode="auto">
           <a:xfrm>
-            <a:off x="267707" y="5450952"/>
-            <a:ext cx="8695806" cy="1074478"/>
+            <a:off x="179513" y="5414493"/>
+            <a:ext cx="8784000" cy="1074478"/>
           </a:xfrm>
           <a:prstGeom prst="wedgeRoundRectCallout">
             <a:avLst>
@@ -8171,7 +7764,7 @@
         </p:nvSpPr>
         <p:spPr bwMode="auto">
           <a:xfrm>
-            <a:off x="267707" y="2999846"/>
+            <a:off x="267707" y="2963387"/>
             <a:ext cx="1062708" cy="288040"/>
           </a:xfrm>
           <a:prstGeom prst="roundRect">
@@ -8215,7 +7808,7 @@
         </p:nvSpPr>
         <p:spPr bwMode="auto">
           <a:xfrm>
-            <a:off x="1546444" y="3791956"/>
+            <a:off x="1546444" y="3755497"/>
             <a:ext cx="7201000" cy="1008140"/>
           </a:xfrm>
           <a:prstGeom prst="roundRect">
@@ -8259,7 +7852,7 @@
         </p:nvSpPr>
         <p:spPr bwMode="auto">
           <a:xfrm>
-            <a:off x="2771750" y="4977669"/>
+            <a:off x="2771750" y="4941210"/>
             <a:ext cx="1296180" cy="344383"/>
           </a:xfrm>
           <a:prstGeom prst="roundRect">
@@ -8304,13 +7897,13 @@
           <p:nvPr>
             <p:extLst>
               <p:ext uri="{D42A27DB-BD31-4B8C-83A1-F6EECF244321}">
-                <p14:modId xmlns:p14="http://schemas.microsoft.com/office/powerpoint/2010/main" val="55598824"/>
+                <p14:modId xmlns:p14="http://schemas.microsoft.com/office/powerpoint/2010/main" val="3988829153"/>
               </p:ext>
             </p:extLst>
           </p:nvPr>
         </p:nvGraphicFramePr>
         <p:xfrm>
-          <a:off x="375073" y="5551134"/>
+          <a:off x="375073" y="5514675"/>
           <a:ext cx="8493660" cy="914400"/>
         </p:xfrm>
         <a:graphic>
@@ -9318,34 +8911,34 @@
           <a:lstStyle/>
           <a:p>
             <a:r>
-              <a:rPr lang="ja-JP" altLang="en-US" b="1" dirty="0" smtClean="0"/>
+              <a:rPr lang="ja-JP" altLang="en-US" sz="1600" b="1" dirty="0" smtClean="0"/>
               <a:t>紐付先</a:t>
             </a:r>
             <a:r>
-              <a:rPr lang="ja-JP" altLang="en-US" b="1" dirty="0"/>
+              <a:rPr lang="ja-JP" altLang="en-US" sz="1600" b="1" dirty="0"/>
               <a:t>資材にアクセス</a:t>
             </a:r>
             <a:r>
-              <a:rPr lang="ja-JP" altLang="en-US" b="1" dirty="0" smtClean="0"/>
+              <a:rPr lang="ja-JP" altLang="en-US" sz="1600" b="1" dirty="0" smtClean="0"/>
               <a:t>するた</a:t>
             </a:r>
             <a:r>
-              <a:rPr lang="ja-JP" altLang="en-US" b="1" dirty="0"/>
+              <a:rPr lang="ja-JP" altLang="en-US" sz="1600" b="1" dirty="0"/>
               <a:t>め</a:t>
             </a:r>
             <a:r>
-              <a:rPr lang="ja-JP" altLang="en-US" b="1" dirty="0" smtClean="0"/>
+              <a:rPr lang="ja-JP" altLang="en-US" sz="1600" b="1" dirty="0" smtClean="0"/>
               <a:t>の</a:t>
             </a:r>
             <a:r>
-              <a:rPr lang="ja-JP" altLang="en-US" b="1" dirty="0"/>
+              <a:rPr lang="ja-JP" altLang="en-US" sz="1600" b="1" dirty="0"/>
               <a:t>アカウント</a:t>
             </a:r>
             <a:r>
-              <a:rPr lang="ja-JP" altLang="en-US" b="1" dirty="0" smtClean="0"/>
+              <a:rPr lang="ja-JP" altLang="en-US" sz="1600" b="1" dirty="0" smtClean="0"/>
               <a:t>情報の登録</a:t>
             </a:r>
-            <a:endParaRPr lang="en-US" altLang="ja-JP" b="1" dirty="0" smtClean="0"/>
+            <a:endParaRPr lang="en-US" altLang="ja-JP" sz="1600" b="1" dirty="0" smtClean="0"/>
           </a:p>
           <a:p>
             <a:pPr lvl="1"/>
@@ -9377,16 +8970,14 @@
             </a:r>
             <a:r>
               <a:rPr lang="ja-JP" altLang="en-US" dirty="0" smtClean="0"/>
-              <a:t>を使用</a:t>
-            </a:r>
-            <a:r>
-              <a:rPr lang="ja-JP" altLang="en-US" smtClean="0"/>
-              <a:t>します</a:t>
-            </a:r>
-            <a:r>
-              <a:rPr lang="ja-JP" altLang="en-US" smtClean="0"/>
-              <a:t>。</a:t>
-            </a:r>
+              <a:t>を使用します。</a:t>
+            </a:r>
+            <a:endParaRPr lang="en-US" altLang="ja-JP" dirty="0" smtClean="0"/>
+          </a:p>
+          <a:p>
+            <a:pPr marL="180000" lvl="1" indent="0">
+              <a:buNone/>
+            </a:pPr>
             <a:r>
               <a:rPr kumimoji="1" lang="ja-JP" altLang="en-US" dirty="0"/>
               <a:t>　</a:t>
@@ -9495,8 +9086,8 @@
         </p:nvSpPr>
         <p:spPr bwMode="auto">
           <a:xfrm>
-            <a:off x="4703513" y="5412989"/>
-            <a:ext cx="3528490" cy="720101"/>
+            <a:off x="4595498" y="5314749"/>
+            <a:ext cx="3744520" cy="916582"/>
           </a:xfrm>
           <a:prstGeom prst="wedgeRoundRectCallout">
             <a:avLst>
@@ -10134,43 +9725,20 @@
           <a:lstStyle/>
           <a:p>
             <a:r>
-              <a:rPr lang="ja-JP" altLang="en-US" b="1" dirty="0"/>
+              <a:rPr lang="ja-JP" altLang="en-US" sz="1600" b="1" dirty="0"/>
               <a:t>紐付元資材と紐付先資材の紐付を</a:t>
             </a:r>
             <a:r>
-              <a:rPr lang="ja-JP" altLang="en-US" b="1" dirty="0" smtClean="0"/>
+              <a:rPr lang="ja-JP" altLang="en-US" sz="1600" b="1" dirty="0" smtClean="0"/>
               <a:t>登録</a:t>
             </a:r>
-            <a:endParaRPr lang="en-US" altLang="ja-JP" b="1" dirty="0" smtClean="0"/>
+            <a:endParaRPr lang="en-US" altLang="ja-JP" sz="1600" b="1" dirty="0" smtClean="0"/>
           </a:p>
           <a:p>
             <a:pPr lvl="1"/>
             <a:r>
               <a:rPr lang="ja-JP" altLang="en-US" dirty="0"/>
-              <a:t>紐付元資材と紐付先資材を紐付</a:t>
-            </a:r>
-            <a:r>
-              <a:rPr lang="ja-JP" altLang="en-US"/>
-              <a:t>し</a:t>
-            </a:r>
-            <a:r>
-              <a:rPr lang="ja-JP" altLang="en-US" smtClean="0"/>
-              <a:t>、</a:t>
-            </a:r>
-            <a:r>
-              <a:rPr lang="en-US" altLang="ja-JP" smtClean="0"/>
-              <a:t/>
-            </a:r>
-            <a:br>
-              <a:rPr lang="en-US" altLang="ja-JP" smtClean="0"/>
-            </a:br>
-            <a:r>
-              <a:rPr lang="ja-JP" altLang="en-US" smtClean="0"/>
-              <a:t>紐付先</a:t>
-            </a:r>
-            <a:r>
-              <a:rPr lang="ja-JP" altLang="en-US" dirty="0"/>
-              <a:t>資材の動作検証を</a:t>
+              <a:t>紐付元資材と紐付先資材を紐付し、紐付先資材の動作検証を</a:t>
             </a:r>
             <a:r>
               <a:rPr lang="ja-JP" altLang="en-US" dirty="0" smtClean="0"/>
@@ -10202,26 +9770,11 @@
             </a:r>
             <a:r>
               <a:rPr lang="ja-JP" altLang="en-US" dirty="0"/>
-              <a:t>録します</a:t>
-            </a:r>
-            <a:r>
-              <a:rPr lang="ja-JP" altLang="en-US"/>
-              <a:t>。 </a:t>
-            </a:r>
-            <a:r>
-              <a:rPr lang="en-US" altLang="ja-JP" smtClean="0"/>
-              <a:t/>
-            </a:r>
-            <a:br>
-              <a:rPr lang="en-US" altLang="ja-JP" smtClean="0"/>
-            </a:br>
-            <a:r>
-              <a:rPr lang="ja-JP" altLang="en-US" smtClean="0"/>
-              <a:t>「</a:t>
+              <a:t>録します。 </a:t>
             </a:r>
             <a:r>
               <a:rPr lang="ja-JP" altLang="en-US" dirty="0" smtClean="0"/>
-              <a:t>資材紐付」をクリック、</a:t>
+              <a:t>「資材紐付」をクリック、</a:t>
             </a:r>
             <a:r>
               <a:rPr lang="ja-JP" altLang="en-US" dirty="0"/>
@@ -10467,7 +10020,7 @@
           <p:nvPr>
             <p:extLst>
               <p:ext uri="{D42A27DB-BD31-4B8C-83A1-F6EECF244321}">
-                <p14:modId xmlns:p14="http://schemas.microsoft.com/office/powerpoint/2010/main" val="961512427"/>
+                <p14:modId xmlns:p14="http://schemas.microsoft.com/office/powerpoint/2010/main" val="3223844229"/>
               </p:ext>
             </p:extLst>
           </p:nvPr>
@@ -10483,42 +10036,42 @@
                 <a:tableStyleId>{5C22544A-7EE6-4342-B048-85BDC9FD1C3A}</a:tableStyleId>
               </a:tblPr>
               <a:tblGrid>
-                <a:gridCol w="1277232">
+                <a:gridCol w="1415610">
                   <a:extLst>
                     <a:ext uri="{9D8B030D-6E8A-4147-A177-3AD203B41FA5}">
                       <a16:colId xmlns:a16="http://schemas.microsoft.com/office/drawing/2014/main" val="2883640048"/>
                     </a:ext>
                   </a:extLst>
                 </a:gridCol>
-                <a:gridCol w="1512210">
+                <a:gridCol w="1415610">
                   <a:extLst>
                     <a:ext uri="{9D8B030D-6E8A-4147-A177-3AD203B41FA5}">
                       <a16:colId xmlns:a16="http://schemas.microsoft.com/office/drawing/2014/main" val="3367581533"/>
                     </a:ext>
                   </a:extLst>
                 </a:gridCol>
-                <a:gridCol w="1800250">
+                <a:gridCol w="1415610">
                   <a:extLst>
                     <a:ext uri="{9D8B030D-6E8A-4147-A177-3AD203B41FA5}">
                       <a16:colId xmlns:a16="http://schemas.microsoft.com/office/drawing/2014/main" val="2176785870"/>
                     </a:ext>
                   </a:extLst>
                 </a:gridCol>
-                <a:gridCol w="1440200">
+                <a:gridCol w="1415610">
                   <a:extLst>
                     <a:ext uri="{9D8B030D-6E8A-4147-A177-3AD203B41FA5}">
                       <a16:colId xmlns:a16="http://schemas.microsoft.com/office/drawing/2014/main" val="2382542244"/>
                     </a:ext>
                   </a:extLst>
                 </a:gridCol>
-                <a:gridCol w="1512210">
+                <a:gridCol w="1415610">
                   <a:extLst>
                     <a:ext uri="{9D8B030D-6E8A-4147-A177-3AD203B41FA5}">
                       <a16:colId xmlns:a16="http://schemas.microsoft.com/office/drawing/2014/main" val="1601658823"/>
                     </a:ext>
                   </a:extLst>
                 </a:gridCol>
-                <a:gridCol w="951558">
+                <a:gridCol w="1415610">
                   <a:extLst>
                     <a:ext uri="{9D8B030D-6E8A-4147-A177-3AD203B41FA5}">
                       <a16:colId xmlns:a16="http://schemas.microsoft.com/office/drawing/2014/main" val="213318818"/>
@@ -11113,39 +10666,13 @@
                         <a:defRPr/>
                       </a:pPr>
                       <a:r>
-                        <a:rPr kumimoji="1" lang="en-US" altLang="ja-JP" sz="1200" b="0" smtClean="0">
-                          <a:solidFill>
-                            <a:schemeClr val="tx1"/>
-                          </a:solidFill>
-                          <a:latin typeface="+mn-lt"/>
-                        </a:rPr>
-                        <a:t>yum_package</a:t>
-                      </a:r>
-                      <a:br>
-                        <a:rPr kumimoji="1" lang="en-US" altLang="ja-JP" sz="1200" b="0" smtClean="0">
-                          <a:solidFill>
-                            <a:schemeClr val="tx1"/>
-                          </a:solidFill>
-                          <a:latin typeface="+mn-lt"/>
-                        </a:rPr>
-                      </a:br>
-                      <a:r>
-                        <a:rPr kumimoji="1" lang="en-US" altLang="ja-JP" sz="1200" b="0" smtClean="0">
-                          <a:solidFill>
-                            <a:schemeClr val="tx1"/>
-                          </a:solidFill>
-                          <a:latin typeface="+mn-lt"/>
-                        </a:rPr>
-                        <a:t>_</a:t>
-                      </a:r>
-                      <a:r>
                         <a:rPr kumimoji="1" lang="en-US" altLang="ja-JP" sz="1200" b="0" dirty="0" err="1" smtClean="0">
                           <a:solidFill>
                             <a:schemeClr val="tx1"/>
                           </a:solidFill>
                           <a:latin typeface="+mn-lt"/>
                         </a:rPr>
-                        <a:t>install</a:t>
+                        <a:t>yum_package_install</a:t>
                       </a:r>
                       <a:endParaRPr kumimoji="1" lang="en-US" altLang="ja-JP" sz="1200" b="0" dirty="0" smtClean="0">
                         <a:solidFill>
@@ -11229,49 +10756,13 @@
                     <a:p>
                       <a:pPr algn="ctr"/>
                       <a:r>
-                        <a:rPr kumimoji="1" lang="en-US" altLang="ja-JP" sz="1200" b="0" smtClean="0">
+                        <a:rPr kumimoji="1" lang="en-US" altLang="ja-JP" sz="1200" b="0" dirty="0" err="1" smtClean="0">
                           <a:solidFill>
                             <a:schemeClr val="tx1"/>
                           </a:solidFill>
                           <a:latin typeface="+mn-lt"/>
                         </a:rPr>
-                        <a:t>(</a:t>
-                      </a:r>
-                      <a:r>
-                        <a:rPr kumimoji="1" lang="ja-JP" altLang="en-US" sz="1200" b="0" smtClean="0">
-                          <a:solidFill>
-                            <a:schemeClr val="tx1"/>
-                          </a:solidFill>
-                          <a:latin typeface="+mn-lt"/>
-                        </a:rPr>
-                        <a:t>作成した</a:t>
-                      </a:r>
-                      <a:endParaRPr kumimoji="1" lang="en-US" altLang="ja-JP" sz="1200" b="0" smtClean="0">
-                        <a:solidFill>
-                          <a:schemeClr val="tx1"/>
-                        </a:solidFill>
-                        <a:latin typeface="+mn-lt"/>
-                      </a:endParaRPr>
-                    </a:p>
-                    <a:p>
-                      <a:pPr algn="ctr"/>
-                      <a:r>
-                        <a:rPr kumimoji="1" lang="ja-JP" altLang="en-US" sz="1200" b="0" smtClean="0">
-                          <a:solidFill>
-                            <a:schemeClr val="tx1"/>
-                          </a:solidFill>
-                          <a:latin typeface="+mn-lt"/>
-                        </a:rPr>
-                        <a:t>リポジトリの名前</a:t>
-                      </a:r>
-                      <a:r>
-                        <a:rPr kumimoji="1" lang="en-US" altLang="ja-JP" sz="1200" b="0" smtClean="0">
-                          <a:solidFill>
-                            <a:schemeClr val="tx1"/>
-                          </a:solidFill>
-                          <a:latin typeface="+mn-lt"/>
-                        </a:rPr>
-                        <a:t>)</a:t>
+                        <a:t>ita_cicd_test</a:t>
                       </a:r>
                       <a:endParaRPr kumimoji="1" lang="ja-JP" altLang="en-US" sz="1200" b="0" dirty="0" smtClean="0">
                         <a:solidFill>
@@ -11449,19 +10940,25 @@
                     <a:p>
                       <a:pPr algn="ctr"/>
                       <a:r>
-                        <a:rPr kumimoji="1" lang="en-US" altLang="ja-JP" sz="1200" b="0" smtClean="0">
+                        <a:rPr kumimoji="1" lang="en-US" altLang="ja-JP" sz="1200" b="0" dirty="0" err="1" smtClean="0">
                           <a:solidFill>
                             <a:schemeClr val="tx1"/>
                           </a:solidFill>
                           <a:latin typeface="+mn-lt"/>
                         </a:rPr>
-                        <a:t>Ansible-Legacy</a:t>
+                        <a:t>Ansible</a:t>
                       </a:r>
-                    </a:p>
-                    <a:p>
-                      <a:pPr algn="ctr"/>
                       <a:r>
-                        <a:rPr kumimoji="1" lang="ja-JP" altLang="en-US" sz="1200" b="0" smtClean="0">
+                        <a:rPr kumimoji="1" lang="en-US" altLang="ja-JP" sz="1200" b="0" dirty="0" smtClean="0">
+                          <a:solidFill>
+                            <a:schemeClr val="tx1"/>
+                          </a:solidFill>
+                          <a:latin typeface="+mn-lt"/>
+                        </a:rPr>
+                        <a:t>-Legacy</a:t>
+                      </a:r>
+                      <a:r>
+                        <a:rPr kumimoji="1" lang="ja-JP" altLang="en-US" sz="1200" b="0" dirty="0" smtClean="0">
                           <a:solidFill>
                             <a:schemeClr val="tx1"/>
                           </a:solidFill>
@@ -11790,71 +11287,44 @@
           <a:lstStyle/>
           <a:p>
             <a:r>
-              <a:rPr lang="ja-JP" altLang="en-US" b="1" dirty="0"/>
+              <a:rPr lang="ja-JP" altLang="en-US" sz="1600" b="1" dirty="0"/>
               <a:t>オペレーション</a:t>
             </a:r>
             <a:r>
-              <a:rPr lang="ja-JP" altLang="en-US" b="1" smtClean="0"/>
+              <a:rPr lang="ja-JP" altLang="en-US" sz="1600" b="1" dirty="0" smtClean="0"/>
               <a:t>と</a:t>
             </a:r>
             <a:r>
-              <a:rPr lang="en-US" altLang="ja-JP" b="1" smtClean="0"/>
+              <a:rPr lang="en-US" altLang="ja-JP" sz="1600" b="1" dirty="0" smtClean="0"/>
               <a:t>Movement</a:t>
             </a:r>
             <a:r>
-              <a:rPr lang="ja-JP" altLang="en-US" b="1" smtClean="0"/>
-              <a:t>の登録</a:t>
-            </a:r>
-            <a:r>
-              <a:rPr lang="ja-JP" altLang="en-US" b="1" dirty="0" smtClean="0"/>
-              <a:t>、ドライランの選択</a:t>
-            </a:r>
-            <a:endParaRPr lang="en-US" altLang="ja-JP" b="1" dirty="0"/>
+              <a:rPr lang="ja-JP" altLang="en-US" sz="1600" b="1" dirty="0"/>
+              <a:t>を</a:t>
+            </a:r>
+            <a:r>
+              <a:rPr lang="ja-JP" altLang="en-US" sz="1600" b="1" dirty="0" smtClean="0"/>
+              <a:t>登録、ドライランの選択</a:t>
+            </a:r>
+            <a:endParaRPr lang="en-US" altLang="ja-JP" sz="1200" b="1" dirty="0"/>
           </a:p>
           <a:p>
             <a:pPr lvl="1"/>
             <a:r>
-              <a:rPr lang="ja-JP" altLang="en-US"/>
+              <a:rPr lang="ja-JP" altLang="en-US" dirty="0"/>
               <a:t>前</a:t>
             </a:r>
             <a:r>
-              <a:rPr lang="ja-JP" altLang="en-US" smtClean="0"/>
-              <a:t>スライドの</a:t>
-            </a:r>
-            <a:r>
               <a:rPr lang="ja-JP" altLang="en-US" dirty="0" smtClean="0"/>
-              <a:t>入力が完了したら右へ</a:t>
-            </a:r>
-            <a:r>
-              <a:rPr lang="ja-JP" altLang="en-US" smtClean="0"/>
-              <a:t>スクロールし、項目</a:t>
+              <a:t>頁の入力が完了したら右へスクロールし項目</a:t>
             </a:r>
             <a:r>
               <a:rPr lang="ja-JP" altLang="en-US" dirty="0"/>
-              <a:t>へ</a:t>
-            </a:r>
-            <a:r>
-              <a:rPr lang="ja-JP" altLang="en-US"/>
-              <a:t>下表</a:t>
-            </a:r>
-            <a:r>
-              <a:rPr lang="ja-JP" altLang="en-US" smtClean="0"/>
-              <a:t>の通り入力してください。</a:t>
-            </a:r>
-            <a:r>
-              <a:rPr lang="en-US" altLang="ja-JP" smtClean="0"/>
-              <a:t/>
-            </a:r>
-            <a:br>
-              <a:rPr lang="en-US" altLang="ja-JP" smtClean="0"/>
-            </a:br>
-            <a:r>
-              <a:rPr lang="ja-JP" altLang="en-US" smtClean="0"/>
-              <a:t>入力後、「</a:t>
+              <a:t>へ下表のように入力</a:t>
             </a:r>
             <a:r>
               <a:rPr lang="ja-JP" altLang="en-US" dirty="0" smtClean="0"/>
-              <a:t>登録」をクリックして下さい</a:t>
+              <a:t>し、「登録」をクリックして下さい</a:t>
             </a:r>
             <a:r>
               <a:rPr lang="ja-JP" altLang="en-US" sz="1200" dirty="0" smtClean="0"/>
@@ -12708,36 +12178,16 @@
           <a:lstStyle/>
           <a:p>
             <a:r>
-              <a:rPr lang="ja-JP" altLang="en-US" b="1" dirty="0" smtClean="0"/>
+              <a:rPr lang="ja-JP" altLang="en-US" sz="1600" b="1" dirty="0" smtClean="0"/>
               <a:t>ドライランが実行されているか確認</a:t>
             </a:r>
-            <a:endParaRPr lang="en-US" altLang="ja-JP" b="1" dirty="0" smtClean="0"/>
+            <a:endParaRPr lang="en-US" altLang="ja-JP" sz="1600" b="1" dirty="0" smtClean="0"/>
           </a:p>
           <a:p>
             <a:pPr lvl="1"/>
             <a:r>
               <a:rPr lang="ja-JP" altLang="en-US" dirty="0"/>
-              <a:t>資材紐付の登録が完了すると</a:t>
-            </a:r>
-            <a:r>
-              <a:rPr lang="ja-JP" altLang="en-US"/>
-              <a:t>自動的</a:t>
-            </a:r>
-            <a:r>
-              <a:rPr lang="ja-JP" altLang="en-US" smtClean="0"/>
-              <a:t>に</a:t>
-            </a:r>
-            <a:r>
-              <a:rPr lang="en-US" altLang="ja-JP" smtClean="0"/>
-              <a:t>Movement</a:t>
-            </a:r>
-            <a:r>
-              <a:rPr lang="ja-JP" altLang="en-US" smtClean="0"/>
-              <a:t>のドライラン</a:t>
-            </a:r>
-            <a:r>
-              <a:rPr lang="ja-JP" altLang="en-US" dirty="0"/>
-              <a:t>が実行されます。</a:t>
+              <a:t>資材紐付の登録が完了すると自動的にドライランが実行されます。</a:t>
             </a:r>
             <a:endParaRPr lang="en-US" altLang="ja-JP" dirty="0"/>
           </a:p>
@@ -12759,53 +12209,25 @@
             </a:r>
             <a:r>
               <a:rPr lang="ja-JP" altLang="en-US" dirty="0" smtClean="0"/>
-              <a:t>」メニュー→「作業</a:t>
-            </a:r>
-            <a:r>
-              <a:rPr lang="ja-JP" altLang="en-US" smtClean="0"/>
-              <a:t>管理」メニューに移動したのち、</a:t>
-            </a:r>
-            <a:r>
-              <a:rPr lang="en-US" altLang="ja-JP" smtClean="0"/>
-              <a:t/>
-            </a:r>
-            <a:br>
-              <a:rPr lang="en-US" altLang="ja-JP" smtClean="0"/>
-            </a:br>
-            <a:r>
-              <a:rPr lang="ja-JP" altLang="en-US" smtClean="0"/>
-              <a:t>「</a:t>
+              <a:t>」メニュー→「作業管理」を</a:t>
+            </a:r>
+            <a:r>
+              <a:rPr lang="ja-JP" altLang="en-US" dirty="0"/>
+              <a:t>クリック</a:t>
             </a:r>
             <a:r>
               <a:rPr lang="ja-JP" altLang="en-US" dirty="0" smtClean="0"/>
-              <a:t>フィルタ」をクリック</a:t>
-            </a:r>
-            <a:r>
-              <a:rPr lang="ja-JP" altLang="en-US" smtClean="0"/>
-              <a:t>すると実行</a:t>
-            </a:r>
+              <a:t>、「フィルタ」をクリックすると</a:t>
+            </a:r>
+            <a:endParaRPr lang="en-US" altLang="ja-JP" dirty="0" smtClean="0"/>
+          </a:p>
+          <a:p>
+            <a:pPr marL="180000" lvl="1" indent="0">
+              <a:buNone/>
+            </a:pPr>
             <a:r>
               <a:rPr lang="ja-JP" altLang="en-US" dirty="0" smtClean="0"/>
-              <a:t>された作業の一覧が表示</a:t>
-            </a:r>
-            <a:r>
-              <a:rPr lang="ja-JP" altLang="en-US" smtClean="0"/>
-              <a:t>されます。</a:t>
-            </a:r>
-            <a:r>
-              <a:rPr lang="en-US" altLang="ja-JP" smtClean="0"/>
-              <a:t/>
-            </a:r>
-            <a:br>
-              <a:rPr lang="en-US" altLang="ja-JP" smtClean="0"/>
-            </a:br>
-            <a:r>
-              <a:rPr lang="ja-JP" altLang="en-US" smtClean="0"/>
-              <a:t>対象</a:t>
-            </a:r>
-            <a:r>
-              <a:rPr lang="ja-JP" altLang="en-US" dirty="0" smtClean="0"/>
-              <a:t>の作業の「作業状況確認」をクリックしエラーの確認を行います。</a:t>
+              <a:t>実行された作業の一覧が表示されます。対象の作業の「作業状況確認」をクリックしエラーの確認を行います。</a:t>
             </a:r>
             <a:endParaRPr lang="en-US" altLang="ja-JP" dirty="0"/>
           </a:p>
@@ -13043,7 +12465,7 @@
           <a:lstStyle/>
           <a:p>
             <a:r>
-              <a:rPr lang="ja-JP" altLang="en-US" b="1" dirty="0" smtClean="0"/>
+              <a:rPr lang="ja-JP" altLang="en-US" sz="1600" b="1" dirty="0" smtClean="0"/>
               <a:t>ドライランが実行されているか確認</a:t>
             </a:r>
             <a:endParaRPr lang="en-US" altLang="ja-JP" dirty="0" smtClean="0"/>
@@ -13068,38 +12490,7 @@
             </a:r>
             <a:r>
               <a:rPr lang="ja-JP" altLang="en-US" dirty="0" smtClean="0"/>
-              <a:t>でエラーを確認することが</a:t>
-            </a:r>
-            <a:r>
-              <a:rPr lang="ja-JP" altLang="en-US" smtClean="0"/>
-              <a:t>できます。</a:t>
-            </a:r>
-            <a:r>
-              <a:rPr lang="en-US" altLang="ja-JP" smtClean="0"/>
-              <a:t/>
-            </a:r>
-            <a:br>
-              <a:rPr lang="en-US" altLang="ja-JP" smtClean="0"/>
-            </a:br>
-            <a:r>
-              <a:rPr lang="ja-JP" altLang="en-US" smtClean="0"/>
-              <a:t>今回は</a:t>
-            </a:r>
-            <a:r>
-              <a:rPr lang="ja-JP" altLang="en-US" smtClean="0">
-                <a:hlinkClick r:id="rId2" action="ppaction://hlinksldjump"/>
-              </a:rPr>
-              <a:t>体裁に不備のある</a:t>
-            </a:r>
-            <a:r>
-              <a:rPr lang="en-US" altLang="ja-JP" smtClean="0">
-                <a:hlinkClick r:id="rId2" action="ppaction://hlinksldjump"/>
-              </a:rPr>
-              <a:t>Playbook</a:t>
-            </a:r>
-            <a:r>
-              <a:rPr lang="ja-JP" altLang="en-US" smtClean="0"/>
-              <a:t>を実行したために、エラーが発生しているはずです。</a:t>
+              <a:t>でエラーを確認することができます。今回はインデントがずれているものを登録したためエラーが発生してしまいました。</a:t>
             </a:r>
             <a:endParaRPr lang="en-US" altLang="ja-JP" dirty="0" smtClean="0"/>
           </a:p>
@@ -13161,7 +12552,7 @@
           <p:nvPr/>
         </p:nvPicPr>
         <p:blipFill rotWithShape="1">
-          <a:blip r:embed="rId3"/>
+          <a:blip r:embed="rId2"/>
           <a:srcRect r="31272" b="10418"/>
           <a:stretch/>
         </p:blipFill>
@@ -13272,32 +12663,40 @@
           <a:lstStyle/>
           <a:p>
             <a:r>
-              <a:rPr lang="ja-JP" altLang="en-US" b="1" dirty="0" smtClean="0"/>
+              <a:rPr lang="ja-JP" altLang="en-US" sz="1600" b="1" dirty="0" smtClean="0"/>
               <a:t>再度</a:t>
             </a:r>
             <a:r>
-              <a:rPr lang="en-US" altLang="ja-JP" b="1" dirty="0" smtClean="0"/>
+              <a:rPr lang="en-US" altLang="ja-JP" sz="1600" b="1" dirty="0" smtClean="0"/>
               <a:t>GitHub</a:t>
             </a:r>
             <a:r>
-              <a:rPr lang="ja-JP" altLang="en-US" b="1" dirty="0" smtClean="0"/>
+              <a:rPr lang="ja-JP" altLang="en-US" sz="1600" b="1" dirty="0" smtClean="0"/>
               <a:t>にアクセスし</a:t>
             </a:r>
             <a:r>
-              <a:rPr lang="en-US" altLang="ja-JP" b="1" dirty="0" smtClean="0"/>
+              <a:rPr lang="en-US" altLang="ja-JP" sz="1600" b="1" dirty="0" smtClean="0"/>
               <a:t>Playbook</a:t>
             </a:r>
             <a:r>
-              <a:rPr lang="ja-JP" altLang="en-US" b="1" dirty="0" smtClean="0"/>
+              <a:rPr lang="ja-JP" altLang="en-US" sz="1600" b="1" dirty="0" smtClean="0"/>
               <a:t>を修正</a:t>
             </a:r>
-            <a:endParaRPr lang="en-US" altLang="ja-JP" b="1" dirty="0" smtClean="0"/>
+            <a:endParaRPr lang="en-US" altLang="ja-JP" sz="1600" b="1" dirty="0" smtClean="0"/>
           </a:p>
           <a:p>
             <a:pPr lvl="1"/>
             <a:r>
-              <a:rPr lang="ja-JP" altLang="en-US" smtClean="0"/>
-              <a:t>エラーが出た原因を修正します。</a:t>
+              <a:rPr lang="ja-JP" altLang="en-US" dirty="0" smtClean="0"/>
+              <a:t>先ほどエラーが出てしまった箇所の</a:t>
+            </a:r>
+            <a:r>
+              <a:rPr lang="ja-JP" altLang="en-US" dirty="0"/>
+              <a:t>修正</a:t>
+            </a:r>
+            <a:r>
+              <a:rPr lang="ja-JP" altLang="en-US" dirty="0" smtClean="0"/>
+              <a:t>を行っていきます。</a:t>
             </a:r>
             <a:endParaRPr lang="en-US" altLang="ja-JP" dirty="0" smtClean="0"/>
           </a:p>
@@ -13306,65 +12705,28 @@
               <a:buNone/>
             </a:pPr>
             <a:r>
-              <a:rPr kumimoji="1" lang="ja-JP" altLang="en-US" smtClean="0"/>
-              <a:t>　再度</a:t>
-            </a:r>
-            <a:r>
-              <a:rPr kumimoji="1" lang="en-US" altLang="ja-JP" dirty="0" smtClean="0">
-                <a:hlinkClick r:id="rId2"/>
-              </a:rPr>
+              <a:rPr kumimoji="1" lang="ja-JP" altLang="en-US" dirty="0"/>
+              <a:t>　</a:t>
+            </a:r>
+            <a:r>
+              <a:rPr kumimoji="1" lang="ja-JP" altLang="en-US" dirty="0" smtClean="0"/>
+              <a:t>再度</a:t>
+            </a:r>
+            <a:r>
+              <a:rPr kumimoji="1" lang="en-US" altLang="ja-JP" dirty="0" smtClean="0"/>
               <a:t>GitHub</a:t>
             </a:r>
             <a:r>
               <a:rPr kumimoji="1" lang="ja-JP" altLang="en-US" dirty="0" smtClean="0"/>
-              <a:t>に</a:t>
-            </a:r>
-            <a:r>
-              <a:rPr kumimoji="1" lang="ja-JP" altLang="en-US" smtClean="0"/>
-              <a:t>アクセスし当該ファイルの</a:t>
-            </a:r>
-            <a:r>
-              <a:rPr lang="ja-JP" altLang="en-US" smtClean="0"/>
-              <a:t>編集</a:t>
+              <a:t>にアクセスし</a:t>
             </a:r>
             <a:r>
               <a:rPr lang="ja-JP" altLang="en-US" dirty="0" smtClean="0"/>
-              <a:t>アイコン</a:t>
-            </a:r>
-            <a:r>
-              <a:rPr lang="ja-JP" altLang="en-US" smtClean="0"/>
-              <a:t>をクリックして下さい。</a:t>
-            </a:r>
-            <a:r>
-              <a:rPr lang="en-US" altLang="ja-JP" smtClean="0"/>
-              <a:t/>
-            </a:r>
-            <a:br>
-              <a:rPr lang="en-US" altLang="ja-JP" smtClean="0"/>
-            </a:br>
-            <a:r>
-              <a:rPr lang="ja-JP" altLang="en-US" smtClean="0"/>
-              <a:t>　修正</a:t>
-            </a:r>
-            <a:r>
-              <a:rPr lang="ja-JP" altLang="en-US" dirty="0" smtClean="0"/>
-              <a:t>が完了</a:t>
-            </a:r>
-            <a:r>
-              <a:rPr lang="ja-JP" altLang="en-US" smtClean="0"/>
-              <a:t>したら「</a:t>
-            </a:r>
-            <a:r>
-              <a:rPr lang="en-US" altLang="ja-JP" dirty="0"/>
-              <a:t>C</a:t>
-            </a:r>
-            <a:r>
-              <a:rPr lang="en-US" altLang="ja-JP" smtClean="0"/>
-              <a:t>ommit </a:t>
+              <a:t>編集アイコンをクリック、対象箇所の修正が完了したら「</a:t>
             </a:r>
             <a:r>
               <a:rPr lang="en-US" altLang="ja-JP" dirty="0" smtClean="0"/>
-              <a:t>changes</a:t>
+              <a:t>commit changes</a:t>
             </a:r>
             <a:r>
               <a:rPr lang="ja-JP" altLang="en-US" dirty="0" smtClean="0"/>
@@ -13422,7 +12784,7 @@
           <p:nvPr/>
         </p:nvPicPr>
         <p:blipFill rotWithShape="1">
-          <a:blip r:embed="rId3"/>
+          <a:blip r:embed="rId2"/>
           <a:srcRect r="2780"/>
           <a:stretch/>
         </p:blipFill>
@@ -13446,7 +12808,7 @@
         </p:nvGrpSpPr>
         <p:grpSpPr>
           <a:xfrm>
-            <a:off x="335870" y="2073459"/>
+            <a:off x="335870" y="2025077"/>
             <a:ext cx="5072841" cy="2088289"/>
             <a:chOff x="323410" y="2132820"/>
             <a:chExt cx="6618804" cy="2724702"/>
@@ -13461,7 +12823,7 @@
             <p:nvPr/>
           </p:nvPicPr>
           <p:blipFill>
-            <a:blip r:embed="rId4"/>
+            <a:blip r:embed="rId3"/>
             <a:stretch>
               <a:fillRect/>
             </a:stretch>
@@ -13566,14 +12928,14 @@
           <p:nvPr/>
         </p:nvPicPr>
         <p:blipFill>
-          <a:blip r:embed="rId5"/>
+          <a:blip r:embed="rId4"/>
           <a:stretch>
             <a:fillRect/>
           </a:stretch>
         </p:blipFill>
         <p:spPr>
           <a:xfrm>
-            <a:off x="1970115" y="4262188"/>
+            <a:off x="1970115" y="4213806"/>
             <a:ext cx="2513214" cy="2263242"/>
           </a:xfrm>
           <a:prstGeom prst="rect">
@@ -13793,28 +13155,22 @@
           <a:p>
             <a:pPr algn="ctr"/>
             <a:r>
-              <a:rPr lang="ja-JP" altLang="en-US" sz="1400" smtClean="0">
+              <a:rPr lang="ja-JP" altLang="en-US" sz="1400" dirty="0" smtClean="0">
                 <a:latin typeface="+mn-ea"/>
               </a:rPr>
-              <a:t>：と </a:t>
-            </a:r>
-            <a:r>
-              <a:rPr lang="en-US" altLang="ja-JP" sz="1400" smtClean="0">
+              <a:t>：と</a:t>
+            </a:r>
+            <a:r>
+              <a:rPr lang="en-US" altLang="ja-JP" sz="1400" dirty="0" smtClean="0">
                 <a:latin typeface="+mn-ea"/>
               </a:rPr>
               <a:t>y</a:t>
             </a:r>
             <a:r>
-              <a:rPr lang="ja-JP" altLang="en-US" sz="1400" smtClean="0">
-                <a:latin typeface="+mn-ea"/>
-              </a:rPr>
-              <a:t> の</a:t>
-            </a:r>
-            <a:r>
               <a:rPr lang="ja-JP" altLang="en-US" sz="1400" dirty="0" smtClean="0">
                 <a:latin typeface="+mn-ea"/>
               </a:rPr>
-              <a:t>間に半角スペースを入れる</a:t>
+              <a:t>の間に半角スペースを入れる</a:t>
             </a:r>
             <a:endParaRPr lang="en-US" altLang="ja-JP" sz="1400" dirty="0">
               <a:latin typeface="+mn-ea"/>
@@ -13831,7 +13187,7 @@
           <p:nvPr/>
         </p:nvPicPr>
         <p:blipFill rotWithShape="1">
-          <a:blip r:embed="rId6"/>
+          <a:blip r:embed="rId5"/>
           <a:srcRect t="15017" b="59448"/>
           <a:stretch/>
         </p:blipFill>
@@ -13854,7 +13210,7 @@
           <p:nvPr/>
         </p:nvPicPr>
         <p:blipFill rotWithShape="1">
-          <a:blip r:embed="rId7"/>
+          <a:blip r:embed="rId6"/>
           <a:srcRect t="14800" b="58140"/>
           <a:stretch/>
         </p:blipFill>
@@ -13992,32 +13348,32 @@
           <a:lstStyle/>
           <a:p>
             <a:r>
-              <a:rPr lang="ja-JP" altLang="en-US" b="1" dirty="0"/>
+              <a:rPr lang="ja-JP" altLang="en-US" sz="1600" b="1" dirty="0"/>
               <a:t>ドライランが実行されているか</a:t>
             </a:r>
             <a:r>
-              <a:rPr lang="ja-JP" altLang="en-US" b="1" dirty="0" smtClean="0"/>
+              <a:rPr lang="ja-JP" altLang="en-US" sz="1600" b="1" dirty="0" smtClean="0"/>
               <a:t>確認</a:t>
             </a:r>
-            <a:endParaRPr lang="en-US" altLang="ja-JP" b="1" dirty="0" smtClean="0"/>
+            <a:endParaRPr lang="en-US" altLang="ja-JP" sz="1600" b="1" dirty="0" smtClean="0"/>
           </a:p>
           <a:p>
             <a:pPr lvl="1"/>
             <a:r>
-              <a:rPr lang="en-US" altLang="ja-JP" smtClean="0"/>
+              <a:rPr lang="en-US" altLang="ja-JP" dirty="0" smtClean="0"/>
               <a:t>GitHub</a:t>
             </a:r>
             <a:r>
-              <a:rPr lang="ja-JP" altLang="en-US" smtClean="0"/>
-              <a:t>でファイルを更新すると自動的に</a:t>
-            </a:r>
-            <a:r>
-              <a:rPr lang="en-US" altLang="ja-JP" smtClean="0"/>
+              <a:rPr lang="ja-JP" altLang="en-US" dirty="0" smtClean="0"/>
+              <a:t>で更新が完了すると自動的に</a:t>
+            </a:r>
+            <a:r>
+              <a:rPr lang="en-US" altLang="ja-JP" dirty="0" smtClean="0"/>
               <a:t>ITA</a:t>
             </a:r>
             <a:r>
-              <a:rPr lang="ja-JP" altLang="en-US" smtClean="0"/>
-              <a:t>上の</a:t>
+              <a:rPr lang="ja-JP" altLang="en-US" dirty="0" smtClean="0"/>
+              <a:t>の</a:t>
             </a:r>
             <a:r>
               <a:rPr lang="en-US" altLang="ja-JP" dirty="0" smtClean="0"/>
@@ -14025,21 +13381,10 @@
             </a:r>
             <a:r>
               <a:rPr lang="ja-JP" altLang="en-US" dirty="0" smtClean="0"/>
-              <a:t>も更新されドライランが実行</a:t>
-            </a:r>
-            <a:r>
-              <a:rPr lang="ja-JP" altLang="en-US" smtClean="0"/>
-              <a:t>されます。</a:t>
-            </a:r>
-            <a:r>
-              <a:rPr lang="en-US" altLang="ja-JP" smtClean="0"/>
-              <a:t/>
-            </a:r>
-            <a:br>
-              <a:rPr lang="en-US" altLang="ja-JP" smtClean="0"/>
-            </a:br>
-            <a:r>
-              <a:rPr lang="en-US" altLang="ja-JP" smtClean="0"/>
+              <a:t>も更新されドライランが実行されます。</a:t>
+            </a:r>
+            <a:r>
+              <a:rPr lang="en-US" altLang="ja-JP" dirty="0" smtClean="0"/>
               <a:t>1</a:t>
             </a:r>
             <a:r>
@@ -14064,39 +13409,31 @@
             </a:r>
             <a:r>
               <a:rPr lang="ja-JP" altLang="en-US" dirty="0" smtClean="0"/>
-              <a:t>クリックして</a:t>
-            </a:r>
-            <a:r>
-              <a:rPr lang="ja-JP" altLang="en-US" smtClean="0"/>
-              <a:t>下さい</a:t>
-            </a:r>
-            <a:r>
-              <a:rPr lang="ja-JP" altLang="en-US" smtClean="0"/>
-              <a:t>。</a:t>
-            </a:r>
-            <a:r>
-              <a:rPr lang="en-US" altLang="ja-JP" smtClean="0"/>
+              <a:t>クリックして下さい。</a:t>
+            </a:r>
+            <a:r>
+              <a:rPr lang="en-US" altLang="ja-JP" dirty="0" smtClean="0"/>
               <a:t>1</a:t>
             </a:r>
             <a:r>
-              <a:rPr lang="ja-JP" altLang="en-US" smtClean="0"/>
-              <a:t>回目はステータスが「完了</a:t>
-            </a:r>
-            <a:r>
-              <a:rPr lang="en-US" altLang="ja-JP" smtClean="0"/>
+              <a:rPr lang="ja-JP" altLang="en-US" dirty="0" smtClean="0"/>
+              <a:t>回目は完了の後に</a:t>
+            </a:r>
+            <a:r>
+              <a:rPr lang="en-US" altLang="ja-JP" dirty="0" smtClean="0"/>
               <a:t>(</a:t>
             </a:r>
             <a:r>
-              <a:rPr lang="ja-JP" altLang="en-US" smtClean="0"/>
+              <a:rPr lang="ja-JP" altLang="en-US" dirty="0" smtClean="0"/>
               <a:t>異常</a:t>
             </a:r>
             <a:r>
-              <a:rPr lang="en-US" altLang="ja-JP" smtClean="0"/>
+              <a:rPr lang="en-US" altLang="ja-JP" dirty="0" smtClean="0"/>
               <a:t>)</a:t>
             </a:r>
             <a:r>
-              <a:rPr lang="ja-JP" altLang="en-US" smtClean="0"/>
-              <a:t>」で終了しましたが、今回は「完了」となっており、正常に終了したことが確認できます。</a:t>
+              <a:rPr lang="ja-JP" altLang="en-US" dirty="0" smtClean="0"/>
+              <a:t>の表示がありましたが、今回は問題なく完了しました。</a:t>
             </a:r>
             <a:endParaRPr lang="en-US" altLang="ja-JP" dirty="0"/>
           </a:p>
@@ -14168,8 +13505,8 @@
         </p:blipFill>
         <p:spPr>
           <a:xfrm>
-            <a:off x="377283" y="2780910"/>
-            <a:ext cx="8515317" cy="3792807"/>
+            <a:off x="214864" y="2276840"/>
+            <a:ext cx="8730250" cy="3888540"/>
           </a:xfrm>
           <a:prstGeom prst="rect">
             <a:avLst/>
@@ -14184,8 +13521,8 @@
         </p:nvSpPr>
         <p:spPr bwMode="auto">
           <a:xfrm>
-            <a:off x="1441577" y="5374876"/>
-            <a:ext cx="7176956" cy="142414"/>
+            <a:off x="1309660" y="4941210"/>
+            <a:ext cx="7358108" cy="152332"/>
           </a:xfrm>
           <a:prstGeom prst="roundRect">
             <a:avLst>
@@ -14228,8 +13565,8 @@
         </p:nvSpPr>
         <p:spPr bwMode="auto">
           <a:xfrm>
-            <a:off x="1441577" y="4176863"/>
-            <a:ext cx="1053557" cy="204184"/>
+            <a:off x="1300258" y="3686595"/>
+            <a:ext cx="1080150" cy="218404"/>
           </a:xfrm>
           <a:prstGeom prst="roundRect">
             <a:avLst>
@@ -14272,8 +13609,8 @@
         </p:nvSpPr>
         <p:spPr bwMode="auto">
           <a:xfrm>
-            <a:off x="377283" y="4797190"/>
-            <a:ext cx="929373" cy="228679"/>
+            <a:off x="211719" y="4336556"/>
+            <a:ext cx="952832" cy="244604"/>
           </a:xfrm>
           <a:prstGeom prst="roundRect">
             <a:avLst>
@@ -14361,51 +13698,48 @@
           <a:lstStyle/>
           <a:p>
             <a:r>
-              <a:rPr lang="ja-JP" altLang="en-US" b="1" dirty="0" smtClean="0"/>
+              <a:rPr lang="ja-JP" altLang="en-US" sz="1600" b="1" dirty="0" smtClean="0"/>
               <a:t>作業</a:t>
             </a:r>
             <a:r>
-              <a:rPr lang="ja-JP" altLang="en-US" b="1" dirty="0"/>
+              <a:rPr lang="ja-JP" altLang="en-US" sz="1600" b="1" dirty="0"/>
               <a:t>実行</a:t>
             </a:r>
             <a:r>
-              <a:rPr lang="ja-JP" altLang="en-US" b="1" dirty="0" smtClean="0"/>
+              <a:rPr lang="ja-JP" altLang="en-US" sz="1600" b="1" dirty="0" smtClean="0"/>
               <a:t>から実際にターゲットサーバへ実行</a:t>
             </a:r>
-            <a:endParaRPr lang="en-US" altLang="ja-JP" b="1" dirty="0" smtClean="0"/>
+            <a:endParaRPr lang="en-US" altLang="ja-JP" sz="1600" b="1" dirty="0" smtClean="0"/>
           </a:p>
           <a:p>
             <a:pPr lvl="1"/>
             <a:r>
-              <a:rPr lang="en-US" altLang="ja-JP" smtClean="0"/>
+              <a:rPr kumimoji="1" lang="ja-JP" altLang="en-US" dirty="0" smtClean="0"/>
+              <a:t>先ほどまではドライランで実行し</a:t>
+            </a:r>
+            <a:r>
+              <a:rPr kumimoji="1" lang="en-US" altLang="ja-JP" dirty="0" smtClean="0"/>
               <a:t>Playbook</a:t>
             </a:r>
             <a:r>
-              <a:rPr lang="ja-JP" altLang="en-US" smtClean="0"/>
-              <a:t>の</a:t>
-            </a:r>
-            <a:r>
-              <a:rPr kumimoji="1" lang="ja-JP" altLang="en-US" smtClean="0"/>
-              <a:t>体裁を修正したところで、実際に</a:t>
-            </a:r>
-            <a:r>
-              <a:rPr lang="ja-JP" altLang="en-US" smtClean="0"/>
-              <a:t>ターゲットサーバに作業を実行します。</a:t>
-            </a:r>
-            <a:r>
-              <a:rPr lang="ja-JP" altLang="en-US"/>
-              <a:t> </a:t>
-            </a:r>
-            <a:r>
-              <a:rPr lang="en-US" altLang="ja-JP" smtClean="0"/>
-              <a:t/>
-            </a:r>
-            <a:br>
-              <a:rPr lang="en-US" altLang="ja-JP" smtClean="0"/>
-            </a:br>
-            <a:r>
-              <a:rPr lang="ja-JP" altLang="en-US" smtClean="0"/>
-              <a:t>「</a:t>
+              <a:rPr kumimoji="1" lang="ja-JP" altLang="en-US" dirty="0" smtClean="0"/>
+              <a:t>の記載が問題ないかチェックを</a:t>
+            </a:r>
+            <a:r>
+              <a:rPr lang="ja-JP" altLang="en-US" dirty="0" smtClean="0"/>
+              <a:t>していましたが修正が完了問題なく動作したのでいよいよ実際のターゲットサーバに</a:t>
+            </a:r>
+            <a:r>
+              <a:rPr lang="ja-JP" altLang="en-US" dirty="0"/>
+              <a:t>反映</a:t>
+            </a:r>
+            <a:r>
+              <a:rPr lang="ja-JP" altLang="en-US" dirty="0" smtClean="0"/>
+              <a:t>させていきます。</a:t>
+            </a:r>
+            <a:r>
+              <a:rPr lang="ja-JP" altLang="en-US" dirty="0"/>
+              <a:t> 「</a:t>
             </a:r>
             <a:r>
               <a:rPr lang="en-US" altLang="ja-JP" dirty="0" err="1"/>
@@ -15289,18 +14623,18 @@
           <a:lstStyle/>
           <a:p>
             <a:r>
-              <a:rPr lang="ja-JP" altLang="en-US" b="1" dirty="0" smtClean="0"/>
+              <a:rPr lang="ja-JP" altLang="en-US" sz="1600" b="1" dirty="0" smtClean="0"/>
               <a:t>作業</a:t>
             </a:r>
             <a:r>
-              <a:rPr lang="ja-JP" altLang="en-US" b="1" dirty="0"/>
+              <a:rPr lang="ja-JP" altLang="en-US" sz="1600" b="1" dirty="0"/>
               <a:t>実行</a:t>
             </a:r>
             <a:r>
-              <a:rPr lang="ja-JP" altLang="en-US" b="1" dirty="0" smtClean="0"/>
+              <a:rPr lang="ja-JP" altLang="en-US" sz="1600" b="1" dirty="0" smtClean="0"/>
               <a:t>から実際にターゲットサーバへ実行</a:t>
             </a:r>
-            <a:endParaRPr lang="en-US" altLang="ja-JP" b="1" dirty="0" smtClean="0"/>
+            <a:endParaRPr lang="en-US" altLang="ja-JP" sz="1600" b="1" dirty="0" smtClean="0"/>
           </a:p>
           <a:p>
             <a:pPr lvl="1"/>
@@ -15314,15 +14648,7 @@
             </a:r>
             <a:r>
               <a:rPr lang="ja-JP" altLang="en-US" dirty="0" smtClean="0"/>
-              <a:t>」をクリックして下さい。実行され</a:t>
-            </a:r>
-            <a:r>
-              <a:rPr lang="ja-JP" altLang="en-US" smtClean="0"/>
-              <a:t>ステータスが「完了」の</a:t>
-            </a:r>
-            <a:r>
-              <a:rPr lang="ja-JP" altLang="en-US" dirty="0" smtClean="0"/>
-              <a:t>表示になったら無事に反映完了です。</a:t>
+              <a:t>」をクリックして下さい。実行されステータスが完了の表示になったら無事に反映完了です。</a:t>
             </a:r>
             <a:endParaRPr lang="en-US" altLang="ja-JP" dirty="0" smtClean="0"/>
           </a:p>
@@ -15398,17 +14724,12 @@
         </p:blipFill>
         <p:spPr>
           <a:xfrm>
-            <a:off x="323410" y="1995876"/>
+            <a:off x="343847" y="1923866"/>
             <a:ext cx="5400750" cy="2585284"/>
           </a:xfrm>
           <a:prstGeom prst="rect">
             <a:avLst/>
           </a:prstGeom>
-          <a:ln>
-            <a:solidFill>
-              <a:schemeClr val="tx1"/>
-            </a:solidFill>
-          </a:ln>
         </p:spPr>
       </p:pic>
       <p:sp>
@@ -15477,11 +14798,6 @@
           <a:prstGeom prst="rect">
             <a:avLst/>
           </a:prstGeom>
-          <a:ln>
-            <a:solidFill>
-              <a:schemeClr val="tx1"/>
-            </a:solidFill>
-          </a:ln>
         </p:spPr>
       </p:pic>
       <p:sp>
@@ -15536,13 +14852,13 @@
         </p:nvSpPr>
         <p:spPr bwMode="auto">
           <a:xfrm rot="5400000">
-            <a:off x="3210145" y="4611188"/>
+            <a:off x="2492390" y="4611188"/>
             <a:ext cx="1616483" cy="1658059"/>
           </a:xfrm>
           <a:prstGeom prst="bentUpArrow">
             <a:avLst>
               <a:gd name="adj1" fmla="val 15675"/>
-              <a:gd name="adj2" fmla="val 15648"/>
+              <a:gd name="adj2" fmla="val 25000"/>
               <a:gd name="adj3" fmla="val 21891"/>
             </a:avLst>
           </a:prstGeom>
@@ -15732,25 +15048,21 @@
             <a:pPr lvl="1"/>
             <a:r>
               <a:rPr lang="ja-JP" altLang="en-US" dirty="0"/>
-              <a:t>本書</a:t>
-            </a:r>
-            <a:r>
-              <a:rPr lang="ja-JP" altLang="en-US"/>
-              <a:t>で</a:t>
-            </a:r>
-            <a:r>
-              <a:rPr lang="ja-JP" altLang="en-US" smtClean="0"/>
-              <a:t>はメニューグループの</a:t>
-            </a:r>
-            <a:r>
-              <a:rPr lang="en-US" altLang="ja-JP"/>
+              <a:t>本書では、メニューグループ</a:t>
+            </a:r>
+            <a:r>
+              <a:rPr lang="ja-JP" altLang="en-US" dirty="0" smtClean="0"/>
+              <a:t>の</a:t>
+            </a:r>
+            <a:r>
+              <a:rPr lang="en-US" altLang="ja-JP" dirty="0" smtClean="0"/>
               <a:t/>
             </a:r>
             <a:br>
-              <a:rPr lang="en-US" altLang="ja-JP"/>
+              <a:rPr lang="en-US" altLang="ja-JP" dirty="0" smtClean="0"/>
             </a:br>
             <a:r>
-              <a:rPr lang="ja-JP" altLang="en-US" smtClean="0"/>
+              <a:rPr lang="ja-JP" altLang="en-US" dirty="0" smtClean="0"/>
               <a:t>「</a:t>
             </a:r>
             <a:r>
@@ -15763,19 +15075,15 @@
             </a:r>
             <a:r>
               <a:rPr lang="ja-JP" altLang="en-US" dirty="0"/>
-              <a:t>」に</a:t>
-            </a:r>
-            <a:r>
-              <a:rPr lang="ja-JP" altLang="en-US"/>
-              <a:t>ついて</a:t>
-            </a:r>
-            <a:r>
-              <a:rPr lang="ja-JP" altLang="en-US" smtClean="0"/>
-              <a:t>、実践</a:t>
+              <a:t>」について</a:t>
+            </a:r>
+            <a:r>
+              <a:rPr lang="ja-JP" altLang="en-US" dirty="0" smtClean="0"/>
+              <a:t>、</a:t>
             </a:r>
             <a:r>
               <a:rPr lang="ja-JP" altLang="en-US" dirty="0"/>
-              <a:t>形式で学習いただけます</a:t>
+              <a:t>実践形式で学習いただけます</a:t>
             </a:r>
             <a:r>
               <a:rPr lang="ja-JP" altLang="en-US" dirty="0" smtClean="0"/>
@@ -15786,28 +15094,12 @@
           <a:p>
             <a:pPr lvl="1"/>
             <a:r>
-              <a:rPr lang="ja-JP" altLang="en-US" smtClean="0">
+              <a:rPr lang="ja-JP" altLang="en-US" dirty="0" smtClean="0">
                 <a:solidFill>
                   <a:srgbClr val="FF0000"/>
                 </a:solidFill>
               </a:rPr>
-              <a:t>本書のシナリオを実施するまえに、</a:t>
-            </a:r>
-            <a:r>
-              <a:rPr lang="en-US" altLang="ja-JP" smtClean="0">
-                <a:solidFill>
-                  <a:srgbClr val="FF0000"/>
-                </a:solidFill>
-              </a:rPr>
-              <a:t>Learn</a:t>
-            </a:r>
-            <a:r>
-              <a:rPr lang="ja-JP" altLang="en-US" smtClean="0">
-                <a:solidFill>
-                  <a:srgbClr val="FF0000"/>
-                </a:solidFill>
-              </a:rPr>
-              <a:t>資料「</a:t>
+              <a:t>なお本書を実施していただく前に「</a:t>
             </a:r>
             <a:r>
               <a:rPr lang="ja-JP" altLang="en-US" dirty="0" smtClean="0">
@@ -15824,15 +15116,7 @@
                   <a:srgbClr val="FF0000"/>
                 </a:solidFill>
               </a:rPr>
-              <a:t>」の実施</a:t>
-            </a:r>
-            <a:r>
-              <a:rPr lang="ja-JP" altLang="en-US" smtClean="0">
-                <a:solidFill>
-                  <a:srgbClr val="FF0000"/>
-                </a:solidFill>
-              </a:rPr>
-              <a:t>が必須です。</a:t>
+              <a:t>」の実施が必須となります。</a:t>
             </a:r>
             <a:endParaRPr lang="en-US" altLang="ja-JP" dirty="0" smtClean="0">
               <a:solidFill>
@@ -15949,7 +15233,7 @@
         <p:spPr>
           <a:xfrm>
             <a:off x="214864" y="856627"/>
-            <a:ext cx="8677736" cy="744470"/>
+            <a:ext cx="8677736" cy="5596794"/>
           </a:xfrm>
         </p:spPr>
         <p:txBody>
@@ -15959,25 +15243,54 @@
           <a:lstStyle/>
           <a:p>
             <a:r>
-              <a:rPr kumimoji="1" lang="ja-JP" altLang="en-US" b="1" smtClean="0"/>
+              <a:rPr kumimoji="1" lang="ja-JP" altLang="en-US" b="1" dirty="0" smtClean="0"/>
               <a:t>作業環境</a:t>
             </a:r>
-            <a:endParaRPr kumimoji="1" lang="en-US" altLang="ja-JP" b="1" smtClean="0"/>
+            <a:endParaRPr kumimoji="1" lang="en-US" altLang="ja-JP" b="1" dirty="0" smtClean="0"/>
           </a:p>
           <a:p>
             <a:pPr lvl="1"/>
             <a:r>
-              <a:rPr lang="ja-JP" altLang="en-US" smtClean="0"/>
-              <a:t>本書で使用する作業環境</a:t>
-            </a:r>
-            <a:r>
-              <a:rPr lang="ja-JP" altLang="en-US" smtClean="0"/>
-              <a:t>は下図の</a:t>
-            </a:r>
-            <a:r>
-              <a:rPr lang="ja-JP" altLang="en-US" smtClean="0"/>
+              <a:rPr lang="ja-JP" altLang="en-US" dirty="0"/>
+              <a:t>本書で使用する作業環境は以下の</a:t>
+            </a:r>
+            <a:r>
+              <a:rPr lang="ja-JP" altLang="en-US" dirty="0" smtClean="0"/>
               <a:t>通りです。</a:t>
             </a:r>
+            <a:endParaRPr lang="en-US" altLang="ja-JP" dirty="0" smtClean="0"/>
+          </a:p>
+          <a:p>
+            <a:pPr lvl="1"/>
+            <a:r>
+              <a:rPr lang="en-US" altLang="ja-JP" dirty="0" smtClean="0"/>
+              <a:t>ITA</a:t>
+            </a:r>
+            <a:r>
+              <a:rPr lang="ja-JP" altLang="en-US" dirty="0" smtClean="0"/>
+              <a:t>サーバ、ターゲットサーバの他</a:t>
+            </a:r>
+            <a:r>
+              <a:rPr lang="ja-JP" altLang="en-US" dirty="0"/>
+              <a:t>に</a:t>
+            </a:r>
+            <a:r>
+              <a:rPr lang="ja-JP" altLang="en-US" dirty="0" smtClean="0"/>
+              <a:t>、</a:t>
+            </a:r>
+            <a:r>
+              <a:rPr lang="en-US" altLang="ja-JP" dirty="0" smtClean="0"/>
+              <a:t>GitHub</a:t>
+            </a:r>
+            <a:r>
+              <a:rPr lang="ja-JP" altLang="en-US" dirty="0" smtClean="0"/>
+              <a:t>のアカウント</a:t>
+            </a:r>
+            <a:r>
+              <a:rPr lang="ja-JP" altLang="en-US" dirty="0"/>
+              <a:t>をご用意ください。</a:t>
+            </a:r>
+            <a:endParaRPr lang="en-US" altLang="ja-JP" dirty="0" smtClean="0"/>
           </a:p>
         </p:txBody>
       </p:sp>
@@ -16028,7 +15341,7 @@
         </p:nvSpPr>
         <p:spPr bwMode="auto">
           <a:xfrm>
-            <a:off x="2768179" y="1644880"/>
+            <a:off x="2681420" y="2567651"/>
             <a:ext cx="3586873" cy="1596552"/>
           </a:xfrm>
           <a:prstGeom prst="rect">
@@ -16111,7 +15424,7 @@
         </p:nvSpPr>
         <p:spPr>
           <a:xfrm>
-            <a:off x="3077265" y="2063373"/>
+            <a:off x="2990506" y="2986144"/>
             <a:ext cx="1286926" cy="1050901"/>
           </a:xfrm>
           <a:prstGeom prst="rect">
@@ -16181,12 +15494,12 @@
           <a:p>
             <a:pPr algn="ctr"/>
             <a:r>
-              <a:rPr lang="en-US" altLang="ja-JP" sz="1100" b="1" smtClean="0">
+              <a:rPr lang="en-US" altLang="ja-JP" sz="1100" b="1" dirty="0" smtClean="0">
                 <a:solidFill>
                   <a:schemeClr val="bg1"/>
                 </a:solidFill>
               </a:rPr>
-              <a:t>v1.10</a:t>
+              <a:t>1.9</a:t>
             </a:r>
             <a:endParaRPr kumimoji="1" lang="ja-JP" altLang="en-US" sz="1100" b="1" dirty="0">
               <a:solidFill>
@@ -16204,7 +15517,7 @@
         </p:nvSpPr>
         <p:spPr>
           <a:xfrm>
-            <a:off x="4810836" y="2063373"/>
+            <a:off x="4724077" y="2986144"/>
             <a:ext cx="1230984" cy="1050900"/>
           </a:xfrm>
           <a:prstGeom prst="rect">
@@ -16239,23 +15552,12 @@
           <a:p>
             <a:pPr algn="ctr"/>
             <a:r>
-              <a:rPr kumimoji="1" lang="en-US" altLang="ja-JP" sz="1100" b="1" smtClean="0">
+              <a:rPr kumimoji="1" lang="en-US" altLang="ja-JP" sz="1100" b="1" dirty="0" err="1" smtClean="0">
                 <a:solidFill>
                   <a:schemeClr val="bg1"/>
                 </a:solidFill>
               </a:rPr>
               <a:t>Ansible</a:t>
-            </a:r>
-          </a:p>
-          <a:p>
-            <a:pPr algn="ctr"/>
-            <a:r>
-              <a:rPr lang="en-US" altLang="ja-JP" sz="1100" b="1">
-                <a:solidFill>
-                  <a:schemeClr val="bg1"/>
-                </a:solidFill>
-              </a:rPr>
-              <a:t>v2.11.7</a:t>
             </a:r>
             <a:endParaRPr kumimoji="1" lang="ja-JP" altLang="en-US" sz="1100" b="1" dirty="0">
               <a:solidFill>
@@ -16273,7 +15575,7 @@
         </p:nvSpPr>
         <p:spPr bwMode="auto">
           <a:xfrm>
-            <a:off x="6458619" y="1642304"/>
+            <a:off x="6371860" y="2565075"/>
             <a:ext cx="1696558" cy="1596552"/>
           </a:xfrm>
           <a:prstGeom prst="rect">
@@ -16367,7 +15669,7 @@
         </p:nvGrpSpPr>
         <p:grpSpPr bwMode="gray">
           <a:xfrm>
-            <a:off x="943462" y="2239638"/>
+            <a:off x="856703" y="3162409"/>
             <a:ext cx="961136" cy="634348"/>
             <a:chOff x="2385390" y="1237172"/>
             <a:chExt cx="1111251" cy="733425"/>
@@ -16867,7 +16169,7 @@
         </p:nvCxnSpPr>
         <p:spPr bwMode="auto">
           <a:xfrm>
-            <a:off x="1848066" y="2578651"/>
+            <a:off x="1761307" y="3501422"/>
             <a:ext cx="1229199" cy="1"/>
           </a:xfrm>
           <a:prstGeom prst="straightConnector1">
@@ -16903,7 +16205,7 @@
         </p:nvSpPr>
         <p:spPr>
           <a:xfrm>
-            <a:off x="755470" y="1986159"/>
+            <a:off x="668711" y="2908930"/>
             <a:ext cx="1339566" cy="261610"/>
           </a:xfrm>
           <a:prstGeom prst="rect">
@@ -16939,7 +16241,7 @@
         </p:nvCxnSpPr>
         <p:spPr bwMode="auto">
           <a:xfrm flipV="1">
-            <a:off x="6041820" y="2588821"/>
+            <a:off x="5955061" y="3511592"/>
             <a:ext cx="833598" cy="2"/>
           </a:xfrm>
           <a:prstGeom prst="straightConnector1">
@@ -16967,6 +16269,49 @@
           <a:extLst/>
         </p:spPr>
       </p:cxnSp>
+      <p:pic>
+        <p:nvPicPr>
+          <p:cNvPr id="23" name="図 22"/>
+          <p:cNvPicPr>
+            <a:picLocks noChangeAspect="1"/>
+          </p:cNvPicPr>
+          <p:nvPr/>
+        </p:nvPicPr>
+        <p:blipFill>
+          <a:blip r:embed="rId2" cstate="print">
+            <a:extLst>
+              <a:ext uri="{BEBA8EAE-BF5A-486C-A8C5-ECC9F3942E4B}">
+                <a14:imgProps xmlns:a14="http://schemas.microsoft.com/office/drawing/2010/main">
+                  <a14:imgLayer r:embed="rId3">
+                    <a14:imgEffect>
+                      <a14:colorTemperature colorTemp="11500"/>
+                    </a14:imgEffect>
+                  </a14:imgLayer>
+                </a14:imgProps>
+              </a:ext>
+              <a:ext uri="{28A0092B-C50C-407E-A947-70E740481C1C}">
+                <a14:useLocalDpi xmlns:a14="http://schemas.microsoft.com/office/drawing/2010/main" val="0"/>
+              </a:ext>
+            </a:extLst>
+          </a:blip>
+          <a:stretch>
+            <a:fillRect/>
+          </a:stretch>
+        </p:blipFill>
+        <p:spPr>
+          <a:xfrm>
+            <a:off x="6894758" y="3151671"/>
+            <a:ext cx="655825" cy="655825"/>
+          </a:xfrm>
+          <a:prstGeom prst="rect">
+            <a:avLst/>
+          </a:prstGeom>
+          <a:noFill/>
+          <a:ln>
+            <a:noFill/>
+          </a:ln>
+        </p:spPr>
+      </p:pic>
       <p:sp>
         <p:nvSpPr>
           <p:cNvPr id="26" name="正方形/長方形 25"/>
@@ -16975,142 +16320,77 @@
         </p:nvSpPr>
         <p:spPr>
           <a:xfrm>
-            <a:off x="827480" y="3395712"/>
-            <a:ext cx="7327697" cy="2062103"/>
+            <a:off x="395420" y="4519320"/>
+            <a:ext cx="4572000" cy="923330"/>
           </a:xfrm>
           <a:prstGeom prst="rect">
             <a:avLst/>
           </a:prstGeom>
-          <a:solidFill>
-            <a:schemeClr val="bg1">
-              <a:lumMod val="95000"/>
-            </a:schemeClr>
-          </a:solidFill>
-          <a:ln>
-            <a:solidFill>
-              <a:schemeClr val="tx1">
-                <a:lumMod val="50000"/>
-                <a:lumOff val="50000"/>
-              </a:schemeClr>
-            </a:solidFill>
-          </a:ln>
         </p:spPr>
         <p:txBody>
-          <a:bodyPr wrap="square">
+          <a:bodyPr>
             <a:spAutoFit/>
           </a:bodyPr>
           <a:lstStyle/>
           <a:p>
-            <a:r>
-              <a:rPr lang="en-US" altLang="ja-JP" sz="1600" b="1" u="sng" smtClean="0"/>
-              <a:t>ITA</a:t>
-            </a:r>
-            <a:r>
-              <a:rPr lang="ja-JP" altLang="en-US" sz="1600" b="1" u="sng" smtClean="0"/>
-              <a:t>サーバ</a:t>
-            </a:r>
-            <a:r>
-              <a:rPr lang="en-US" altLang="ja-JP" sz="1600" b="1"/>
-              <a:t/>
-            </a:r>
-            <a:br>
-              <a:rPr lang="en-US" altLang="ja-JP" sz="1600" b="1"/>
-            </a:br>
-            <a:r>
-              <a:rPr lang="ja-JP" altLang="en-US" sz="1600" b="1"/>
-              <a:t>・</a:t>
-            </a:r>
-            <a:r>
-              <a:rPr lang="en-US" altLang="ja-JP" sz="1600"/>
+            <a:pPr marL="285750" indent="-285750">
+              <a:buFont typeface="Arial" panose="020B0604020202020204" pitchFamily="34" charset="0"/>
+              <a:buChar char="•"/>
+            </a:pPr>
+            <a:r>
+              <a:rPr lang="en-US" altLang="ja-JP" dirty="0" err="1"/>
+              <a:t>Exastro</a:t>
+            </a:r>
+            <a:r>
+              <a:rPr lang="en-US" altLang="ja-JP" dirty="0"/>
+              <a:t> IT Automation </a:t>
+            </a:r>
+            <a:r>
+              <a:rPr lang="en-US" altLang="ja-JP" dirty="0" smtClean="0"/>
+              <a:t>1.9</a:t>
+            </a:r>
+            <a:endParaRPr lang="en-US" altLang="ja-JP" dirty="0"/>
+          </a:p>
+          <a:p>
+            <a:pPr marL="285750" indent="-285750">
+              <a:buFont typeface="Arial" panose="020B0604020202020204" pitchFamily="34" charset="0"/>
+              <a:buChar char="•"/>
+            </a:pPr>
+            <a:r>
+              <a:rPr lang="en-US" altLang="ja-JP" dirty="0"/>
               <a:t>CentOS </a:t>
             </a:r>
             <a:r>
-              <a:rPr lang="en-US" altLang="ja-JP" sz="1600" smtClean="0"/>
-              <a:t>7 (※</a:t>
-            </a:r>
-            <a:r>
-              <a:rPr lang="en-US" altLang="ja-JP" sz="1600"/>
-              <a:t>1</a:t>
-            </a:r>
-            <a:r>
-              <a:rPr lang="en-US" altLang="ja-JP" sz="1600" smtClean="0"/>
+              <a:rPr lang="en-US" altLang="ja-JP" dirty="0" smtClean="0"/>
+              <a:t>7(ITA</a:t>
+            </a:r>
+            <a:r>
+              <a:rPr lang="ja-JP" altLang="en-US" dirty="0"/>
+              <a:t>サーバ用</a:t>
+            </a:r>
+            <a:r>
+              <a:rPr lang="en-US" altLang="ja-JP" dirty="0"/>
               <a:t>)</a:t>
             </a:r>
-            <a:r>
-              <a:rPr lang="en-US" altLang="ja-JP" sz="1600"/>
-              <a:t/>
-            </a:r>
-            <a:br>
-              <a:rPr lang="en-US" altLang="ja-JP" sz="1600"/>
-            </a:br>
-            <a:r>
-              <a:rPr lang="ja-JP" altLang="en-US" sz="1600" smtClean="0"/>
-              <a:t>・</a:t>
-            </a:r>
-            <a:r>
-              <a:rPr lang="en-US" altLang="ja-JP" sz="1600" smtClean="0"/>
-              <a:t>Exastro ITA v1.10</a:t>
-            </a:r>
-            <a:r>
-              <a:rPr lang="en-US" altLang="ja-JP" sz="1600"/>
-              <a:t/>
-            </a:r>
-            <a:br>
-              <a:rPr lang="en-US" altLang="ja-JP" sz="1600"/>
-            </a:br>
-            <a:r>
-              <a:rPr lang="en-US" altLang="ja-JP" sz="1600"/>
-              <a:t>・Ansible </a:t>
-            </a:r>
-            <a:r>
-              <a:rPr lang="en-US" altLang="ja-JP" sz="1600" smtClean="0"/>
-              <a:t>2.11.7</a:t>
-            </a:r>
-            <a:r>
-              <a:rPr lang="en-US" altLang="ja-JP" sz="1600"/>
-              <a:t/>
-            </a:r>
-            <a:br>
-              <a:rPr lang="en-US" altLang="ja-JP" sz="1600"/>
-            </a:br>
-            <a:r>
-              <a:rPr lang="en-US" altLang="ja-JP" sz="1600"/>
-              <a:t/>
-            </a:r>
-            <a:br>
-              <a:rPr lang="en-US" altLang="ja-JP" sz="1600"/>
-            </a:br>
-            <a:r>
-              <a:rPr lang="ja-JP" altLang="en-US" sz="1600" b="1" u="sng" smtClean="0"/>
-              <a:t>ターゲットサーバ</a:t>
-            </a:r>
-            <a:r>
-              <a:rPr lang="en-US" altLang="ja-JP" sz="1600"/>
-              <a:t/>
-            </a:r>
-            <a:br>
-              <a:rPr lang="en-US" altLang="ja-JP" sz="1600"/>
-            </a:br>
-            <a:r>
-              <a:rPr lang="ja-JP" altLang="en-US" sz="1600"/>
-              <a:t>・</a:t>
-            </a:r>
-            <a:r>
-              <a:rPr lang="en-US" altLang="ja-JP" sz="1600"/>
-              <a:t>CentOS</a:t>
-            </a:r>
-            <a:r>
-              <a:rPr lang="ja-JP" altLang="en-US" sz="1600"/>
-              <a:t> </a:t>
-            </a:r>
-            <a:r>
-              <a:rPr lang="en-US" altLang="ja-JP" sz="1600" smtClean="0"/>
-              <a:t>7</a:t>
-            </a:r>
-            <a:br>
-              <a:rPr lang="en-US" altLang="ja-JP" sz="1600" smtClean="0"/>
-            </a:br>
-            <a:endParaRPr lang="en-US" altLang="ja-JP" sz="1600" dirty="0"/>
+          </a:p>
+          <a:p>
+            <a:pPr marL="285750" indent="-285750">
+              <a:buFont typeface="Arial" panose="020B0604020202020204" pitchFamily="34" charset="0"/>
+              <a:buChar char="•"/>
+            </a:pPr>
+            <a:r>
+              <a:rPr lang="en-US" altLang="ja-JP" dirty="0" smtClean="0"/>
+              <a:t>CentOS 7(</a:t>
+            </a:r>
+            <a:r>
+              <a:rPr lang="ja-JP" altLang="en-US" dirty="0"/>
+              <a:t>ターゲットマシン用</a:t>
+            </a:r>
+            <a:r>
+              <a:rPr lang="en-US" altLang="ja-JP" dirty="0" smtClean="0"/>
+              <a:t>)</a:t>
+            </a:r>
+            <a:endParaRPr lang="en-US" altLang="ja-JP" dirty="0"/>
           </a:p>
         </p:txBody>
       </p:sp>
@@ -17124,7 +16404,7 @@
         </p:nvCxnSpPr>
         <p:spPr bwMode="auto">
           <a:xfrm>
-            <a:off x="4360973" y="2588821"/>
+            <a:off x="4274214" y="3511592"/>
             <a:ext cx="449863" cy="2"/>
           </a:xfrm>
           <a:prstGeom prst="straightConnector1">
@@ -17152,805 +16432,6 @@
           <a:extLst/>
         </p:spPr>
       </p:cxnSp>
-      <p:grpSp>
-        <p:nvGrpSpPr>
-          <p:cNvPr id="18" name="グループ化 17"/>
-          <p:cNvGrpSpPr>
-            <a:grpSpLocks noChangeAspect="1"/>
-          </p:cNvGrpSpPr>
-          <p:nvPr/>
-        </p:nvGrpSpPr>
-        <p:grpSpPr bwMode="gray">
-          <a:xfrm>
-            <a:off x="7047728" y="2168937"/>
-            <a:ext cx="476051" cy="819427"/>
-            <a:chOff x="5936838" y="1169393"/>
-            <a:chExt cx="484187" cy="833438"/>
-          </a:xfrm>
-        </p:grpSpPr>
-        <p:sp>
-          <p:nvSpPr>
-            <p:cNvPr id="19" name="Freeform 22"/>
-            <p:cNvSpPr>
-              <a:spLocks noChangeAspect="1"/>
-            </p:cNvSpPr>
-            <p:nvPr/>
-          </p:nvSpPr>
-          <p:spPr bwMode="gray">
-            <a:xfrm>
-              <a:off x="5936838" y="1169393"/>
-              <a:ext cx="484187" cy="833438"/>
-            </a:xfrm>
-            <a:custGeom>
-              <a:avLst/>
-              <a:gdLst>
-                <a:gd name="T0" fmla="*/ 642 w 642"/>
-                <a:gd name="T1" fmla="*/ 1081 h 1107"/>
-                <a:gd name="T2" fmla="*/ 615 w 642"/>
-                <a:gd name="T3" fmla="*/ 1107 h 1107"/>
-                <a:gd name="T4" fmla="*/ 27 w 642"/>
-                <a:gd name="T5" fmla="*/ 1107 h 1107"/>
-                <a:gd name="T6" fmla="*/ 0 w 642"/>
-                <a:gd name="T7" fmla="*/ 1081 h 1107"/>
-                <a:gd name="T8" fmla="*/ 0 w 642"/>
-                <a:gd name="T9" fmla="*/ 27 h 1107"/>
-                <a:gd name="T10" fmla="*/ 27 w 642"/>
-                <a:gd name="T11" fmla="*/ 0 h 1107"/>
-                <a:gd name="T12" fmla="*/ 615 w 642"/>
-                <a:gd name="T13" fmla="*/ 0 h 1107"/>
-                <a:gd name="T14" fmla="*/ 642 w 642"/>
-                <a:gd name="T15" fmla="*/ 27 h 1107"/>
-                <a:gd name="T16" fmla="*/ 642 w 642"/>
-                <a:gd name="T17" fmla="*/ 1081 h 1107"/>
-              </a:gdLst>
-              <a:ahLst/>
-              <a:cxnLst>
-                <a:cxn ang="0">
-                  <a:pos x="T0" y="T1"/>
-                </a:cxn>
-                <a:cxn ang="0">
-                  <a:pos x="T2" y="T3"/>
-                </a:cxn>
-                <a:cxn ang="0">
-                  <a:pos x="T4" y="T5"/>
-                </a:cxn>
-                <a:cxn ang="0">
-                  <a:pos x="T6" y="T7"/>
-                </a:cxn>
-                <a:cxn ang="0">
-                  <a:pos x="T8" y="T9"/>
-                </a:cxn>
-                <a:cxn ang="0">
-                  <a:pos x="T10" y="T11"/>
-                </a:cxn>
-                <a:cxn ang="0">
-                  <a:pos x="T12" y="T13"/>
-                </a:cxn>
-                <a:cxn ang="0">
-                  <a:pos x="T14" y="T15"/>
-                </a:cxn>
-                <a:cxn ang="0">
-                  <a:pos x="T16" y="T17"/>
-                </a:cxn>
-              </a:cxnLst>
-              <a:rect l="0" t="0" r="r" b="b"/>
-              <a:pathLst>
-                <a:path w="642" h="1107">
-                  <a:moveTo>
-                    <a:pt x="642" y="1081"/>
-                  </a:moveTo>
-                  <a:cubicBezTo>
-                    <a:pt x="642" y="1095"/>
-                    <a:pt x="630" y="1107"/>
-                    <a:pt x="615" y="1107"/>
-                  </a:cubicBezTo>
-                  <a:cubicBezTo>
-                    <a:pt x="27" y="1107"/>
-                    <a:pt x="27" y="1107"/>
-                    <a:pt x="27" y="1107"/>
-                  </a:cubicBezTo>
-                  <a:cubicBezTo>
-                    <a:pt x="12" y="1107"/>
-                    <a:pt x="0" y="1095"/>
-                    <a:pt x="0" y="1081"/>
-                  </a:cubicBezTo>
-                  <a:cubicBezTo>
-                    <a:pt x="0" y="27"/>
-                    <a:pt x="0" y="27"/>
-                    <a:pt x="0" y="27"/>
-                  </a:cubicBezTo>
-                  <a:cubicBezTo>
-                    <a:pt x="0" y="12"/>
-                    <a:pt x="12" y="0"/>
-                    <a:pt x="27" y="0"/>
-                  </a:cubicBezTo>
-                  <a:cubicBezTo>
-                    <a:pt x="615" y="0"/>
-                    <a:pt x="615" y="0"/>
-                    <a:pt x="615" y="0"/>
-                  </a:cubicBezTo>
-                  <a:cubicBezTo>
-                    <a:pt x="630" y="0"/>
-                    <a:pt x="642" y="12"/>
-                    <a:pt x="642" y="27"/>
-                  </a:cubicBezTo>
-                  <a:lnTo>
-                    <a:pt x="642" y="1081"/>
-                  </a:lnTo>
-                  <a:close/>
-                </a:path>
-              </a:pathLst>
-            </a:custGeom>
-            <a:solidFill>
-              <a:schemeClr val="accent6"/>
-            </a:solidFill>
-            <a:ln>
-              <a:noFill/>
-            </a:ln>
-            <a:extLst>
-              <a:ext uri="{91240B29-F687-4F45-9708-019B960494DF}">
-                <a14:hiddenLine xmlns:a14="http://schemas.microsoft.com/office/drawing/2010/main" w="9525">
-                  <a:solidFill>
-                    <a:srgbClr val="000000"/>
-                  </a:solidFill>
-                  <a:round/>
-                  <a:headEnd/>
-                  <a:tailEnd/>
-                </a14:hiddenLine>
-              </a:ext>
-            </a:extLst>
-          </p:spPr>
-          <p:txBody>
-            <a:bodyPr vert="horz" wrap="square" lIns="91440" tIns="45720" rIns="91440" bIns="45720" numCol="1" anchor="t" anchorCtr="0" compatLnSpc="1">
-              <a:prstTxWarp prst="textNoShape">
-                <a:avLst/>
-              </a:prstTxWarp>
-            </a:bodyPr>
-            <a:lstStyle/>
-            <a:p>
-              <a:endParaRPr lang="ja-JP" altLang="en-US"/>
-            </a:p>
-          </p:txBody>
-        </p:sp>
-        <p:sp>
-          <p:nvSpPr>
-            <p:cNvPr id="20" name="フリーフォーム 19"/>
-            <p:cNvSpPr>
-              <a:spLocks noChangeAspect="1" noChangeArrowheads="1"/>
-            </p:cNvSpPr>
-            <p:nvPr/>
-          </p:nvSpPr>
-          <p:spPr bwMode="gray">
-            <a:xfrm>
-              <a:off x="6011450" y="1244006"/>
-              <a:ext cx="333375" cy="684213"/>
-            </a:xfrm>
-            <a:custGeom>
-              <a:avLst/>
-              <a:gdLst>
-                <a:gd name="connsiteX0" fmla="*/ 166688 w 333375"/>
-                <a:gd name="connsiteY0" fmla="*/ 600075 h 684213"/>
-                <a:gd name="connsiteX1" fmla="*/ 207963 w 333375"/>
-                <a:gd name="connsiteY1" fmla="*/ 642144 h 684213"/>
-                <a:gd name="connsiteX2" fmla="*/ 166688 w 333375"/>
-                <a:gd name="connsiteY2" fmla="*/ 684213 h 684213"/>
-                <a:gd name="connsiteX3" fmla="*/ 125413 w 333375"/>
-                <a:gd name="connsiteY3" fmla="*/ 642144 h 684213"/>
-                <a:gd name="connsiteX4" fmla="*/ 166688 w 333375"/>
-                <a:gd name="connsiteY4" fmla="*/ 600075 h 684213"/>
-                <a:gd name="connsiteX5" fmla="*/ 16665 w 333375"/>
-                <a:gd name="connsiteY5" fmla="*/ 485775 h 684213"/>
-                <a:gd name="connsiteX6" fmla="*/ 316711 w 333375"/>
-                <a:gd name="connsiteY6" fmla="*/ 485775 h 684213"/>
-                <a:gd name="connsiteX7" fmla="*/ 331788 w 333375"/>
-                <a:gd name="connsiteY7" fmla="*/ 499696 h 684213"/>
-                <a:gd name="connsiteX8" fmla="*/ 316711 w 333375"/>
-                <a:gd name="connsiteY8" fmla="*/ 514350 h 684213"/>
-                <a:gd name="connsiteX9" fmla="*/ 16665 w 333375"/>
-                <a:gd name="connsiteY9" fmla="*/ 514350 h 684213"/>
-                <a:gd name="connsiteX10" fmla="*/ 1588 w 333375"/>
-                <a:gd name="connsiteY10" fmla="*/ 499696 h 684213"/>
-                <a:gd name="connsiteX11" fmla="*/ 16665 w 333375"/>
-                <a:gd name="connsiteY11" fmla="*/ 485775 h 684213"/>
-                <a:gd name="connsiteX12" fmla="*/ 16665 w 333375"/>
-                <a:gd name="connsiteY12" fmla="*/ 419100 h 684213"/>
-                <a:gd name="connsiteX13" fmla="*/ 316711 w 333375"/>
-                <a:gd name="connsiteY13" fmla="*/ 419100 h 684213"/>
-                <a:gd name="connsiteX14" fmla="*/ 331788 w 333375"/>
-                <a:gd name="connsiteY14" fmla="*/ 433021 h 684213"/>
-                <a:gd name="connsiteX15" fmla="*/ 316711 w 333375"/>
-                <a:gd name="connsiteY15" fmla="*/ 447675 h 684213"/>
-                <a:gd name="connsiteX16" fmla="*/ 16665 w 333375"/>
-                <a:gd name="connsiteY16" fmla="*/ 447675 h 684213"/>
-                <a:gd name="connsiteX17" fmla="*/ 1588 w 333375"/>
-                <a:gd name="connsiteY17" fmla="*/ 433021 h 684213"/>
-                <a:gd name="connsiteX18" fmla="*/ 16665 w 333375"/>
-                <a:gd name="connsiteY18" fmla="*/ 419100 h 684213"/>
-                <a:gd name="connsiteX19" fmla="*/ 16665 w 333375"/>
-                <a:gd name="connsiteY19" fmla="*/ 350837 h 684213"/>
-                <a:gd name="connsiteX20" fmla="*/ 316711 w 333375"/>
-                <a:gd name="connsiteY20" fmla="*/ 350837 h 684213"/>
-                <a:gd name="connsiteX21" fmla="*/ 331788 w 333375"/>
-                <a:gd name="connsiteY21" fmla="*/ 366305 h 684213"/>
-                <a:gd name="connsiteX22" fmla="*/ 316711 w 333375"/>
-                <a:gd name="connsiteY22" fmla="*/ 381000 h 684213"/>
-                <a:gd name="connsiteX23" fmla="*/ 16665 w 333375"/>
-                <a:gd name="connsiteY23" fmla="*/ 381000 h 684213"/>
-                <a:gd name="connsiteX24" fmla="*/ 1588 w 333375"/>
-                <a:gd name="connsiteY24" fmla="*/ 366305 h 684213"/>
-                <a:gd name="connsiteX25" fmla="*/ 16665 w 333375"/>
-                <a:gd name="connsiteY25" fmla="*/ 350837 h 684213"/>
-                <a:gd name="connsiteX26" fmla="*/ 19610 w 333375"/>
-                <a:gd name="connsiteY26" fmla="*/ 166687 h 684213"/>
-                <a:gd name="connsiteX27" fmla="*/ 313765 w 333375"/>
-                <a:gd name="connsiteY27" fmla="*/ 166687 h 684213"/>
-                <a:gd name="connsiteX28" fmla="*/ 333375 w 333375"/>
-                <a:gd name="connsiteY28" fmla="*/ 186990 h 684213"/>
-                <a:gd name="connsiteX29" fmla="*/ 333375 w 333375"/>
-                <a:gd name="connsiteY29" fmla="*/ 246397 h 684213"/>
-                <a:gd name="connsiteX30" fmla="*/ 313765 w 333375"/>
-                <a:gd name="connsiteY30" fmla="*/ 266700 h 684213"/>
-                <a:gd name="connsiteX31" fmla="*/ 19610 w 333375"/>
-                <a:gd name="connsiteY31" fmla="*/ 266700 h 684213"/>
-                <a:gd name="connsiteX32" fmla="*/ 0 w 333375"/>
-                <a:gd name="connsiteY32" fmla="*/ 246397 h 684213"/>
-                <a:gd name="connsiteX33" fmla="*/ 0 w 333375"/>
-                <a:gd name="connsiteY33" fmla="*/ 186990 h 684213"/>
-                <a:gd name="connsiteX34" fmla="*/ 19610 w 333375"/>
-                <a:gd name="connsiteY34" fmla="*/ 166687 h 684213"/>
-                <a:gd name="connsiteX35" fmla="*/ 19610 w 333375"/>
-                <a:gd name="connsiteY35" fmla="*/ 0 h 684213"/>
-                <a:gd name="connsiteX36" fmla="*/ 313765 w 333375"/>
-                <a:gd name="connsiteY36" fmla="*/ 0 h 684213"/>
-                <a:gd name="connsiteX37" fmla="*/ 333375 w 333375"/>
-                <a:gd name="connsiteY37" fmla="*/ 19551 h 684213"/>
-                <a:gd name="connsiteX38" fmla="*/ 333375 w 333375"/>
-                <a:gd name="connsiteY38" fmla="*/ 79710 h 684213"/>
-                <a:gd name="connsiteX39" fmla="*/ 313765 w 333375"/>
-                <a:gd name="connsiteY39" fmla="*/ 100013 h 684213"/>
-                <a:gd name="connsiteX40" fmla="*/ 19610 w 333375"/>
-                <a:gd name="connsiteY40" fmla="*/ 100013 h 684213"/>
-                <a:gd name="connsiteX41" fmla="*/ 0 w 333375"/>
-                <a:gd name="connsiteY41" fmla="*/ 79710 h 684213"/>
-                <a:gd name="connsiteX42" fmla="*/ 0 w 333375"/>
-                <a:gd name="connsiteY42" fmla="*/ 19551 h 684213"/>
-                <a:gd name="connsiteX43" fmla="*/ 19610 w 333375"/>
-                <a:gd name="connsiteY43" fmla="*/ 0 h 684213"/>
-              </a:gdLst>
-              <a:ahLst/>
-              <a:cxnLst>
-                <a:cxn ang="0">
-                  <a:pos x="connsiteX0" y="connsiteY0"/>
-                </a:cxn>
-                <a:cxn ang="0">
-                  <a:pos x="connsiteX1" y="connsiteY1"/>
-                </a:cxn>
-                <a:cxn ang="0">
-                  <a:pos x="connsiteX2" y="connsiteY2"/>
-                </a:cxn>
-                <a:cxn ang="0">
-                  <a:pos x="connsiteX3" y="connsiteY3"/>
-                </a:cxn>
-                <a:cxn ang="0">
-                  <a:pos x="connsiteX4" y="connsiteY4"/>
-                </a:cxn>
-                <a:cxn ang="0">
-                  <a:pos x="connsiteX5" y="connsiteY5"/>
-                </a:cxn>
-                <a:cxn ang="0">
-                  <a:pos x="connsiteX6" y="connsiteY6"/>
-                </a:cxn>
-                <a:cxn ang="0">
-                  <a:pos x="connsiteX7" y="connsiteY7"/>
-                </a:cxn>
-                <a:cxn ang="0">
-                  <a:pos x="connsiteX8" y="connsiteY8"/>
-                </a:cxn>
-                <a:cxn ang="0">
-                  <a:pos x="connsiteX9" y="connsiteY9"/>
-                </a:cxn>
-                <a:cxn ang="0">
-                  <a:pos x="connsiteX10" y="connsiteY10"/>
-                </a:cxn>
-                <a:cxn ang="0">
-                  <a:pos x="connsiteX11" y="connsiteY11"/>
-                </a:cxn>
-                <a:cxn ang="0">
-                  <a:pos x="connsiteX12" y="connsiteY12"/>
-                </a:cxn>
-                <a:cxn ang="0">
-                  <a:pos x="connsiteX13" y="connsiteY13"/>
-                </a:cxn>
-                <a:cxn ang="0">
-                  <a:pos x="connsiteX14" y="connsiteY14"/>
-                </a:cxn>
-                <a:cxn ang="0">
-                  <a:pos x="connsiteX15" y="connsiteY15"/>
-                </a:cxn>
-                <a:cxn ang="0">
-                  <a:pos x="connsiteX16" y="connsiteY16"/>
-                </a:cxn>
-                <a:cxn ang="0">
-                  <a:pos x="connsiteX17" y="connsiteY17"/>
-                </a:cxn>
-                <a:cxn ang="0">
-                  <a:pos x="connsiteX18" y="connsiteY18"/>
-                </a:cxn>
-                <a:cxn ang="0">
-                  <a:pos x="connsiteX19" y="connsiteY19"/>
-                </a:cxn>
-                <a:cxn ang="0">
-                  <a:pos x="connsiteX20" y="connsiteY20"/>
-                </a:cxn>
-                <a:cxn ang="0">
-                  <a:pos x="connsiteX21" y="connsiteY21"/>
-                </a:cxn>
-                <a:cxn ang="0">
-                  <a:pos x="connsiteX22" y="connsiteY22"/>
-                </a:cxn>
-                <a:cxn ang="0">
-                  <a:pos x="connsiteX23" y="connsiteY23"/>
-                </a:cxn>
-                <a:cxn ang="0">
-                  <a:pos x="connsiteX24" y="connsiteY24"/>
-                </a:cxn>
-                <a:cxn ang="0">
-                  <a:pos x="connsiteX25" y="connsiteY25"/>
-                </a:cxn>
-                <a:cxn ang="0">
-                  <a:pos x="connsiteX26" y="connsiteY26"/>
-                </a:cxn>
-                <a:cxn ang="0">
-                  <a:pos x="connsiteX27" y="connsiteY27"/>
-                </a:cxn>
-                <a:cxn ang="0">
-                  <a:pos x="connsiteX28" y="connsiteY28"/>
-                </a:cxn>
-                <a:cxn ang="0">
-                  <a:pos x="connsiteX29" y="connsiteY29"/>
-                </a:cxn>
-                <a:cxn ang="0">
-                  <a:pos x="connsiteX30" y="connsiteY30"/>
-                </a:cxn>
-                <a:cxn ang="0">
-                  <a:pos x="connsiteX31" y="connsiteY31"/>
-                </a:cxn>
-                <a:cxn ang="0">
-                  <a:pos x="connsiteX32" y="connsiteY32"/>
-                </a:cxn>
-                <a:cxn ang="0">
-                  <a:pos x="connsiteX33" y="connsiteY33"/>
-                </a:cxn>
-                <a:cxn ang="0">
-                  <a:pos x="connsiteX34" y="connsiteY34"/>
-                </a:cxn>
-                <a:cxn ang="0">
-                  <a:pos x="connsiteX35" y="connsiteY35"/>
-                </a:cxn>
-                <a:cxn ang="0">
-                  <a:pos x="connsiteX36" y="connsiteY36"/>
-                </a:cxn>
-                <a:cxn ang="0">
-                  <a:pos x="connsiteX37" y="connsiteY37"/>
-                </a:cxn>
-                <a:cxn ang="0">
-                  <a:pos x="connsiteX38" y="connsiteY38"/>
-                </a:cxn>
-                <a:cxn ang="0">
-                  <a:pos x="connsiteX39" y="connsiteY39"/>
-                </a:cxn>
-                <a:cxn ang="0">
-                  <a:pos x="connsiteX40" y="connsiteY40"/>
-                </a:cxn>
-                <a:cxn ang="0">
-                  <a:pos x="connsiteX41" y="connsiteY41"/>
-                </a:cxn>
-                <a:cxn ang="0">
-                  <a:pos x="connsiteX42" y="connsiteY42"/>
-                </a:cxn>
-                <a:cxn ang="0">
-                  <a:pos x="connsiteX43" y="connsiteY43"/>
-                </a:cxn>
-              </a:cxnLst>
-              <a:rect l="l" t="t" r="r" b="b"/>
-              <a:pathLst>
-                <a:path w="333375" h="684213">
-                  <a:moveTo>
-                    <a:pt x="166688" y="600075"/>
-                  </a:moveTo>
-                  <a:cubicBezTo>
-                    <a:pt x="189484" y="600075"/>
-                    <a:pt x="207963" y="618910"/>
-                    <a:pt x="207963" y="642144"/>
-                  </a:cubicBezTo>
-                  <a:cubicBezTo>
-                    <a:pt x="207963" y="665378"/>
-                    <a:pt x="189484" y="684213"/>
-                    <a:pt x="166688" y="684213"/>
-                  </a:cubicBezTo>
-                  <a:cubicBezTo>
-                    <a:pt x="143892" y="684213"/>
-                    <a:pt x="125413" y="665378"/>
-                    <a:pt x="125413" y="642144"/>
-                  </a:cubicBezTo>
-                  <a:cubicBezTo>
-                    <a:pt x="125413" y="618910"/>
-                    <a:pt x="143892" y="600075"/>
-                    <a:pt x="166688" y="600075"/>
-                  </a:cubicBezTo>
-                  <a:close/>
-                  <a:moveTo>
-                    <a:pt x="16665" y="485775"/>
-                  </a:moveTo>
-                  <a:cubicBezTo>
-                    <a:pt x="16665" y="485775"/>
-                    <a:pt x="16665" y="485775"/>
-                    <a:pt x="316711" y="485775"/>
-                  </a:cubicBezTo>
-                  <a:cubicBezTo>
-                    <a:pt x="325003" y="485775"/>
-                    <a:pt x="331788" y="491636"/>
-                    <a:pt x="331788" y="499696"/>
-                  </a:cubicBezTo>
-                  <a:cubicBezTo>
-                    <a:pt x="331788" y="507756"/>
-                    <a:pt x="325003" y="514350"/>
-                    <a:pt x="316711" y="514350"/>
-                  </a:cubicBezTo>
-                  <a:cubicBezTo>
-                    <a:pt x="316711" y="514350"/>
-                    <a:pt x="316711" y="514350"/>
-                    <a:pt x="16665" y="514350"/>
-                  </a:cubicBezTo>
-                  <a:cubicBezTo>
-                    <a:pt x="8373" y="514350"/>
-                    <a:pt x="1588" y="507756"/>
-                    <a:pt x="1588" y="499696"/>
-                  </a:cubicBezTo>
-                  <a:cubicBezTo>
-                    <a:pt x="1588" y="491636"/>
-                    <a:pt x="8373" y="485775"/>
-                    <a:pt x="16665" y="485775"/>
-                  </a:cubicBezTo>
-                  <a:close/>
-                  <a:moveTo>
-                    <a:pt x="16665" y="419100"/>
-                  </a:moveTo>
-                  <a:cubicBezTo>
-                    <a:pt x="16665" y="419100"/>
-                    <a:pt x="16665" y="419100"/>
-                    <a:pt x="316711" y="419100"/>
-                  </a:cubicBezTo>
-                  <a:cubicBezTo>
-                    <a:pt x="325003" y="419100"/>
-                    <a:pt x="331788" y="425694"/>
-                    <a:pt x="331788" y="433021"/>
-                  </a:cubicBezTo>
-                  <a:cubicBezTo>
-                    <a:pt x="331788" y="441081"/>
-                    <a:pt x="325003" y="447675"/>
-                    <a:pt x="316711" y="447675"/>
-                  </a:cubicBezTo>
-                  <a:cubicBezTo>
-                    <a:pt x="316711" y="447675"/>
-                    <a:pt x="316711" y="447675"/>
-                    <a:pt x="16665" y="447675"/>
-                  </a:cubicBezTo>
-                  <a:cubicBezTo>
-                    <a:pt x="8373" y="447675"/>
-                    <a:pt x="1588" y="441081"/>
-                    <a:pt x="1588" y="433021"/>
-                  </a:cubicBezTo>
-                  <a:cubicBezTo>
-                    <a:pt x="1588" y="425694"/>
-                    <a:pt x="8373" y="419100"/>
-                    <a:pt x="16665" y="419100"/>
-                  </a:cubicBezTo>
-                  <a:close/>
-                  <a:moveTo>
-                    <a:pt x="16665" y="350837"/>
-                  </a:moveTo>
-                  <a:cubicBezTo>
-                    <a:pt x="16665" y="350837"/>
-                    <a:pt x="16665" y="350837"/>
-                    <a:pt x="316711" y="350837"/>
-                  </a:cubicBezTo>
-                  <a:cubicBezTo>
-                    <a:pt x="325003" y="350837"/>
-                    <a:pt x="331788" y="357798"/>
-                    <a:pt x="331788" y="366305"/>
-                  </a:cubicBezTo>
-                  <a:cubicBezTo>
-                    <a:pt x="331788" y="374813"/>
-                    <a:pt x="325003" y="381000"/>
-                    <a:pt x="316711" y="381000"/>
-                  </a:cubicBezTo>
-                  <a:cubicBezTo>
-                    <a:pt x="316711" y="381000"/>
-                    <a:pt x="316711" y="381000"/>
-                    <a:pt x="16665" y="381000"/>
-                  </a:cubicBezTo>
-                  <a:cubicBezTo>
-                    <a:pt x="8373" y="381000"/>
-                    <a:pt x="1588" y="374813"/>
-                    <a:pt x="1588" y="366305"/>
-                  </a:cubicBezTo>
-                  <a:cubicBezTo>
-                    <a:pt x="1588" y="357798"/>
-                    <a:pt x="8373" y="350837"/>
-                    <a:pt x="16665" y="350837"/>
-                  </a:cubicBezTo>
-                  <a:close/>
-                  <a:moveTo>
-                    <a:pt x="19610" y="166687"/>
-                  </a:moveTo>
-                  <a:cubicBezTo>
-                    <a:pt x="19610" y="166687"/>
-                    <a:pt x="19610" y="166687"/>
-                    <a:pt x="313765" y="166687"/>
-                  </a:cubicBezTo>
-                  <a:cubicBezTo>
-                    <a:pt x="324324" y="166687"/>
-                    <a:pt x="333375" y="175711"/>
-                    <a:pt x="333375" y="186990"/>
-                  </a:cubicBezTo>
-                  <a:cubicBezTo>
-                    <a:pt x="333375" y="186990"/>
-                    <a:pt x="333375" y="186990"/>
-                    <a:pt x="333375" y="246397"/>
-                  </a:cubicBezTo>
-                  <a:cubicBezTo>
-                    <a:pt x="333375" y="257676"/>
-                    <a:pt x="324324" y="266700"/>
-                    <a:pt x="313765" y="266700"/>
-                  </a:cubicBezTo>
-                  <a:cubicBezTo>
-                    <a:pt x="313765" y="266700"/>
-                    <a:pt x="313765" y="266700"/>
-                    <a:pt x="19610" y="266700"/>
-                  </a:cubicBezTo>
-                  <a:cubicBezTo>
-                    <a:pt x="9051" y="266700"/>
-                    <a:pt x="0" y="257676"/>
-                    <a:pt x="0" y="246397"/>
-                  </a:cubicBezTo>
-                  <a:cubicBezTo>
-                    <a:pt x="0" y="246397"/>
-                    <a:pt x="0" y="246397"/>
-                    <a:pt x="0" y="186990"/>
-                  </a:cubicBezTo>
-                  <a:cubicBezTo>
-                    <a:pt x="0" y="175711"/>
-                    <a:pt x="9051" y="166687"/>
-                    <a:pt x="19610" y="166687"/>
-                  </a:cubicBezTo>
-                  <a:close/>
-                  <a:moveTo>
-                    <a:pt x="19610" y="0"/>
-                  </a:moveTo>
-                  <a:cubicBezTo>
-                    <a:pt x="19610" y="0"/>
-                    <a:pt x="19610" y="0"/>
-                    <a:pt x="313765" y="0"/>
-                  </a:cubicBezTo>
-                  <a:cubicBezTo>
-                    <a:pt x="324324" y="0"/>
-                    <a:pt x="333375" y="9024"/>
-                    <a:pt x="333375" y="19551"/>
-                  </a:cubicBezTo>
-                  <a:cubicBezTo>
-                    <a:pt x="333375" y="19551"/>
-                    <a:pt x="333375" y="19551"/>
-                    <a:pt x="333375" y="79710"/>
-                  </a:cubicBezTo>
-                  <a:cubicBezTo>
-                    <a:pt x="333375" y="90989"/>
-                    <a:pt x="324324" y="100013"/>
-                    <a:pt x="313765" y="100013"/>
-                  </a:cubicBezTo>
-                  <a:cubicBezTo>
-                    <a:pt x="313765" y="100013"/>
-                    <a:pt x="313765" y="100013"/>
-                    <a:pt x="19610" y="100013"/>
-                  </a:cubicBezTo>
-                  <a:cubicBezTo>
-                    <a:pt x="9051" y="100013"/>
-                    <a:pt x="0" y="90989"/>
-                    <a:pt x="0" y="79710"/>
-                  </a:cubicBezTo>
-                  <a:cubicBezTo>
-                    <a:pt x="0" y="79710"/>
-                    <a:pt x="0" y="79710"/>
-                    <a:pt x="0" y="19551"/>
-                  </a:cubicBezTo>
-                  <a:cubicBezTo>
-                    <a:pt x="0" y="9024"/>
-                    <a:pt x="9051" y="0"/>
-                    <a:pt x="19610" y="0"/>
-                  </a:cubicBezTo>
-                  <a:close/>
-                </a:path>
-              </a:pathLst>
-            </a:custGeom>
-            <a:solidFill>
-              <a:srgbClr val="FFFFFF"/>
-            </a:solidFill>
-            <a:ln>
-              <a:noFill/>
-            </a:ln>
-            <a:extLst>
-              <a:ext uri="{91240B29-F687-4F45-9708-019B960494DF}">
-                <a14:hiddenLine xmlns:a14="http://schemas.microsoft.com/office/drawing/2010/main" w="9525">
-                  <a:solidFill>
-                    <a:srgbClr val="000000"/>
-                  </a:solidFill>
-                  <a:round/>
-                  <a:headEnd/>
-                  <a:tailEnd/>
-                </a14:hiddenLine>
-              </a:ext>
-            </a:extLst>
-          </p:spPr>
-          <p:txBody>
-            <a:bodyPr vert="horz" wrap="square" lIns="91440" tIns="45720" rIns="91440" bIns="45720" numCol="1" anchor="t" anchorCtr="0" compatLnSpc="1">
-              <a:prstTxWarp prst="textNoShape">
-                <a:avLst/>
-              </a:prstTxWarp>
-              <a:noAutofit/>
-            </a:bodyPr>
-            <a:lstStyle/>
-            <a:p>
-              <a:endParaRPr lang="ja-JP" altLang="en-US"/>
-            </a:p>
-          </p:txBody>
-        </p:sp>
-      </p:grpSp>
-      <p:sp>
-        <p:nvSpPr>
-          <p:cNvPr id="22" name="コンテンツ プレースホルダー 2"/>
-          <p:cNvSpPr>
-            <a:spLocks noGrp="1"/>
-          </p:cNvSpPr>
-          <p:nvPr>
-            <p:ph sz="quarter" idx="10"/>
-          </p:nvPr>
-        </p:nvSpPr>
-        <p:spPr>
-          <a:xfrm>
-            <a:off x="285777" y="5949061"/>
-            <a:ext cx="8677736" cy="510953"/>
-          </a:xfrm>
-        </p:spPr>
-        <p:txBody>
-          <a:bodyPr>
-            <a:normAutofit/>
-          </a:bodyPr>
-          <a:lstStyle/>
-          <a:p>
-            <a:pPr lvl="1"/>
-            <a:r>
-              <a:rPr lang="ja-JP" altLang="en-US" smtClean="0">
-                <a:solidFill>
-                  <a:schemeClr val="tx1"/>
-                </a:solidFill>
-              </a:rPr>
-              <a:t>上記環境のほか、</a:t>
-            </a:r>
-            <a:r>
-              <a:rPr lang="en-US" altLang="ja-JP" smtClean="0">
-                <a:solidFill>
-                  <a:schemeClr val="tx1"/>
-                </a:solidFill>
-                <a:hlinkClick r:id="rId3"/>
-              </a:rPr>
-              <a:t>GitHub</a:t>
-            </a:r>
-            <a:r>
-              <a:rPr lang="ja-JP" altLang="en-US">
-                <a:solidFill>
-                  <a:schemeClr val="tx1"/>
-                </a:solidFill>
-              </a:rPr>
-              <a:t>のアカウントをご用意ください</a:t>
-            </a:r>
-            <a:r>
-              <a:rPr lang="ja-JP" altLang="en-US" smtClean="0">
-                <a:solidFill>
-                  <a:schemeClr val="tx1"/>
-                </a:solidFill>
-              </a:rPr>
-              <a:t>。</a:t>
-            </a:r>
-            <a:endParaRPr lang="en-US" altLang="ja-JP">
-              <a:solidFill>
-                <a:schemeClr val="tx1"/>
-              </a:solidFill>
-            </a:endParaRPr>
-          </a:p>
-        </p:txBody>
-      </p:sp>
-      <p:sp>
-        <p:nvSpPr>
-          <p:cNvPr id="24" name="テキスト ボックス 23"/>
-          <p:cNvSpPr txBox="1"/>
-          <p:nvPr/>
-        </p:nvSpPr>
-        <p:spPr>
-          <a:xfrm>
-            <a:off x="1706879" y="5229662"/>
-            <a:ext cx="6557515" cy="230832"/>
-          </a:xfrm>
-          <a:prstGeom prst="rect">
-            <a:avLst/>
-          </a:prstGeom>
-          <a:noFill/>
-        </p:spPr>
-        <p:txBody>
-          <a:bodyPr wrap="square" rtlCol="0">
-            <a:spAutoFit/>
-          </a:bodyPr>
-          <a:lstStyle/>
-          <a:p>
-            <a:r>
-              <a:rPr kumimoji="1" lang="en-US" altLang="ja-JP" sz="900" dirty="0" smtClean="0"/>
-              <a:t>※1 </a:t>
-            </a:r>
-            <a:r>
-              <a:rPr kumimoji="1" lang="ja-JP" altLang="en-US" sz="900" dirty="0" smtClean="0"/>
-              <a:t>今回はホストサーバーとして</a:t>
-            </a:r>
-            <a:r>
-              <a:rPr kumimoji="1" lang="en-US" altLang="ja-JP" sz="900" dirty="0" smtClean="0"/>
-              <a:t>CentOS7</a:t>
-            </a:r>
-            <a:r>
-              <a:rPr kumimoji="1" lang="ja-JP" altLang="en-US" sz="900" dirty="0" smtClean="0"/>
-              <a:t>を利用致しますが、</a:t>
-            </a:r>
-            <a:r>
-              <a:rPr kumimoji="1" lang="en-US" altLang="ja-JP" sz="900" dirty="0" smtClean="0"/>
-              <a:t>ITA</a:t>
-            </a:r>
-            <a:r>
-              <a:rPr kumimoji="1" lang="ja-JP" altLang="en-US" sz="900" dirty="0" smtClean="0"/>
-              <a:t>は</a:t>
-            </a:r>
-            <a:r>
-              <a:rPr kumimoji="1" lang="en-US" altLang="ja-JP" sz="900" dirty="0" smtClean="0"/>
-              <a:t>RHEL7</a:t>
-            </a:r>
-            <a:r>
-              <a:rPr kumimoji="1" lang="ja-JP" altLang="en-US" sz="900" dirty="0" smtClean="0"/>
-              <a:t>系および</a:t>
-            </a:r>
-            <a:r>
-              <a:rPr kumimoji="1" lang="en-US" altLang="ja-JP" sz="900" dirty="0" smtClean="0"/>
-              <a:t>RHEL8</a:t>
-            </a:r>
-            <a:r>
-              <a:rPr kumimoji="1" lang="ja-JP" altLang="en-US" sz="900" dirty="0" smtClean="0"/>
-              <a:t>系</a:t>
-            </a:r>
-            <a:r>
-              <a:rPr lang="ja-JP" altLang="en-US" sz="900" dirty="0" smtClean="0"/>
-              <a:t>の</a:t>
-            </a:r>
-            <a:r>
-              <a:rPr lang="en-US" altLang="ja-JP" sz="900" dirty="0" smtClean="0"/>
-              <a:t>OS</a:t>
-            </a:r>
-            <a:r>
-              <a:rPr lang="ja-JP" altLang="en-US" sz="900" dirty="0" smtClean="0"/>
-              <a:t>で導入</a:t>
-            </a:r>
-            <a:r>
-              <a:rPr lang="ja-JP" altLang="en-US" sz="900" smtClean="0"/>
-              <a:t>いただけます。</a:t>
-            </a:r>
-            <a:endParaRPr kumimoji="1" lang="ja-JP" altLang="en-US" sz="900" dirty="0"/>
-          </a:p>
-        </p:txBody>
-      </p:sp>
     </p:spTree>
     <p:extLst>
       <p:ext uri="{BB962C8B-B14F-4D97-AF65-F5344CB8AC3E}">
@@ -17983,6 +16464,1512 @@
       </p:grpSpPr>
       <p:sp>
         <p:nvSpPr>
+          <p:cNvPr id="136" name="正方形/長方形 135"/>
+          <p:cNvSpPr/>
+          <p:nvPr/>
+        </p:nvSpPr>
+        <p:spPr bwMode="auto">
+          <a:xfrm>
+            <a:off x="3985565" y="1844781"/>
+            <a:ext cx="5030036" cy="3617647"/>
+          </a:xfrm>
+          <a:prstGeom prst="rect">
+            <a:avLst/>
+          </a:prstGeom>
+          <a:solidFill>
+            <a:sysClr val="window" lastClr="FFFFFF"/>
+          </a:solidFill>
+          <a:ln w="38100">
+            <a:solidFill>
+              <a:srgbClr val="002B62"/>
+            </a:solidFill>
+          </a:ln>
+          <a:effectLst/>
+          <a:extLst/>
+        </p:spPr>
+        <p:txBody>
+          <a:bodyPr rot="0" spcFirstLastPara="0" vertOverflow="overflow" horzOverflow="overflow" vert="horz" wrap="square" lIns="68580" tIns="34290" rIns="68580" bIns="34290" numCol="1" spcCol="0" rtlCol="0" fromWordArt="0" anchor="t" anchorCtr="0" forceAA="0" compatLnSpc="1">
+            <a:prstTxWarp prst="textNoShape">
+              <a:avLst/>
+            </a:prstTxWarp>
+            <a:noAutofit/>
+          </a:bodyPr>
+          <a:lstStyle/>
+          <a:p>
+            <a:pPr marL="0" marR="0" lvl="0" indent="0" algn="ctr" defTabSz="685800" eaLnBrk="1" fontAlgn="auto" latinLnBrk="0" hangingPunct="1">
+              <a:lnSpc>
+                <a:spcPct val="100000"/>
+              </a:lnSpc>
+              <a:spcBef>
+                <a:spcPts val="0"/>
+              </a:spcBef>
+              <a:spcAft>
+                <a:spcPts val="0"/>
+              </a:spcAft>
+              <a:buClrTx/>
+              <a:buSzTx/>
+              <a:buFontTx/>
+              <a:buNone/>
+              <a:tabLst/>
+              <a:defRPr/>
+            </a:pPr>
+            <a:endParaRPr kumimoji="0" lang="ja-JP" altLang="en-US" sz="900" b="1" i="0" u="none" strike="noStrike" kern="0" cap="none" spc="0" normalizeH="0" baseline="0" noProof="0" dirty="0">
+              <a:ln>
+                <a:noFill/>
+              </a:ln>
+              <a:solidFill>
+                <a:srgbClr val="002B62"/>
+              </a:solidFill>
+              <a:effectLst/>
+              <a:uLnTx/>
+              <a:uFillTx/>
+              <a:latin typeface="Meiryo UI" panose="020B0604030504040204" pitchFamily="50" charset="-128"/>
+              <a:ea typeface="Meiryo UI" panose="020B0604030504040204" pitchFamily="50" charset="-128"/>
+            </a:endParaRPr>
+          </a:p>
+        </p:txBody>
+      </p:sp>
+      <p:sp>
+        <p:nvSpPr>
+          <p:cNvPr id="137" name="角丸四角形 136"/>
+          <p:cNvSpPr/>
+          <p:nvPr/>
+        </p:nvSpPr>
+        <p:spPr>
+          <a:xfrm>
+            <a:off x="5524650" y="3805883"/>
+            <a:ext cx="1150247" cy="1379615"/>
+          </a:xfrm>
+          <a:prstGeom prst="roundRect">
+            <a:avLst/>
+          </a:prstGeom>
+          <a:noFill/>
+          <a:ln w="38100" cap="flat" cmpd="sng" algn="ctr">
+            <a:solidFill>
+              <a:srgbClr val="002B62"/>
+            </a:solidFill>
+            <a:prstDash val="dash"/>
+            <a:miter lim="800000"/>
+          </a:ln>
+          <a:effectLst/>
+        </p:spPr>
+        <p:txBody>
+          <a:bodyPr rtlCol="0" anchor="b" anchorCtr="0"/>
+          <a:lstStyle/>
+          <a:p>
+            <a:pPr marL="0" marR="0" lvl="0" indent="0" algn="ctr" defTabSz="685800" eaLnBrk="1" fontAlgn="auto" latinLnBrk="0" hangingPunct="1">
+              <a:lnSpc>
+                <a:spcPct val="100000"/>
+              </a:lnSpc>
+              <a:spcBef>
+                <a:spcPts val="0"/>
+              </a:spcBef>
+              <a:spcAft>
+                <a:spcPts val="0"/>
+              </a:spcAft>
+              <a:buClrTx/>
+              <a:buSzTx/>
+              <a:buFontTx/>
+              <a:buNone/>
+              <a:tabLst/>
+              <a:defRPr/>
+            </a:pPr>
+            <a:r>
+              <a:rPr kumimoji="0" lang="ja-JP" altLang="en-US" sz="1000" b="1" i="0" u="none" strike="noStrike" kern="0" cap="none" spc="0" normalizeH="0" baseline="0" noProof="0" dirty="0" smtClean="0">
+                <a:ln>
+                  <a:noFill/>
+                </a:ln>
+                <a:solidFill>
+                  <a:srgbClr val="002B62"/>
+                </a:solidFill>
+                <a:effectLst/>
+                <a:uLnTx/>
+                <a:uFillTx/>
+                <a:latin typeface="Meiryo UI" panose="020B0604030504040204" pitchFamily="50" charset="-128"/>
+                <a:ea typeface="Meiryo UI" panose="020B0604030504040204" pitchFamily="50" charset="-128"/>
+                <a:cs typeface="+mn-cs"/>
+              </a:rPr>
+              <a:t>資材紐付</a:t>
+            </a:r>
+          </a:p>
+        </p:txBody>
+      </p:sp>
+      <p:sp>
+        <p:nvSpPr>
+          <p:cNvPr id="138" name="テキスト ボックス 137"/>
+          <p:cNvSpPr txBox="1"/>
+          <p:nvPr/>
+        </p:nvSpPr>
+        <p:spPr>
+          <a:xfrm>
+            <a:off x="6386341" y="1945604"/>
+            <a:ext cx="532195" cy="300082"/>
+          </a:xfrm>
+          <a:prstGeom prst="rect">
+            <a:avLst/>
+          </a:prstGeom>
+          <a:noFill/>
+        </p:spPr>
+        <p:txBody>
+          <a:bodyPr wrap="square" rtlCol="0">
+            <a:spAutoFit/>
+          </a:bodyPr>
+          <a:lstStyle/>
+          <a:p>
+            <a:pPr defTabSz="685800"/>
+            <a:r>
+              <a:rPr lang="en-US" altLang="ja-JP" sz="1350" b="1" dirty="0">
+                <a:solidFill>
+                  <a:srgbClr val="002B62"/>
+                </a:solidFill>
+                <a:latin typeface="Meiryo UI" panose="020B0604030504040204" pitchFamily="50" charset="-128"/>
+                <a:ea typeface="Meiryo UI" panose="020B0604030504040204" pitchFamily="50" charset="-128"/>
+              </a:rPr>
+              <a:t>ITA</a:t>
+            </a:r>
+            <a:endParaRPr lang="ja-JP" altLang="en-US" sz="1350" b="1" dirty="0">
+              <a:solidFill>
+                <a:srgbClr val="002B62"/>
+              </a:solidFill>
+              <a:latin typeface="Meiryo UI" panose="020B0604030504040204" pitchFamily="50" charset="-128"/>
+              <a:ea typeface="Meiryo UI" panose="020B0604030504040204" pitchFamily="50" charset="-128"/>
+            </a:endParaRPr>
+          </a:p>
+        </p:txBody>
+      </p:sp>
+      <p:grpSp>
+        <p:nvGrpSpPr>
+          <p:cNvPr id="139" name="グループ化 138"/>
+          <p:cNvGrpSpPr/>
+          <p:nvPr/>
+        </p:nvGrpSpPr>
+        <p:grpSpPr>
+          <a:xfrm>
+            <a:off x="4085912" y="1930480"/>
+            <a:ext cx="973207" cy="923254"/>
+            <a:chOff x="371024" y="1474960"/>
+            <a:chExt cx="2337717" cy="1888541"/>
+          </a:xfrm>
+        </p:grpSpPr>
+        <p:sp>
+          <p:nvSpPr>
+            <p:cNvPr id="140" name="フローチャート: 磁気ディスク 139"/>
+            <p:cNvSpPr/>
+            <p:nvPr/>
+          </p:nvSpPr>
+          <p:spPr>
+            <a:xfrm>
+              <a:off x="1340505" y="2009996"/>
+              <a:ext cx="990600" cy="933450"/>
+            </a:xfrm>
+            <a:prstGeom prst="flowChartMagneticDisk">
+              <a:avLst/>
+            </a:prstGeom>
+            <a:solidFill>
+              <a:srgbClr val="5B9BD5"/>
+            </a:solidFill>
+            <a:ln w="38100" cap="flat" cmpd="sng" algn="ctr">
+              <a:solidFill>
+                <a:srgbClr val="002B62"/>
+              </a:solidFill>
+              <a:prstDash val="solid"/>
+              <a:miter lim="800000"/>
+            </a:ln>
+            <a:effectLst/>
+          </p:spPr>
+          <p:txBody>
+            <a:bodyPr rtlCol="0" anchor="ctr"/>
+            <a:lstStyle/>
+            <a:p>
+              <a:pPr algn="ctr" defTabSz="685800"/>
+              <a:endParaRPr kumimoji="0" lang="ja-JP" altLang="en-US" sz="1350" kern="0" smtClean="0">
+                <a:solidFill>
+                  <a:prstClr val="white"/>
+                </a:solidFill>
+                <a:latin typeface="Meiryo UI" panose="020B0604030504040204" pitchFamily="50" charset="-128"/>
+                <a:ea typeface="Meiryo UI" panose="020B0604030504040204" pitchFamily="50" charset="-128"/>
+              </a:endParaRPr>
+            </a:p>
+          </p:txBody>
+        </p:sp>
+        <p:sp>
+          <p:nvSpPr>
+            <p:cNvPr id="141" name="フローチャート: 磁気ディスク 140"/>
+            <p:cNvSpPr/>
+            <p:nvPr/>
+          </p:nvSpPr>
+          <p:spPr>
+            <a:xfrm>
+              <a:off x="749784" y="2334140"/>
+              <a:ext cx="990600" cy="933450"/>
+            </a:xfrm>
+            <a:prstGeom prst="flowChartMagneticDisk">
+              <a:avLst/>
+            </a:prstGeom>
+            <a:solidFill>
+              <a:srgbClr val="5B9BD5"/>
+            </a:solidFill>
+            <a:ln w="38100" cap="flat" cmpd="sng" algn="ctr">
+              <a:solidFill>
+                <a:srgbClr val="002B62"/>
+              </a:solidFill>
+              <a:prstDash val="solid"/>
+              <a:miter lim="800000"/>
+            </a:ln>
+            <a:effectLst/>
+          </p:spPr>
+          <p:txBody>
+            <a:bodyPr rtlCol="0" anchor="ctr"/>
+            <a:lstStyle/>
+            <a:p>
+              <a:pPr algn="ctr" defTabSz="685800"/>
+              <a:r>
+                <a:rPr kumimoji="0" lang="ja-JP" altLang="en-US" sz="600" kern="0" dirty="0" smtClean="0">
+                  <a:solidFill>
+                    <a:prstClr val="white"/>
+                  </a:solidFill>
+                  <a:latin typeface="Meiryo UI" panose="020B0604030504040204" pitchFamily="50" charset="-128"/>
+                  <a:ea typeface="Meiryo UI" panose="020B0604030504040204" pitchFamily="50" charset="-128"/>
+                </a:rPr>
+                <a:t>資材</a:t>
+              </a:r>
+              <a:r>
+                <a:rPr kumimoji="0" lang="en-US" altLang="ja-JP" sz="600" kern="0" dirty="0" smtClean="0">
+                  <a:solidFill>
+                    <a:prstClr val="white"/>
+                  </a:solidFill>
+                  <a:latin typeface="Meiryo UI" panose="020B0604030504040204" pitchFamily="50" charset="-128"/>
+                  <a:ea typeface="Meiryo UI" panose="020B0604030504040204" pitchFamily="50" charset="-128"/>
+                </a:rPr>
+                <a:t>A</a:t>
+              </a:r>
+              <a:endParaRPr kumimoji="0" lang="ja-JP" altLang="en-US" sz="600" kern="0" dirty="0" smtClean="0">
+                <a:solidFill>
+                  <a:prstClr val="white"/>
+                </a:solidFill>
+                <a:latin typeface="Meiryo UI" panose="020B0604030504040204" pitchFamily="50" charset="-128"/>
+                <a:ea typeface="Meiryo UI" panose="020B0604030504040204" pitchFamily="50" charset="-128"/>
+              </a:endParaRPr>
+            </a:p>
+          </p:txBody>
+        </p:sp>
+        <p:sp>
+          <p:nvSpPr>
+            <p:cNvPr id="142" name="角丸四角形 141"/>
+            <p:cNvSpPr/>
+            <p:nvPr/>
+          </p:nvSpPr>
+          <p:spPr>
+            <a:xfrm>
+              <a:off x="371024" y="1474960"/>
+              <a:ext cx="2337717" cy="1888541"/>
+            </a:xfrm>
+            <a:prstGeom prst="roundRect">
+              <a:avLst/>
+            </a:prstGeom>
+            <a:noFill/>
+            <a:ln w="38100" cap="flat" cmpd="sng" algn="ctr">
+              <a:solidFill>
+                <a:srgbClr val="002B62"/>
+              </a:solidFill>
+              <a:prstDash val="solid"/>
+              <a:miter lim="800000"/>
+            </a:ln>
+            <a:effectLst/>
+          </p:spPr>
+          <p:txBody>
+            <a:bodyPr rtlCol="0" anchor="t" anchorCtr="0"/>
+            <a:lstStyle/>
+            <a:p>
+              <a:pPr algn="ctr" defTabSz="685800"/>
+              <a:r>
+                <a:rPr kumimoji="0" lang="en-US" altLang="ja-JP" sz="1000" b="1" kern="0" dirty="0" smtClean="0">
+                  <a:solidFill>
+                    <a:srgbClr val="002B62"/>
+                  </a:solidFill>
+                  <a:latin typeface="Meiryo UI" panose="020B0604030504040204" pitchFamily="50" charset="-128"/>
+                  <a:ea typeface="Meiryo UI" panose="020B0604030504040204" pitchFamily="50" charset="-128"/>
+                </a:rPr>
+                <a:t>Git</a:t>
+              </a:r>
+              <a:r>
+                <a:rPr kumimoji="0" lang="ja-JP" altLang="en-US" sz="1000" b="1" kern="0" dirty="0" smtClean="0">
+                  <a:solidFill>
+                    <a:srgbClr val="002B62"/>
+                  </a:solidFill>
+                  <a:latin typeface="Meiryo UI" panose="020B0604030504040204" pitchFamily="50" charset="-128"/>
+                  <a:ea typeface="Meiryo UI" panose="020B0604030504040204" pitchFamily="50" charset="-128"/>
+                </a:rPr>
+                <a:t>リポジトリ</a:t>
+              </a:r>
+            </a:p>
+          </p:txBody>
+        </p:sp>
+      </p:grpSp>
+      <p:grpSp>
+        <p:nvGrpSpPr>
+          <p:cNvPr id="143" name="グループ化 142"/>
+          <p:cNvGrpSpPr/>
+          <p:nvPr/>
+        </p:nvGrpSpPr>
+        <p:grpSpPr>
+          <a:xfrm>
+            <a:off x="5497968" y="2385700"/>
+            <a:ext cx="1149417" cy="1337388"/>
+            <a:chOff x="6020681" y="2080208"/>
+            <a:chExt cx="1435808" cy="1415272"/>
+          </a:xfrm>
+        </p:grpSpPr>
+        <p:sp>
+          <p:nvSpPr>
+            <p:cNvPr id="144" name="フローチャート: 磁気ディスク 143"/>
+            <p:cNvSpPr/>
+            <p:nvPr/>
+          </p:nvSpPr>
+          <p:spPr>
+            <a:xfrm>
+              <a:off x="6683158" y="2659041"/>
+              <a:ext cx="525435" cy="492993"/>
+            </a:xfrm>
+            <a:prstGeom prst="flowChartMagneticDisk">
+              <a:avLst/>
+            </a:prstGeom>
+            <a:solidFill>
+              <a:srgbClr val="5B9BD5"/>
+            </a:solidFill>
+            <a:ln w="38100" cap="flat" cmpd="sng" algn="ctr">
+              <a:solidFill>
+                <a:srgbClr val="002B62"/>
+              </a:solidFill>
+              <a:prstDash val="solid"/>
+              <a:miter lim="800000"/>
+            </a:ln>
+            <a:effectLst/>
+          </p:spPr>
+          <p:txBody>
+            <a:bodyPr rtlCol="0" anchor="ctr"/>
+            <a:lstStyle/>
+            <a:p>
+              <a:pPr algn="ctr" defTabSz="685800"/>
+              <a:endParaRPr kumimoji="0" lang="ja-JP" altLang="en-US" sz="1350" kern="0" smtClean="0">
+                <a:solidFill>
+                  <a:prstClr val="white"/>
+                </a:solidFill>
+                <a:latin typeface="Meiryo UI" panose="020B0604030504040204" pitchFamily="50" charset="-128"/>
+                <a:ea typeface="Meiryo UI" panose="020B0604030504040204" pitchFamily="50" charset="-128"/>
+              </a:endParaRPr>
+            </a:p>
+          </p:txBody>
+        </p:sp>
+        <p:sp>
+          <p:nvSpPr>
+            <p:cNvPr id="145" name="フローチャート: 磁気ディスク 144"/>
+            <p:cNvSpPr/>
+            <p:nvPr/>
+          </p:nvSpPr>
+          <p:spPr>
+            <a:xfrm>
+              <a:off x="6345606" y="2855308"/>
+              <a:ext cx="525435" cy="466925"/>
+            </a:xfrm>
+            <a:prstGeom prst="flowChartMagneticDisk">
+              <a:avLst/>
+            </a:prstGeom>
+            <a:solidFill>
+              <a:srgbClr val="5B9BD5"/>
+            </a:solidFill>
+            <a:ln w="38100" cap="flat" cmpd="sng" algn="ctr">
+              <a:solidFill>
+                <a:srgbClr val="002B62"/>
+              </a:solidFill>
+              <a:prstDash val="solid"/>
+              <a:miter lim="800000"/>
+            </a:ln>
+            <a:effectLst/>
+          </p:spPr>
+          <p:txBody>
+            <a:bodyPr rtlCol="0" anchor="ctr"/>
+            <a:lstStyle/>
+            <a:p>
+              <a:pPr algn="ctr" defTabSz="685800"/>
+              <a:r>
+                <a:rPr kumimoji="0" lang="ja-JP" altLang="en-US" sz="600" kern="0" dirty="0" smtClean="0">
+                  <a:solidFill>
+                    <a:prstClr val="white"/>
+                  </a:solidFill>
+                  <a:latin typeface="Meiryo UI" panose="020B0604030504040204" pitchFamily="50" charset="-128"/>
+                  <a:ea typeface="Meiryo UI" panose="020B0604030504040204" pitchFamily="50" charset="-128"/>
+                </a:rPr>
+                <a:t>資材</a:t>
+              </a:r>
+              <a:r>
+                <a:rPr kumimoji="0" lang="en-US" altLang="ja-JP" sz="600" kern="0" dirty="0" smtClean="0">
+                  <a:solidFill>
+                    <a:prstClr val="white"/>
+                  </a:solidFill>
+                  <a:latin typeface="Meiryo UI" panose="020B0604030504040204" pitchFamily="50" charset="-128"/>
+                  <a:ea typeface="Meiryo UI" panose="020B0604030504040204" pitchFamily="50" charset="-128"/>
+                </a:rPr>
+                <a:t>A</a:t>
+              </a:r>
+              <a:endParaRPr kumimoji="0" lang="ja-JP" altLang="en-US" sz="600" kern="0" dirty="0" smtClean="0">
+                <a:solidFill>
+                  <a:prstClr val="white"/>
+                </a:solidFill>
+                <a:latin typeface="Meiryo UI" panose="020B0604030504040204" pitchFamily="50" charset="-128"/>
+                <a:ea typeface="Meiryo UI" panose="020B0604030504040204" pitchFamily="50" charset="-128"/>
+              </a:endParaRPr>
+            </a:p>
+          </p:txBody>
+        </p:sp>
+        <p:sp>
+          <p:nvSpPr>
+            <p:cNvPr id="146" name="角丸四角形 145"/>
+            <p:cNvSpPr/>
+            <p:nvPr/>
+          </p:nvSpPr>
+          <p:spPr>
+            <a:xfrm>
+              <a:off x="6020681" y="2080208"/>
+              <a:ext cx="1435808" cy="1415272"/>
+            </a:xfrm>
+            <a:prstGeom prst="roundRect">
+              <a:avLst/>
+            </a:prstGeom>
+            <a:noFill/>
+            <a:ln w="38100" cap="flat" cmpd="sng" algn="ctr">
+              <a:solidFill>
+                <a:srgbClr val="002B62"/>
+              </a:solidFill>
+              <a:prstDash val="dash"/>
+              <a:miter lim="800000"/>
+            </a:ln>
+            <a:effectLst/>
+          </p:spPr>
+          <p:txBody>
+            <a:bodyPr rtlCol="0" anchor="t" anchorCtr="0"/>
+            <a:lstStyle/>
+            <a:p>
+              <a:pPr algn="ctr" defTabSz="685800"/>
+              <a:r>
+                <a:rPr kumimoji="0" lang="en-US" altLang="ja-JP" sz="1000" b="1" kern="0" dirty="0" smtClean="0">
+                  <a:solidFill>
+                    <a:srgbClr val="002B62"/>
+                  </a:solidFill>
+                  <a:latin typeface="Meiryo UI" panose="020B0604030504040204" pitchFamily="50" charset="-128"/>
+                  <a:ea typeface="Meiryo UI" panose="020B0604030504040204" pitchFamily="50" charset="-128"/>
+                </a:rPr>
+                <a:t>Git</a:t>
+              </a:r>
+              <a:r>
+                <a:rPr kumimoji="0" lang="ja-JP" altLang="en-US" sz="1000" b="1" kern="0" dirty="0" smtClean="0">
+                  <a:solidFill>
+                    <a:srgbClr val="002B62"/>
+                  </a:solidFill>
+                  <a:latin typeface="Meiryo UI" panose="020B0604030504040204" pitchFamily="50" charset="-128"/>
+                  <a:ea typeface="Meiryo UI" panose="020B0604030504040204" pitchFamily="50" charset="-128"/>
+                </a:rPr>
+                <a:t>連携機能</a:t>
+              </a:r>
+            </a:p>
+          </p:txBody>
+        </p:sp>
+        <p:sp>
+          <p:nvSpPr>
+            <p:cNvPr id="147" name="角丸四角形 146"/>
+            <p:cNvSpPr/>
+            <p:nvPr/>
+          </p:nvSpPr>
+          <p:spPr>
+            <a:xfrm>
+              <a:off x="6138137" y="2395959"/>
+              <a:ext cx="1217639" cy="973727"/>
+            </a:xfrm>
+            <a:prstGeom prst="roundRect">
+              <a:avLst/>
+            </a:prstGeom>
+            <a:noFill/>
+            <a:ln w="38100" cap="flat" cmpd="sng" algn="ctr">
+              <a:solidFill>
+                <a:srgbClr val="002B62"/>
+              </a:solidFill>
+              <a:prstDash val="solid"/>
+              <a:miter lim="800000"/>
+            </a:ln>
+            <a:effectLst/>
+          </p:spPr>
+          <p:txBody>
+            <a:bodyPr rtlCol="0" anchor="t" anchorCtr="0"/>
+            <a:lstStyle/>
+            <a:p>
+              <a:pPr algn="ctr" defTabSz="685800"/>
+              <a:r>
+                <a:rPr kumimoji="0" lang="ja-JP" altLang="en-US" sz="700" b="1" kern="0" dirty="0" smtClean="0">
+                  <a:solidFill>
+                    <a:srgbClr val="002B62"/>
+                  </a:solidFill>
+                  <a:latin typeface="Meiryo UI" panose="020B0604030504040204" pitchFamily="50" charset="-128"/>
+                  <a:ea typeface="Meiryo UI" panose="020B0604030504040204" pitchFamily="50" charset="-128"/>
+                </a:rPr>
+                <a:t>ローカルリポジトリ</a:t>
+              </a:r>
+            </a:p>
+          </p:txBody>
+        </p:sp>
+      </p:grpSp>
+      <p:sp>
+        <p:nvSpPr>
+          <p:cNvPr id="148" name="正方形/長方形 147"/>
+          <p:cNvSpPr/>
+          <p:nvPr/>
+        </p:nvSpPr>
+        <p:spPr>
+          <a:xfrm>
+            <a:off x="5186250" y="1929062"/>
+            <a:ext cx="2761536" cy="3444208"/>
+          </a:xfrm>
+          <a:prstGeom prst="rect">
+            <a:avLst/>
+          </a:prstGeom>
+          <a:noFill/>
+          <a:ln w="38100" cap="flat" cmpd="sng" algn="ctr">
+            <a:solidFill>
+              <a:srgbClr val="002B62"/>
+            </a:solidFill>
+            <a:prstDash val="solid"/>
+            <a:miter lim="800000"/>
+          </a:ln>
+          <a:effectLst/>
+        </p:spPr>
+        <p:txBody>
+          <a:bodyPr rtlCol="0" anchor="ctr"/>
+          <a:lstStyle/>
+          <a:p>
+            <a:pPr marL="0" marR="0" lvl="0" indent="0" algn="ctr" defTabSz="685800" eaLnBrk="1" fontAlgn="auto" latinLnBrk="0" hangingPunct="1">
+              <a:lnSpc>
+                <a:spcPct val="100000"/>
+              </a:lnSpc>
+              <a:spcBef>
+                <a:spcPts val="0"/>
+              </a:spcBef>
+              <a:spcAft>
+                <a:spcPts val="0"/>
+              </a:spcAft>
+              <a:buClrTx/>
+              <a:buSzTx/>
+              <a:buFontTx/>
+              <a:buNone/>
+              <a:tabLst/>
+              <a:defRPr/>
+            </a:pPr>
+            <a:endParaRPr kumimoji="0" lang="ja-JP" altLang="en-US" sz="1350" b="0" i="0" u="none" strike="noStrike" kern="0" cap="none" spc="0" normalizeH="0" baseline="0" noProof="0" smtClean="0">
+              <a:ln>
+                <a:noFill/>
+              </a:ln>
+              <a:solidFill>
+                <a:prstClr val="white"/>
+              </a:solidFill>
+              <a:effectLst/>
+              <a:uLnTx/>
+              <a:uFillTx/>
+              <a:latin typeface="Meiryo UI" panose="020B0604030504040204" pitchFamily="50" charset="-128"/>
+              <a:ea typeface="Meiryo UI" panose="020B0604030504040204" pitchFamily="50" charset="-128"/>
+              <a:cs typeface="+mn-cs"/>
+            </a:endParaRPr>
+          </a:p>
+        </p:txBody>
+      </p:sp>
+      <p:sp>
+        <p:nvSpPr>
+          <p:cNvPr id="149" name="環状矢印 148"/>
+          <p:cNvSpPr/>
+          <p:nvPr/>
+        </p:nvSpPr>
+        <p:spPr>
+          <a:xfrm rot="10800000">
+            <a:off x="4826209" y="2782889"/>
+            <a:ext cx="666516" cy="721355"/>
+          </a:xfrm>
+          <a:prstGeom prst="circularArrow">
+            <a:avLst>
+              <a:gd name="adj1" fmla="val 12716"/>
+              <a:gd name="adj2" fmla="val 1861405"/>
+              <a:gd name="adj3" fmla="val 8853523"/>
+              <a:gd name="adj4" fmla="val 12039106"/>
+              <a:gd name="adj5" fmla="val 17377"/>
+            </a:avLst>
+          </a:prstGeom>
+          <a:solidFill>
+            <a:srgbClr val="FFC000"/>
+          </a:solidFill>
+          <a:ln>
+            <a:noFill/>
+          </a:ln>
+          <a:effectLst/>
+        </p:spPr>
+      </p:sp>
+      <p:sp>
+        <p:nvSpPr>
+          <p:cNvPr id="150" name="テキスト ボックス 149"/>
+          <p:cNvSpPr txBox="1"/>
+          <p:nvPr/>
+        </p:nvSpPr>
+        <p:spPr>
+          <a:xfrm>
+            <a:off x="4391647" y="3457446"/>
+            <a:ext cx="1073554" cy="230832"/>
+          </a:xfrm>
+          <a:prstGeom prst="rect">
+            <a:avLst/>
+          </a:prstGeom>
+          <a:solidFill>
+            <a:sysClr val="window" lastClr="FFFFFF"/>
+          </a:solidFill>
+        </p:spPr>
+        <p:txBody>
+          <a:bodyPr wrap="square" rtlCol="0">
+            <a:spAutoFit/>
+          </a:bodyPr>
+          <a:lstStyle/>
+          <a:p>
+            <a:pPr marL="0" marR="0" lvl="0" indent="0" defTabSz="685800" eaLnBrk="1" fontAlgn="auto" latinLnBrk="0" hangingPunct="1">
+              <a:lnSpc>
+                <a:spcPct val="100000"/>
+              </a:lnSpc>
+              <a:spcBef>
+                <a:spcPts val="0"/>
+              </a:spcBef>
+              <a:spcAft>
+                <a:spcPts val="0"/>
+              </a:spcAft>
+              <a:buClrTx/>
+              <a:buSzTx/>
+              <a:buFontTx/>
+              <a:buNone/>
+              <a:tabLst/>
+              <a:defRPr/>
+            </a:pPr>
+            <a:r>
+              <a:rPr kumimoji="0" lang="en-US" altLang="ja-JP" sz="900" b="1" i="0" u="none" strike="noStrike" kern="0" cap="none" spc="0" normalizeH="0" baseline="0" noProof="0" dirty="0" smtClean="0">
+                <a:ln>
+                  <a:noFill/>
+                </a:ln>
+                <a:solidFill>
+                  <a:srgbClr val="002B62"/>
+                </a:solidFill>
+                <a:effectLst/>
+                <a:uLnTx/>
+                <a:uFillTx/>
+                <a:latin typeface="Meiryo UI" panose="020B0604030504040204" pitchFamily="50" charset="-128"/>
+                <a:ea typeface="Meiryo UI" panose="020B0604030504040204" pitchFamily="50" charset="-128"/>
+              </a:rPr>
+              <a:t>Git</a:t>
+            </a:r>
+            <a:r>
+              <a:rPr kumimoji="0" lang="ja-JP" altLang="en-US" sz="900" b="1" i="0" u="none" strike="noStrike" kern="0" cap="none" spc="0" normalizeH="0" baseline="0" noProof="0" dirty="0" smtClean="0">
+                <a:ln>
+                  <a:noFill/>
+                </a:ln>
+                <a:solidFill>
+                  <a:srgbClr val="002B62"/>
+                </a:solidFill>
+                <a:effectLst/>
+                <a:uLnTx/>
+                <a:uFillTx/>
+                <a:latin typeface="Meiryo UI" panose="020B0604030504040204" pitchFamily="50" charset="-128"/>
+                <a:ea typeface="Meiryo UI" panose="020B0604030504040204" pitchFamily="50" charset="-128"/>
+              </a:rPr>
+              <a:t>クローン</a:t>
+            </a:r>
+            <a:r>
+              <a:rPr kumimoji="0" lang="en-US" altLang="ja-JP" sz="900" b="1" i="0" u="none" strike="noStrike" kern="0" cap="none" spc="0" normalizeH="0" baseline="0" noProof="0" dirty="0" smtClean="0">
+                <a:ln>
+                  <a:noFill/>
+                </a:ln>
+                <a:solidFill>
+                  <a:srgbClr val="002B62"/>
+                </a:solidFill>
+                <a:effectLst/>
+                <a:uLnTx/>
+                <a:uFillTx/>
+                <a:latin typeface="Meiryo UI" panose="020B0604030504040204" pitchFamily="50" charset="-128"/>
+                <a:ea typeface="Meiryo UI" panose="020B0604030504040204" pitchFamily="50" charset="-128"/>
+              </a:rPr>
+              <a:t>/</a:t>
+            </a:r>
+            <a:r>
+              <a:rPr kumimoji="0" lang="ja-JP" altLang="en-US" sz="900" b="1" i="0" u="none" strike="noStrike" kern="0" cap="none" spc="0" normalizeH="0" baseline="0" noProof="0" dirty="0" smtClean="0">
+                <a:ln>
+                  <a:noFill/>
+                </a:ln>
+                <a:solidFill>
+                  <a:srgbClr val="002B62"/>
+                </a:solidFill>
+                <a:effectLst/>
+                <a:uLnTx/>
+                <a:uFillTx/>
+                <a:latin typeface="Meiryo UI" panose="020B0604030504040204" pitchFamily="50" charset="-128"/>
+                <a:ea typeface="Meiryo UI" panose="020B0604030504040204" pitchFamily="50" charset="-128"/>
+              </a:rPr>
+              <a:t>更新</a:t>
+            </a:r>
+          </a:p>
+        </p:txBody>
+      </p:sp>
+      <p:grpSp>
+        <p:nvGrpSpPr>
+          <p:cNvPr id="151" name="グループ化 150"/>
+          <p:cNvGrpSpPr/>
+          <p:nvPr/>
+        </p:nvGrpSpPr>
+        <p:grpSpPr>
+          <a:xfrm>
+            <a:off x="8025083" y="4016125"/>
+            <a:ext cx="862761" cy="1169373"/>
+            <a:chOff x="10343028" y="4197849"/>
+            <a:chExt cx="1544172" cy="1965414"/>
+          </a:xfrm>
+        </p:grpSpPr>
+        <p:sp>
+          <p:nvSpPr>
+            <p:cNvPr id="152" name="角丸四角形 151"/>
+            <p:cNvSpPr/>
+            <p:nvPr/>
+          </p:nvSpPr>
+          <p:spPr>
+            <a:xfrm>
+              <a:off x="10343028" y="4197849"/>
+              <a:ext cx="1544172" cy="1965414"/>
+            </a:xfrm>
+            <a:prstGeom prst="roundRect">
+              <a:avLst/>
+            </a:prstGeom>
+            <a:noFill/>
+            <a:ln w="38100" cap="flat" cmpd="sng" algn="ctr">
+              <a:solidFill>
+                <a:srgbClr val="002B62"/>
+              </a:solidFill>
+              <a:prstDash val="dash"/>
+              <a:miter lim="800000"/>
+            </a:ln>
+            <a:effectLst/>
+          </p:spPr>
+          <p:txBody>
+            <a:bodyPr rtlCol="0" anchor="t" anchorCtr="0"/>
+            <a:lstStyle/>
+            <a:p>
+              <a:pPr marL="0" marR="0" lvl="0" indent="0" algn="ctr" defTabSz="685800" eaLnBrk="1" fontAlgn="auto" latinLnBrk="0" hangingPunct="1">
+                <a:lnSpc>
+                  <a:spcPct val="100000"/>
+                </a:lnSpc>
+                <a:spcBef>
+                  <a:spcPts val="0"/>
+                </a:spcBef>
+                <a:spcAft>
+                  <a:spcPts val="0"/>
+                </a:spcAft>
+                <a:buClrTx/>
+                <a:buSzTx/>
+                <a:buFontTx/>
+                <a:buNone/>
+                <a:tabLst/>
+                <a:defRPr/>
+              </a:pPr>
+              <a:r>
+                <a:rPr kumimoji="0" lang="ja-JP" altLang="en-US" sz="800" b="1" i="0" u="none" strike="noStrike" kern="0" cap="none" spc="0" normalizeH="0" baseline="0" noProof="0" dirty="0" smtClean="0">
+                  <a:ln>
+                    <a:noFill/>
+                  </a:ln>
+                  <a:solidFill>
+                    <a:srgbClr val="002B62"/>
+                  </a:solidFill>
+                  <a:effectLst/>
+                  <a:uLnTx/>
+                  <a:uFillTx/>
+                  <a:latin typeface="Meiryo UI" panose="020B0604030504040204" pitchFamily="50" charset="-128"/>
+                  <a:ea typeface="Meiryo UI" panose="020B0604030504040204" pitchFamily="50" charset="-128"/>
+                  <a:cs typeface="+mn-cs"/>
+                </a:rPr>
+                <a:t>対象システム</a:t>
+              </a:r>
+            </a:p>
+          </p:txBody>
+        </p:sp>
+        <p:pic>
+          <p:nvPicPr>
+            <p:cNvPr id="153" name="図 152"/>
+            <p:cNvPicPr>
+              <a:picLocks noChangeAspect="1"/>
+            </p:cNvPicPr>
+            <p:nvPr/>
+          </p:nvPicPr>
+          <p:blipFill>
+            <a:blip r:embed="rId2" cstate="print">
+              <a:duotone>
+                <a:srgbClr val="5B9BD5">
+                  <a:shade val="45000"/>
+                  <a:satMod val="135000"/>
+                </a:srgbClr>
+                <a:prstClr val="white"/>
+              </a:duotone>
+              <a:extLst>
+                <a:ext uri="{28A0092B-C50C-407E-A947-70E740481C1C}">
+                  <a14:useLocalDpi xmlns:a14="http://schemas.microsoft.com/office/drawing/2010/main" val="0"/>
+                </a:ext>
+              </a:extLst>
+            </a:blip>
+            <a:stretch>
+              <a:fillRect/>
+            </a:stretch>
+          </p:blipFill>
+          <p:spPr>
+            <a:xfrm>
+              <a:off x="10719701" y="4911350"/>
+              <a:ext cx="890928" cy="890928"/>
+            </a:xfrm>
+            <a:prstGeom prst="rect">
+              <a:avLst/>
+            </a:prstGeom>
+            <a:noFill/>
+            <a:ln>
+              <a:noFill/>
+            </a:ln>
+          </p:spPr>
+        </p:pic>
+        <p:sp>
+          <p:nvSpPr>
+            <p:cNvPr id="154" name="テキスト ボックス 153"/>
+            <p:cNvSpPr txBox="1"/>
+            <p:nvPr/>
+          </p:nvSpPr>
+          <p:spPr>
+            <a:xfrm>
+              <a:off x="10546691" y="5802278"/>
+              <a:ext cx="1190212" cy="326116"/>
+            </a:xfrm>
+            <a:prstGeom prst="rect">
+              <a:avLst/>
+            </a:prstGeom>
+            <a:noFill/>
+          </p:spPr>
+          <p:txBody>
+            <a:bodyPr wrap="square" rtlCol="0">
+              <a:spAutoFit/>
+            </a:bodyPr>
+            <a:lstStyle/>
+            <a:p>
+              <a:pPr marL="0" marR="0" lvl="0" indent="0" defTabSz="685800" eaLnBrk="1" fontAlgn="auto" latinLnBrk="0" hangingPunct="1">
+                <a:lnSpc>
+                  <a:spcPct val="100000"/>
+                </a:lnSpc>
+                <a:spcBef>
+                  <a:spcPts val="0"/>
+                </a:spcBef>
+                <a:spcAft>
+                  <a:spcPts val="0"/>
+                </a:spcAft>
+                <a:buClrTx/>
+                <a:buSzTx/>
+                <a:buFontTx/>
+                <a:buNone/>
+                <a:tabLst/>
+                <a:defRPr/>
+              </a:pPr>
+              <a:r>
+                <a:rPr kumimoji="0" lang="ja-JP" altLang="en-US" sz="800" b="1" i="0" u="none" strike="noStrike" kern="0" cap="none" spc="0" normalizeH="0" baseline="0" noProof="0" dirty="0" smtClean="0">
+                  <a:ln>
+                    <a:noFill/>
+                  </a:ln>
+                  <a:solidFill>
+                    <a:srgbClr val="002B62"/>
+                  </a:solidFill>
+                  <a:effectLst/>
+                  <a:uLnTx/>
+                  <a:uFillTx/>
+                  <a:latin typeface="Meiryo UI" panose="020B0604030504040204" pitchFamily="50" charset="-128"/>
+                  <a:ea typeface="Meiryo UI" panose="020B0604030504040204" pitchFamily="50" charset="-128"/>
+                </a:rPr>
+                <a:t>対象サーバ</a:t>
+              </a:r>
+            </a:p>
+          </p:txBody>
+        </p:sp>
+      </p:grpSp>
+      <p:grpSp>
+        <p:nvGrpSpPr>
+          <p:cNvPr id="156" name="グループ化 155"/>
+          <p:cNvGrpSpPr/>
+          <p:nvPr/>
+        </p:nvGrpSpPr>
+        <p:grpSpPr>
+          <a:xfrm>
+            <a:off x="6740432" y="3281726"/>
+            <a:ext cx="1132607" cy="1896370"/>
+            <a:chOff x="3328152" y="3510483"/>
+            <a:chExt cx="1414810" cy="2006807"/>
+          </a:xfrm>
+        </p:grpSpPr>
+        <p:sp>
+          <p:nvSpPr>
+            <p:cNvPr id="157" name="角丸四角形 156"/>
+            <p:cNvSpPr/>
+            <p:nvPr/>
+          </p:nvSpPr>
+          <p:spPr>
+            <a:xfrm>
+              <a:off x="3328152" y="3510483"/>
+              <a:ext cx="1414810" cy="2006807"/>
+            </a:xfrm>
+            <a:prstGeom prst="roundRect">
+              <a:avLst/>
+            </a:prstGeom>
+            <a:noFill/>
+            <a:ln w="38100" cap="flat" cmpd="sng" algn="ctr">
+              <a:solidFill>
+                <a:srgbClr val="002B62"/>
+              </a:solidFill>
+              <a:prstDash val="dash"/>
+              <a:miter lim="800000"/>
+            </a:ln>
+            <a:effectLst/>
+          </p:spPr>
+          <p:txBody>
+            <a:bodyPr rtlCol="0" anchor="t" anchorCtr="0"/>
+            <a:lstStyle/>
+            <a:p>
+              <a:pPr marL="0" marR="0" lvl="0" indent="0" algn="ctr" defTabSz="685800" eaLnBrk="1" fontAlgn="auto" latinLnBrk="0" hangingPunct="1">
+                <a:lnSpc>
+                  <a:spcPct val="100000"/>
+                </a:lnSpc>
+                <a:spcBef>
+                  <a:spcPts val="0"/>
+                </a:spcBef>
+                <a:spcAft>
+                  <a:spcPts val="0"/>
+                </a:spcAft>
+                <a:buClrTx/>
+                <a:buSzTx/>
+                <a:buFontTx/>
+                <a:buNone/>
+                <a:tabLst/>
+                <a:defRPr/>
+              </a:pPr>
+              <a:r>
+                <a:rPr kumimoji="0" lang="ja-JP" altLang="en-US" sz="1000" b="1" i="0" u="none" strike="noStrike" kern="0" cap="none" spc="0" normalizeH="0" baseline="0" noProof="0" dirty="0" smtClean="0">
+                  <a:ln>
+                    <a:noFill/>
+                  </a:ln>
+                  <a:solidFill>
+                    <a:srgbClr val="002B62"/>
+                  </a:solidFill>
+                  <a:effectLst/>
+                  <a:uLnTx/>
+                  <a:uFillTx/>
+                  <a:latin typeface="Meiryo UI" panose="020B0604030504040204" pitchFamily="50" charset="-128"/>
+                  <a:ea typeface="Meiryo UI" panose="020B0604030504040204" pitchFamily="50" charset="-128"/>
+                  <a:cs typeface="+mn-cs"/>
+                </a:rPr>
+                <a:t>連携ドライバ</a:t>
+              </a:r>
+            </a:p>
+          </p:txBody>
+        </p:sp>
+        <p:grpSp>
+          <p:nvGrpSpPr>
+            <p:cNvPr id="158" name="グループ化 157"/>
+            <p:cNvGrpSpPr/>
+            <p:nvPr/>
+          </p:nvGrpSpPr>
+          <p:grpSpPr>
+            <a:xfrm>
+              <a:off x="3417953" y="3882474"/>
+              <a:ext cx="1213390" cy="970960"/>
+              <a:chOff x="5747827" y="2440136"/>
+              <a:chExt cx="1213390" cy="970960"/>
+            </a:xfrm>
+          </p:grpSpPr>
+          <p:sp>
+            <p:nvSpPr>
+              <p:cNvPr id="160" name="フローチャート: 磁気ディスク 159"/>
+              <p:cNvSpPr/>
+              <p:nvPr/>
+            </p:nvSpPr>
+            <p:spPr>
+              <a:xfrm>
+                <a:off x="6284458" y="2723422"/>
+                <a:ext cx="494540" cy="485720"/>
+              </a:xfrm>
+              <a:prstGeom prst="flowChartMagneticDisk">
+                <a:avLst/>
+              </a:prstGeom>
+              <a:solidFill>
+                <a:srgbClr val="5B9BD5"/>
+              </a:solidFill>
+              <a:ln w="38100" cap="flat" cmpd="sng" algn="ctr">
+                <a:solidFill>
+                  <a:srgbClr val="002B62"/>
+                </a:solidFill>
+                <a:prstDash val="solid"/>
+                <a:miter lim="800000"/>
+              </a:ln>
+              <a:effectLst/>
+            </p:spPr>
+            <p:txBody>
+              <a:bodyPr rtlCol="0" anchor="ctr"/>
+              <a:lstStyle/>
+              <a:p>
+                <a:pPr marL="0" marR="0" lvl="0" indent="0" algn="ctr" defTabSz="685800" eaLnBrk="1" fontAlgn="auto" latinLnBrk="0" hangingPunct="1">
+                  <a:lnSpc>
+                    <a:spcPct val="100000"/>
+                  </a:lnSpc>
+                  <a:spcBef>
+                    <a:spcPts val="0"/>
+                  </a:spcBef>
+                  <a:spcAft>
+                    <a:spcPts val="0"/>
+                  </a:spcAft>
+                  <a:buClrTx/>
+                  <a:buSzTx/>
+                  <a:buFontTx/>
+                  <a:buNone/>
+                  <a:tabLst/>
+                  <a:defRPr/>
+                </a:pPr>
+                <a:endParaRPr kumimoji="0" lang="ja-JP" altLang="en-US" sz="1350" b="0" i="0" u="none" strike="noStrike" kern="0" cap="none" spc="0" normalizeH="0" baseline="0" noProof="0" smtClean="0">
+                  <a:ln>
+                    <a:noFill/>
+                  </a:ln>
+                  <a:solidFill>
+                    <a:prstClr val="white"/>
+                  </a:solidFill>
+                  <a:effectLst/>
+                  <a:uLnTx/>
+                  <a:uFillTx/>
+                  <a:latin typeface="Meiryo UI" panose="020B0604030504040204" pitchFamily="50" charset="-128"/>
+                  <a:ea typeface="Meiryo UI" panose="020B0604030504040204" pitchFamily="50" charset="-128"/>
+                  <a:cs typeface="+mn-cs"/>
+                </a:endParaRPr>
+              </a:p>
+            </p:txBody>
+          </p:sp>
+          <p:sp>
+            <p:nvSpPr>
+              <p:cNvPr id="161" name="フローチャート: 磁気ディスク 160"/>
+              <p:cNvSpPr/>
+              <p:nvPr/>
+            </p:nvSpPr>
+            <p:spPr>
+              <a:xfrm>
+                <a:off x="5908089" y="2868332"/>
+                <a:ext cx="494540" cy="485720"/>
+              </a:xfrm>
+              <a:prstGeom prst="flowChartMagneticDisk">
+                <a:avLst/>
+              </a:prstGeom>
+              <a:solidFill>
+                <a:srgbClr val="5B9BD5"/>
+              </a:solidFill>
+              <a:ln w="38100" cap="flat" cmpd="sng" algn="ctr">
+                <a:solidFill>
+                  <a:srgbClr val="002B62"/>
+                </a:solidFill>
+                <a:prstDash val="solid"/>
+                <a:miter lim="800000"/>
+              </a:ln>
+              <a:effectLst/>
+            </p:spPr>
+            <p:txBody>
+              <a:bodyPr rtlCol="0" anchor="ctr"/>
+              <a:lstStyle/>
+              <a:p>
+                <a:pPr marL="0" marR="0" lvl="0" indent="0" algn="ctr" defTabSz="685800" eaLnBrk="1" fontAlgn="auto" latinLnBrk="0" hangingPunct="1">
+                  <a:lnSpc>
+                    <a:spcPct val="100000"/>
+                  </a:lnSpc>
+                  <a:spcBef>
+                    <a:spcPts val="0"/>
+                  </a:spcBef>
+                  <a:spcAft>
+                    <a:spcPts val="0"/>
+                  </a:spcAft>
+                  <a:buClrTx/>
+                  <a:buSzTx/>
+                  <a:buFontTx/>
+                  <a:buNone/>
+                  <a:tabLst/>
+                  <a:defRPr/>
+                </a:pPr>
+                <a:r>
+                  <a:rPr kumimoji="0" lang="ja-JP" altLang="en-US" sz="600" b="0" i="0" u="none" strike="noStrike" kern="0" cap="none" spc="0" normalizeH="0" baseline="0" noProof="0" dirty="0" smtClean="0">
+                    <a:ln>
+                      <a:noFill/>
+                    </a:ln>
+                    <a:solidFill>
+                      <a:prstClr val="white"/>
+                    </a:solidFill>
+                    <a:effectLst/>
+                    <a:uLnTx/>
+                    <a:uFillTx/>
+                    <a:latin typeface="Meiryo UI" panose="020B0604030504040204" pitchFamily="50" charset="-128"/>
+                    <a:ea typeface="Meiryo UI" panose="020B0604030504040204" pitchFamily="50" charset="-128"/>
+                    <a:cs typeface="+mn-cs"/>
+                  </a:rPr>
+                  <a:t>資材</a:t>
+                </a:r>
+                <a:r>
+                  <a:rPr kumimoji="0" lang="en-US" altLang="ja-JP" sz="600" b="0" i="0" u="none" strike="noStrike" kern="0" cap="none" spc="0" normalizeH="0" baseline="0" noProof="0" dirty="0" smtClean="0">
+                    <a:ln>
+                      <a:noFill/>
+                    </a:ln>
+                    <a:solidFill>
+                      <a:prstClr val="white"/>
+                    </a:solidFill>
+                    <a:effectLst/>
+                    <a:uLnTx/>
+                    <a:uFillTx/>
+                    <a:latin typeface="Meiryo UI" panose="020B0604030504040204" pitchFamily="50" charset="-128"/>
+                    <a:ea typeface="Meiryo UI" panose="020B0604030504040204" pitchFamily="50" charset="-128"/>
+                    <a:cs typeface="+mn-cs"/>
+                  </a:rPr>
+                  <a:t>A</a:t>
+                </a:r>
+                <a:endParaRPr kumimoji="0" lang="ja-JP" altLang="en-US" sz="600" b="0" i="0" u="none" strike="noStrike" kern="0" cap="none" spc="0" normalizeH="0" baseline="0" noProof="0" dirty="0" smtClean="0">
+                  <a:ln>
+                    <a:noFill/>
+                  </a:ln>
+                  <a:solidFill>
+                    <a:prstClr val="white"/>
+                  </a:solidFill>
+                  <a:effectLst/>
+                  <a:uLnTx/>
+                  <a:uFillTx/>
+                  <a:latin typeface="Meiryo UI" panose="020B0604030504040204" pitchFamily="50" charset="-128"/>
+                  <a:ea typeface="Meiryo UI" panose="020B0604030504040204" pitchFamily="50" charset="-128"/>
+                  <a:cs typeface="+mn-cs"/>
+                </a:endParaRPr>
+              </a:p>
+            </p:txBody>
+          </p:sp>
+          <p:sp>
+            <p:nvSpPr>
+              <p:cNvPr id="162" name="角丸四角形 161"/>
+              <p:cNvSpPr/>
+              <p:nvPr/>
+            </p:nvSpPr>
+            <p:spPr>
+              <a:xfrm>
+                <a:off x="5747827" y="2440136"/>
+                <a:ext cx="1213390" cy="970960"/>
+              </a:xfrm>
+              <a:prstGeom prst="roundRect">
+                <a:avLst/>
+              </a:prstGeom>
+              <a:noFill/>
+              <a:ln w="38100" cap="flat" cmpd="sng" algn="ctr">
+                <a:solidFill>
+                  <a:srgbClr val="002B62"/>
+                </a:solidFill>
+                <a:prstDash val="solid"/>
+                <a:miter lim="800000"/>
+              </a:ln>
+              <a:effectLst/>
+            </p:spPr>
+            <p:txBody>
+              <a:bodyPr rtlCol="0" anchor="t" anchorCtr="0"/>
+              <a:lstStyle/>
+              <a:p>
+                <a:pPr marL="0" marR="0" lvl="0" indent="0" algn="ctr" defTabSz="685800" eaLnBrk="1" fontAlgn="auto" latinLnBrk="0" hangingPunct="1">
+                  <a:lnSpc>
+                    <a:spcPct val="100000"/>
+                  </a:lnSpc>
+                  <a:spcBef>
+                    <a:spcPts val="0"/>
+                  </a:spcBef>
+                  <a:spcAft>
+                    <a:spcPts val="0"/>
+                  </a:spcAft>
+                  <a:buClrTx/>
+                  <a:buSzTx/>
+                  <a:buFontTx/>
+                  <a:buNone/>
+                  <a:tabLst/>
+                  <a:defRPr/>
+                </a:pPr>
+                <a:r>
+                  <a:rPr kumimoji="0" lang="ja-JP" altLang="en-US" sz="1000" b="1" i="0" u="none" strike="noStrike" kern="0" cap="none" spc="0" normalizeH="0" baseline="0" noProof="0" dirty="0" smtClean="0">
+                    <a:ln>
+                      <a:noFill/>
+                    </a:ln>
+                    <a:solidFill>
+                      <a:srgbClr val="002B62"/>
+                    </a:solidFill>
+                    <a:effectLst/>
+                    <a:uLnTx/>
+                    <a:uFillTx/>
+                    <a:latin typeface="Meiryo UI" panose="020B0604030504040204" pitchFamily="50" charset="-128"/>
+                    <a:ea typeface="Meiryo UI" panose="020B0604030504040204" pitchFamily="50" charset="-128"/>
+                    <a:cs typeface="+mn-cs"/>
+                  </a:rPr>
+                  <a:t>紐付先資材</a:t>
+                </a:r>
+              </a:p>
+            </p:txBody>
+          </p:sp>
+        </p:grpSp>
+        <p:sp>
+          <p:nvSpPr>
+            <p:cNvPr id="159" name="角丸四角形 158"/>
+            <p:cNvSpPr/>
+            <p:nvPr/>
+          </p:nvSpPr>
+          <p:spPr>
+            <a:xfrm>
+              <a:off x="3425227" y="4959373"/>
+              <a:ext cx="1206116" cy="413897"/>
+            </a:xfrm>
+            <a:prstGeom prst="roundRect">
+              <a:avLst/>
+            </a:prstGeom>
+            <a:noFill/>
+            <a:ln w="38100" cap="flat" cmpd="sng" algn="ctr">
+              <a:solidFill>
+                <a:srgbClr val="002B62"/>
+              </a:solidFill>
+              <a:prstDash val="solid"/>
+              <a:miter lim="800000"/>
+            </a:ln>
+            <a:effectLst/>
+          </p:spPr>
+          <p:txBody>
+            <a:bodyPr rtlCol="0" anchor="ctr" anchorCtr="0"/>
+            <a:lstStyle/>
+            <a:p>
+              <a:pPr marL="0" marR="0" lvl="0" indent="0" algn="ctr" defTabSz="685800" eaLnBrk="1" fontAlgn="auto" latinLnBrk="0" hangingPunct="1">
+                <a:lnSpc>
+                  <a:spcPct val="100000"/>
+                </a:lnSpc>
+                <a:spcBef>
+                  <a:spcPts val="0"/>
+                </a:spcBef>
+                <a:spcAft>
+                  <a:spcPts val="0"/>
+                </a:spcAft>
+                <a:buClrTx/>
+                <a:buSzTx/>
+                <a:buFontTx/>
+                <a:buNone/>
+                <a:tabLst/>
+                <a:defRPr/>
+              </a:pPr>
+              <a:r>
+                <a:rPr kumimoji="0" lang="ja-JP" altLang="en-US" sz="1000" b="1" i="0" u="none" strike="noStrike" kern="0" cap="none" spc="0" normalizeH="0" baseline="0" noProof="0" dirty="0" smtClean="0">
+                  <a:ln>
+                    <a:noFill/>
+                  </a:ln>
+                  <a:solidFill>
+                    <a:srgbClr val="002B62"/>
+                  </a:solidFill>
+                  <a:effectLst/>
+                  <a:uLnTx/>
+                  <a:uFillTx/>
+                  <a:latin typeface="Meiryo UI" panose="020B0604030504040204" pitchFamily="50" charset="-128"/>
+                  <a:ea typeface="Meiryo UI" panose="020B0604030504040204" pitchFamily="50" charset="-128"/>
+                  <a:cs typeface="+mn-cs"/>
+                </a:rPr>
+                <a:t>作業実行</a:t>
+              </a:r>
+            </a:p>
+          </p:txBody>
+        </p:sp>
+      </p:grpSp>
+      <p:sp>
+        <p:nvSpPr>
+          <p:cNvPr id="163" name="屈折矢印 162"/>
+          <p:cNvSpPr/>
+          <p:nvPr/>
+        </p:nvSpPr>
+        <p:spPr>
+          <a:xfrm rot="5400000">
+            <a:off x="5983398" y="3583925"/>
+            <a:ext cx="771653" cy="867936"/>
+          </a:xfrm>
+          <a:prstGeom prst="bentUpArrow">
+            <a:avLst/>
+          </a:prstGeom>
+          <a:solidFill>
+            <a:srgbClr val="FFC000"/>
+          </a:solidFill>
+          <a:ln w="12700" cap="flat" cmpd="sng" algn="ctr">
+            <a:noFill/>
+            <a:prstDash val="solid"/>
+            <a:miter lim="800000"/>
+          </a:ln>
+          <a:effectLst/>
+        </p:spPr>
+        <p:txBody>
+          <a:bodyPr rtlCol="0" anchor="ctr"/>
+          <a:lstStyle/>
+          <a:p>
+            <a:pPr marL="0" marR="0" lvl="0" indent="0" algn="ctr" defTabSz="685800" eaLnBrk="1" fontAlgn="auto" latinLnBrk="0" hangingPunct="1">
+              <a:lnSpc>
+                <a:spcPct val="100000"/>
+              </a:lnSpc>
+              <a:spcBef>
+                <a:spcPts val="0"/>
+              </a:spcBef>
+              <a:spcAft>
+                <a:spcPts val="0"/>
+              </a:spcAft>
+              <a:buClrTx/>
+              <a:buSzTx/>
+              <a:buFontTx/>
+              <a:buNone/>
+              <a:tabLst/>
+              <a:defRPr/>
+            </a:pPr>
+            <a:endParaRPr kumimoji="0" lang="ja-JP" altLang="en-US" sz="1350" b="0" i="0" u="none" strike="noStrike" kern="0" cap="none" spc="0" normalizeH="0" baseline="0" noProof="0" dirty="0" smtClean="0">
+              <a:ln>
+                <a:noFill/>
+              </a:ln>
+              <a:solidFill>
+                <a:prstClr val="white"/>
+              </a:solidFill>
+              <a:effectLst/>
+              <a:uLnTx/>
+              <a:uFillTx/>
+              <a:latin typeface="Meiryo UI" panose="020B0604030504040204" pitchFamily="50" charset="-128"/>
+              <a:ea typeface="Meiryo UI" panose="020B0604030504040204" pitchFamily="50" charset="-128"/>
+              <a:cs typeface="+mn-cs"/>
+            </a:endParaRPr>
+          </a:p>
+        </p:txBody>
+      </p:sp>
+      <p:sp>
+        <p:nvSpPr>
+          <p:cNvPr id="164" name="屈折矢印 163"/>
+          <p:cNvSpPr/>
+          <p:nvPr/>
+        </p:nvSpPr>
+        <p:spPr>
+          <a:xfrm rot="5400000">
+            <a:off x="5983399" y="4182378"/>
+            <a:ext cx="771652" cy="867936"/>
+          </a:xfrm>
+          <a:prstGeom prst="bentUpArrow">
+            <a:avLst/>
+          </a:prstGeom>
+          <a:solidFill>
+            <a:srgbClr val="FFC000"/>
+          </a:solidFill>
+          <a:ln w="12700" cap="flat" cmpd="sng" algn="ctr">
+            <a:noFill/>
+            <a:prstDash val="solid"/>
+            <a:miter lim="800000"/>
+          </a:ln>
+          <a:effectLst/>
+        </p:spPr>
+        <p:txBody>
+          <a:bodyPr rtlCol="0" anchor="ctr"/>
+          <a:lstStyle/>
+          <a:p>
+            <a:pPr marL="0" marR="0" lvl="0" indent="0" algn="ctr" defTabSz="685800" eaLnBrk="1" fontAlgn="auto" latinLnBrk="0" hangingPunct="1">
+              <a:lnSpc>
+                <a:spcPct val="100000"/>
+              </a:lnSpc>
+              <a:spcBef>
+                <a:spcPts val="0"/>
+              </a:spcBef>
+              <a:spcAft>
+                <a:spcPts val="0"/>
+              </a:spcAft>
+              <a:buClrTx/>
+              <a:buSzTx/>
+              <a:buFontTx/>
+              <a:buNone/>
+              <a:tabLst/>
+              <a:defRPr/>
+            </a:pPr>
+            <a:endParaRPr kumimoji="0" lang="ja-JP" altLang="en-US" sz="1350" b="0" i="0" u="none" strike="noStrike" kern="0" cap="none" spc="0" normalizeH="0" baseline="0" noProof="0" smtClean="0">
+              <a:ln>
+                <a:noFill/>
+              </a:ln>
+              <a:solidFill>
+                <a:prstClr val="white"/>
+              </a:solidFill>
+              <a:effectLst/>
+              <a:uLnTx/>
+              <a:uFillTx/>
+              <a:latin typeface="Meiryo UI" panose="020B0604030504040204" pitchFamily="50" charset="-128"/>
+              <a:ea typeface="Meiryo UI" panose="020B0604030504040204" pitchFamily="50" charset="-128"/>
+              <a:cs typeface="+mn-cs"/>
+            </a:endParaRPr>
+          </a:p>
+        </p:txBody>
+      </p:sp>
+      <p:sp>
+        <p:nvSpPr>
+          <p:cNvPr id="155" name="右矢印 154"/>
+          <p:cNvSpPr/>
+          <p:nvPr/>
+        </p:nvSpPr>
+        <p:spPr>
+          <a:xfrm>
+            <a:off x="7817998" y="4641974"/>
+            <a:ext cx="406106" cy="426863"/>
+          </a:xfrm>
+          <a:prstGeom prst="rightArrow">
+            <a:avLst/>
+          </a:prstGeom>
+          <a:solidFill>
+            <a:srgbClr val="FFC000"/>
+          </a:solidFill>
+          <a:ln w="12700" cap="flat" cmpd="sng" algn="ctr">
+            <a:noFill/>
+            <a:prstDash val="solid"/>
+            <a:miter lim="800000"/>
+          </a:ln>
+          <a:effectLst/>
+        </p:spPr>
+        <p:txBody>
+          <a:bodyPr rtlCol="0" anchor="ctr"/>
+          <a:lstStyle/>
+          <a:p>
+            <a:pPr marL="0" marR="0" lvl="0" indent="0" algn="ctr" defTabSz="685800" eaLnBrk="1" fontAlgn="auto" latinLnBrk="0" hangingPunct="1">
+              <a:lnSpc>
+                <a:spcPct val="100000"/>
+              </a:lnSpc>
+              <a:spcBef>
+                <a:spcPts val="0"/>
+              </a:spcBef>
+              <a:spcAft>
+                <a:spcPts val="0"/>
+              </a:spcAft>
+              <a:buClrTx/>
+              <a:buSzTx/>
+              <a:buFontTx/>
+              <a:buNone/>
+              <a:tabLst/>
+              <a:defRPr/>
+            </a:pPr>
+            <a:endParaRPr kumimoji="0" lang="ja-JP" altLang="en-US" sz="1350" b="0" i="0" u="none" strike="noStrike" kern="0" cap="none" spc="0" normalizeH="0" baseline="0" noProof="0" smtClean="0">
+              <a:ln>
+                <a:noFill/>
+              </a:ln>
+              <a:solidFill>
+                <a:prstClr val="white"/>
+              </a:solidFill>
+              <a:effectLst/>
+              <a:uLnTx/>
+              <a:uFillTx/>
+              <a:latin typeface="游ゴシック" panose="020F0502020204030204"/>
+              <a:ea typeface="游ゴシック" panose="020B0400000000000000" pitchFamily="50" charset="-128"/>
+              <a:cs typeface="+mn-cs"/>
+            </a:endParaRPr>
+          </a:p>
+        </p:txBody>
+      </p:sp>
+      <p:sp>
+        <p:nvSpPr>
           <p:cNvPr id="38" name="タイトル 1"/>
           <p:cNvSpPr>
             <a:spLocks noGrp="1"/>
@@ -18044,533 +18031,40 @@
           <a:p>
             <a:pPr lvl="1"/>
             <a:r>
-              <a:rPr lang="ja-JP" altLang="en-US"/>
-              <a:t>本書</a:t>
-            </a:r>
-            <a:r>
-              <a:rPr lang="ja-JP" altLang="en-US" smtClean="0"/>
-              <a:t>のシナリオは以下の流れで進行します。</a:t>
+              <a:rPr lang="ja-JP" altLang="en-US" dirty="0" smtClean="0"/>
+              <a:t>今回のシナリオは以下となります。</a:t>
             </a:r>
             <a:endParaRPr kumimoji="1" lang="ja-JP" altLang="en-US" dirty="0"/>
           </a:p>
         </p:txBody>
       </p:sp>
-      <p:grpSp>
-        <p:nvGrpSpPr>
-          <p:cNvPr id="2" name="グループ化 1"/>
-          <p:cNvGrpSpPr/>
-          <p:nvPr/>
-        </p:nvGrpSpPr>
-        <p:grpSpPr>
-          <a:xfrm>
-            <a:off x="179513" y="1931850"/>
-            <a:ext cx="3744520" cy="3546580"/>
-            <a:chOff x="179513" y="1931850"/>
-            <a:chExt cx="3744520" cy="3546580"/>
-          </a:xfrm>
-        </p:grpSpPr>
-        <p:sp>
-          <p:nvSpPr>
-            <p:cNvPr id="41" name="正方形/長方形 40"/>
-            <p:cNvSpPr/>
-            <p:nvPr/>
-          </p:nvSpPr>
-          <p:spPr bwMode="auto">
-            <a:xfrm>
-              <a:off x="179513" y="1931850"/>
-              <a:ext cx="3744520" cy="3546580"/>
-            </a:xfrm>
-            <a:prstGeom prst="rect">
-              <a:avLst/>
-            </a:prstGeom>
-            <a:solidFill>
-              <a:schemeClr val="bg1">
-                <a:lumMod val="85000"/>
-              </a:schemeClr>
-            </a:solidFill>
-            <a:ln w="12700">
-              <a:noFill/>
-            </a:ln>
-            <a:effectLst/>
-            <a:extLst/>
-          </p:spPr>
-          <p:txBody>
-            <a:bodyPr rot="0" spcFirstLastPara="0" vertOverflow="overflow" horzOverflow="overflow" vert="horz" wrap="none" lIns="72000" tIns="72000" rIns="72000" bIns="72000" numCol="1" spcCol="0" rtlCol="0" fromWordArt="0" anchor="ctr" anchorCtr="0" forceAA="0" compatLnSpc="1">
-              <a:prstTxWarp prst="textNoShape">
-                <a:avLst/>
-              </a:prstTxWarp>
-              <a:noAutofit/>
-            </a:bodyPr>
-            <a:lstStyle/>
-            <a:p>
-              <a:pPr algn="ctr"/>
-              <a:endParaRPr kumimoji="1" lang="ja-JP" altLang="en-US" b="1" dirty="0" smtClean="0">
-                <a:latin typeface="+mn-ea"/>
-              </a:endParaRPr>
-            </a:p>
-          </p:txBody>
-        </p:sp>
-        <p:sp>
-          <p:nvSpPr>
-            <p:cNvPr id="43" name="下矢印 42"/>
-            <p:cNvSpPr/>
-            <p:nvPr/>
-          </p:nvSpPr>
-          <p:spPr bwMode="auto">
-            <a:xfrm>
-              <a:off x="323409" y="2158263"/>
-              <a:ext cx="554744" cy="3032127"/>
-            </a:xfrm>
-            <a:prstGeom prst="downArrow">
-              <a:avLst/>
-            </a:prstGeom>
-            <a:solidFill>
-              <a:schemeClr val="accent6">
-                <a:lumMod val="90000"/>
-                <a:lumOff val="10000"/>
-              </a:schemeClr>
-            </a:solidFill>
-            <a:ln w="12700">
-              <a:noFill/>
-            </a:ln>
-            <a:effectLst/>
-            <a:extLst/>
-          </p:spPr>
-          <p:txBody>
-            <a:bodyPr rot="0" spcFirstLastPara="0" vertOverflow="overflow" horzOverflow="overflow" vert="horz" wrap="none" lIns="72000" tIns="72000" rIns="72000" bIns="72000" numCol="1" spcCol="0" rtlCol="0" fromWordArt="0" anchor="ctr" anchorCtr="0" forceAA="0" compatLnSpc="1">
-              <a:prstTxWarp prst="textNoShape">
-                <a:avLst/>
-              </a:prstTxWarp>
-              <a:noAutofit/>
-            </a:bodyPr>
-            <a:lstStyle/>
-            <a:p>
-              <a:pPr algn="ctr"/>
-              <a:endParaRPr kumimoji="1" lang="ja-JP" altLang="en-US" b="1" dirty="0" smtClean="0">
-                <a:latin typeface="+mn-ea"/>
-              </a:endParaRPr>
-            </a:p>
-          </p:txBody>
-        </p:sp>
-        <p:sp>
-          <p:nvSpPr>
-            <p:cNvPr id="44" name="角丸四角形 43"/>
-            <p:cNvSpPr/>
-            <p:nvPr/>
-          </p:nvSpPr>
-          <p:spPr bwMode="auto">
-            <a:xfrm>
-              <a:off x="323409" y="4016125"/>
-              <a:ext cx="3467148" cy="324000"/>
-            </a:xfrm>
-            <a:prstGeom prst="roundRect">
-              <a:avLst/>
-            </a:prstGeom>
-            <a:solidFill>
-              <a:schemeClr val="bg1"/>
-            </a:solidFill>
-            <a:ln w="28575">
-              <a:solidFill>
-                <a:schemeClr val="accent6">
-                  <a:lumMod val="90000"/>
-                  <a:lumOff val="10000"/>
-                </a:schemeClr>
-              </a:solidFill>
-            </a:ln>
-            <a:effectLst/>
-            <a:extLst/>
-          </p:spPr>
-          <p:txBody>
-            <a:bodyPr rot="0" spcFirstLastPara="0" vertOverflow="overflow" horzOverflow="overflow" vert="horz" wrap="none" lIns="72000" tIns="72000" rIns="72000" bIns="72000" numCol="1" spcCol="0" rtlCol="0" fromWordArt="0" anchor="ctr" anchorCtr="0" forceAA="0" compatLnSpc="1">
-              <a:prstTxWarp prst="textNoShape">
-                <a:avLst/>
-              </a:prstTxWarp>
-              <a:noAutofit/>
-            </a:bodyPr>
-            <a:lstStyle/>
-            <a:p>
-              <a:r>
-                <a:rPr lang="ja-JP" altLang="en-US" sz="1600" b="1" dirty="0" smtClean="0"/>
-                <a:t>⑤</a:t>
-              </a:r>
-              <a:r>
-                <a:rPr lang="en-US" altLang="ja-JP" sz="1600" b="1" dirty="0"/>
-                <a:t>Playbook</a:t>
-              </a:r>
-              <a:r>
-                <a:rPr lang="ja-JP" altLang="en-US" sz="1600" b="1" dirty="0"/>
-                <a:t>の修正</a:t>
-              </a:r>
-              <a:endParaRPr kumimoji="1" lang="ja-JP" altLang="en-US" sz="1600" b="1" dirty="0" smtClean="0">
-                <a:latin typeface="+mn-ea"/>
-              </a:endParaRPr>
-            </a:p>
-          </p:txBody>
-        </p:sp>
-        <p:sp>
-          <p:nvSpPr>
-            <p:cNvPr id="46" name="角丸四角形 45"/>
-            <p:cNvSpPr/>
-            <p:nvPr/>
-          </p:nvSpPr>
-          <p:spPr bwMode="auto">
-            <a:xfrm>
-              <a:off x="323409" y="3532629"/>
-              <a:ext cx="3467148" cy="324000"/>
-            </a:xfrm>
-            <a:prstGeom prst="roundRect">
-              <a:avLst/>
-            </a:prstGeom>
-            <a:solidFill>
-              <a:schemeClr val="bg1"/>
-            </a:solidFill>
-            <a:ln w="28575">
-              <a:solidFill>
-                <a:schemeClr val="accent6">
-                  <a:lumMod val="90000"/>
-                  <a:lumOff val="10000"/>
-                </a:schemeClr>
-              </a:solidFill>
-            </a:ln>
-            <a:effectLst/>
-            <a:extLst/>
-          </p:spPr>
-          <p:txBody>
-            <a:bodyPr rot="0" spcFirstLastPara="0" vertOverflow="overflow" horzOverflow="overflow" vert="horz" wrap="none" lIns="72000" tIns="72000" rIns="72000" bIns="72000" numCol="1" spcCol="0" rtlCol="0" fromWordArt="0" anchor="ctr" anchorCtr="0" forceAA="0" compatLnSpc="1">
-              <a:prstTxWarp prst="textNoShape">
-                <a:avLst/>
-              </a:prstTxWarp>
-              <a:noAutofit/>
-            </a:bodyPr>
-            <a:lstStyle/>
-            <a:p>
-              <a:r>
-                <a:rPr lang="ja-JP" altLang="en-US" sz="1600" b="1" dirty="0">
-                  <a:latin typeface="+mn-ea"/>
-                </a:rPr>
-                <a:t>④ドライランで実行</a:t>
-              </a:r>
-              <a:r>
-                <a:rPr lang="en-US" altLang="ja-JP" sz="1600" b="1" dirty="0">
-                  <a:latin typeface="+mn-ea"/>
-                </a:rPr>
-                <a:t>(1</a:t>
-              </a:r>
-              <a:r>
-                <a:rPr lang="ja-JP" altLang="en-US" sz="1600" b="1" dirty="0">
-                  <a:latin typeface="+mn-ea"/>
-                </a:rPr>
-                <a:t>回目</a:t>
-              </a:r>
-              <a:r>
-                <a:rPr lang="en-US" altLang="ja-JP" sz="1600" b="1" dirty="0">
-                  <a:latin typeface="+mn-ea"/>
-                </a:rPr>
-                <a:t>)</a:t>
-              </a:r>
-              <a:endParaRPr kumimoji="1" lang="ja-JP" altLang="en-US" sz="1600" b="1" dirty="0" smtClean="0">
-                <a:latin typeface="+mn-ea"/>
-              </a:endParaRPr>
-            </a:p>
-          </p:txBody>
-        </p:sp>
-        <p:sp>
-          <p:nvSpPr>
-            <p:cNvPr id="47" name="角丸四角形 46"/>
-            <p:cNvSpPr/>
-            <p:nvPr/>
-          </p:nvSpPr>
-          <p:spPr bwMode="auto">
-            <a:xfrm>
-              <a:off x="323409" y="2565637"/>
-              <a:ext cx="3467148" cy="324000"/>
-            </a:xfrm>
-            <a:prstGeom prst="roundRect">
-              <a:avLst/>
-            </a:prstGeom>
-            <a:solidFill>
-              <a:schemeClr val="bg1"/>
-            </a:solidFill>
-            <a:ln w="28575">
-              <a:solidFill>
-                <a:schemeClr val="accent6">
-                  <a:lumMod val="90000"/>
-                  <a:lumOff val="10000"/>
-                </a:schemeClr>
-              </a:solidFill>
-            </a:ln>
-            <a:effectLst/>
-            <a:extLst/>
-          </p:spPr>
-          <p:txBody>
-            <a:bodyPr rot="0" spcFirstLastPara="0" vertOverflow="overflow" horzOverflow="overflow" vert="horz" wrap="none" lIns="72000" tIns="72000" rIns="72000" bIns="72000" numCol="1" spcCol="0" rtlCol="0" fromWordArt="0" anchor="ctr" anchorCtr="0" forceAA="0" compatLnSpc="1">
-              <a:prstTxWarp prst="textNoShape">
-                <a:avLst/>
-              </a:prstTxWarp>
-              <a:noAutofit/>
-            </a:bodyPr>
-            <a:lstStyle/>
-            <a:p>
-              <a:r>
-                <a:rPr lang="ja-JP" altLang="en-US" sz="1600" b="1" dirty="0">
-                  <a:latin typeface="+mn-ea"/>
-                </a:rPr>
-                <a:t>②登録アカウントの登録</a:t>
-              </a:r>
-              <a:endParaRPr kumimoji="1" lang="ja-JP" altLang="en-US" sz="1600" b="1" dirty="0" smtClean="0">
-                <a:latin typeface="+mn-ea"/>
-              </a:endParaRPr>
-            </a:p>
-          </p:txBody>
-        </p:sp>
-        <p:sp>
-          <p:nvSpPr>
-            <p:cNvPr id="51" name="角丸四角形 50"/>
-            <p:cNvSpPr/>
-            <p:nvPr/>
-          </p:nvSpPr>
-          <p:spPr bwMode="auto">
-            <a:xfrm>
-              <a:off x="323409" y="4975257"/>
-              <a:ext cx="3467148" cy="324000"/>
-            </a:xfrm>
-            <a:prstGeom prst="roundRect">
-              <a:avLst/>
-            </a:prstGeom>
-            <a:solidFill>
-              <a:schemeClr val="bg1"/>
-            </a:solidFill>
-            <a:ln w="28575">
-              <a:solidFill>
-                <a:schemeClr val="accent6">
-                  <a:lumMod val="90000"/>
-                  <a:lumOff val="10000"/>
-                </a:schemeClr>
-              </a:solidFill>
-            </a:ln>
-            <a:effectLst/>
-            <a:extLst/>
-          </p:spPr>
-          <p:txBody>
-            <a:bodyPr rot="0" spcFirstLastPara="0" vertOverflow="overflow" horzOverflow="overflow" vert="horz" wrap="none" lIns="72000" tIns="72000" rIns="72000" bIns="72000" numCol="1" spcCol="0" rtlCol="0" fromWordArt="0" anchor="ctr" anchorCtr="0" forceAA="0" compatLnSpc="1">
-              <a:prstTxWarp prst="textNoShape">
-                <a:avLst/>
-              </a:prstTxWarp>
-              <a:noAutofit/>
-            </a:bodyPr>
-            <a:lstStyle/>
-            <a:p>
-              <a:r>
-                <a:rPr lang="ja-JP" altLang="en-US" sz="1600" b="1" dirty="0">
-                  <a:latin typeface="+mn-ea"/>
-                </a:rPr>
-                <a:t>⑦ターゲットサーバへ実行</a:t>
-              </a:r>
-              <a:endParaRPr kumimoji="1" lang="ja-JP" altLang="en-US" sz="1600" b="1" dirty="0" smtClean="0">
-                <a:latin typeface="+mn-ea"/>
-              </a:endParaRPr>
-            </a:p>
-          </p:txBody>
-        </p:sp>
-        <p:sp>
-          <p:nvSpPr>
-            <p:cNvPr id="52" name="角丸四角形 51"/>
-            <p:cNvSpPr/>
-            <p:nvPr/>
-          </p:nvSpPr>
-          <p:spPr bwMode="auto">
-            <a:xfrm>
-              <a:off x="323409" y="2082141"/>
-              <a:ext cx="3467148" cy="324000"/>
-            </a:xfrm>
-            <a:prstGeom prst="roundRect">
-              <a:avLst/>
-            </a:prstGeom>
-            <a:solidFill>
-              <a:schemeClr val="bg1"/>
-            </a:solidFill>
-            <a:ln w="28575">
-              <a:solidFill>
-                <a:schemeClr val="accent6">
-                  <a:lumMod val="90000"/>
-                  <a:lumOff val="10000"/>
-                </a:schemeClr>
-              </a:solidFill>
-            </a:ln>
-            <a:effectLst/>
-            <a:extLst/>
-          </p:spPr>
-          <p:txBody>
-            <a:bodyPr rot="0" spcFirstLastPara="0" vertOverflow="overflow" horzOverflow="overflow" vert="horz" wrap="none" lIns="72000" tIns="72000" rIns="72000" bIns="72000" numCol="1" spcCol="0" rtlCol="0" fromWordArt="0" anchor="ctr" anchorCtr="0" forceAA="0" compatLnSpc="1">
-              <a:prstTxWarp prst="textNoShape">
-                <a:avLst/>
-              </a:prstTxWarp>
-              <a:noAutofit/>
-            </a:bodyPr>
-            <a:lstStyle/>
-            <a:p>
-              <a:r>
-                <a:rPr lang="ja-JP" altLang="en-US" sz="1600" b="1" dirty="0" smtClean="0">
-                  <a:latin typeface="+mn-ea"/>
-                </a:rPr>
-                <a:t>①リモートリポジトリ</a:t>
-              </a:r>
-              <a:r>
-                <a:rPr lang="ja-JP" altLang="en-US" sz="1600" b="1" dirty="0">
-                  <a:latin typeface="+mn-ea"/>
-                </a:rPr>
-                <a:t>の登録</a:t>
-              </a:r>
-              <a:endParaRPr kumimoji="1" lang="en-US" altLang="ja-JP" sz="1600" b="1" dirty="0" smtClean="0">
-                <a:latin typeface="+mn-ea"/>
-              </a:endParaRPr>
-            </a:p>
-          </p:txBody>
-        </p:sp>
-        <p:sp>
-          <p:nvSpPr>
-            <p:cNvPr id="60" name="角丸四角形 59"/>
-            <p:cNvSpPr/>
-            <p:nvPr/>
-          </p:nvSpPr>
-          <p:spPr bwMode="auto">
-            <a:xfrm>
-              <a:off x="323409" y="3049133"/>
-              <a:ext cx="3467148" cy="324000"/>
-            </a:xfrm>
-            <a:prstGeom prst="roundRect">
-              <a:avLst/>
-            </a:prstGeom>
-            <a:solidFill>
-              <a:schemeClr val="bg1"/>
-            </a:solidFill>
-            <a:ln w="28575">
-              <a:solidFill>
-                <a:schemeClr val="accent6">
-                  <a:lumMod val="90000"/>
-                  <a:lumOff val="10000"/>
-                </a:schemeClr>
-              </a:solidFill>
-            </a:ln>
-            <a:effectLst/>
-            <a:extLst/>
-          </p:spPr>
-          <p:txBody>
-            <a:bodyPr rot="0" spcFirstLastPara="0" vertOverflow="overflow" horzOverflow="overflow" vert="horz" wrap="none" lIns="72000" tIns="72000" rIns="72000" bIns="72000" numCol="1" spcCol="0" rtlCol="0" fromWordArt="0" anchor="ctr" anchorCtr="0" forceAA="0" compatLnSpc="1">
-              <a:prstTxWarp prst="textNoShape">
-                <a:avLst/>
-              </a:prstTxWarp>
-              <a:noAutofit/>
-            </a:bodyPr>
-            <a:lstStyle/>
-            <a:p>
-              <a:r>
-                <a:rPr lang="ja-JP" altLang="en-US" sz="1600" b="1" dirty="0">
-                  <a:latin typeface="+mn-ea"/>
-                </a:rPr>
-                <a:t>③資材紐付の登録</a:t>
-              </a:r>
-              <a:endParaRPr kumimoji="1" lang="ja-JP" altLang="en-US" sz="1600" b="1" dirty="0" smtClean="0">
-                <a:latin typeface="+mn-ea"/>
-              </a:endParaRPr>
-            </a:p>
-          </p:txBody>
-        </p:sp>
-        <p:sp>
-          <p:nvSpPr>
-            <p:cNvPr id="61" name="角丸四角形 60"/>
-            <p:cNvSpPr/>
-            <p:nvPr/>
-          </p:nvSpPr>
-          <p:spPr bwMode="auto">
-            <a:xfrm>
-              <a:off x="323409" y="4495691"/>
-              <a:ext cx="3467148" cy="324000"/>
-            </a:xfrm>
-            <a:prstGeom prst="roundRect">
-              <a:avLst/>
-            </a:prstGeom>
-            <a:solidFill>
-              <a:schemeClr val="bg1"/>
-            </a:solidFill>
-            <a:ln w="28575">
-              <a:solidFill>
-                <a:schemeClr val="accent6">
-                  <a:lumMod val="90000"/>
-                  <a:lumOff val="10000"/>
-                </a:schemeClr>
-              </a:solidFill>
-            </a:ln>
-            <a:effectLst/>
-            <a:extLst/>
-          </p:spPr>
-          <p:txBody>
-            <a:bodyPr rot="0" spcFirstLastPara="0" vertOverflow="overflow" horzOverflow="overflow" vert="horz" wrap="none" lIns="72000" tIns="72000" rIns="72000" bIns="72000" numCol="1" spcCol="0" rtlCol="0" fromWordArt="0" anchor="ctr" anchorCtr="0" forceAA="0" compatLnSpc="1">
-              <a:prstTxWarp prst="textNoShape">
-                <a:avLst/>
-              </a:prstTxWarp>
-              <a:noAutofit/>
-            </a:bodyPr>
-            <a:lstStyle/>
-            <a:p>
-              <a:r>
-                <a:rPr lang="ja-JP" altLang="en-US" sz="1600" b="1" dirty="0">
-                  <a:latin typeface="+mn-ea"/>
-                </a:rPr>
-                <a:t>⑥ドライランで実行</a:t>
-              </a:r>
-              <a:r>
-                <a:rPr lang="en-US" altLang="ja-JP" sz="1600" b="1" dirty="0">
-                  <a:latin typeface="+mn-ea"/>
-                </a:rPr>
-                <a:t>(2</a:t>
-              </a:r>
-              <a:r>
-                <a:rPr lang="ja-JP" altLang="en-US" sz="1600" b="1" dirty="0">
-                  <a:latin typeface="+mn-ea"/>
-                </a:rPr>
-                <a:t>回目</a:t>
-              </a:r>
-              <a:r>
-                <a:rPr lang="en-US" altLang="ja-JP" sz="1600" b="1" dirty="0">
-                  <a:latin typeface="+mn-ea"/>
-                </a:rPr>
-                <a:t>)</a:t>
-              </a:r>
-              <a:endParaRPr kumimoji="1" lang="ja-JP" altLang="en-US" sz="1600" b="1" dirty="0" smtClean="0">
-                <a:latin typeface="+mn-ea"/>
-              </a:endParaRPr>
-            </a:p>
-          </p:txBody>
-        </p:sp>
-      </p:grpSp>
       <p:sp>
         <p:nvSpPr>
-          <p:cNvPr id="85" name="角丸四角形 84"/>
+          <p:cNvPr id="41" name="正方形/長方形 40"/>
           <p:cNvSpPr/>
           <p:nvPr/>
         </p:nvSpPr>
         <p:spPr bwMode="auto">
           <a:xfrm>
-            <a:off x="5940190" y="2131967"/>
-            <a:ext cx="3023323" cy="2670089"/>
+            <a:off x="179513" y="1931850"/>
+            <a:ext cx="3744520" cy="3546580"/>
           </a:xfrm>
-          <a:prstGeom prst="roundRect">
-            <a:avLst>
-              <a:gd name="adj" fmla="val 3359"/>
-            </a:avLst>
+          <a:prstGeom prst="rect">
+            <a:avLst/>
           </a:prstGeom>
-          <a:noFill/>
-          <a:ln w="28575">
-            <a:solidFill>
-              <a:schemeClr val="accent6"/>
-            </a:solidFill>
+          <a:solidFill>
+            <a:schemeClr val="bg1">
+              <a:lumMod val="85000"/>
+            </a:schemeClr>
+          </a:solidFill>
+          <a:ln w="12700">
+            <a:noFill/>
           </a:ln>
           <a:effectLst/>
           <a:extLst/>
         </p:spPr>
         <p:txBody>
-          <a:bodyPr rot="0" spcFirstLastPara="0" vertOverflow="overflow" horzOverflow="overflow" vert="horz" wrap="none" lIns="72000" tIns="72000" rIns="72000" bIns="72000" numCol="1" spcCol="0" rtlCol="0" fromWordArt="0" anchor="t" anchorCtr="0" forceAA="0" compatLnSpc="1">
+          <a:bodyPr rot="0" spcFirstLastPara="0" vertOverflow="overflow" horzOverflow="overflow" vert="horz" wrap="none" lIns="72000" tIns="72000" rIns="72000" bIns="72000" numCol="1" spcCol="0" rtlCol="0" fromWordArt="0" anchor="ctr" anchorCtr="0" forceAA="0" compatLnSpc="1">
             <a:prstTxWarp prst="textNoShape">
               <a:avLst/>
             </a:prstTxWarp>
@@ -18579,31 +18073,7 @@
           <a:lstStyle/>
           <a:p>
             <a:pPr algn="ctr"/>
-            <a:r>
-              <a:rPr kumimoji="1" lang="en-US" altLang="ja-JP" sz="1000" b="1" smtClean="0">
-                <a:latin typeface="+mn-ea"/>
-              </a:rPr>
-              <a:t>Exastro</a:t>
-            </a:r>
-            <a:r>
-              <a:rPr kumimoji="1" lang="ja-JP" altLang="en-US" sz="1000" b="1" smtClean="0">
-                <a:latin typeface="+mn-ea"/>
-              </a:rPr>
-              <a:t> </a:t>
-            </a:r>
-            <a:r>
-              <a:rPr kumimoji="1" lang="en-US" altLang="ja-JP" sz="1000" b="1" smtClean="0">
-                <a:latin typeface="+mn-ea"/>
-              </a:rPr>
-              <a:t>ITA</a:t>
-            </a:r>
-            <a:r>
-              <a:rPr kumimoji="1" lang="ja-JP" altLang="en-US" sz="1000" b="1" smtClean="0">
-                <a:latin typeface="+mn-ea"/>
-              </a:rPr>
-              <a:t>サーバ</a:t>
-            </a:r>
-            <a:endParaRPr kumimoji="1" lang="ja-JP" altLang="en-US" sz="1000" b="1" dirty="0" smtClean="0">
+            <a:endParaRPr kumimoji="1" lang="ja-JP" altLang="en-US" b="1" dirty="0" smtClean="0">
               <a:latin typeface="+mn-ea"/>
             </a:endParaRPr>
           </a:p>
@@ -18611,29 +18081,32 @@
       </p:sp>
       <p:sp>
         <p:nvSpPr>
-          <p:cNvPr id="86" name="角丸四角形 85"/>
+          <p:cNvPr id="43" name="下矢印 42"/>
           <p:cNvSpPr/>
           <p:nvPr/>
         </p:nvSpPr>
         <p:spPr bwMode="auto">
           <a:xfrm>
-            <a:off x="7561602" y="2898192"/>
-            <a:ext cx="1193290" cy="794498"/>
+            <a:off x="323409" y="2158263"/>
+            <a:ext cx="554744" cy="3032127"/>
           </a:xfrm>
-          <a:prstGeom prst="roundRect">
+          <a:prstGeom prst="downArrow">
             <a:avLst/>
           </a:prstGeom>
-          <a:noFill/>
-          <a:ln w="28575">
-            <a:solidFill>
-              <a:schemeClr val="accent6"/>
-            </a:solidFill>
+          <a:solidFill>
+            <a:schemeClr val="accent6">
+              <a:lumMod val="90000"/>
+              <a:lumOff val="10000"/>
+            </a:schemeClr>
+          </a:solidFill>
+          <a:ln w="12700">
+            <a:noFill/>
           </a:ln>
           <a:effectLst/>
           <a:extLst/>
         </p:spPr>
         <p:txBody>
-          <a:bodyPr rot="0" spcFirstLastPara="0" vertOverflow="overflow" horzOverflow="overflow" vert="horz" wrap="none" lIns="72000" tIns="72000" rIns="72000" bIns="72000" numCol="1" spcCol="0" rtlCol="0" fromWordArt="0" anchor="t" anchorCtr="0" forceAA="0" compatLnSpc="1">
+          <a:bodyPr rot="0" spcFirstLastPara="0" vertOverflow="overflow" horzOverflow="overflow" vert="horz" wrap="none" lIns="72000" tIns="72000" rIns="72000" bIns="72000" numCol="1" spcCol="0" rtlCol="0" fromWordArt="0" anchor="ctr" anchorCtr="0" forceAA="0" compatLnSpc="1">
             <a:prstTxWarp prst="textNoShape">
               <a:avLst/>
             </a:prstTxWarp>
@@ -18642,19 +18115,7 @@
           <a:lstStyle/>
           <a:p>
             <a:pPr algn="ctr"/>
-            <a:r>
-              <a:rPr kumimoji="1" lang="en-US" altLang="ja-JP" sz="1000" b="1" smtClean="0">
-                <a:latin typeface="+mn-ea"/>
-              </a:rPr>
-              <a:t>Playbook</a:t>
-            </a:r>
-            <a:r>
-              <a:rPr kumimoji="1" lang="ja-JP" altLang="en-US" sz="1000" b="1" smtClean="0">
-                <a:latin typeface="+mn-ea"/>
-              </a:rPr>
-              <a:t>一覧</a:t>
-            </a:r>
-            <a:endParaRPr kumimoji="1" lang="ja-JP" altLang="en-US" sz="1000" b="1" dirty="0" smtClean="0">
+            <a:endParaRPr kumimoji="1" lang="ja-JP" altLang="en-US" b="1" dirty="0" smtClean="0">
               <a:latin typeface="+mn-ea"/>
             </a:endParaRPr>
           </a:p>
@@ -18662,117 +18123,27 @@
       </p:sp>
       <p:sp>
         <p:nvSpPr>
-          <p:cNvPr id="87" name="円柱 86"/>
+          <p:cNvPr id="44" name="角丸四角形 43"/>
           <p:cNvSpPr/>
           <p:nvPr/>
         </p:nvSpPr>
         <p:spPr bwMode="auto">
           <a:xfrm>
-            <a:off x="4388906" y="2843636"/>
-            <a:ext cx="961786" cy="1048896"/>
+            <a:off x="323409" y="4016125"/>
+            <a:ext cx="3467148" cy="324000"/>
           </a:xfrm>
-          <a:prstGeom prst="can">
-            <a:avLst>
-              <a:gd name="adj" fmla="val 15813"/>
-            </a:avLst>
-          </a:prstGeom>
-          <a:noFill/>
-          <a:ln w="28575">
-            <a:solidFill>
-              <a:schemeClr val="accent6"/>
-            </a:solidFill>
-          </a:ln>
-          <a:effectLst/>
-          <a:extLst/>
-        </p:spPr>
-        <p:txBody>
-          <a:bodyPr rot="0" spcFirstLastPara="0" vertOverflow="overflow" horzOverflow="overflow" vert="horz" wrap="none" lIns="72000" tIns="72000" rIns="72000" bIns="72000" numCol="1" spcCol="0" rtlCol="0" fromWordArt="0" anchor="t" anchorCtr="0" forceAA="0" compatLnSpc="1">
-            <a:prstTxWarp prst="textNoShape">
-              <a:avLst/>
-            </a:prstTxWarp>
-            <a:noAutofit/>
-          </a:bodyPr>
-          <a:lstStyle/>
-          <a:p>
-            <a:pPr algn="ctr"/>
-            <a:r>
-              <a:rPr kumimoji="1" lang="en-US" altLang="ja-JP" sz="1000" b="1" smtClean="0">
-                <a:latin typeface="+mn-ea"/>
-              </a:rPr>
-              <a:t>Git</a:t>
-            </a:r>
-            <a:r>
-              <a:rPr kumimoji="1" lang="ja-JP" altLang="en-US" sz="1000" b="1" smtClean="0">
-                <a:latin typeface="+mn-ea"/>
-              </a:rPr>
-              <a:t>リポジトリ</a:t>
-            </a:r>
-            <a:endParaRPr kumimoji="1" lang="ja-JP" altLang="en-US" sz="1000" b="1" dirty="0" smtClean="0">
-              <a:latin typeface="+mn-ea"/>
-            </a:endParaRPr>
-          </a:p>
-        </p:txBody>
-      </p:sp>
-      <p:pic>
-        <p:nvPicPr>
-          <p:cNvPr id="88" name="図 87"/>
-          <p:cNvPicPr>
-            <a:picLocks noChangeAspect="1"/>
-          </p:cNvPicPr>
-          <p:nvPr/>
-        </p:nvPicPr>
-        <p:blipFill rotWithShape="1">
-          <a:blip r:embed="rId3">
-            <a:extLst>
-              <a:ext uri="{28A0092B-C50C-407E-A947-70E740481C1C}">
-                <a14:useLocalDpi xmlns:a14="http://schemas.microsoft.com/office/drawing/2010/main" val="0"/>
-              </a:ext>
-            </a:extLst>
-          </a:blip>
-          <a:srcRect l="-10097" t="-10097" r="-10097" b="-10097"/>
-          <a:stretch/>
-        </p:blipFill>
-        <p:spPr>
-          <a:xfrm>
-            <a:off x="4172557" y="2594211"/>
-            <a:ext cx="387864" cy="387864"/>
-          </a:xfrm>
-          <a:prstGeom prst="rect">
+          <a:prstGeom prst="roundRect">
             <a:avLst/>
           </a:prstGeom>
           <a:solidFill>
             <a:schemeClr val="bg1"/>
           </a:solidFill>
-          <a:ln w="22225">
+          <a:ln w="28575">
             <a:solidFill>
-              <a:schemeClr val="accent6"/>
-            </a:solidFill>
-          </a:ln>
-        </p:spPr>
-      </p:pic>
-      <p:sp>
-        <p:nvSpPr>
-          <p:cNvPr id="92" name="フローチャート: 書類 91"/>
-          <p:cNvSpPr/>
-          <p:nvPr/>
-        </p:nvSpPr>
-        <p:spPr bwMode="auto">
-          <a:xfrm>
-            <a:off x="6379600" y="3429669"/>
-            <a:ext cx="561430" cy="339692"/>
-          </a:xfrm>
-          <a:prstGeom prst="flowChartDocument">
-            <a:avLst/>
-          </a:prstGeom>
-          <a:solidFill>
-            <a:schemeClr val="accent6">
-              <a:lumMod val="25000"/>
-              <a:lumOff val="75000"/>
-            </a:schemeClr>
-          </a:solidFill>
-          <a:ln w="12700">
-            <a:solidFill>
-              <a:schemeClr val="tx1"/>
+              <a:schemeClr val="accent6">
+                <a:lumMod val="90000"/>
+                <a:lumOff val="10000"/>
+              </a:schemeClr>
             </a:solidFill>
           </a:ln>
           <a:effectLst/>
@@ -18787,20 +18158,19 @@
           </a:bodyPr>
           <a:lstStyle/>
           <a:p>
-            <a:pPr algn="ctr"/>
-            <a:r>
-              <a:rPr kumimoji="1" lang="ja-JP" altLang="en-US" sz="1000" b="1" smtClean="0">
-                <a:latin typeface="+mn-ea"/>
-              </a:rPr>
-              <a:t>資材</a:t>
-            </a:r>
-            <a:r>
-              <a:rPr kumimoji="1" lang="en-US" altLang="ja-JP" sz="1000" b="1" smtClean="0">
-                <a:latin typeface="+mn-ea"/>
-              </a:rPr>
-              <a:t>A</a:t>
-            </a:r>
-            <a:endParaRPr kumimoji="1" lang="ja-JP" altLang="en-US" sz="1000" b="1" dirty="0" smtClean="0">
+            <a:r>
+              <a:rPr lang="ja-JP" altLang="en-US" sz="1600" b="1" dirty="0" smtClean="0"/>
+              <a:t>⑤</a:t>
+            </a:r>
+            <a:r>
+              <a:rPr lang="en-US" altLang="ja-JP" sz="1600" b="1" dirty="0"/>
+              <a:t>Playbook</a:t>
+            </a:r>
+            <a:r>
+              <a:rPr lang="ja-JP" altLang="en-US" sz="1600" b="1" dirty="0"/>
+              <a:t>の修正</a:t>
+            </a:r>
+            <a:endParaRPr kumimoji="1" lang="ja-JP" altLang="en-US" sz="1600" b="1" dirty="0" smtClean="0">
               <a:latin typeface="+mn-ea"/>
             </a:endParaRPr>
           </a:p>
@@ -18808,27 +18178,27 @@
       </p:sp>
       <p:sp>
         <p:nvSpPr>
-          <p:cNvPr id="95" name="フローチャート: 書類 94"/>
+          <p:cNvPr id="46" name="角丸四角形 45"/>
           <p:cNvSpPr/>
           <p:nvPr/>
         </p:nvSpPr>
         <p:spPr bwMode="auto">
           <a:xfrm>
-            <a:off x="4623112" y="3411147"/>
-            <a:ext cx="561430" cy="339692"/>
+            <a:off x="323409" y="3532629"/>
+            <a:ext cx="3467148" cy="324000"/>
           </a:xfrm>
-          <a:prstGeom prst="flowChartDocument">
+          <a:prstGeom prst="roundRect">
             <a:avLst/>
           </a:prstGeom>
           <a:solidFill>
-            <a:schemeClr val="accent6">
-              <a:lumMod val="25000"/>
-              <a:lumOff val="75000"/>
-            </a:schemeClr>
+            <a:schemeClr val="bg1"/>
           </a:solidFill>
-          <a:ln w="12700">
+          <a:ln w="28575">
             <a:solidFill>
-              <a:schemeClr val="tx1"/>
+              <a:schemeClr val="accent6">
+                <a:lumMod val="90000"/>
+                <a:lumOff val="10000"/>
+              </a:schemeClr>
             </a:solidFill>
           </a:ln>
           <a:effectLst/>
@@ -18843,20 +18213,31 @@
           </a:bodyPr>
           <a:lstStyle/>
           <a:p>
-            <a:pPr algn="ctr"/>
-            <a:r>
-              <a:rPr kumimoji="1" lang="ja-JP" altLang="en-US" sz="1000" b="1" smtClean="0">
+            <a:r>
+              <a:rPr lang="ja-JP" altLang="en-US" sz="1600" b="1" dirty="0">
                 <a:latin typeface="+mn-ea"/>
               </a:rPr>
-              <a:t>資材</a:t>
-            </a:r>
-            <a:r>
-              <a:rPr kumimoji="1" lang="en-US" altLang="ja-JP" sz="1000" b="1" smtClean="0">
+              <a:t>④ドライランで実行</a:t>
+            </a:r>
+            <a:r>
+              <a:rPr lang="en-US" altLang="ja-JP" sz="1600" b="1" dirty="0">
                 <a:latin typeface="+mn-ea"/>
               </a:rPr>
-              <a:t>A</a:t>
-            </a:r>
-            <a:endParaRPr kumimoji="1" lang="ja-JP" altLang="en-US" sz="1000" b="1" dirty="0" smtClean="0">
+              <a:t>(1</a:t>
+            </a:r>
+            <a:r>
+              <a:rPr lang="ja-JP" altLang="en-US" sz="1600" b="1" dirty="0">
+                <a:latin typeface="+mn-ea"/>
+              </a:rPr>
+              <a:t>回目</a:t>
+            </a:r>
+            <a:r>
+              <a:rPr lang="en-US" altLang="ja-JP" sz="1600" b="1" dirty="0">
+                <a:latin typeface="+mn-ea"/>
+              </a:rPr>
+              <a:t>)</a:t>
+            </a:r>
+            <a:endParaRPr kumimoji="1" lang="ja-JP" altLang="en-US" sz="1600" b="1" dirty="0" smtClean="0">
               <a:latin typeface="+mn-ea"/>
             </a:endParaRPr>
           </a:p>
@@ -18864,27 +18245,27 @@
       </p:sp>
       <p:sp>
         <p:nvSpPr>
-          <p:cNvPr id="97" name="フローチャート: 書類 96"/>
+          <p:cNvPr id="47" name="角丸四角形 46"/>
           <p:cNvSpPr/>
           <p:nvPr/>
         </p:nvSpPr>
         <p:spPr bwMode="auto">
           <a:xfrm>
-            <a:off x="7884951" y="3241356"/>
-            <a:ext cx="561430" cy="339692"/>
+            <a:off x="323409" y="2565637"/>
+            <a:ext cx="3467148" cy="324000"/>
           </a:xfrm>
-          <a:prstGeom prst="flowChartDocument">
+          <a:prstGeom prst="roundRect">
             <a:avLst/>
           </a:prstGeom>
           <a:solidFill>
-            <a:schemeClr val="accent6">
-              <a:lumMod val="25000"/>
-              <a:lumOff val="75000"/>
-            </a:schemeClr>
+            <a:schemeClr val="bg1"/>
           </a:solidFill>
-          <a:ln w="12700">
+          <a:ln w="28575">
             <a:solidFill>
-              <a:schemeClr val="tx1"/>
+              <a:schemeClr val="accent6">
+                <a:lumMod val="90000"/>
+                <a:lumOff val="10000"/>
+              </a:schemeClr>
             </a:solidFill>
           </a:ln>
           <a:effectLst/>
@@ -18899,20 +18280,13 @@
           </a:bodyPr>
           <a:lstStyle/>
           <a:p>
-            <a:pPr algn="ctr"/>
-            <a:r>
-              <a:rPr kumimoji="1" lang="ja-JP" altLang="en-US" sz="1000" b="1" smtClean="0">
+            <a:r>
+              <a:rPr lang="ja-JP" altLang="en-US" sz="1600" b="1" dirty="0">
                 <a:latin typeface="+mn-ea"/>
               </a:rPr>
-              <a:t>資材</a:t>
-            </a:r>
-            <a:r>
-              <a:rPr lang="en-US" altLang="ja-JP" sz="1000" b="1" smtClean="0">
-                <a:latin typeface="+mn-ea"/>
-              </a:rPr>
-              <a:t>A’</a:t>
-            </a:r>
-            <a:endParaRPr kumimoji="1" lang="ja-JP" altLang="en-US" sz="1000" b="1" dirty="0" smtClean="0">
+              <a:t>②登録アカウントの登録</a:t>
+            </a:r>
+            <a:endParaRPr kumimoji="1" lang="ja-JP" altLang="en-US" sz="1600" b="1" dirty="0" smtClean="0">
               <a:latin typeface="+mn-ea"/>
             </a:endParaRPr>
           </a:p>
@@ -18920,944 +18294,27 @@
       </p:sp>
       <p:sp>
         <p:nvSpPr>
-          <p:cNvPr id="98" name="角丸四角形 97"/>
+          <p:cNvPr id="51" name="角丸四角形 50"/>
           <p:cNvSpPr/>
           <p:nvPr/>
         </p:nvSpPr>
         <p:spPr bwMode="auto">
           <a:xfrm>
-            <a:off x="6058595" y="2454840"/>
-            <a:ext cx="1281448" cy="1885285"/>
+            <a:off x="323409" y="4975257"/>
+            <a:ext cx="3467148" cy="324000"/>
           </a:xfrm>
           <a:prstGeom prst="roundRect">
-            <a:avLst>
-              <a:gd name="adj" fmla="val 3359"/>
-            </a:avLst>
-          </a:prstGeom>
-          <a:noFill/>
-          <a:ln w="12700">
-            <a:solidFill>
-              <a:schemeClr val="accent6"/>
-            </a:solidFill>
-            <a:prstDash val="sysDash"/>
-          </a:ln>
-          <a:effectLst/>
-          <a:extLst/>
-        </p:spPr>
-        <p:txBody>
-          <a:bodyPr rot="0" spcFirstLastPara="0" vertOverflow="overflow" horzOverflow="overflow" vert="horz" wrap="none" lIns="72000" tIns="72000" rIns="72000" bIns="72000" numCol="1" spcCol="0" rtlCol="0" fromWordArt="0" anchor="t" anchorCtr="0" forceAA="0" compatLnSpc="1">
-            <a:prstTxWarp prst="textNoShape">
-              <a:avLst/>
-            </a:prstTxWarp>
-            <a:noAutofit/>
-          </a:bodyPr>
-          <a:lstStyle/>
-          <a:p>
-            <a:pPr algn="ctr"/>
-            <a:r>
-              <a:rPr lang="en-US" altLang="ja-JP" sz="1000" b="1"/>
-              <a:t>CI/CD for IaC</a:t>
-            </a:r>
-            <a:endParaRPr kumimoji="1" lang="ja-JP" altLang="en-US" sz="1000" b="1" dirty="0" smtClean="0">
-              <a:latin typeface="+mn-ea"/>
-            </a:endParaRPr>
-          </a:p>
-        </p:txBody>
-      </p:sp>
-      <p:sp>
-        <p:nvSpPr>
-          <p:cNvPr id="99" name="角丸四角形 98"/>
-          <p:cNvSpPr/>
-          <p:nvPr/>
-        </p:nvSpPr>
-        <p:spPr bwMode="auto">
-          <a:xfrm>
-            <a:off x="7457763" y="2454839"/>
-            <a:ext cx="1391999" cy="2154197"/>
-          </a:xfrm>
-          <a:prstGeom prst="roundRect">
-            <a:avLst>
-              <a:gd name="adj" fmla="val 3359"/>
-            </a:avLst>
-          </a:prstGeom>
-          <a:noFill/>
-          <a:ln w="12700">
-            <a:solidFill>
-              <a:schemeClr val="accent6"/>
-            </a:solidFill>
-            <a:prstDash val="sysDash"/>
-          </a:ln>
-          <a:effectLst/>
-          <a:extLst/>
-        </p:spPr>
-        <p:txBody>
-          <a:bodyPr rot="0" spcFirstLastPara="0" vertOverflow="overflow" horzOverflow="overflow" vert="horz" wrap="none" lIns="72000" tIns="72000" rIns="72000" bIns="72000" numCol="1" spcCol="0" rtlCol="0" fromWordArt="0" anchor="t" anchorCtr="0" forceAA="0" compatLnSpc="1">
-            <a:prstTxWarp prst="textNoShape">
-              <a:avLst/>
-            </a:prstTxWarp>
-            <a:noAutofit/>
-          </a:bodyPr>
-          <a:lstStyle/>
-          <a:p>
-            <a:pPr algn="ctr"/>
-            <a:r>
-              <a:rPr lang="en-US" altLang="ja-JP" sz="1000" b="1" smtClean="0">
-                <a:latin typeface="+mn-ea"/>
-              </a:rPr>
-              <a:t>Ansible-Legacy</a:t>
-            </a:r>
-            <a:endParaRPr lang="en-US" altLang="ja-JP" sz="1000" b="1" smtClean="0">
-              <a:latin typeface="+mn-ea"/>
-            </a:endParaRPr>
-          </a:p>
-          <a:p>
-            <a:pPr algn="ctr"/>
-            <a:r>
-              <a:rPr kumimoji="1" lang="ja-JP" altLang="en-US" sz="1000" b="1">
-                <a:latin typeface="+mn-ea"/>
-              </a:rPr>
-              <a:t>ドライバ</a:t>
-            </a:r>
-            <a:endParaRPr kumimoji="1" lang="ja-JP" altLang="en-US" sz="1000" b="1" dirty="0" smtClean="0">
-              <a:latin typeface="+mn-ea"/>
-            </a:endParaRPr>
-          </a:p>
-        </p:txBody>
-      </p:sp>
-      <p:grpSp>
-        <p:nvGrpSpPr>
-          <p:cNvPr id="107" name="グループ化 106"/>
-          <p:cNvGrpSpPr>
-            <a:grpSpLocks noChangeAspect="1"/>
-          </p:cNvGrpSpPr>
-          <p:nvPr/>
-        </p:nvGrpSpPr>
-        <p:grpSpPr bwMode="gray">
-          <a:xfrm>
-            <a:off x="7920221" y="5093356"/>
-            <a:ext cx="476051" cy="819427"/>
-            <a:chOff x="5936837" y="1169393"/>
-            <a:chExt cx="484187" cy="833438"/>
-          </a:xfrm>
-        </p:grpSpPr>
-        <p:sp>
-          <p:nvSpPr>
-            <p:cNvPr id="108" name="Freeform 22"/>
-            <p:cNvSpPr>
-              <a:spLocks noChangeAspect="1"/>
-            </p:cNvSpPr>
-            <p:nvPr/>
-          </p:nvSpPr>
-          <p:spPr bwMode="gray">
-            <a:xfrm>
-              <a:off x="5936837" y="1169393"/>
-              <a:ext cx="484187" cy="833438"/>
-            </a:xfrm>
-            <a:custGeom>
-              <a:avLst/>
-              <a:gdLst>
-                <a:gd name="T0" fmla="*/ 642 w 642"/>
-                <a:gd name="T1" fmla="*/ 1081 h 1107"/>
-                <a:gd name="T2" fmla="*/ 615 w 642"/>
-                <a:gd name="T3" fmla="*/ 1107 h 1107"/>
-                <a:gd name="T4" fmla="*/ 27 w 642"/>
-                <a:gd name="T5" fmla="*/ 1107 h 1107"/>
-                <a:gd name="T6" fmla="*/ 0 w 642"/>
-                <a:gd name="T7" fmla="*/ 1081 h 1107"/>
-                <a:gd name="T8" fmla="*/ 0 w 642"/>
-                <a:gd name="T9" fmla="*/ 27 h 1107"/>
-                <a:gd name="T10" fmla="*/ 27 w 642"/>
-                <a:gd name="T11" fmla="*/ 0 h 1107"/>
-                <a:gd name="T12" fmla="*/ 615 w 642"/>
-                <a:gd name="T13" fmla="*/ 0 h 1107"/>
-                <a:gd name="T14" fmla="*/ 642 w 642"/>
-                <a:gd name="T15" fmla="*/ 27 h 1107"/>
-                <a:gd name="T16" fmla="*/ 642 w 642"/>
-                <a:gd name="T17" fmla="*/ 1081 h 1107"/>
-              </a:gdLst>
-              <a:ahLst/>
-              <a:cxnLst>
-                <a:cxn ang="0">
-                  <a:pos x="T0" y="T1"/>
-                </a:cxn>
-                <a:cxn ang="0">
-                  <a:pos x="T2" y="T3"/>
-                </a:cxn>
-                <a:cxn ang="0">
-                  <a:pos x="T4" y="T5"/>
-                </a:cxn>
-                <a:cxn ang="0">
-                  <a:pos x="T6" y="T7"/>
-                </a:cxn>
-                <a:cxn ang="0">
-                  <a:pos x="T8" y="T9"/>
-                </a:cxn>
-                <a:cxn ang="0">
-                  <a:pos x="T10" y="T11"/>
-                </a:cxn>
-                <a:cxn ang="0">
-                  <a:pos x="T12" y="T13"/>
-                </a:cxn>
-                <a:cxn ang="0">
-                  <a:pos x="T14" y="T15"/>
-                </a:cxn>
-                <a:cxn ang="0">
-                  <a:pos x="T16" y="T17"/>
-                </a:cxn>
-              </a:cxnLst>
-              <a:rect l="0" t="0" r="r" b="b"/>
-              <a:pathLst>
-                <a:path w="642" h="1107">
-                  <a:moveTo>
-                    <a:pt x="642" y="1081"/>
-                  </a:moveTo>
-                  <a:cubicBezTo>
-                    <a:pt x="642" y="1095"/>
-                    <a:pt x="630" y="1107"/>
-                    <a:pt x="615" y="1107"/>
-                  </a:cubicBezTo>
-                  <a:cubicBezTo>
-                    <a:pt x="27" y="1107"/>
-                    <a:pt x="27" y="1107"/>
-                    <a:pt x="27" y="1107"/>
-                  </a:cubicBezTo>
-                  <a:cubicBezTo>
-                    <a:pt x="12" y="1107"/>
-                    <a:pt x="0" y="1095"/>
-                    <a:pt x="0" y="1081"/>
-                  </a:cubicBezTo>
-                  <a:cubicBezTo>
-                    <a:pt x="0" y="27"/>
-                    <a:pt x="0" y="27"/>
-                    <a:pt x="0" y="27"/>
-                  </a:cubicBezTo>
-                  <a:cubicBezTo>
-                    <a:pt x="0" y="12"/>
-                    <a:pt x="12" y="0"/>
-                    <a:pt x="27" y="0"/>
-                  </a:cubicBezTo>
-                  <a:cubicBezTo>
-                    <a:pt x="615" y="0"/>
-                    <a:pt x="615" y="0"/>
-                    <a:pt x="615" y="0"/>
-                  </a:cubicBezTo>
-                  <a:cubicBezTo>
-                    <a:pt x="630" y="0"/>
-                    <a:pt x="642" y="12"/>
-                    <a:pt x="642" y="27"/>
-                  </a:cubicBezTo>
-                  <a:lnTo>
-                    <a:pt x="642" y="1081"/>
-                  </a:lnTo>
-                  <a:close/>
-                </a:path>
-              </a:pathLst>
-            </a:custGeom>
-            <a:solidFill>
-              <a:schemeClr val="accent6"/>
-            </a:solidFill>
-            <a:ln>
-              <a:noFill/>
-            </a:ln>
-            <a:extLst>
-              <a:ext uri="{91240B29-F687-4F45-9708-019B960494DF}">
-                <a14:hiddenLine xmlns:a14="http://schemas.microsoft.com/office/drawing/2010/main" w="9525">
-                  <a:solidFill>
-                    <a:srgbClr val="000000"/>
-                  </a:solidFill>
-                  <a:round/>
-                  <a:headEnd/>
-                  <a:tailEnd/>
-                </a14:hiddenLine>
-              </a:ext>
-            </a:extLst>
-          </p:spPr>
-          <p:txBody>
-            <a:bodyPr vert="horz" wrap="square" lIns="91440" tIns="45720" rIns="91440" bIns="45720" numCol="1" anchor="t" anchorCtr="0" compatLnSpc="1">
-              <a:prstTxWarp prst="textNoShape">
-                <a:avLst/>
-              </a:prstTxWarp>
-            </a:bodyPr>
-            <a:lstStyle/>
-            <a:p>
-              <a:endParaRPr lang="ja-JP" altLang="en-US"/>
-            </a:p>
-          </p:txBody>
-        </p:sp>
-        <p:sp>
-          <p:nvSpPr>
-            <p:cNvPr id="109" name="フリーフォーム 108"/>
-            <p:cNvSpPr>
-              <a:spLocks noChangeAspect="1" noChangeArrowheads="1"/>
-            </p:cNvSpPr>
-            <p:nvPr/>
-          </p:nvSpPr>
-          <p:spPr bwMode="gray">
-            <a:xfrm>
-              <a:off x="6011450" y="1244006"/>
-              <a:ext cx="333375" cy="684213"/>
-            </a:xfrm>
-            <a:custGeom>
-              <a:avLst/>
-              <a:gdLst>
-                <a:gd name="connsiteX0" fmla="*/ 166688 w 333375"/>
-                <a:gd name="connsiteY0" fmla="*/ 600075 h 684213"/>
-                <a:gd name="connsiteX1" fmla="*/ 207963 w 333375"/>
-                <a:gd name="connsiteY1" fmla="*/ 642144 h 684213"/>
-                <a:gd name="connsiteX2" fmla="*/ 166688 w 333375"/>
-                <a:gd name="connsiteY2" fmla="*/ 684213 h 684213"/>
-                <a:gd name="connsiteX3" fmla="*/ 125413 w 333375"/>
-                <a:gd name="connsiteY3" fmla="*/ 642144 h 684213"/>
-                <a:gd name="connsiteX4" fmla="*/ 166688 w 333375"/>
-                <a:gd name="connsiteY4" fmla="*/ 600075 h 684213"/>
-                <a:gd name="connsiteX5" fmla="*/ 16665 w 333375"/>
-                <a:gd name="connsiteY5" fmla="*/ 485775 h 684213"/>
-                <a:gd name="connsiteX6" fmla="*/ 316711 w 333375"/>
-                <a:gd name="connsiteY6" fmla="*/ 485775 h 684213"/>
-                <a:gd name="connsiteX7" fmla="*/ 331788 w 333375"/>
-                <a:gd name="connsiteY7" fmla="*/ 499696 h 684213"/>
-                <a:gd name="connsiteX8" fmla="*/ 316711 w 333375"/>
-                <a:gd name="connsiteY8" fmla="*/ 514350 h 684213"/>
-                <a:gd name="connsiteX9" fmla="*/ 16665 w 333375"/>
-                <a:gd name="connsiteY9" fmla="*/ 514350 h 684213"/>
-                <a:gd name="connsiteX10" fmla="*/ 1588 w 333375"/>
-                <a:gd name="connsiteY10" fmla="*/ 499696 h 684213"/>
-                <a:gd name="connsiteX11" fmla="*/ 16665 w 333375"/>
-                <a:gd name="connsiteY11" fmla="*/ 485775 h 684213"/>
-                <a:gd name="connsiteX12" fmla="*/ 16665 w 333375"/>
-                <a:gd name="connsiteY12" fmla="*/ 419100 h 684213"/>
-                <a:gd name="connsiteX13" fmla="*/ 316711 w 333375"/>
-                <a:gd name="connsiteY13" fmla="*/ 419100 h 684213"/>
-                <a:gd name="connsiteX14" fmla="*/ 331788 w 333375"/>
-                <a:gd name="connsiteY14" fmla="*/ 433021 h 684213"/>
-                <a:gd name="connsiteX15" fmla="*/ 316711 w 333375"/>
-                <a:gd name="connsiteY15" fmla="*/ 447675 h 684213"/>
-                <a:gd name="connsiteX16" fmla="*/ 16665 w 333375"/>
-                <a:gd name="connsiteY16" fmla="*/ 447675 h 684213"/>
-                <a:gd name="connsiteX17" fmla="*/ 1588 w 333375"/>
-                <a:gd name="connsiteY17" fmla="*/ 433021 h 684213"/>
-                <a:gd name="connsiteX18" fmla="*/ 16665 w 333375"/>
-                <a:gd name="connsiteY18" fmla="*/ 419100 h 684213"/>
-                <a:gd name="connsiteX19" fmla="*/ 16665 w 333375"/>
-                <a:gd name="connsiteY19" fmla="*/ 350837 h 684213"/>
-                <a:gd name="connsiteX20" fmla="*/ 316711 w 333375"/>
-                <a:gd name="connsiteY20" fmla="*/ 350837 h 684213"/>
-                <a:gd name="connsiteX21" fmla="*/ 331788 w 333375"/>
-                <a:gd name="connsiteY21" fmla="*/ 366305 h 684213"/>
-                <a:gd name="connsiteX22" fmla="*/ 316711 w 333375"/>
-                <a:gd name="connsiteY22" fmla="*/ 381000 h 684213"/>
-                <a:gd name="connsiteX23" fmla="*/ 16665 w 333375"/>
-                <a:gd name="connsiteY23" fmla="*/ 381000 h 684213"/>
-                <a:gd name="connsiteX24" fmla="*/ 1588 w 333375"/>
-                <a:gd name="connsiteY24" fmla="*/ 366305 h 684213"/>
-                <a:gd name="connsiteX25" fmla="*/ 16665 w 333375"/>
-                <a:gd name="connsiteY25" fmla="*/ 350837 h 684213"/>
-                <a:gd name="connsiteX26" fmla="*/ 19610 w 333375"/>
-                <a:gd name="connsiteY26" fmla="*/ 166687 h 684213"/>
-                <a:gd name="connsiteX27" fmla="*/ 313765 w 333375"/>
-                <a:gd name="connsiteY27" fmla="*/ 166687 h 684213"/>
-                <a:gd name="connsiteX28" fmla="*/ 333375 w 333375"/>
-                <a:gd name="connsiteY28" fmla="*/ 186990 h 684213"/>
-                <a:gd name="connsiteX29" fmla="*/ 333375 w 333375"/>
-                <a:gd name="connsiteY29" fmla="*/ 246397 h 684213"/>
-                <a:gd name="connsiteX30" fmla="*/ 313765 w 333375"/>
-                <a:gd name="connsiteY30" fmla="*/ 266700 h 684213"/>
-                <a:gd name="connsiteX31" fmla="*/ 19610 w 333375"/>
-                <a:gd name="connsiteY31" fmla="*/ 266700 h 684213"/>
-                <a:gd name="connsiteX32" fmla="*/ 0 w 333375"/>
-                <a:gd name="connsiteY32" fmla="*/ 246397 h 684213"/>
-                <a:gd name="connsiteX33" fmla="*/ 0 w 333375"/>
-                <a:gd name="connsiteY33" fmla="*/ 186990 h 684213"/>
-                <a:gd name="connsiteX34" fmla="*/ 19610 w 333375"/>
-                <a:gd name="connsiteY34" fmla="*/ 166687 h 684213"/>
-                <a:gd name="connsiteX35" fmla="*/ 19610 w 333375"/>
-                <a:gd name="connsiteY35" fmla="*/ 0 h 684213"/>
-                <a:gd name="connsiteX36" fmla="*/ 313765 w 333375"/>
-                <a:gd name="connsiteY36" fmla="*/ 0 h 684213"/>
-                <a:gd name="connsiteX37" fmla="*/ 333375 w 333375"/>
-                <a:gd name="connsiteY37" fmla="*/ 19551 h 684213"/>
-                <a:gd name="connsiteX38" fmla="*/ 333375 w 333375"/>
-                <a:gd name="connsiteY38" fmla="*/ 79710 h 684213"/>
-                <a:gd name="connsiteX39" fmla="*/ 313765 w 333375"/>
-                <a:gd name="connsiteY39" fmla="*/ 100013 h 684213"/>
-                <a:gd name="connsiteX40" fmla="*/ 19610 w 333375"/>
-                <a:gd name="connsiteY40" fmla="*/ 100013 h 684213"/>
-                <a:gd name="connsiteX41" fmla="*/ 0 w 333375"/>
-                <a:gd name="connsiteY41" fmla="*/ 79710 h 684213"/>
-                <a:gd name="connsiteX42" fmla="*/ 0 w 333375"/>
-                <a:gd name="connsiteY42" fmla="*/ 19551 h 684213"/>
-                <a:gd name="connsiteX43" fmla="*/ 19610 w 333375"/>
-                <a:gd name="connsiteY43" fmla="*/ 0 h 684213"/>
-              </a:gdLst>
-              <a:ahLst/>
-              <a:cxnLst>
-                <a:cxn ang="0">
-                  <a:pos x="connsiteX0" y="connsiteY0"/>
-                </a:cxn>
-                <a:cxn ang="0">
-                  <a:pos x="connsiteX1" y="connsiteY1"/>
-                </a:cxn>
-                <a:cxn ang="0">
-                  <a:pos x="connsiteX2" y="connsiteY2"/>
-                </a:cxn>
-                <a:cxn ang="0">
-                  <a:pos x="connsiteX3" y="connsiteY3"/>
-                </a:cxn>
-                <a:cxn ang="0">
-                  <a:pos x="connsiteX4" y="connsiteY4"/>
-                </a:cxn>
-                <a:cxn ang="0">
-                  <a:pos x="connsiteX5" y="connsiteY5"/>
-                </a:cxn>
-                <a:cxn ang="0">
-                  <a:pos x="connsiteX6" y="connsiteY6"/>
-                </a:cxn>
-                <a:cxn ang="0">
-                  <a:pos x="connsiteX7" y="connsiteY7"/>
-                </a:cxn>
-                <a:cxn ang="0">
-                  <a:pos x="connsiteX8" y="connsiteY8"/>
-                </a:cxn>
-                <a:cxn ang="0">
-                  <a:pos x="connsiteX9" y="connsiteY9"/>
-                </a:cxn>
-                <a:cxn ang="0">
-                  <a:pos x="connsiteX10" y="connsiteY10"/>
-                </a:cxn>
-                <a:cxn ang="0">
-                  <a:pos x="connsiteX11" y="connsiteY11"/>
-                </a:cxn>
-                <a:cxn ang="0">
-                  <a:pos x="connsiteX12" y="connsiteY12"/>
-                </a:cxn>
-                <a:cxn ang="0">
-                  <a:pos x="connsiteX13" y="connsiteY13"/>
-                </a:cxn>
-                <a:cxn ang="0">
-                  <a:pos x="connsiteX14" y="connsiteY14"/>
-                </a:cxn>
-                <a:cxn ang="0">
-                  <a:pos x="connsiteX15" y="connsiteY15"/>
-                </a:cxn>
-                <a:cxn ang="0">
-                  <a:pos x="connsiteX16" y="connsiteY16"/>
-                </a:cxn>
-                <a:cxn ang="0">
-                  <a:pos x="connsiteX17" y="connsiteY17"/>
-                </a:cxn>
-                <a:cxn ang="0">
-                  <a:pos x="connsiteX18" y="connsiteY18"/>
-                </a:cxn>
-                <a:cxn ang="0">
-                  <a:pos x="connsiteX19" y="connsiteY19"/>
-                </a:cxn>
-                <a:cxn ang="0">
-                  <a:pos x="connsiteX20" y="connsiteY20"/>
-                </a:cxn>
-                <a:cxn ang="0">
-                  <a:pos x="connsiteX21" y="connsiteY21"/>
-                </a:cxn>
-                <a:cxn ang="0">
-                  <a:pos x="connsiteX22" y="connsiteY22"/>
-                </a:cxn>
-                <a:cxn ang="0">
-                  <a:pos x="connsiteX23" y="connsiteY23"/>
-                </a:cxn>
-                <a:cxn ang="0">
-                  <a:pos x="connsiteX24" y="connsiteY24"/>
-                </a:cxn>
-                <a:cxn ang="0">
-                  <a:pos x="connsiteX25" y="connsiteY25"/>
-                </a:cxn>
-                <a:cxn ang="0">
-                  <a:pos x="connsiteX26" y="connsiteY26"/>
-                </a:cxn>
-                <a:cxn ang="0">
-                  <a:pos x="connsiteX27" y="connsiteY27"/>
-                </a:cxn>
-                <a:cxn ang="0">
-                  <a:pos x="connsiteX28" y="connsiteY28"/>
-                </a:cxn>
-                <a:cxn ang="0">
-                  <a:pos x="connsiteX29" y="connsiteY29"/>
-                </a:cxn>
-                <a:cxn ang="0">
-                  <a:pos x="connsiteX30" y="connsiteY30"/>
-                </a:cxn>
-                <a:cxn ang="0">
-                  <a:pos x="connsiteX31" y="connsiteY31"/>
-                </a:cxn>
-                <a:cxn ang="0">
-                  <a:pos x="connsiteX32" y="connsiteY32"/>
-                </a:cxn>
-                <a:cxn ang="0">
-                  <a:pos x="connsiteX33" y="connsiteY33"/>
-                </a:cxn>
-                <a:cxn ang="0">
-                  <a:pos x="connsiteX34" y="connsiteY34"/>
-                </a:cxn>
-                <a:cxn ang="0">
-                  <a:pos x="connsiteX35" y="connsiteY35"/>
-                </a:cxn>
-                <a:cxn ang="0">
-                  <a:pos x="connsiteX36" y="connsiteY36"/>
-                </a:cxn>
-                <a:cxn ang="0">
-                  <a:pos x="connsiteX37" y="connsiteY37"/>
-                </a:cxn>
-                <a:cxn ang="0">
-                  <a:pos x="connsiteX38" y="connsiteY38"/>
-                </a:cxn>
-                <a:cxn ang="0">
-                  <a:pos x="connsiteX39" y="connsiteY39"/>
-                </a:cxn>
-                <a:cxn ang="0">
-                  <a:pos x="connsiteX40" y="connsiteY40"/>
-                </a:cxn>
-                <a:cxn ang="0">
-                  <a:pos x="connsiteX41" y="connsiteY41"/>
-                </a:cxn>
-                <a:cxn ang="0">
-                  <a:pos x="connsiteX42" y="connsiteY42"/>
-                </a:cxn>
-                <a:cxn ang="0">
-                  <a:pos x="connsiteX43" y="connsiteY43"/>
-                </a:cxn>
-              </a:cxnLst>
-              <a:rect l="l" t="t" r="r" b="b"/>
-              <a:pathLst>
-                <a:path w="333375" h="684213">
-                  <a:moveTo>
-                    <a:pt x="166688" y="600075"/>
-                  </a:moveTo>
-                  <a:cubicBezTo>
-                    <a:pt x="189484" y="600075"/>
-                    <a:pt x="207963" y="618910"/>
-                    <a:pt x="207963" y="642144"/>
-                  </a:cubicBezTo>
-                  <a:cubicBezTo>
-                    <a:pt x="207963" y="665378"/>
-                    <a:pt x="189484" y="684213"/>
-                    <a:pt x="166688" y="684213"/>
-                  </a:cubicBezTo>
-                  <a:cubicBezTo>
-                    <a:pt x="143892" y="684213"/>
-                    <a:pt x="125413" y="665378"/>
-                    <a:pt x="125413" y="642144"/>
-                  </a:cubicBezTo>
-                  <a:cubicBezTo>
-                    <a:pt x="125413" y="618910"/>
-                    <a:pt x="143892" y="600075"/>
-                    <a:pt x="166688" y="600075"/>
-                  </a:cubicBezTo>
-                  <a:close/>
-                  <a:moveTo>
-                    <a:pt x="16665" y="485775"/>
-                  </a:moveTo>
-                  <a:cubicBezTo>
-                    <a:pt x="16665" y="485775"/>
-                    <a:pt x="16665" y="485775"/>
-                    <a:pt x="316711" y="485775"/>
-                  </a:cubicBezTo>
-                  <a:cubicBezTo>
-                    <a:pt x="325003" y="485775"/>
-                    <a:pt x="331788" y="491636"/>
-                    <a:pt x="331788" y="499696"/>
-                  </a:cubicBezTo>
-                  <a:cubicBezTo>
-                    <a:pt x="331788" y="507756"/>
-                    <a:pt x="325003" y="514350"/>
-                    <a:pt x="316711" y="514350"/>
-                  </a:cubicBezTo>
-                  <a:cubicBezTo>
-                    <a:pt x="316711" y="514350"/>
-                    <a:pt x="316711" y="514350"/>
-                    <a:pt x="16665" y="514350"/>
-                  </a:cubicBezTo>
-                  <a:cubicBezTo>
-                    <a:pt x="8373" y="514350"/>
-                    <a:pt x="1588" y="507756"/>
-                    <a:pt x="1588" y="499696"/>
-                  </a:cubicBezTo>
-                  <a:cubicBezTo>
-                    <a:pt x="1588" y="491636"/>
-                    <a:pt x="8373" y="485775"/>
-                    <a:pt x="16665" y="485775"/>
-                  </a:cubicBezTo>
-                  <a:close/>
-                  <a:moveTo>
-                    <a:pt x="16665" y="419100"/>
-                  </a:moveTo>
-                  <a:cubicBezTo>
-                    <a:pt x="16665" y="419100"/>
-                    <a:pt x="16665" y="419100"/>
-                    <a:pt x="316711" y="419100"/>
-                  </a:cubicBezTo>
-                  <a:cubicBezTo>
-                    <a:pt x="325003" y="419100"/>
-                    <a:pt x="331788" y="425694"/>
-                    <a:pt x="331788" y="433021"/>
-                  </a:cubicBezTo>
-                  <a:cubicBezTo>
-                    <a:pt x="331788" y="441081"/>
-                    <a:pt x="325003" y="447675"/>
-                    <a:pt x="316711" y="447675"/>
-                  </a:cubicBezTo>
-                  <a:cubicBezTo>
-                    <a:pt x="316711" y="447675"/>
-                    <a:pt x="316711" y="447675"/>
-                    <a:pt x="16665" y="447675"/>
-                  </a:cubicBezTo>
-                  <a:cubicBezTo>
-                    <a:pt x="8373" y="447675"/>
-                    <a:pt x="1588" y="441081"/>
-                    <a:pt x="1588" y="433021"/>
-                  </a:cubicBezTo>
-                  <a:cubicBezTo>
-                    <a:pt x="1588" y="425694"/>
-                    <a:pt x="8373" y="419100"/>
-                    <a:pt x="16665" y="419100"/>
-                  </a:cubicBezTo>
-                  <a:close/>
-                  <a:moveTo>
-                    <a:pt x="16665" y="350837"/>
-                  </a:moveTo>
-                  <a:cubicBezTo>
-                    <a:pt x="16665" y="350837"/>
-                    <a:pt x="16665" y="350837"/>
-                    <a:pt x="316711" y="350837"/>
-                  </a:cubicBezTo>
-                  <a:cubicBezTo>
-                    <a:pt x="325003" y="350837"/>
-                    <a:pt x="331788" y="357798"/>
-                    <a:pt x="331788" y="366305"/>
-                  </a:cubicBezTo>
-                  <a:cubicBezTo>
-                    <a:pt x="331788" y="374813"/>
-                    <a:pt x="325003" y="381000"/>
-                    <a:pt x="316711" y="381000"/>
-                  </a:cubicBezTo>
-                  <a:cubicBezTo>
-                    <a:pt x="316711" y="381000"/>
-                    <a:pt x="316711" y="381000"/>
-                    <a:pt x="16665" y="381000"/>
-                  </a:cubicBezTo>
-                  <a:cubicBezTo>
-                    <a:pt x="8373" y="381000"/>
-                    <a:pt x="1588" y="374813"/>
-                    <a:pt x="1588" y="366305"/>
-                  </a:cubicBezTo>
-                  <a:cubicBezTo>
-                    <a:pt x="1588" y="357798"/>
-                    <a:pt x="8373" y="350837"/>
-                    <a:pt x="16665" y="350837"/>
-                  </a:cubicBezTo>
-                  <a:close/>
-                  <a:moveTo>
-                    <a:pt x="19610" y="166687"/>
-                  </a:moveTo>
-                  <a:cubicBezTo>
-                    <a:pt x="19610" y="166687"/>
-                    <a:pt x="19610" y="166687"/>
-                    <a:pt x="313765" y="166687"/>
-                  </a:cubicBezTo>
-                  <a:cubicBezTo>
-                    <a:pt x="324324" y="166687"/>
-                    <a:pt x="333375" y="175711"/>
-                    <a:pt x="333375" y="186990"/>
-                  </a:cubicBezTo>
-                  <a:cubicBezTo>
-                    <a:pt x="333375" y="186990"/>
-                    <a:pt x="333375" y="186990"/>
-                    <a:pt x="333375" y="246397"/>
-                  </a:cubicBezTo>
-                  <a:cubicBezTo>
-                    <a:pt x="333375" y="257676"/>
-                    <a:pt x="324324" y="266700"/>
-                    <a:pt x="313765" y="266700"/>
-                  </a:cubicBezTo>
-                  <a:cubicBezTo>
-                    <a:pt x="313765" y="266700"/>
-                    <a:pt x="313765" y="266700"/>
-                    <a:pt x="19610" y="266700"/>
-                  </a:cubicBezTo>
-                  <a:cubicBezTo>
-                    <a:pt x="9051" y="266700"/>
-                    <a:pt x="0" y="257676"/>
-                    <a:pt x="0" y="246397"/>
-                  </a:cubicBezTo>
-                  <a:cubicBezTo>
-                    <a:pt x="0" y="246397"/>
-                    <a:pt x="0" y="246397"/>
-                    <a:pt x="0" y="186990"/>
-                  </a:cubicBezTo>
-                  <a:cubicBezTo>
-                    <a:pt x="0" y="175711"/>
-                    <a:pt x="9051" y="166687"/>
-                    <a:pt x="19610" y="166687"/>
-                  </a:cubicBezTo>
-                  <a:close/>
-                  <a:moveTo>
-                    <a:pt x="19610" y="0"/>
-                  </a:moveTo>
-                  <a:cubicBezTo>
-                    <a:pt x="19610" y="0"/>
-                    <a:pt x="19610" y="0"/>
-                    <a:pt x="313765" y="0"/>
-                  </a:cubicBezTo>
-                  <a:cubicBezTo>
-                    <a:pt x="324324" y="0"/>
-                    <a:pt x="333375" y="9024"/>
-                    <a:pt x="333375" y="19551"/>
-                  </a:cubicBezTo>
-                  <a:cubicBezTo>
-                    <a:pt x="333375" y="19551"/>
-                    <a:pt x="333375" y="19551"/>
-                    <a:pt x="333375" y="79710"/>
-                  </a:cubicBezTo>
-                  <a:cubicBezTo>
-                    <a:pt x="333375" y="90989"/>
-                    <a:pt x="324324" y="100013"/>
-                    <a:pt x="313765" y="100013"/>
-                  </a:cubicBezTo>
-                  <a:cubicBezTo>
-                    <a:pt x="313765" y="100013"/>
-                    <a:pt x="313765" y="100013"/>
-                    <a:pt x="19610" y="100013"/>
-                  </a:cubicBezTo>
-                  <a:cubicBezTo>
-                    <a:pt x="9051" y="100013"/>
-                    <a:pt x="0" y="90989"/>
-                    <a:pt x="0" y="79710"/>
-                  </a:cubicBezTo>
-                  <a:cubicBezTo>
-                    <a:pt x="0" y="79710"/>
-                    <a:pt x="0" y="79710"/>
-                    <a:pt x="0" y="19551"/>
-                  </a:cubicBezTo>
-                  <a:cubicBezTo>
-                    <a:pt x="0" y="9024"/>
-                    <a:pt x="9051" y="0"/>
-                    <a:pt x="19610" y="0"/>
-                  </a:cubicBezTo>
-                  <a:close/>
-                </a:path>
-              </a:pathLst>
-            </a:custGeom>
-            <a:solidFill>
-              <a:srgbClr val="FFFFFF"/>
-            </a:solidFill>
-            <a:ln>
-              <a:noFill/>
-            </a:ln>
-            <a:extLst>
-              <a:ext uri="{91240B29-F687-4F45-9708-019B960494DF}">
-                <a14:hiddenLine xmlns:a14="http://schemas.microsoft.com/office/drawing/2010/main" w="9525">
-                  <a:solidFill>
-                    <a:srgbClr val="000000"/>
-                  </a:solidFill>
-                  <a:round/>
-                  <a:headEnd/>
-                  <a:tailEnd/>
-                </a14:hiddenLine>
-              </a:ext>
-            </a:extLst>
-          </p:spPr>
-          <p:txBody>
-            <a:bodyPr vert="horz" wrap="square" lIns="91440" tIns="45720" rIns="91440" bIns="45720" numCol="1" anchor="t" anchorCtr="0" compatLnSpc="1">
-              <a:prstTxWarp prst="textNoShape">
-                <a:avLst/>
-              </a:prstTxWarp>
-              <a:noAutofit/>
-            </a:bodyPr>
-            <a:lstStyle/>
-            <a:p>
-              <a:endParaRPr lang="ja-JP" altLang="en-US"/>
-            </a:p>
-          </p:txBody>
-        </p:sp>
-      </p:grpSp>
-      <p:sp>
-        <p:nvSpPr>
-          <p:cNvPr id="113" name="正方形/長方形 112"/>
-          <p:cNvSpPr/>
-          <p:nvPr/>
-        </p:nvSpPr>
-        <p:spPr bwMode="auto">
-          <a:xfrm>
-            <a:off x="6341918" y="3378624"/>
-            <a:ext cx="648926" cy="427034"/>
-          </a:xfrm>
-          <a:prstGeom prst="rect">
             <a:avLst/>
-          </a:prstGeom>
-          <a:noFill/>
-          <a:ln w="19050">
-            <a:solidFill>
-              <a:srgbClr val="FFC000"/>
-            </a:solidFill>
-            <a:prstDash val="lgDash"/>
-          </a:ln>
-          <a:effectLst/>
-          <a:extLst/>
-        </p:spPr>
-        <p:txBody>
-          <a:bodyPr rot="0" spcFirstLastPara="0" vertOverflow="overflow" horzOverflow="overflow" vert="horz" wrap="none" lIns="72000" tIns="72000" rIns="72000" bIns="72000" numCol="1" spcCol="0" rtlCol="0" fromWordArt="0" anchor="ctr" anchorCtr="0" forceAA="0" compatLnSpc="1">
-            <a:prstTxWarp prst="textNoShape">
-              <a:avLst/>
-            </a:prstTxWarp>
-            <a:noAutofit/>
-          </a:bodyPr>
-          <a:lstStyle/>
-          <a:p>
-            <a:pPr algn="ctr"/>
-            <a:endParaRPr kumimoji="1" lang="ja-JP" altLang="en-US" b="1" dirty="0" smtClean="0">
-              <a:latin typeface="+mn-ea"/>
-            </a:endParaRPr>
-          </a:p>
-        </p:txBody>
-      </p:sp>
-      <p:sp>
-        <p:nvSpPr>
-          <p:cNvPr id="114" name="正方形/長方形 113"/>
-          <p:cNvSpPr/>
-          <p:nvPr/>
-        </p:nvSpPr>
-        <p:spPr bwMode="auto">
-          <a:xfrm>
-            <a:off x="7818750" y="3191020"/>
-            <a:ext cx="689667" cy="427034"/>
-          </a:xfrm>
-          <a:prstGeom prst="rect">
-            <a:avLst/>
-          </a:prstGeom>
-          <a:noFill/>
-          <a:ln w="19050">
-            <a:solidFill>
-              <a:srgbClr val="FFC000"/>
-            </a:solidFill>
-            <a:prstDash val="lgDash"/>
-          </a:ln>
-          <a:effectLst/>
-          <a:extLst/>
-        </p:spPr>
-        <p:txBody>
-          <a:bodyPr rot="0" spcFirstLastPara="0" vertOverflow="overflow" horzOverflow="overflow" vert="horz" wrap="none" lIns="72000" tIns="72000" rIns="72000" bIns="72000" numCol="1" spcCol="0" rtlCol="0" fromWordArt="0" anchor="ctr" anchorCtr="0" forceAA="0" compatLnSpc="1">
-            <a:prstTxWarp prst="textNoShape">
-              <a:avLst/>
-            </a:prstTxWarp>
-            <a:noAutofit/>
-          </a:bodyPr>
-          <a:lstStyle/>
-          <a:p>
-            <a:pPr algn="ctr"/>
-            <a:endParaRPr kumimoji="1" lang="ja-JP" altLang="en-US" b="1" dirty="0" smtClean="0">
-              <a:latin typeface="+mn-ea"/>
-            </a:endParaRPr>
-          </a:p>
-        </p:txBody>
-      </p:sp>
-      <p:cxnSp>
-        <p:nvCxnSpPr>
-          <p:cNvPr id="115" name="カギ線コネクタ 114"/>
-          <p:cNvCxnSpPr>
-            <a:stCxn id="113" idx="2"/>
-            <a:endCxn id="114" idx="2"/>
-          </p:cNvCxnSpPr>
-          <p:nvPr/>
-        </p:nvCxnSpPr>
-        <p:spPr bwMode="auto">
-          <a:xfrm rot="5400000" flipH="1" flipV="1">
-            <a:off x="7321180" y="2963254"/>
-            <a:ext cx="187604" cy="1497203"/>
-          </a:xfrm>
-          <a:prstGeom prst="bentConnector3">
-            <a:avLst>
-              <a:gd name="adj1" fmla="val -121852"/>
-            </a:avLst>
           </a:prstGeom>
           <a:solidFill>
             <a:schemeClr val="bg1"/>
           </a:solidFill>
-          <a:ln w="28575" cap="flat" cmpd="sng" algn="ctr">
-            <a:solidFill>
-              <a:srgbClr val="FFC000"/>
-            </a:solidFill>
-            <a:prstDash val="dash"/>
-            <a:round/>
-            <a:headEnd type="diamond" w="med" len="med"/>
-            <a:tailEnd type="diamond" w="med" len="med"/>
-          </a:ln>
-          <a:effectLst/>
-          <a:extLst>
-            <a:ext uri="{AF507438-7753-43E0-B8FC-AC1667EBCBE1}">
-              <a14:hiddenEffects xmlns:a14="http://schemas.microsoft.com/office/drawing/2010/main">
-                <a:effectLst>
-                  <a:outerShdw dist="35921" dir="2700000" algn="ctr" rotWithShape="0">
-                    <a:schemeClr val="tx1">
-                      <a:alpha val="50000"/>
-                    </a:schemeClr>
-                  </a:outerShdw>
-                </a:effectLst>
-              </a14:hiddenEffects>
-            </a:ext>
-          </a:extLst>
-        </p:spPr>
-      </p:cxnSp>
-      <p:sp>
-        <p:nvSpPr>
-          <p:cNvPr id="116" name="テキスト ボックス 115"/>
-          <p:cNvSpPr txBox="1"/>
-          <p:nvPr/>
-        </p:nvSpPr>
-        <p:spPr>
-          <a:xfrm>
-            <a:off x="7209717" y="3748395"/>
-            <a:ext cx="647949" cy="215444"/>
-          </a:xfrm>
-          <a:prstGeom prst="rect">
-            <a:avLst/>
-          </a:prstGeom>
-          <a:solidFill>
-            <a:schemeClr val="accent1">
-              <a:lumMod val="20000"/>
-              <a:lumOff val="80000"/>
-            </a:schemeClr>
-          </a:solidFill>
-        </p:spPr>
-        <p:txBody>
-          <a:bodyPr wrap="square" rtlCol="0">
-            <a:spAutoFit/>
-          </a:bodyPr>
-          <a:lstStyle/>
-          <a:p>
-            <a:pPr algn="ctr"/>
-            <a:r>
-              <a:rPr lang="ja-JP" altLang="en-US" sz="800" b="1" smtClean="0"/>
-              <a:t>資材紐付</a:t>
-            </a:r>
-            <a:endParaRPr kumimoji="1" lang="ja-JP" altLang="en-US" sz="800" b="1"/>
-          </a:p>
-        </p:txBody>
-      </p:sp>
-      <p:sp>
-        <p:nvSpPr>
-          <p:cNvPr id="117" name="角丸四角形 116"/>
-          <p:cNvSpPr/>
-          <p:nvPr/>
-        </p:nvSpPr>
-        <p:spPr bwMode="auto">
-          <a:xfrm>
-            <a:off x="7569021" y="4113450"/>
-            <a:ext cx="1193290" cy="410899"/>
-          </a:xfrm>
-          <a:prstGeom prst="roundRect">
-            <a:avLst/>
-          </a:prstGeom>
-          <a:noFill/>
           <a:ln w="28575">
             <a:solidFill>
-              <a:schemeClr val="accent6"/>
+              <a:schemeClr val="accent6">
+                <a:lumMod val="90000"/>
+                <a:lumOff val="10000"/>
+              </a:schemeClr>
             </a:solidFill>
           </a:ln>
           <a:effectLst/>
@@ -19872,107 +18329,41 @@
           </a:bodyPr>
           <a:lstStyle/>
           <a:p>
-            <a:pPr algn="ctr"/>
-            <a:r>
-              <a:rPr kumimoji="1" lang="ja-JP" altLang="en-US" sz="1000" b="1" smtClean="0">
+            <a:r>
+              <a:rPr lang="ja-JP" altLang="en-US" sz="1600" b="1" dirty="0">
                 <a:latin typeface="+mn-ea"/>
               </a:rPr>
-              <a:t>「作業実行</a:t>
-            </a:r>
-            <a:r>
-              <a:rPr kumimoji="1" lang="ja-JP" altLang="en-US" sz="1000" b="1" smtClean="0">
-                <a:latin typeface="+mn-ea"/>
-              </a:rPr>
-              <a:t>」</a:t>
-            </a:r>
-            <a:endParaRPr kumimoji="1" lang="en-US" altLang="ja-JP" sz="1000" b="1" smtClean="0">
+              <a:t>⑦ターゲットサーバへ実行</a:t>
+            </a:r>
+            <a:endParaRPr kumimoji="1" lang="ja-JP" altLang="en-US" sz="1600" b="1" dirty="0" smtClean="0">
               <a:latin typeface="+mn-ea"/>
             </a:endParaRPr>
           </a:p>
-          <a:p>
-            <a:pPr algn="ctr"/>
-            <a:r>
-              <a:rPr kumimoji="1" lang="ja-JP" altLang="en-US" sz="1000" b="1" smtClean="0">
-                <a:latin typeface="+mn-ea"/>
-              </a:rPr>
-              <a:t>メニュー</a:t>
-            </a:r>
-            <a:endParaRPr kumimoji="1" lang="ja-JP" altLang="en-US" sz="1000" b="1" dirty="0" smtClean="0">
-              <a:latin typeface="+mn-ea"/>
-            </a:endParaRPr>
-          </a:p>
         </p:txBody>
       </p:sp>
-      <p:cxnSp>
-        <p:nvCxnSpPr>
-          <p:cNvPr id="118" name="カギ線コネクタ 117"/>
-          <p:cNvCxnSpPr>
-            <a:stCxn id="117" idx="0"/>
-            <a:endCxn id="114" idx="2"/>
-          </p:cNvCxnSpPr>
+      <p:sp>
+        <p:nvSpPr>
+          <p:cNvPr id="52" name="角丸四角形 51"/>
+          <p:cNvSpPr/>
           <p:nvPr/>
-        </p:nvCxnSpPr>
+        </p:nvSpPr>
         <p:spPr bwMode="auto">
-          <a:xfrm rot="16200000" flipV="1">
-            <a:off x="7916927" y="3864711"/>
-            <a:ext cx="495396" cy="2082"/>
+          <a:xfrm>
+            <a:off x="323409" y="2082141"/>
+            <a:ext cx="3467148" cy="324000"/>
           </a:xfrm>
-          <a:prstGeom prst="bentConnector3">
-            <a:avLst>
-              <a:gd name="adj1" fmla="val 50000"/>
-            </a:avLst>
+          <a:prstGeom prst="roundRect">
+            <a:avLst/>
           </a:prstGeom>
           <a:solidFill>
             <a:schemeClr val="bg1"/>
           </a:solidFill>
-          <a:ln w="28575" cap="flat" cmpd="sng" algn="ctr">
+          <a:ln w="28575">
             <a:solidFill>
-              <a:srgbClr val="FFC000"/>
-            </a:solidFill>
-            <a:prstDash val="dash"/>
-            <a:round/>
-            <a:headEnd type="diamond" w="med" len="med"/>
-            <a:tailEnd type="diamond" w="med" len="med"/>
-          </a:ln>
-          <a:effectLst/>
-          <a:extLst>
-            <a:ext uri="{AF507438-7753-43E0-B8FC-AC1667EBCBE1}">
-              <a14:hiddenEffects xmlns:a14="http://schemas.microsoft.com/office/drawing/2010/main">
-                <a:effectLst>
-                  <a:outerShdw dist="35921" dir="2700000" algn="ctr" rotWithShape="0">
-                    <a:schemeClr val="tx1">
-                      <a:alpha val="50000"/>
-                    </a:schemeClr>
-                  </a:outerShdw>
-                </a:effectLst>
-              </a14:hiddenEffects>
-            </a:ext>
-          </a:extLst>
-        </p:spPr>
-      </p:cxnSp>
-      <p:sp>
-        <p:nvSpPr>
-          <p:cNvPr id="119" name="左矢印 118"/>
-          <p:cNvSpPr/>
-          <p:nvPr/>
-        </p:nvSpPr>
-        <p:spPr bwMode="auto">
-          <a:xfrm rot="5400000" flipH="1">
-            <a:off x="7887598" y="4689687"/>
-            <a:ext cx="532328" cy="249598"/>
-          </a:xfrm>
-          <a:prstGeom prst="leftArrow">
-            <a:avLst>
-              <a:gd name="adj1" fmla="val 37925"/>
-              <a:gd name="adj2" fmla="val 33627"/>
-            </a:avLst>
-          </a:prstGeom>
-          <a:solidFill>
-            <a:srgbClr val="FFC000"/>
-          </a:solidFill>
-          <a:ln w="12700">
-            <a:solidFill>
-              <a:schemeClr val="tx1"/>
+              <a:schemeClr val="accent6">
+                <a:lumMod val="90000"/>
+                <a:lumOff val="10000"/>
+              </a:schemeClr>
             </a:solidFill>
           </a:ln>
           <a:effectLst/>
@@ -19987,8 +18378,19 @@
           </a:bodyPr>
           <a:lstStyle/>
           <a:p>
-            <a:pPr algn="ctr"/>
-            <a:endParaRPr kumimoji="1" lang="ja-JP" altLang="en-US" b="1" dirty="0" smtClean="0">
+            <a:r>
+              <a:rPr lang="ja-JP" altLang="en-US" sz="1600" b="1" dirty="0" smtClean="0">
+                <a:latin typeface="+mn-ea"/>
+              </a:rPr>
+              <a:t>①リモートリポジトリ</a:t>
+            </a:r>
+            <a:r>
+              <a:rPr lang="ja-JP" altLang="en-US" sz="1600" b="1" dirty="0">
+                <a:latin typeface="+mn-ea"/>
+              </a:rPr>
+              <a:t>の登録</a:t>
+            </a:r>
+            <a:endParaRPr kumimoji="1" lang="en-US" altLang="ja-JP" sz="1600" b="1" dirty="0" smtClean="0">
               <a:latin typeface="+mn-ea"/>
             </a:endParaRPr>
           </a:p>
@@ -19996,64 +18398,34 @@
       </p:sp>
       <p:sp>
         <p:nvSpPr>
-          <p:cNvPr id="8" name="テキスト ボックス 7"/>
-          <p:cNvSpPr txBox="1"/>
-          <p:nvPr/>
-        </p:nvSpPr>
-        <p:spPr>
-          <a:xfrm>
-            <a:off x="7724172" y="5973849"/>
-            <a:ext cx="842626" cy="246221"/>
-          </a:xfrm>
-          <a:prstGeom prst="rect">
-            <a:avLst/>
-          </a:prstGeom>
-          <a:noFill/>
-        </p:spPr>
-        <p:txBody>
-          <a:bodyPr wrap="square" rtlCol="0">
-            <a:spAutoFit/>
-          </a:bodyPr>
-          <a:lstStyle/>
-          <a:p>
-            <a:pPr algn="ctr"/>
-            <a:r>
-              <a:rPr lang="ja-JP" altLang="en-US" sz="1000" b="1">
-                <a:latin typeface="+mn-ea"/>
-              </a:rPr>
-              <a:t>対象サーバ</a:t>
-            </a:r>
-            <a:endParaRPr kumimoji="1" lang="ja-JP" altLang="en-US" sz="1000"/>
-          </a:p>
-        </p:txBody>
-      </p:sp>
-      <p:sp>
-        <p:nvSpPr>
-          <p:cNvPr id="131" name="円柱 130"/>
+          <p:cNvPr id="60" name="角丸四角形 59"/>
           <p:cNvSpPr/>
           <p:nvPr/>
         </p:nvSpPr>
         <p:spPr bwMode="auto">
           <a:xfrm>
-            <a:off x="6211735" y="2823740"/>
-            <a:ext cx="961786" cy="1068792"/>
+            <a:off x="323409" y="3049133"/>
+            <a:ext cx="3467148" cy="324000"/>
           </a:xfrm>
-          <a:prstGeom prst="can">
-            <a:avLst>
-              <a:gd name="adj" fmla="val 15813"/>
-            </a:avLst>
+          <a:prstGeom prst="roundRect">
+            <a:avLst/>
           </a:prstGeom>
-          <a:noFill/>
+          <a:solidFill>
+            <a:schemeClr val="bg1"/>
+          </a:solidFill>
           <a:ln w="28575">
             <a:solidFill>
-              <a:schemeClr val="accent6"/>
+              <a:schemeClr val="accent6">
+                <a:lumMod val="90000"/>
+                <a:lumOff val="10000"/>
+              </a:schemeClr>
             </a:solidFill>
           </a:ln>
           <a:effectLst/>
           <a:extLst/>
         </p:spPr>
         <p:txBody>
-          <a:bodyPr rot="0" spcFirstLastPara="0" vertOverflow="overflow" horzOverflow="overflow" vert="horz" wrap="none" lIns="72000" tIns="72000" rIns="72000" bIns="72000" numCol="1" spcCol="0" rtlCol="0" fromWordArt="0" anchor="t" anchorCtr="0" forceAA="0" compatLnSpc="1">
+          <a:bodyPr rot="0" spcFirstLastPara="0" vertOverflow="overflow" horzOverflow="overflow" vert="horz" wrap="none" lIns="72000" tIns="72000" rIns="72000" bIns="72000" numCol="1" spcCol="0" rtlCol="0" fromWordArt="0" anchor="ctr" anchorCtr="0" forceAA="0" compatLnSpc="1">
             <a:prstTxWarp prst="textNoShape">
               <a:avLst/>
             </a:prstTxWarp>
@@ -20061,163 +18433,85 @@
           </a:bodyPr>
           <a:lstStyle/>
           <a:p>
-            <a:pPr algn="ctr"/>
-            <a:r>
-              <a:rPr lang="ja-JP" altLang="en-US" sz="1000" b="1" smtClean="0">
+            <a:r>
+              <a:rPr lang="ja-JP" altLang="en-US" sz="1600" b="1" dirty="0">
                 <a:latin typeface="+mn-ea"/>
               </a:rPr>
-              <a:t>ローカル</a:t>
-            </a:r>
-            <a:endParaRPr lang="en-US" altLang="ja-JP" sz="1000" b="1" smtClean="0">
+              <a:t>③資材紐付の登録</a:t>
+            </a:r>
+            <a:endParaRPr kumimoji="1" lang="ja-JP" altLang="en-US" sz="1600" b="1" dirty="0" smtClean="0">
               <a:latin typeface="+mn-ea"/>
             </a:endParaRPr>
           </a:p>
-          <a:p>
-            <a:pPr algn="ctr"/>
-            <a:r>
-              <a:rPr kumimoji="1" lang="ja-JP" altLang="en-US" sz="1000" b="1" smtClean="0">
+        </p:txBody>
+      </p:sp>
+      <p:sp>
+        <p:nvSpPr>
+          <p:cNvPr id="61" name="角丸四角形 60"/>
+          <p:cNvSpPr/>
+          <p:nvPr/>
+        </p:nvSpPr>
+        <p:spPr bwMode="auto">
+          <a:xfrm>
+            <a:off x="323409" y="4495691"/>
+            <a:ext cx="3467148" cy="324000"/>
+          </a:xfrm>
+          <a:prstGeom prst="roundRect">
+            <a:avLst/>
+          </a:prstGeom>
+          <a:solidFill>
+            <a:schemeClr val="bg1"/>
+          </a:solidFill>
+          <a:ln w="28575">
+            <a:solidFill>
+              <a:schemeClr val="accent6">
+                <a:lumMod val="90000"/>
+                <a:lumOff val="10000"/>
+              </a:schemeClr>
+            </a:solidFill>
+          </a:ln>
+          <a:effectLst/>
+          <a:extLst/>
+        </p:spPr>
+        <p:txBody>
+          <a:bodyPr rot="0" spcFirstLastPara="0" vertOverflow="overflow" horzOverflow="overflow" vert="horz" wrap="none" lIns="72000" tIns="72000" rIns="72000" bIns="72000" numCol="1" spcCol="0" rtlCol="0" fromWordArt="0" anchor="ctr" anchorCtr="0" forceAA="0" compatLnSpc="1">
+            <a:prstTxWarp prst="textNoShape">
+              <a:avLst/>
+            </a:prstTxWarp>
+            <a:noAutofit/>
+          </a:bodyPr>
+          <a:lstStyle/>
+          <a:p>
+            <a:r>
+              <a:rPr lang="ja-JP" altLang="en-US" sz="1600" b="1" dirty="0">
                 <a:latin typeface="+mn-ea"/>
               </a:rPr>
-              <a:t>リポジトリ</a:t>
-            </a:r>
-            <a:endParaRPr kumimoji="1" lang="ja-JP" altLang="en-US" sz="1000" b="1" dirty="0" smtClean="0">
+              <a:t>⑥ドライランで実行</a:t>
+            </a:r>
+            <a:r>
+              <a:rPr lang="en-US" altLang="ja-JP" sz="1600" b="1" dirty="0">
+                <a:latin typeface="+mn-ea"/>
+              </a:rPr>
+              <a:t>(2</a:t>
+            </a:r>
+            <a:r>
+              <a:rPr lang="ja-JP" altLang="en-US" sz="1600" b="1" dirty="0">
+                <a:latin typeface="+mn-ea"/>
+              </a:rPr>
+              <a:t>回目</a:t>
+            </a:r>
+            <a:r>
+              <a:rPr lang="en-US" altLang="ja-JP" sz="1600" b="1" dirty="0">
+                <a:latin typeface="+mn-ea"/>
+              </a:rPr>
+              <a:t>)</a:t>
+            </a:r>
+            <a:endParaRPr kumimoji="1" lang="ja-JP" altLang="en-US" sz="1600" b="1" dirty="0" smtClean="0">
               <a:latin typeface="+mn-ea"/>
             </a:endParaRPr>
           </a:p>
         </p:txBody>
       </p:sp>
-      <p:grpSp>
-        <p:nvGrpSpPr>
-          <p:cNvPr id="22" name="グループ化 21"/>
-          <p:cNvGrpSpPr/>
-          <p:nvPr/>
-        </p:nvGrpSpPr>
-        <p:grpSpPr>
-          <a:xfrm>
-            <a:off x="5410405" y="3211133"/>
-            <a:ext cx="712262" cy="579518"/>
-            <a:chOff x="5376382" y="3404537"/>
-            <a:chExt cx="712262" cy="579518"/>
-          </a:xfrm>
-        </p:grpSpPr>
-        <p:sp>
-          <p:nvSpPr>
-            <p:cNvPr id="100" name="U ターン矢印 99"/>
-            <p:cNvSpPr/>
-            <p:nvPr/>
-          </p:nvSpPr>
-          <p:spPr bwMode="auto">
-            <a:xfrm rot="16200000" flipH="1">
-              <a:off x="5546138" y="3234781"/>
-              <a:ext cx="339693" cy="679205"/>
-            </a:xfrm>
-            <a:prstGeom prst="uturnArrow">
-              <a:avLst>
-                <a:gd name="adj1" fmla="val 25000"/>
-                <a:gd name="adj2" fmla="val 25000"/>
-                <a:gd name="adj3" fmla="val 25000"/>
-                <a:gd name="adj4" fmla="val 43750"/>
-                <a:gd name="adj5" fmla="val 100000"/>
-              </a:avLst>
-            </a:prstGeom>
-            <a:solidFill>
-              <a:srgbClr val="FFC000"/>
-            </a:solidFill>
-            <a:ln w="12700">
-              <a:solidFill>
-                <a:schemeClr val="tx1"/>
-              </a:solidFill>
-            </a:ln>
-            <a:effectLst/>
-            <a:extLst/>
-          </p:spPr>
-          <p:txBody>
-            <a:bodyPr rot="0" spcFirstLastPara="0" vertOverflow="overflow" horzOverflow="overflow" vert="horz" wrap="none" lIns="72000" tIns="72000" rIns="72000" bIns="72000" numCol="1" spcCol="0" rtlCol="0" fromWordArt="0" anchor="ctr" anchorCtr="0" forceAA="0" compatLnSpc="1">
-              <a:prstTxWarp prst="textNoShape">
-                <a:avLst/>
-              </a:prstTxWarp>
-              <a:noAutofit/>
-            </a:bodyPr>
-            <a:lstStyle/>
-            <a:p>
-              <a:pPr algn="ctr"/>
-              <a:endParaRPr kumimoji="1" lang="ja-JP" altLang="en-US" b="1" dirty="0" smtClean="0">
-                <a:latin typeface="+mn-ea"/>
-              </a:endParaRPr>
-            </a:p>
-          </p:txBody>
-        </p:sp>
-        <p:sp>
-          <p:nvSpPr>
-            <p:cNvPr id="101" name="テキスト ボックス 100"/>
-            <p:cNvSpPr txBox="1"/>
-            <p:nvPr/>
-          </p:nvSpPr>
-          <p:spPr>
-            <a:xfrm>
-              <a:off x="5381100" y="3785048"/>
-              <a:ext cx="707544" cy="199007"/>
-            </a:xfrm>
-            <a:prstGeom prst="rect">
-              <a:avLst/>
-            </a:prstGeom>
-            <a:solidFill>
-              <a:schemeClr val="accent1">
-                <a:lumMod val="20000"/>
-                <a:lumOff val="80000"/>
-              </a:schemeClr>
-            </a:solidFill>
-          </p:spPr>
-          <p:txBody>
-            <a:bodyPr wrap="square" rtlCol="0">
-              <a:spAutoFit/>
-            </a:bodyPr>
-            <a:lstStyle/>
-            <a:p>
-              <a:pPr algn="ctr"/>
-              <a:r>
-                <a:rPr kumimoji="1" lang="en-US" altLang="ja-JP" sz="700" b="1" smtClean="0"/>
-                <a:t>Git</a:t>
-              </a:r>
-              <a:r>
-                <a:rPr kumimoji="1" lang="ja-JP" altLang="en-US" sz="700" b="1" smtClean="0"/>
-                <a:t>クローン</a:t>
-              </a:r>
-              <a:endParaRPr kumimoji="1" lang="ja-JP" altLang="en-US" sz="700" b="1"/>
-            </a:p>
-          </p:txBody>
-        </p:sp>
-      </p:grpSp>
-      <p:pic>
-        <p:nvPicPr>
-          <p:cNvPr id="134" name="図 133"/>
-          <p:cNvPicPr>
-            <a:picLocks noChangeAspect="1"/>
-          </p:cNvPicPr>
-          <p:nvPr/>
-        </p:nvPicPr>
-        <p:blipFill>
-          <a:blip r:embed="rId4">
-            <a:extLst>
-              <a:ext uri="{28A0092B-C50C-407E-A947-70E740481C1C}">
-                <a14:useLocalDpi xmlns:a14="http://schemas.microsoft.com/office/drawing/2010/main" val="0"/>
-              </a:ext>
-            </a:extLst>
-          </a:blip>
-          <a:stretch>
-            <a:fillRect/>
-          </a:stretch>
-        </p:blipFill>
-        <p:spPr>
-          <a:xfrm>
-            <a:off x="5720778" y="1928578"/>
-            <a:ext cx="438823" cy="438823"/>
-          </a:xfrm>
-          <a:prstGeom prst="rect">
-            <a:avLst/>
-          </a:prstGeom>
-        </p:spPr>
-      </p:pic>
     </p:spTree>
     <p:extLst>
       <p:ext uri="{BB962C8B-B14F-4D97-AF65-F5344CB8AC3E}">
@@ -20301,36 +18595,28 @@
           <a:lstStyle/>
           <a:p>
             <a:r>
-              <a:rPr kumimoji="1" lang="en-US" altLang="ja-JP" b="1" dirty="0" err="1" smtClean="0"/>
+              <a:rPr kumimoji="1" lang="en-US" altLang="ja-JP" dirty="0" err="1" smtClean="0"/>
               <a:t>Git</a:t>
             </a:r>
             <a:r>
-              <a:rPr kumimoji="1" lang="ja-JP" altLang="en-US" b="1" dirty="0" smtClean="0"/>
+              <a:rPr kumimoji="1" lang="ja-JP" altLang="en-US" dirty="0" smtClean="0"/>
               <a:t>リポジトリの準備</a:t>
             </a:r>
-            <a:endParaRPr kumimoji="1" lang="en-US" altLang="ja-JP" b="1" dirty="0" smtClean="0"/>
+            <a:endParaRPr kumimoji="1" lang="en-US" altLang="ja-JP" dirty="0" smtClean="0"/>
           </a:p>
           <a:p>
             <a:pPr lvl="1"/>
             <a:r>
-              <a:rPr lang="ja-JP" altLang="en-US" smtClean="0"/>
-              <a:t>リモートリポジトリには</a:t>
-            </a:r>
-            <a:r>
-              <a:rPr lang="en-US" altLang="ja-JP" smtClean="0"/>
+              <a:rPr lang="ja-JP" altLang="en-US" dirty="0" smtClean="0"/>
+              <a:t>今回は</a:t>
+            </a:r>
+            <a:r>
+              <a:rPr lang="en-US" altLang="ja-JP" dirty="0" smtClean="0"/>
               <a:t>GitHub</a:t>
             </a:r>
             <a:r>
               <a:rPr lang="ja-JP" altLang="en-US" dirty="0" smtClean="0"/>
-              <a:t>を</a:t>
-            </a:r>
-            <a:r>
-              <a:rPr lang="ja-JP" altLang="en-US" smtClean="0"/>
-              <a:t>使用します</a:t>
-            </a:r>
-            <a:r>
-              <a:rPr lang="ja-JP" altLang="en-US" dirty="0" smtClean="0"/>
-              <a:t>。</a:t>
+              <a:t>を使用していきます。</a:t>
             </a:r>
             <a:endParaRPr lang="en-US" altLang="ja-JP" dirty="0"/>
           </a:p>
@@ -20339,28 +18625,73 @@
               <a:buNone/>
             </a:pPr>
             <a:r>
-              <a:rPr lang="ja-JP" altLang="en-US"/>
+              <a:rPr lang="ja-JP" altLang="en-US" dirty="0"/>
               <a:t>　</a:t>
             </a:r>
             <a:r>
-              <a:rPr lang="ja-JP" altLang="en-US" smtClean="0">
-                <a:hlinkClick r:id="rId3"/>
-              </a:rPr>
-              <a:t>新規リポジトリ作成画面</a:t>
-            </a:r>
-            <a:r>
-              <a:rPr lang="ja-JP" altLang="en-US" smtClean="0"/>
-              <a:t>から本シナリオで利用するリポジトリ</a:t>
+              <a:rPr lang="en-US" altLang="ja-JP" dirty="0" smtClean="0"/>
+              <a:t>Repository</a:t>
             </a:r>
             <a:r>
               <a:rPr lang="ja-JP" altLang="en-US" dirty="0" smtClean="0"/>
-              <a:t>を</a:t>
-            </a:r>
-            <a:r>
-              <a:rPr lang="ja-JP" altLang="en-US" smtClean="0"/>
-              <a:t>作成して下さい。</a:t>
+              <a:t>→</a:t>
+            </a:r>
+            <a:r>
+              <a:rPr lang="en-US" altLang="ja-JP" dirty="0" smtClean="0"/>
+              <a:t>New</a:t>
+            </a:r>
+            <a:r>
+              <a:rPr lang="ja-JP" altLang="en-US" dirty="0" smtClean="0"/>
+              <a:t>を選択し新規のリポジトリを作成してください。</a:t>
             </a:r>
             <a:endParaRPr lang="en-US" altLang="ja-JP" dirty="0" smtClean="0"/>
+          </a:p>
+          <a:p>
+            <a:pPr marL="180000" lvl="1" indent="0">
+              <a:buNone/>
+            </a:pPr>
+            <a:r>
+              <a:rPr lang="ja-JP" altLang="en-US" dirty="0"/>
+              <a:t>　</a:t>
+            </a:r>
+            <a:r>
+              <a:rPr lang="ja-JP" altLang="en-US" dirty="0" smtClean="0"/>
+              <a:t>リポジトリ名を入力</a:t>
+            </a:r>
+            <a:r>
+              <a:rPr lang="ja-JP" altLang="en-US" dirty="0"/>
+              <a:t>し</a:t>
+            </a:r>
+            <a:r>
+              <a:rPr lang="en-US" altLang="ja-JP" dirty="0" smtClean="0"/>
+              <a:t>Public</a:t>
+            </a:r>
+            <a:r>
+              <a:rPr lang="ja-JP" altLang="en-US" dirty="0" smtClean="0"/>
+              <a:t>を選択、</a:t>
+            </a:r>
+            <a:r>
+              <a:rPr lang="en-US" altLang="ja-JP" dirty="0" smtClean="0"/>
+              <a:t>Create repository</a:t>
+            </a:r>
+            <a:r>
+              <a:rPr lang="ja-JP" altLang="en-US" dirty="0" smtClean="0"/>
+              <a:t>をクリックし作成して下さい。</a:t>
+            </a:r>
+            <a:endParaRPr lang="en-US" altLang="ja-JP" dirty="0" smtClean="0"/>
+          </a:p>
+          <a:p>
+            <a:pPr marL="180000" lvl="1" indent="0">
+              <a:buNone/>
+            </a:pPr>
+            <a:r>
+              <a:rPr lang="en-US" altLang="ja-JP" dirty="0"/>
+              <a:t> </a:t>
+            </a:r>
+            <a:r>
+              <a:rPr lang="en-US" altLang="ja-JP" dirty="0" smtClean="0"/>
+              <a:t>  </a:t>
+            </a:r>
           </a:p>
         </p:txBody>
       </p:sp>
@@ -20373,13 +18704,13 @@
           <p:nvPr/>
         </p:nvPicPr>
         <p:blipFill rotWithShape="1">
-          <a:blip r:embed="rId4"/>
+          <a:blip r:embed="rId2"/>
           <a:srcRect l="27788" t="10317" r="29460"/>
           <a:stretch/>
         </p:blipFill>
         <p:spPr>
           <a:xfrm>
-            <a:off x="1115520" y="2168103"/>
+            <a:off x="2195670" y="2146291"/>
             <a:ext cx="4392610" cy="4307129"/>
           </a:xfrm>
           <a:prstGeom prst="rect">
@@ -20389,25 +18720,26 @@
       </p:pic>
       <p:sp>
         <p:nvSpPr>
-          <p:cNvPr id="6" name="線吹き出し 1 (枠付き) 5"/>
+          <p:cNvPr id="6" name="角丸四角形吹き出し 5"/>
           <p:cNvSpPr/>
           <p:nvPr/>
         </p:nvSpPr>
         <p:spPr bwMode="auto">
           <a:xfrm>
-            <a:off x="5615263" y="3083689"/>
-            <a:ext cx="3242092" cy="531943"/>
+            <a:off x="6745304" y="2924930"/>
+            <a:ext cx="2147296" cy="792110"/>
           </a:xfrm>
-          <a:prstGeom prst="borderCallout1">
+          <a:prstGeom prst="wedgeRoundRectCallout">
             <a:avLst>
-              <a:gd name="adj1" fmla="val 20579"/>
-              <a:gd name="adj2" fmla="val -53340"/>
-              <a:gd name="adj3" fmla="val 21065"/>
-              <a:gd name="adj4" fmla="val 73"/>
+              <a:gd name="adj1" fmla="val -130244"/>
+              <a:gd name="adj2" fmla="val -16818"/>
+              <a:gd name="adj3" fmla="val 16667"/>
             </a:avLst>
           </a:prstGeom>
-          <a:noFill/>
-          <a:ln w="28575">
+          <a:solidFill>
+            <a:schemeClr val="bg1"/>
+          </a:solidFill>
+          <a:ln w="12700">
             <a:solidFill>
               <a:srgbClr val="FF0000"/>
             </a:solidFill>
@@ -20423,15 +18755,300 @@
           </a:bodyPr>
           <a:lstStyle/>
           <a:p>
-            <a:r>
-              <a:rPr lang="ja-JP" altLang="en-US" sz="1600" smtClean="0">
+            <a:pPr algn="ctr"/>
+            <a:endParaRPr kumimoji="1" lang="ja-JP" altLang="en-US" b="1" dirty="0" smtClean="0">
+              <a:latin typeface="+mn-ea"/>
+            </a:endParaRPr>
+          </a:p>
+        </p:txBody>
+      </p:sp>
+      <p:graphicFrame>
+        <p:nvGraphicFramePr>
+          <p:cNvPr id="9" name="表 8"/>
+          <p:cNvGraphicFramePr>
+            <a:graphicFrameLocks noGrp="1"/>
+          </p:cNvGraphicFramePr>
+          <p:nvPr>
+            <p:extLst>
+              <p:ext uri="{D42A27DB-BD31-4B8C-83A1-F6EECF244321}">
+                <p14:modId xmlns:p14="http://schemas.microsoft.com/office/powerpoint/2010/main" val="3503125008"/>
+              </p:ext>
+            </p:extLst>
+          </p:nvPr>
+        </p:nvGraphicFramePr>
+        <p:xfrm>
+          <a:off x="6888105" y="3046625"/>
+          <a:ext cx="1888267" cy="548640"/>
+        </p:xfrm>
+        <a:graphic>
+          <a:graphicData uri="http://schemas.openxmlformats.org/drawingml/2006/table">
+            <a:tbl>
+              <a:tblPr firstRow="1" bandRow="1">
+                <a:tableStyleId>{5C22544A-7EE6-4342-B048-85BDC9FD1C3A}</a:tableStyleId>
+              </a:tblPr>
+              <a:tblGrid>
+                <a:gridCol w="1888267">
+                  <a:extLst>
+                    <a:ext uri="{9D8B030D-6E8A-4147-A177-3AD203B41FA5}">
+                      <a16:colId xmlns:a16="http://schemas.microsoft.com/office/drawing/2014/main" val="2883640048"/>
+                    </a:ext>
+                  </a:extLst>
+                </a:gridCol>
+              </a:tblGrid>
+              <a:tr h="210497">
+                <a:tc>
+                  <a:txBody>
+                    <a:bodyPr/>
+                    <a:lstStyle/>
+                    <a:p>
+                      <a:pPr algn="ctr"/>
+                      <a:r>
+                        <a:rPr kumimoji="1" lang="ja-JP" altLang="en-US" sz="1200" dirty="0" smtClean="0">
+                          <a:solidFill>
+                            <a:schemeClr val="bg1"/>
+                          </a:solidFill>
+                          <a:latin typeface="+mn-lt"/>
+                        </a:rPr>
+                        <a:t>リポジトリ名</a:t>
+                      </a:r>
+                    </a:p>
+                  </a:txBody>
+                  <a:tcPr>
+                    <a:lnL w="12700" cap="flat" cmpd="sng" algn="ctr">
+                      <a:solidFill>
+                        <a:schemeClr val="bg1">
+                          <a:lumMod val="85000"/>
+                        </a:schemeClr>
+                      </a:solidFill>
+                      <a:prstDash val="solid"/>
+                      <a:round/>
+                      <a:headEnd type="none" w="med" len="med"/>
+                      <a:tailEnd type="none" w="med" len="med"/>
+                    </a:lnL>
+                    <a:lnR w="12700" cap="flat" cmpd="sng" algn="ctr">
+                      <a:solidFill>
+                        <a:schemeClr val="bg1">
+                          <a:lumMod val="85000"/>
+                        </a:schemeClr>
+                      </a:solidFill>
+                      <a:prstDash val="solid"/>
+                      <a:round/>
+                      <a:headEnd type="none" w="med" len="med"/>
+                      <a:tailEnd type="none" w="med" len="med"/>
+                    </a:lnR>
+                    <a:lnT w="12700" cap="flat" cmpd="sng" algn="ctr">
+                      <a:solidFill>
+                        <a:schemeClr val="bg1">
+                          <a:lumMod val="85000"/>
+                        </a:schemeClr>
+                      </a:solidFill>
+                      <a:prstDash val="solid"/>
+                      <a:round/>
+                      <a:headEnd type="none" w="med" len="med"/>
+                      <a:tailEnd type="none" w="med" len="med"/>
+                    </a:lnT>
+                    <a:lnB w="12700" cap="flat" cmpd="sng" algn="ctr">
+                      <a:solidFill>
+                        <a:schemeClr val="bg1">
+                          <a:lumMod val="85000"/>
+                        </a:schemeClr>
+                      </a:solidFill>
+                      <a:prstDash val="solid"/>
+                      <a:round/>
+                      <a:headEnd type="none" w="med" len="med"/>
+                      <a:tailEnd type="none" w="med" len="med"/>
+                    </a:lnB>
+                    <a:lnTlToBr w="12700" cmpd="sng">
+                      <a:noFill/>
+                      <a:prstDash val="solid"/>
+                    </a:lnTlToBr>
+                    <a:lnBlToTr w="12700" cmpd="sng">
+                      <a:noFill/>
+                      <a:prstDash val="solid"/>
+                    </a:lnBlToTr>
+                    <a:solidFill>
+                      <a:schemeClr val="accent6"/>
+                    </a:solidFill>
+                  </a:tcPr>
+                </a:tc>
+                <a:extLst>
+                  <a:ext uri="{0D108BD9-81ED-4DB2-BD59-A6C34878D82A}">
+                    <a16:rowId xmlns:a16="http://schemas.microsoft.com/office/drawing/2014/main" val="2458714703"/>
+                  </a:ext>
+                </a:extLst>
+              </a:tr>
+              <a:tr h="210497">
+                <a:tc>
+                  <a:txBody>
+                    <a:bodyPr/>
+                    <a:lstStyle/>
+                    <a:p>
+                      <a:pPr algn="ctr"/>
+                      <a:r>
+                        <a:rPr kumimoji="1" lang="en-US" altLang="ja-JP" sz="1200" b="0" dirty="0" smtClean="0">
+                          <a:solidFill>
+                            <a:schemeClr val="tx1"/>
+                          </a:solidFill>
+                          <a:latin typeface="+mn-lt"/>
+                        </a:rPr>
+                        <a:t>(</a:t>
+                      </a:r>
+                      <a:r>
+                        <a:rPr kumimoji="1" lang="ja-JP" altLang="en-US" sz="1200" b="0" dirty="0" smtClean="0">
+                          <a:solidFill>
+                            <a:schemeClr val="tx1"/>
+                          </a:solidFill>
+                          <a:latin typeface="+mn-lt"/>
+                        </a:rPr>
+                        <a:t>任意の名前</a:t>
+                      </a:r>
+                      <a:r>
+                        <a:rPr kumimoji="1" lang="en-US" altLang="ja-JP" sz="1200" b="0" dirty="0" smtClean="0">
+                          <a:solidFill>
+                            <a:schemeClr val="tx1"/>
+                          </a:solidFill>
+                          <a:latin typeface="+mn-lt"/>
+                        </a:rPr>
+                        <a:t>)</a:t>
+                      </a:r>
+                      <a:endParaRPr kumimoji="1" lang="ja-JP" altLang="en-US" sz="1200" b="0" dirty="0" smtClean="0">
+                        <a:solidFill>
+                          <a:schemeClr val="tx1"/>
+                        </a:solidFill>
+                        <a:latin typeface="+mn-lt"/>
+                      </a:endParaRPr>
+                    </a:p>
+                  </a:txBody>
+                  <a:tcPr>
+                    <a:lnL w="12700" cap="flat" cmpd="sng" algn="ctr">
+                      <a:solidFill>
+                        <a:schemeClr val="bg1">
+                          <a:lumMod val="85000"/>
+                        </a:schemeClr>
+                      </a:solidFill>
+                      <a:prstDash val="solid"/>
+                      <a:round/>
+                      <a:headEnd type="none" w="med" len="med"/>
+                      <a:tailEnd type="none" w="med" len="med"/>
+                    </a:lnL>
+                    <a:lnR w="12700" cap="flat" cmpd="sng" algn="ctr">
+                      <a:solidFill>
+                        <a:schemeClr val="bg1">
+                          <a:lumMod val="85000"/>
+                        </a:schemeClr>
+                      </a:solidFill>
+                      <a:prstDash val="solid"/>
+                      <a:round/>
+                      <a:headEnd type="none" w="med" len="med"/>
+                      <a:tailEnd type="none" w="med" len="med"/>
+                    </a:lnR>
+                    <a:lnT w="12700" cap="flat" cmpd="sng" algn="ctr">
+                      <a:solidFill>
+                        <a:schemeClr val="bg1">
+                          <a:lumMod val="85000"/>
+                        </a:schemeClr>
+                      </a:solidFill>
+                      <a:prstDash val="solid"/>
+                      <a:round/>
+                      <a:headEnd type="none" w="med" len="med"/>
+                      <a:tailEnd type="none" w="med" len="med"/>
+                    </a:lnT>
+                    <a:lnB w="12700" cap="flat" cmpd="sng" algn="ctr">
+                      <a:solidFill>
+                        <a:schemeClr val="bg1">
+                          <a:lumMod val="85000"/>
+                        </a:schemeClr>
+                      </a:solidFill>
+                      <a:prstDash val="solid"/>
+                      <a:round/>
+                      <a:headEnd type="none" w="med" len="med"/>
+                      <a:tailEnd type="none" w="med" len="med"/>
+                    </a:lnB>
+                    <a:lnTlToBr w="12700" cmpd="sng">
+                      <a:noFill/>
+                      <a:prstDash val="solid"/>
+                    </a:lnTlToBr>
+                    <a:lnBlToTr w="12700" cmpd="sng">
+                      <a:noFill/>
+                      <a:prstDash val="solid"/>
+                    </a:lnBlToTr>
+                    <a:solidFill>
+                      <a:schemeClr val="bg1"/>
+                    </a:solidFill>
+                  </a:tcPr>
+                </a:tc>
+                <a:extLst>
+                  <a:ext uri="{0D108BD9-81ED-4DB2-BD59-A6C34878D82A}">
+                    <a16:rowId xmlns:a16="http://schemas.microsoft.com/office/drawing/2014/main" val="4029950975"/>
+                  </a:ext>
+                </a:extLst>
+              </a:tr>
+            </a:tbl>
+          </a:graphicData>
+        </a:graphic>
+      </p:graphicFrame>
+      <p:sp>
+        <p:nvSpPr>
+          <p:cNvPr id="13" name="角丸四角形吹き出し 12"/>
+          <p:cNvSpPr/>
+          <p:nvPr/>
+        </p:nvSpPr>
+        <p:spPr bwMode="auto">
+          <a:xfrm>
+            <a:off x="323410" y="4293120"/>
+            <a:ext cx="1584220" cy="648090"/>
+          </a:xfrm>
+          <a:prstGeom prst="wedgeRoundRectCallout">
+            <a:avLst>
+              <a:gd name="adj1" fmla="val 75985"/>
+              <a:gd name="adj2" fmla="val -58304"/>
+              <a:gd name="adj3" fmla="val 16667"/>
+            </a:avLst>
+          </a:prstGeom>
+          <a:solidFill>
+            <a:schemeClr val="bg1"/>
+          </a:solidFill>
+          <a:ln w="12700">
+            <a:solidFill>
+              <a:srgbClr val="FF0000"/>
+            </a:solidFill>
+          </a:ln>
+          <a:effectLst/>
+        </p:spPr>
+        <p:txBody>
+          <a:bodyPr rot="0" spcFirstLastPara="0" vertOverflow="overflow" horzOverflow="overflow" vert="horz" wrap="none" lIns="72000" tIns="72000" rIns="72000" bIns="72000" numCol="1" spcCol="0" rtlCol="0" fromWordArt="0" anchor="ctr" anchorCtr="0" forceAA="0" compatLnSpc="1">
+            <a:prstTxWarp prst="textNoShape">
+              <a:avLst/>
+            </a:prstTxWarp>
+            <a:noAutofit/>
+          </a:bodyPr>
+          <a:lstStyle/>
+          <a:p>
+            <a:pPr algn="ctr"/>
+            <a:r>
+              <a:rPr kumimoji="1" lang="ja-JP" altLang="en-US" sz="1600" dirty="0" smtClean="0">
                 <a:latin typeface="+mn-ea"/>
               </a:rPr>
-              <a:t>任意のリポジトリ名を入力する</a:t>
-            </a:r>
-            <a:endParaRPr kumimoji="1" lang="ja-JP" altLang="en-US" sz="1600" dirty="0" smtClean="0">
+              <a:t>今回は</a:t>
+            </a:r>
+            <a:endParaRPr lang="en-US" altLang="ja-JP" sz="1600" dirty="0">
               <a:latin typeface="+mn-ea"/>
             </a:endParaRPr>
+          </a:p>
+          <a:p>
+            <a:pPr algn="ctr"/>
+            <a:r>
+              <a:rPr kumimoji="1" lang="en-US" altLang="ja-JP" sz="1600" dirty="0" smtClean="0">
+                <a:latin typeface="+mn-ea"/>
+              </a:rPr>
+              <a:t>Public</a:t>
+            </a:r>
+            <a:r>
+              <a:rPr kumimoji="1" lang="ja-JP" altLang="en-US" sz="1600" dirty="0" smtClean="0">
+                <a:latin typeface="+mn-ea"/>
+              </a:rPr>
+              <a:t>を選択</a:t>
+            </a:r>
           </a:p>
         </p:txBody>
       </p:sp>
@@ -20443,7 +19060,7 @@
         </p:nvSpPr>
         <p:spPr bwMode="auto">
           <a:xfrm>
-            <a:off x="1259540" y="6128581"/>
+            <a:off x="2339690" y="6106769"/>
             <a:ext cx="1008140" cy="288040"/>
           </a:xfrm>
           <a:prstGeom prst="roundRect">
@@ -20487,8 +19104,8 @@
         </p:nvSpPr>
         <p:spPr bwMode="auto">
           <a:xfrm>
-            <a:off x="2411700" y="3133901"/>
-            <a:ext cx="1502683" cy="266228"/>
+            <a:off x="3501377" y="3140960"/>
+            <a:ext cx="1502683" cy="179985"/>
           </a:xfrm>
           <a:prstGeom prst="roundRect">
             <a:avLst>
@@ -20531,7 +19148,7 @@
         </p:nvSpPr>
         <p:spPr bwMode="auto">
           <a:xfrm>
-            <a:off x="1304300" y="4104237"/>
+            <a:off x="2384450" y="4082425"/>
             <a:ext cx="2854895" cy="288040"/>
           </a:xfrm>
           <a:prstGeom prst="roundRect">
@@ -20575,7 +19192,7 @@
         </p:nvSpPr>
         <p:spPr bwMode="auto">
           <a:xfrm>
-            <a:off x="1604528" y="3186587"/>
+            <a:off x="2684678" y="3164775"/>
             <a:ext cx="535799" cy="160857"/>
           </a:xfrm>
           <a:prstGeom prst="rect">
@@ -20600,114 +19217,6 @@
           <a:p>
             <a:pPr algn="ctr"/>
             <a:endParaRPr kumimoji="1" lang="ja-JP" altLang="en-US" b="1" dirty="0" smtClean="0">
-              <a:latin typeface="+mn-ea"/>
-            </a:endParaRPr>
-          </a:p>
-        </p:txBody>
-      </p:sp>
-      <p:sp>
-        <p:nvSpPr>
-          <p:cNvPr id="14" name="線吹き出し 1 (枠付き) 13"/>
-          <p:cNvSpPr/>
-          <p:nvPr/>
-        </p:nvSpPr>
-        <p:spPr bwMode="auto">
-          <a:xfrm>
-            <a:off x="5615769" y="4099515"/>
-            <a:ext cx="2341207" cy="531943"/>
-          </a:xfrm>
-          <a:prstGeom prst="borderCallout1">
-            <a:avLst>
-              <a:gd name="adj1" fmla="val 20580"/>
-              <a:gd name="adj2" fmla="val -62181"/>
-              <a:gd name="adj3" fmla="val 21065"/>
-              <a:gd name="adj4" fmla="val 73"/>
-            </a:avLst>
-          </a:prstGeom>
-          <a:noFill/>
-          <a:ln w="28575">
-            <a:solidFill>
-              <a:srgbClr val="FF0000"/>
-            </a:solidFill>
-          </a:ln>
-          <a:effectLst/>
-        </p:spPr>
-        <p:txBody>
-          <a:bodyPr rot="0" spcFirstLastPara="0" vertOverflow="overflow" horzOverflow="overflow" vert="horz" wrap="none" lIns="72000" tIns="72000" rIns="72000" bIns="72000" numCol="1" spcCol="0" rtlCol="0" fromWordArt="0" anchor="ctr" anchorCtr="0" forceAA="0" compatLnSpc="1">
-            <a:prstTxWarp prst="textNoShape">
-              <a:avLst/>
-            </a:prstTxWarp>
-            <a:noAutofit/>
-          </a:bodyPr>
-          <a:lstStyle/>
-          <a:p>
-            <a:r>
-              <a:rPr kumimoji="1" lang="en-US" altLang="ja-JP" sz="1600" smtClean="0">
-                <a:latin typeface="+mn-ea"/>
-              </a:rPr>
-              <a:t>[Public]</a:t>
-            </a:r>
-            <a:r>
-              <a:rPr kumimoji="1" lang="ja-JP" altLang="en-US" sz="1600" smtClean="0">
-                <a:latin typeface="+mn-ea"/>
-              </a:rPr>
-              <a:t> を選択する</a:t>
-            </a:r>
-            <a:endParaRPr kumimoji="1" lang="ja-JP" altLang="en-US" sz="1600" dirty="0" smtClean="0">
-              <a:latin typeface="+mn-ea"/>
-            </a:endParaRPr>
-          </a:p>
-        </p:txBody>
-      </p:sp>
-      <p:sp>
-        <p:nvSpPr>
-          <p:cNvPr id="19" name="線吹き出し 1 (枠付き) 18"/>
-          <p:cNvSpPr/>
-          <p:nvPr/>
-        </p:nvSpPr>
-        <p:spPr bwMode="auto">
-          <a:xfrm>
-            <a:off x="5615263" y="5862609"/>
-            <a:ext cx="2341207" cy="531943"/>
-          </a:xfrm>
-          <a:prstGeom prst="borderCallout1">
-            <a:avLst>
-              <a:gd name="adj1" fmla="val 64469"/>
-              <a:gd name="adj2" fmla="val -141188"/>
-              <a:gd name="adj3" fmla="val 66783"/>
-              <a:gd name="adj4" fmla="val -227"/>
-            </a:avLst>
-          </a:prstGeom>
-          <a:noFill/>
-          <a:ln w="28575">
-            <a:solidFill>
-              <a:srgbClr val="FF0000"/>
-            </a:solidFill>
-          </a:ln>
-          <a:effectLst/>
-        </p:spPr>
-        <p:txBody>
-          <a:bodyPr rot="0" spcFirstLastPara="0" vertOverflow="overflow" horzOverflow="overflow" vert="horz" wrap="none" lIns="72000" tIns="72000" rIns="72000" bIns="72000" numCol="1" spcCol="0" rtlCol="0" fromWordArt="0" anchor="ctr" anchorCtr="0" forceAA="0" compatLnSpc="1">
-            <a:prstTxWarp prst="textNoShape">
-              <a:avLst/>
-            </a:prstTxWarp>
-            <a:noAutofit/>
-          </a:bodyPr>
-          <a:lstStyle/>
-          <a:p>
-            <a:r>
-              <a:rPr lang="ja-JP" altLang="en-US" sz="1600">
-                <a:latin typeface="+mn-ea"/>
-              </a:rPr>
-              <a:t>クリック</a:t>
-            </a:r>
-            <a:r>
-              <a:rPr kumimoji="1" lang="ja-JP" altLang="en-US" sz="1600" smtClean="0">
-                <a:latin typeface="+mn-ea"/>
-              </a:rPr>
-              <a:t>する</a:t>
-            </a:r>
-            <a:endParaRPr kumimoji="1" lang="ja-JP" altLang="en-US" sz="1600" dirty="0" smtClean="0">
               <a:latin typeface="+mn-ea"/>
             </a:endParaRPr>
           </a:p>
@@ -20802,14 +19311,14 @@
           <a:lstStyle/>
           <a:p>
             <a:r>
-              <a:rPr kumimoji="1" lang="en-US" altLang="ja-JP" b="1" dirty="0" smtClean="0"/>
+              <a:rPr kumimoji="1" lang="en-US" altLang="ja-JP" dirty="0" smtClean="0"/>
               <a:t>Playbook</a:t>
             </a:r>
             <a:r>
-              <a:rPr kumimoji="1" lang="ja-JP" altLang="en-US" b="1" dirty="0" smtClean="0"/>
+              <a:rPr kumimoji="1" lang="ja-JP" altLang="en-US" dirty="0" smtClean="0"/>
               <a:t>の準備</a:t>
             </a:r>
-            <a:endParaRPr kumimoji="1" lang="en-US" altLang="ja-JP" b="1" dirty="0" smtClean="0"/>
+            <a:endParaRPr kumimoji="1" lang="en-US" altLang="ja-JP" dirty="0" smtClean="0"/>
           </a:p>
           <a:p>
             <a:pPr lvl="1"/>
@@ -21394,8 +19903,8 @@
         </p:nvSpPr>
         <p:spPr bwMode="auto">
           <a:xfrm>
-            <a:off x="4244573" y="5519033"/>
-            <a:ext cx="4728073" cy="902585"/>
+            <a:off x="3588447" y="5660576"/>
+            <a:ext cx="5342519" cy="761344"/>
           </a:xfrm>
           <a:prstGeom prst="roundRect">
             <a:avLst>
@@ -21426,12 +19935,12 @@
               <a:buNone/>
             </a:pPr>
             <a:r>
-              <a:rPr lang="en-US" altLang="ja-JP" sz="1600" smtClean="0">
+              <a:rPr lang="en-US" altLang="ja-JP" sz="1600" dirty="0">
                 <a:solidFill>
                   <a:srgbClr val="FF0000"/>
                 </a:solidFill>
               </a:rPr>
-              <a:t>CI/CD</a:t>
+              <a:t>※CI/CD</a:t>
             </a:r>
             <a:r>
               <a:rPr lang="ja-JP" altLang="en-US" sz="1600" dirty="0">
@@ -21439,136 +19948,138 @@
                   <a:srgbClr val="FF0000"/>
                 </a:solidFill>
               </a:rPr>
-              <a:t>の機能</a:t>
-            </a:r>
-            <a:r>
-              <a:rPr lang="ja-JP" altLang="en-US" sz="1600">
+              <a:t>の機能を体感して</a:t>
+            </a:r>
+            <a:r>
+              <a:rPr lang="ja-JP" altLang="en-US" sz="1600" dirty="0" smtClean="0">
                 <a:solidFill>
                   <a:srgbClr val="FF0000"/>
                 </a:solidFill>
               </a:rPr>
-              <a:t>を</a:t>
-            </a:r>
-            <a:r>
-              <a:rPr lang="ja-JP" altLang="en-US" sz="1600" smtClean="0">
+              <a:t>いただくために今回は</a:t>
+            </a:r>
+            <a:endParaRPr lang="en-US" altLang="ja-JP" sz="1600" dirty="0" smtClean="0">
+              <a:solidFill>
+                <a:srgbClr val="FF0000"/>
+              </a:solidFill>
+            </a:endParaRPr>
+          </a:p>
+          <a:p>
+            <a:pPr marL="180000" lvl="1" indent="0">
+              <a:buNone/>
+            </a:pPr>
+            <a:r>
+              <a:rPr lang="ja-JP" altLang="en-US" sz="1600" dirty="0" smtClean="0">
                 <a:solidFill>
                   <a:srgbClr val="FF0000"/>
                 </a:solidFill>
               </a:rPr>
-              <a:t>体感いただくため、現段階では</a:t>
-            </a:r>
-            <a:endParaRPr lang="en-US" altLang="ja-JP" sz="1600" smtClean="0">
+              <a:t>あえて</a:t>
+            </a:r>
+            <a:r>
+              <a:rPr lang="ja-JP" altLang="en-US" sz="1600" dirty="0">
+                <a:solidFill>
+                  <a:srgbClr val="FF0000"/>
+                </a:solidFill>
+              </a:rPr>
+              <a:t>インデント</a:t>
+            </a:r>
+            <a:r>
+              <a:rPr lang="ja-JP" altLang="en-US" sz="1600" dirty="0" smtClean="0">
+                <a:solidFill>
+                  <a:srgbClr val="FF0000"/>
+                </a:solidFill>
+              </a:rPr>
+              <a:t>がずれて</a:t>
+            </a:r>
+            <a:r>
+              <a:rPr lang="ja-JP" altLang="en-US" sz="1600" dirty="0">
+                <a:solidFill>
+                  <a:srgbClr val="FF0000"/>
+                </a:solidFill>
+              </a:rPr>
+              <a:t>いるもの</a:t>
+            </a:r>
+            <a:r>
+              <a:rPr lang="ja-JP" altLang="en-US" sz="1600" dirty="0" smtClean="0">
+                <a:solidFill>
+                  <a:srgbClr val="FF0000"/>
+                </a:solidFill>
+              </a:rPr>
+              <a:t>を使用</a:t>
+            </a:r>
+            <a:r>
+              <a:rPr lang="ja-JP" altLang="en-US" sz="1600" dirty="0">
+                <a:solidFill>
+                  <a:srgbClr val="FF0000"/>
+                </a:solidFill>
+              </a:rPr>
+              <a:t>して</a:t>
+            </a:r>
+            <a:r>
+              <a:rPr lang="ja-JP" altLang="en-US" sz="1600" dirty="0" smtClean="0">
+                <a:solidFill>
+                  <a:srgbClr val="FF0000"/>
+                </a:solidFill>
+              </a:rPr>
+              <a:t>います</a:t>
+            </a:r>
+            <a:r>
+              <a:rPr lang="ja-JP" altLang="en-US" dirty="0">
+                <a:solidFill>
+                  <a:srgbClr val="FF0000"/>
+                </a:solidFill>
+              </a:rPr>
+              <a:t>。</a:t>
+            </a:r>
+            <a:endParaRPr lang="en-US" altLang="ja-JP" dirty="0" smtClean="0">
               <a:solidFill>
                 <a:srgbClr val="FF0000"/>
               </a:solidFill>
             </a:endParaRPr>
           </a:p>
-          <a:p>
-            <a:pPr marL="180000" lvl="1" indent="0">
-              <a:buNone/>
-            </a:pPr>
-            <a:r>
-              <a:rPr lang="ja-JP" altLang="en-US" sz="1600" smtClean="0">
-                <a:solidFill>
-                  <a:srgbClr val="FF0000"/>
-                </a:solidFill>
-              </a:rPr>
-              <a:t>「</a:t>
-            </a:r>
-            <a:r>
-              <a:rPr lang="en-US" altLang="ja-JP" sz="1600" smtClean="0">
-                <a:solidFill>
-                  <a:srgbClr val="FF0000"/>
-                </a:solidFill>
-              </a:rPr>
-              <a:t>: (</a:t>
-            </a:r>
-            <a:r>
-              <a:rPr lang="ja-JP" altLang="en-US" sz="1600" smtClean="0">
-                <a:solidFill>
-                  <a:srgbClr val="FF0000"/>
-                </a:solidFill>
-              </a:rPr>
-              <a:t>コロン</a:t>
-            </a:r>
-            <a:r>
-              <a:rPr lang="en-US" altLang="ja-JP" sz="1600" smtClean="0">
-                <a:solidFill>
-                  <a:srgbClr val="FF0000"/>
-                </a:solidFill>
-              </a:rPr>
-              <a:t>)</a:t>
-            </a:r>
-            <a:r>
-              <a:rPr lang="ja-JP" altLang="en-US" sz="1600" smtClean="0">
-                <a:solidFill>
-                  <a:srgbClr val="FF0000"/>
-                </a:solidFill>
-              </a:rPr>
-              <a:t>」の直後に半角</a:t>
-            </a:r>
-            <a:r>
-              <a:rPr lang="ja-JP" altLang="en-US" sz="1600" smtClean="0">
-                <a:solidFill>
-                  <a:srgbClr val="FF0000"/>
-                </a:solidFill>
-              </a:rPr>
-              <a:t>スペース</a:t>
-            </a:r>
-            <a:r>
-              <a:rPr lang="ja-JP" altLang="en-US" sz="1600" smtClean="0">
-                <a:solidFill>
-                  <a:srgbClr val="FF0000"/>
-                </a:solidFill>
-              </a:rPr>
-              <a:t>を欠く、</a:t>
-            </a:r>
-            <a:endParaRPr lang="en-US" altLang="ja-JP" sz="1600" smtClean="0">
+        </p:txBody>
+      </p:sp>
+      <p:sp>
+        <p:nvSpPr>
+          <p:cNvPr id="10" name="角丸四角形 9"/>
+          <p:cNvSpPr/>
+          <p:nvPr/>
+        </p:nvSpPr>
+        <p:spPr bwMode="auto">
+          <a:xfrm>
+            <a:off x="570917" y="4056171"/>
+            <a:ext cx="5688790" cy="288042"/>
+          </a:xfrm>
+          <a:prstGeom prst="roundRect">
+            <a:avLst>
+              <a:gd name="adj" fmla="val 5764"/>
+            </a:avLst>
+          </a:prstGeom>
+          <a:noFill/>
+          <a:ln w="28575">
+            <a:solidFill>
+              <a:srgbClr val="FF0000"/>
+            </a:solidFill>
+          </a:ln>
+          <a:effectLst/>
+          <a:extLst/>
+        </p:spPr>
+        <p:txBody>
+          <a:bodyPr rot="0" spcFirstLastPara="0" vertOverflow="overflow" horzOverflow="overflow" vert="horz" wrap="none" lIns="72000" tIns="72000" rIns="72000" bIns="72000" numCol="1" spcCol="0" rtlCol="0" fromWordArt="0" anchor="ctr" anchorCtr="0" forceAA="0" compatLnSpc="1">
+            <a:prstTxWarp prst="textNoShape">
+              <a:avLst/>
+            </a:prstTxWarp>
+            <a:noAutofit/>
+          </a:bodyPr>
+          <a:lstStyle/>
+          <a:p>
+            <a:pPr algn="ctr"/>
+            <a:endParaRPr kumimoji="1" lang="ja-JP" altLang="en-US" sz="1400" b="1" dirty="0" smtClean="0">
               <a:solidFill>
                 <a:srgbClr val="FF0000"/>
               </a:solidFill>
-            </a:endParaRPr>
-          </a:p>
-          <a:p>
-            <a:pPr marL="180000" lvl="1" indent="0">
-              <a:buNone/>
-            </a:pPr>
-            <a:r>
-              <a:rPr lang="ja-JP" altLang="en-US" sz="1600">
-                <a:solidFill>
-                  <a:srgbClr val="FF0000"/>
-                </a:solidFill>
-              </a:rPr>
-              <a:t>不正</a:t>
-            </a:r>
-            <a:r>
-              <a:rPr lang="ja-JP" altLang="en-US" sz="1600" smtClean="0">
-                <a:solidFill>
-                  <a:srgbClr val="FF0000"/>
-                </a:solidFill>
-              </a:rPr>
-              <a:t>な</a:t>
-            </a:r>
-            <a:r>
-              <a:rPr lang="en-US" altLang="ja-JP" sz="1600" smtClean="0">
-                <a:solidFill>
-                  <a:srgbClr val="FF0000"/>
-                </a:solidFill>
-              </a:rPr>
-              <a:t>Playbook</a:t>
-            </a:r>
-            <a:r>
-              <a:rPr lang="ja-JP" altLang="en-US" sz="1600" smtClean="0">
-                <a:solidFill>
-                  <a:srgbClr val="FF0000"/>
-                </a:solidFill>
-              </a:rPr>
-              <a:t>を作成します。</a:t>
-            </a:r>
-            <a:endParaRPr lang="en-US" altLang="ja-JP" dirty="0" smtClean="0">
-              <a:solidFill>
-                <a:srgbClr val="FF0000"/>
-              </a:solidFill>
+              <a:latin typeface="+mn-ea"/>
             </a:endParaRPr>
           </a:p>
         </p:txBody>
@@ -21581,13 +20092,13 @@
         </p:nvSpPr>
         <p:spPr bwMode="auto">
           <a:xfrm>
-            <a:off x="3963653" y="5253669"/>
+            <a:off x="3274980" y="5359308"/>
             <a:ext cx="559890" cy="540000"/>
           </a:xfrm>
           <a:prstGeom prst="wedgeEllipseCallout">
             <a:avLst>
-              <a:gd name="adj1" fmla="val -169317"/>
-              <a:gd name="adj2" fmla="val -218396"/>
+              <a:gd name="adj1" fmla="val 150218"/>
+              <a:gd name="adj2" fmla="val -236802"/>
             </a:avLst>
           </a:prstGeom>
           <a:solidFill>
@@ -21641,48 +20152,6 @@
           </a:p>
         </p:txBody>
       </p:sp>
-      <p:cxnSp>
-        <p:nvCxnSpPr>
-          <p:cNvPr id="3" name="直線コネクタ 2"/>
-          <p:cNvCxnSpPr/>
-          <p:nvPr/>
-        </p:nvCxnSpPr>
-        <p:spPr bwMode="auto">
-          <a:xfrm>
-            <a:off x="683460" y="4365130"/>
-            <a:ext cx="5472760" cy="0"/>
-          </a:xfrm>
-          <a:prstGeom prst="line">
-            <a:avLst/>
-          </a:prstGeom>
-          <a:solidFill>
-            <a:schemeClr val="bg1"/>
-          </a:solidFill>
-          <a:ln w="19050" cap="flat" cmpd="sng" algn="ctr">
-            <a:solidFill>
-              <a:srgbClr val="FF0000"/>
-            </a:solidFill>
-            <a:prstDash val="solid"/>
-            <a:round/>
-            <a:headEnd type="none" w="med" len="med"/>
-            <a:tailEnd type="none" w="med" len="med"/>
-          </a:ln>
-          <a:effectLst/>
-          <a:extLst>
-            <a:ext uri="{AF507438-7753-43E0-B8FC-AC1667EBCBE1}">
-              <a14:hiddenEffects xmlns:a14="http://schemas.microsoft.com/office/drawing/2010/main">
-                <a:effectLst>
-                  <a:outerShdw dist="35921" dir="2700000" algn="ctr" rotWithShape="0">
-                    <a:schemeClr val="tx1">
-                      <a:alpha val="50000"/>
-                    </a:schemeClr>
-                  </a:outerShdw>
-                </a:effectLst>
-              </a14:hiddenEffects>
-            </a:ext>
-          </a:extLst>
-        </p:spPr>
-      </p:cxnSp>
     </p:spTree>
     <p:extLst>
       <p:ext uri="{BB962C8B-B14F-4D97-AF65-F5344CB8AC3E}">
@@ -21772,44 +20241,36 @@
           <a:lstStyle/>
           <a:p>
             <a:r>
-              <a:rPr kumimoji="1" lang="en-US" altLang="ja-JP" b="1" dirty="0" smtClean="0"/>
+              <a:rPr kumimoji="1" lang="en-US" altLang="ja-JP" dirty="0" smtClean="0"/>
               <a:t>Playbook</a:t>
             </a:r>
             <a:r>
-              <a:rPr kumimoji="1" lang="ja-JP" altLang="en-US" b="1" dirty="0" smtClean="0"/>
+              <a:rPr kumimoji="1" lang="ja-JP" altLang="en-US" dirty="0" smtClean="0"/>
               <a:t>の</a:t>
             </a:r>
             <a:r>
-              <a:rPr lang="ja-JP" altLang="en-US" b="1" dirty="0"/>
+              <a:rPr lang="ja-JP" altLang="en-US" dirty="0"/>
               <a:t>アップロード</a:t>
             </a:r>
-            <a:endParaRPr kumimoji="1" lang="en-US" altLang="ja-JP" b="1" dirty="0" smtClean="0"/>
+            <a:endParaRPr kumimoji="1" lang="en-US" altLang="ja-JP" dirty="0" smtClean="0"/>
           </a:p>
           <a:p>
             <a:pPr lvl="1"/>
             <a:r>
-              <a:rPr lang="ja-JP" altLang="en-US" smtClean="0"/>
-              <a:t>下記手順で</a:t>
-            </a:r>
-            <a:r>
-              <a:rPr lang="en-US" altLang="ja-JP" smtClean="0"/>
+              <a:rPr lang="en-US" altLang="ja-JP" dirty="0" smtClean="0"/>
               <a:t>GitHub</a:t>
             </a:r>
             <a:r>
-              <a:rPr lang="ja-JP" altLang="en-US"/>
-              <a:t>上</a:t>
-            </a:r>
-            <a:r>
-              <a:rPr lang="ja-JP" altLang="en-US" smtClean="0"/>
+              <a:rPr lang="ja-JP" altLang="en-US" dirty="0" smtClean="0"/>
               <a:t>に</a:t>
             </a:r>
             <a:r>
-              <a:rPr lang="en-US" altLang="ja-JP" smtClean="0"/>
+              <a:rPr lang="en-US" altLang="ja-JP" dirty="0" smtClean="0"/>
               <a:t>Playbook</a:t>
             </a:r>
             <a:r>
-              <a:rPr lang="ja-JP" altLang="en-US" smtClean="0"/>
-              <a:t>を作成します。</a:t>
+              <a:rPr lang="ja-JP" altLang="en-US" dirty="0" smtClean="0"/>
+              <a:t>をアップロードします。</a:t>
             </a:r>
             <a:endParaRPr lang="en-US" altLang="ja-JP" dirty="0" smtClean="0"/>
           </a:p>
@@ -21818,92 +20279,56 @@
               <a:buNone/>
             </a:pPr>
             <a:r>
-              <a:rPr lang="ja-JP" altLang="en-US" smtClean="0"/>
-              <a:t>① </a:t>
-            </a:r>
-            <a:r>
-              <a:rPr lang="en-US" altLang="ja-JP" smtClean="0"/>
-              <a:t>[Code]</a:t>
-            </a:r>
-            <a:r>
-              <a:rPr lang="ja-JP" altLang="en-US" smtClean="0"/>
-              <a:t>タブの画面から</a:t>
-            </a:r>
-            <a:r>
               <a:rPr lang="ja-JP" altLang="en-US" dirty="0" smtClean="0"/>
-              <a:t>「</a:t>
+              <a:t>　</a:t>
+            </a:r>
+            <a:r>
+              <a:rPr lang="en-US" altLang="ja-JP" dirty="0" smtClean="0"/>
+              <a:t>Code</a:t>
+            </a:r>
+            <a:r>
+              <a:rPr lang="ja-JP" altLang="en-US" dirty="0" smtClean="0"/>
+              <a:t>の画面から「</a:t>
             </a:r>
             <a:r>
               <a:rPr lang="en-US" altLang="ja-JP" dirty="0" smtClean="0"/>
               <a:t>creating a new file</a:t>
             </a:r>
             <a:r>
-              <a:rPr lang="ja-JP" altLang="en-US"/>
+              <a:rPr lang="ja-JP" altLang="en-US" dirty="0"/>
               <a:t>」</a:t>
             </a:r>
             <a:r>
-              <a:rPr lang="ja-JP" altLang="en-US" smtClean="0"/>
-              <a:t>を</a:t>
-            </a:r>
-            <a:r>
-              <a:rPr lang="ja-JP" altLang="en-US"/>
-              <a:t>クリック</a:t>
-            </a:r>
-            <a:r>
-              <a:rPr lang="ja-JP" altLang="en-US" smtClean="0"/>
-              <a:t>する。</a:t>
-            </a:r>
-            <a:r>
-              <a:rPr lang="en-US" altLang="ja-JP" smtClean="0"/>
-              <a:t/>
-            </a:r>
-            <a:br>
-              <a:rPr lang="en-US" altLang="ja-JP" smtClean="0"/>
-            </a:br>
-            <a:r>
-              <a:rPr lang="ja-JP" altLang="en-US" smtClean="0"/>
-              <a:t>② </a:t>
-            </a:r>
-            <a:r>
-              <a:rPr lang="ja-JP" altLang="en-US" smtClean="0">
-                <a:hlinkClick r:id="rId3" action="ppaction://hlinksldjump"/>
-              </a:rPr>
-              <a:t>前スライド</a:t>
-            </a:r>
-            <a:r>
-              <a:rPr lang="ja-JP" altLang="en-US" smtClean="0"/>
-              <a:t>のファイル名と内容でファイルを編集する。</a:t>
-            </a:r>
-            <a:r>
-              <a:rPr lang="en-US" altLang="ja-JP" smtClean="0"/>
-              <a:t/>
-            </a:r>
-            <a:br>
-              <a:rPr lang="en-US" altLang="ja-JP" smtClean="0"/>
-            </a:br>
-            <a:r>
-              <a:rPr lang="ja-JP" altLang="en-US" smtClean="0"/>
-              <a:t>③ 画面下から「</a:t>
+              <a:rPr lang="ja-JP" altLang="en-US" dirty="0" smtClean="0"/>
+              <a:t>をクリック、先ほどの</a:t>
+            </a:r>
+            <a:r>
+              <a:rPr lang="en-US" altLang="ja-JP" dirty="0" smtClean="0"/>
+              <a:t>Playbook</a:t>
+            </a:r>
+            <a:r>
+              <a:rPr lang="ja-JP" altLang="en-US" dirty="0" smtClean="0"/>
+              <a:t>名と中身を貼り付けて</a:t>
+            </a:r>
+            <a:r>
+              <a:rPr lang="ja-JP" altLang="en-US" dirty="0"/>
+              <a:t>下</a:t>
+            </a:r>
+            <a:r>
+              <a:rPr lang="ja-JP" altLang="en-US" dirty="0" smtClean="0"/>
+              <a:t>にスクロールし「</a:t>
             </a:r>
             <a:r>
               <a:rPr lang="en-US" altLang="ja-JP" dirty="0" smtClean="0"/>
               <a:t>Commit new file</a:t>
             </a:r>
             <a:r>
-              <a:rPr lang="ja-JP" altLang="en-US"/>
+              <a:rPr lang="ja-JP" altLang="en-US" dirty="0"/>
               <a:t>」</a:t>
             </a:r>
             <a:r>
-              <a:rPr lang="ja-JP" altLang="en-US" smtClean="0"/>
-              <a:t>を</a:t>
-            </a:r>
-            <a:r>
-              <a:rPr lang="ja-JP" altLang="en-US"/>
-              <a:t>クリック</a:t>
-            </a:r>
-            <a:r>
-              <a:rPr lang="ja-JP" altLang="en-US" smtClean="0"/>
-              <a:t>する。</a:t>
+              <a:rPr lang="ja-JP" altLang="en-US" dirty="0" smtClean="0"/>
+              <a:t>をクリックして下さい。</a:t>
             </a:r>
             <a:endParaRPr lang="en-US" altLang="ja-JP" dirty="0" smtClean="0"/>
           </a:p>
@@ -21918,13 +20343,13 @@
           <p:nvPr/>
         </p:nvPicPr>
         <p:blipFill rotWithShape="1">
-          <a:blip r:embed="rId4"/>
+          <a:blip r:embed="rId2"/>
           <a:srcRect r="35154"/>
           <a:stretch/>
         </p:blipFill>
         <p:spPr>
           <a:xfrm>
-            <a:off x="513869" y="2443012"/>
+            <a:off x="433930" y="2155061"/>
             <a:ext cx="3662070" cy="903916"/>
           </a:xfrm>
           <a:prstGeom prst="rect">
@@ -21940,7 +20365,7 @@
         </p:nvSpPr>
         <p:spPr bwMode="auto">
           <a:xfrm>
-            <a:off x="1835620" y="3069968"/>
+            <a:off x="1720223" y="2764650"/>
             <a:ext cx="576080" cy="176234"/>
           </a:xfrm>
           <a:prstGeom prst="roundRect">
@@ -21985,13 +20410,13 @@
           <p:nvPr/>
         </p:nvPicPr>
         <p:blipFill rotWithShape="1">
-          <a:blip r:embed="rId5"/>
+          <a:blip r:embed="rId3"/>
           <a:srcRect r="67159"/>
           <a:stretch/>
         </p:blipFill>
         <p:spPr>
           <a:xfrm>
-            <a:off x="513869" y="3809151"/>
+            <a:off x="549880" y="3741277"/>
             <a:ext cx="3084290" cy="2659959"/>
           </a:xfrm>
           <a:prstGeom prst="rect">
@@ -22008,13 +20433,13 @@
           <p:nvPr/>
         </p:nvPicPr>
         <p:blipFill rotWithShape="1">
-          <a:blip r:embed="rId6"/>
+          <a:blip r:embed="rId4"/>
           <a:srcRect r="65682"/>
           <a:stretch/>
         </p:blipFill>
         <p:spPr>
           <a:xfrm>
-            <a:off x="5465283" y="4249084"/>
+            <a:off x="5467903" y="4089669"/>
             <a:ext cx="3220971" cy="2222716"/>
           </a:xfrm>
           <a:prstGeom prst="rect">
@@ -22030,8 +20455,8 @@
         </p:nvSpPr>
         <p:spPr bwMode="auto">
           <a:xfrm>
-            <a:off x="976921" y="4653170"/>
-            <a:ext cx="2474650" cy="1745130"/>
+            <a:off x="1027640" y="4593739"/>
+            <a:ext cx="2474650" cy="1656230"/>
           </a:xfrm>
           <a:prstGeom prst="roundRect">
             <a:avLst>
@@ -22074,8 +20499,8 @@
         </p:nvSpPr>
         <p:spPr bwMode="auto">
           <a:xfrm>
-            <a:off x="1331550" y="3880907"/>
-            <a:ext cx="2043399" cy="368177"/>
+            <a:off x="1403560" y="3873639"/>
+            <a:ext cx="1368190" cy="216030"/>
           </a:xfrm>
           <a:prstGeom prst="roundRect">
             <a:avLst>
@@ -22118,8 +20543,8 @@
         </p:nvSpPr>
         <p:spPr bwMode="auto">
           <a:xfrm>
-            <a:off x="6116239" y="6020740"/>
-            <a:ext cx="1147897" cy="377560"/>
+            <a:off x="6115993" y="5805363"/>
+            <a:ext cx="1152160" cy="453557"/>
           </a:xfrm>
           <a:prstGeom prst="roundRect">
             <a:avLst>
@@ -22162,8 +20587,8 @@
         </p:nvSpPr>
         <p:spPr>
           <a:xfrm rot="5400000">
-            <a:off x="597890" y="3411149"/>
-            <a:ext cx="424279" cy="333782"/>
+            <a:off x="1822748" y="3176203"/>
+            <a:ext cx="527426" cy="480804"/>
           </a:xfrm>
           <a:prstGeom prst="rightArrow">
             <a:avLst/>
@@ -22202,106 +20627,14 @@
       </p:sp>
       <p:sp>
         <p:nvSpPr>
-          <p:cNvPr id="23" name="線吹き出し 1 (枠付き) 22"/>
-          <p:cNvSpPr/>
-          <p:nvPr/>
-        </p:nvSpPr>
-        <p:spPr bwMode="auto">
-          <a:xfrm>
-            <a:off x="3719725" y="3788198"/>
-            <a:ext cx="3037524" cy="301983"/>
-          </a:xfrm>
-          <a:prstGeom prst="borderCallout1">
-            <a:avLst>
-              <a:gd name="adj1" fmla="val 75137"/>
-              <a:gd name="adj2" fmla="val -11547"/>
-              <a:gd name="adj3" fmla="val 21065"/>
-              <a:gd name="adj4" fmla="val 73"/>
-            </a:avLst>
-          </a:prstGeom>
-          <a:solidFill>
-            <a:schemeClr val="bg1"/>
-          </a:solidFill>
-          <a:ln w="12700">
-            <a:solidFill>
-              <a:srgbClr val="FF0000"/>
-            </a:solidFill>
-          </a:ln>
-          <a:effectLst/>
-        </p:spPr>
-        <p:txBody>
-          <a:bodyPr rot="0" spcFirstLastPara="0" vertOverflow="overflow" horzOverflow="overflow" vert="horz" wrap="none" lIns="72000" tIns="72000" rIns="72000" bIns="72000" numCol="1" spcCol="0" rtlCol="0" fromWordArt="0" anchor="ctr" anchorCtr="0" forceAA="0" compatLnSpc="1">
-            <a:prstTxWarp prst="textNoShape">
-              <a:avLst/>
-            </a:prstTxWarp>
-            <a:noAutofit/>
-          </a:bodyPr>
-          <a:lstStyle/>
-          <a:p>
-            <a:r>
-              <a:rPr lang="en-US" altLang="ja-JP" sz="1400" smtClean="0"/>
-              <a:t>yum_package_install_check.yml</a:t>
-            </a:r>
-            <a:endParaRPr lang="ja-JP" altLang="en-US" sz="1400"/>
-          </a:p>
-        </p:txBody>
-      </p:sp>
-      <p:sp>
-        <p:nvSpPr>
-          <p:cNvPr id="7" name="フローチャート: 代替処理 6"/>
-          <p:cNvSpPr/>
-          <p:nvPr/>
-        </p:nvSpPr>
-        <p:spPr bwMode="auto">
-          <a:xfrm>
-            <a:off x="3739054" y="3553297"/>
-            <a:ext cx="1452209" cy="234901"/>
-          </a:xfrm>
-          <a:prstGeom prst="flowChartAlternateProcess">
-            <a:avLst/>
-          </a:prstGeom>
-          <a:solidFill>
-            <a:schemeClr val="bg1"/>
-          </a:solidFill>
-          <a:ln w="12700">
-            <a:solidFill>
-              <a:schemeClr val="tx1"/>
-            </a:solidFill>
-          </a:ln>
-          <a:effectLst/>
-        </p:spPr>
-        <p:txBody>
-          <a:bodyPr rot="0" spcFirstLastPara="0" vertOverflow="overflow" horzOverflow="overflow" vert="horz" wrap="none" lIns="72000" tIns="72000" rIns="72000" bIns="72000" numCol="1" spcCol="0" rtlCol="0" fromWordArt="0" anchor="ctr" anchorCtr="0" forceAA="0" compatLnSpc="1">
-            <a:prstTxWarp prst="textNoShape">
-              <a:avLst/>
-            </a:prstTxWarp>
-            <a:noAutofit/>
-          </a:bodyPr>
-          <a:lstStyle/>
-          <a:p>
-            <a:pPr algn="ctr"/>
-            <a:r>
-              <a:rPr kumimoji="1" lang="ja-JP" altLang="en-US" sz="1400" b="1" smtClean="0">
-                <a:latin typeface="+mn-ea"/>
-              </a:rPr>
-              <a:t>ファイル名</a:t>
-            </a:r>
-            <a:endParaRPr kumimoji="1" lang="ja-JP" altLang="en-US" sz="1400" b="1" dirty="0" smtClean="0">
-              <a:latin typeface="+mn-ea"/>
-            </a:endParaRPr>
-          </a:p>
-        </p:txBody>
-      </p:sp>
-      <p:sp>
-        <p:nvSpPr>
-          <p:cNvPr id="24" name="右矢印 23"/>
+          <p:cNvPr id="19" name="右矢印 18"/>
           <p:cNvSpPr/>
           <p:nvPr/>
         </p:nvSpPr>
         <p:spPr>
           <a:xfrm>
-            <a:off x="3739054" y="5995412"/>
-            <a:ext cx="1664918" cy="333782"/>
+            <a:off x="3896833" y="5071256"/>
+            <a:ext cx="1276470" cy="480804"/>
           </a:xfrm>
           <a:prstGeom prst="rightArrow">
             <a:avLst/>
@@ -22340,14 +20673,290 @@
       </p:sp>
       <p:sp>
         <p:nvSpPr>
+          <p:cNvPr id="20" name="角丸四角形吹き出し 19"/>
+          <p:cNvSpPr/>
+          <p:nvPr/>
+        </p:nvSpPr>
+        <p:spPr bwMode="auto">
+          <a:xfrm>
+            <a:off x="5804799" y="2420860"/>
+            <a:ext cx="3015791" cy="1155803"/>
+          </a:xfrm>
+          <a:prstGeom prst="wedgeRoundRectCallout">
+            <a:avLst>
+              <a:gd name="adj1" fmla="val -149821"/>
+              <a:gd name="adj2" fmla="val 73613"/>
+              <a:gd name="adj3" fmla="val 16667"/>
+            </a:avLst>
+          </a:prstGeom>
+          <a:solidFill>
+            <a:schemeClr val="bg1"/>
+          </a:solidFill>
+          <a:ln w="12700">
+            <a:solidFill>
+              <a:srgbClr val="FF0000"/>
+            </a:solidFill>
+          </a:ln>
+          <a:effectLst/>
+        </p:spPr>
+        <p:txBody>
+          <a:bodyPr rot="0" spcFirstLastPara="0" vertOverflow="overflow" horzOverflow="overflow" vert="horz" wrap="none" lIns="72000" tIns="72000" rIns="72000" bIns="72000" numCol="1" spcCol="0" rtlCol="0" fromWordArt="0" anchor="b" anchorCtr="0" forceAA="0" compatLnSpc="1">
+            <a:prstTxWarp prst="textNoShape">
+              <a:avLst/>
+            </a:prstTxWarp>
+            <a:noAutofit/>
+          </a:bodyPr>
+          <a:lstStyle/>
+          <a:p>
+            <a:pPr algn="ctr"/>
+            <a:r>
+              <a:rPr lang="ja-JP" altLang="en-US" sz="1400" dirty="0" smtClean="0">
+                <a:latin typeface="+mn-ea"/>
+              </a:rPr>
+              <a:t>中身は</a:t>
+            </a:r>
+            <a:r>
+              <a:rPr lang="ja-JP" altLang="en-US" sz="1400" dirty="0" smtClean="0">
+                <a:latin typeface="+mn-ea"/>
+                <a:hlinkClick r:id="rId5" action="ppaction://hlinksldjump"/>
+              </a:rPr>
+              <a:t>こちら</a:t>
+            </a:r>
+            <a:r>
+              <a:rPr lang="ja-JP" altLang="en-US" sz="1400" dirty="0" smtClean="0">
+                <a:latin typeface="+mn-ea"/>
+              </a:rPr>
+              <a:t>のページを参照。</a:t>
+            </a:r>
+            <a:endParaRPr lang="en-US" altLang="ja-JP" sz="1400" dirty="0">
+              <a:latin typeface="+mn-ea"/>
+            </a:endParaRPr>
+          </a:p>
+        </p:txBody>
+      </p:sp>
+      <p:graphicFrame>
+        <p:nvGraphicFramePr>
+          <p:cNvPr id="21" name="表 20"/>
+          <p:cNvGraphicFramePr>
+            <a:graphicFrameLocks noGrp="1"/>
+          </p:cNvGraphicFramePr>
+          <p:nvPr>
+            <p:extLst>
+              <p:ext uri="{D42A27DB-BD31-4B8C-83A1-F6EECF244321}">
+                <p14:modId xmlns:p14="http://schemas.microsoft.com/office/powerpoint/2010/main" val="3379414299"/>
+              </p:ext>
+            </p:extLst>
+          </p:nvPr>
+        </p:nvGraphicFramePr>
+        <p:xfrm>
+          <a:off x="5948610" y="2578447"/>
+          <a:ext cx="2639085" cy="548640"/>
+        </p:xfrm>
+        <a:graphic>
+          <a:graphicData uri="http://schemas.openxmlformats.org/drawingml/2006/table">
+            <a:tbl>
+              <a:tblPr firstRow="1" bandRow="1">
+                <a:tableStyleId>{5C22544A-7EE6-4342-B048-85BDC9FD1C3A}</a:tableStyleId>
+              </a:tblPr>
+              <a:tblGrid>
+                <a:gridCol w="2639085">
+                  <a:extLst>
+                    <a:ext uri="{9D8B030D-6E8A-4147-A177-3AD203B41FA5}">
+                      <a16:colId xmlns:a16="http://schemas.microsoft.com/office/drawing/2014/main" val="2883640048"/>
+                    </a:ext>
+                  </a:extLst>
+                </a:gridCol>
+              </a:tblGrid>
+              <a:tr h="210497">
+                <a:tc>
+                  <a:txBody>
+                    <a:bodyPr/>
+                    <a:lstStyle/>
+                    <a:p>
+                      <a:pPr algn="ctr"/>
+                      <a:r>
+                        <a:rPr kumimoji="1" lang="ja-JP" altLang="en-US" sz="1200" dirty="0" smtClean="0">
+                          <a:solidFill>
+                            <a:schemeClr val="bg1"/>
+                          </a:solidFill>
+                          <a:latin typeface="+mn-lt"/>
+                        </a:rPr>
+                        <a:t>リポジトリ名</a:t>
+                      </a:r>
+                    </a:p>
+                  </a:txBody>
+                  <a:tcPr>
+                    <a:lnL w="12700" cap="flat" cmpd="sng" algn="ctr">
+                      <a:solidFill>
+                        <a:schemeClr val="bg1">
+                          <a:lumMod val="85000"/>
+                        </a:schemeClr>
+                      </a:solidFill>
+                      <a:prstDash val="solid"/>
+                      <a:round/>
+                      <a:headEnd type="none" w="med" len="med"/>
+                      <a:tailEnd type="none" w="med" len="med"/>
+                    </a:lnL>
+                    <a:lnR w="12700" cap="flat" cmpd="sng" algn="ctr">
+                      <a:solidFill>
+                        <a:schemeClr val="bg1">
+                          <a:lumMod val="85000"/>
+                        </a:schemeClr>
+                      </a:solidFill>
+                      <a:prstDash val="solid"/>
+                      <a:round/>
+                      <a:headEnd type="none" w="med" len="med"/>
+                      <a:tailEnd type="none" w="med" len="med"/>
+                    </a:lnR>
+                    <a:lnT w="12700" cap="flat" cmpd="sng" algn="ctr">
+                      <a:solidFill>
+                        <a:schemeClr val="bg1">
+                          <a:lumMod val="85000"/>
+                        </a:schemeClr>
+                      </a:solidFill>
+                      <a:prstDash val="solid"/>
+                      <a:round/>
+                      <a:headEnd type="none" w="med" len="med"/>
+                      <a:tailEnd type="none" w="med" len="med"/>
+                    </a:lnT>
+                    <a:lnB w="12700" cap="flat" cmpd="sng" algn="ctr">
+                      <a:solidFill>
+                        <a:schemeClr val="bg1">
+                          <a:lumMod val="85000"/>
+                        </a:schemeClr>
+                      </a:solidFill>
+                      <a:prstDash val="solid"/>
+                      <a:round/>
+                      <a:headEnd type="none" w="med" len="med"/>
+                      <a:tailEnd type="none" w="med" len="med"/>
+                    </a:lnB>
+                    <a:lnTlToBr w="12700" cmpd="sng">
+                      <a:noFill/>
+                      <a:prstDash val="solid"/>
+                    </a:lnTlToBr>
+                    <a:lnBlToTr w="12700" cmpd="sng">
+                      <a:noFill/>
+                      <a:prstDash val="solid"/>
+                    </a:lnBlToTr>
+                    <a:solidFill>
+                      <a:schemeClr val="accent6"/>
+                    </a:solidFill>
+                  </a:tcPr>
+                </a:tc>
+                <a:extLst>
+                  <a:ext uri="{0D108BD9-81ED-4DB2-BD59-A6C34878D82A}">
+                    <a16:rowId xmlns:a16="http://schemas.microsoft.com/office/drawing/2014/main" val="2458714703"/>
+                  </a:ext>
+                </a:extLst>
+              </a:tr>
+              <a:tr h="210497">
+                <a:tc>
+                  <a:txBody>
+                    <a:bodyPr/>
+                    <a:lstStyle/>
+                    <a:p>
+                      <a:pPr marL="0" marR="0" lvl="0" indent="0" algn="ctr" defTabSz="914400" rtl="0" eaLnBrk="1" fontAlgn="auto" latinLnBrk="0" hangingPunct="1">
+                        <a:lnSpc>
+                          <a:spcPct val="100000"/>
+                        </a:lnSpc>
+                        <a:spcBef>
+                          <a:spcPts val="0"/>
+                        </a:spcBef>
+                        <a:spcAft>
+                          <a:spcPts val="0"/>
+                        </a:spcAft>
+                        <a:buClrTx/>
+                        <a:buSzTx/>
+                        <a:buFontTx/>
+                        <a:buNone/>
+                        <a:tabLst/>
+                        <a:defRPr/>
+                      </a:pPr>
+                      <a:r>
+                        <a:rPr lang="en-US" altLang="ja-JP" sz="1200" dirty="0" err="1" smtClean="0"/>
+                        <a:t>yum_package_install_check.yml</a:t>
+                      </a:r>
+                      <a:endParaRPr kumimoji="1" lang="ja-JP" altLang="en-US" sz="1200" dirty="0" smtClean="0"/>
+                    </a:p>
+                  </a:txBody>
+                  <a:tcPr>
+                    <a:lnL w="12700" cap="flat" cmpd="sng" algn="ctr">
+                      <a:solidFill>
+                        <a:schemeClr val="bg1">
+                          <a:lumMod val="85000"/>
+                        </a:schemeClr>
+                      </a:solidFill>
+                      <a:prstDash val="solid"/>
+                      <a:round/>
+                      <a:headEnd type="none" w="med" len="med"/>
+                      <a:tailEnd type="none" w="med" len="med"/>
+                    </a:lnL>
+                    <a:lnR w="12700" cap="flat" cmpd="sng" algn="ctr">
+                      <a:solidFill>
+                        <a:schemeClr val="bg1">
+                          <a:lumMod val="85000"/>
+                        </a:schemeClr>
+                      </a:solidFill>
+                      <a:prstDash val="solid"/>
+                      <a:round/>
+                      <a:headEnd type="none" w="med" len="med"/>
+                      <a:tailEnd type="none" w="med" len="med"/>
+                    </a:lnR>
+                    <a:lnT w="12700" cap="flat" cmpd="sng" algn="ctr">
+                      <a:solidFill>
+                        <a:schemeClr val="bg1">
+                          <a:lumMod val="85000"/>
+                        </a:schemeClr>
+                      </a:solidFill>
+                      <a:prstDash val="solid"/>
+                      <a:round/>
+                      <a:headEnd type="none" w="med" len="med"/>
+                      <a:tailEnd type="none" w="med" len="med"/>
+                    </a:lnT>
+                    <a:lnB w="12700" cap="flat" cmpd="sng" algn="ctr">
+                      <a:solidFill>
+                        <a:schemeClr val="bg1">
+                          <a:lumMod val="85000"/>
+                        </a:schemeClr>
+                      </a:solidFill>
+                      <a:prstDash val="solid"/>
+                      <a:round/>
+                      <a:headEnd type="none" w="med" len="med"/>
+                      <a:tailEnd type="none" w="med" len="med"/>
+                    </a:lnB>
+                    <a:lnTlToBr w="12700" cmpd="sng">
+                      <a:noFill/>
+                      <a:prstDash val="solid"/>
+                    </a:lnTlToBr>
+                    <a:lnBlToTr w="12700" cmpd="sng">
+                      <a:noFill/>
+                      <a:prstDash val="solid"/>
+                    </a:lnBlToTr>
+                    <a:solidFill>
+                      <a:schemeClr val="bg1"/>
+                    </a:solidFill>
+                  </a:tcPr>
+                </a:tc>
+                <a:extLst>
+                  <a:ext uri="{0D108BD9-81ED-4DB2-BD59-A6C34878D82A}">
+                    <a16:rowId xmlns:a16="http://schemas.microsoft.com/office/drawing/2014/main" val="4029950975"/>
+                  </a:ext>
+                </a:extLst>
+              </a:tr>
+            </a:tbl>
+          </a:graphicData>
+        </a:graphic>
+      </p:graphicFrame>
+      <p:sp>
+        <p:nvSpPr>
           <p:cNvPr id="3" name="テキスト ボックス 2"/>
           <p:cNvSpPr txBox="1"/>
           <p:nvPr/>
         </p:nvSpPr>
         <p:spPr>
           <a:xfrm>
-            <a:off x="3889732" y="5743741"/>
-            <a:ext cx="1267353" cy="276999"/>
+            <a:off x="3717113" y="4732702"/>
+            <a:ext cx="1708800" cy="338554"/>
           </a:xfrm>
           <a:prstGeom prst="rect">
             <a:avLst/>
@@ -22361,10 +20970,10 @@
           <a:lstStyle/>
           <a:p>
             <a:r>
-              <a:rPr kumimoji="1" lang="ja-JP" altLang="en-US" sz="1200" smtClean="0"/>
-              <a:t>下にスクロール</a:t>
-            </a:r>
-            <a:endParaRPr kumimoji="1" lang="ja-JP" altLang="en-US" sz="1200"/>
+              <a:rPr kumimoji="1" lang="ja-JP" altLang="en-US" sz="1600" dirty="0" smtClean="0"/>
+              <a:t>下へスクロール</a:t>
+            </a:r>
+            <a:endParaRPr kumimoji="1" lang="ja-JP" altLang="en-US" sz="1600" dirty="0"/>
           </a:p>
         </p:txBody>
       </p:sp>
